--- a/doc/毕设阶段讨论4.pptx
+++ b/doc/毕设阶段讨论4.pptx
@@ -5,20 +5,21 @@
     <p:sldMasterId id="2147483660" r:id="rId1"/>
   </p:sldMasterIdLst>
   <p:notesMasterIdLst>
-    <p:notesMasterId r:id="rId13"/>
+    <p:notesMasterId r:id="rId14"/>
   </p:notesMasterIdLst>
   <p:sldIdLst>
     <p:sldId id="256" r:id="rId2"/>
     <p:sldId id="257" r:id="rId3"/>
-    <p:sldId id="262" r:id="rId4"/>
-    <p:sldId id="263" r:id="rId5"/>
-    <p:sldId id="264" r:id="rId6"/>
-    <p:sldId id="265" r:id="rId7"/>
-    <p:sldId id="268" r:id="rId8"/>
-    <p:sldId id="269" r:id="rId9"/>
-    <p:sldId id="258" r:id="rId10"/>
+    <p:sldId id="271" r:id="rId4"/>
+    <p:sldId id="262" r:id="rId5"/>
+    <p:sldId id="263" r:id="rId6"/>
+    <p:sldId id="264" r:id="rId7"/>
+    <p:sldId id="265" r:id="rId8"/>
+    <p:sldId id="268" r:id="rId9"/>
+    <p:sldId id="269" r:id="rId10"/>
     <p:sldId id="266" r:id="rId11"/>
     <p:sldId id="267" r:id="rId12"/>
+    <p:sldId id="270" r:id="rId13"/>
   </p:sldIdLst>
   <p:sldSz cx="9144000" cy="6858000" type="screen4x3"/>
   <p:notesSz cx="6858000" cy="9144000"/>
@@ -520,38 +521,8 @@
           <a:lstStyle/>
           <a:p>
             <a:r>
-              <a:rPr lang="en-US" altLang="zh-CN" dirty="0" smtClean="0"/>
-              <a:t>123</a:t>
-            </a:r>
-          </a:p>
-          <a:p>
-            <a:r>
-              <a:rPr lang="en-US" altLang="zh-CN" dirty="0" smtClean="0"/>
-              <a:t>132</a:t>
-            </a:r>
-          </a:p>
-          <a:p>
-            <a:r>
-              <a:rPr lang="en-US" altLang="zh-CN" dirty="0" smtClean="0"/>
-              <a:t>213</a:t>
-            </a:r>
-          </a:p>
-          <a:p>
-            <a:r>
-              <a:rPr lang="en-US" altLang="zh-CN" dirty="0" smtClean="0"/>
-              <a:t>231</a:t>
-            </a:r>
-          </a:p>
-          <a:p>
-            <a:r>
-              <a:rPr lang="en-US" altLang="zh-CN" dirty="0" smtClean="0"/>
-              <a:t>312</a:t>
-            </a:r>
-          </a:p>
-          <a:p>
-            <a:r>
-              <a:rPr lang="en-US" altLang="zh-CN" dirty="0" smtClean="0"/>
-              <a:t>321</a:t>
+              <a:rPr lang="zh-CN" altLang="en-US" dirty="0" smtClean="0"/>
+              <a:t>为什么要改？</a:t>
             </a:r>
             <a:endParaRPr lang="zh-CN" altLang="en-US" dirty="0"/>
           </a:p>
@@ -583,7 +554,7 @@
     </p:spTree>
     <p:extLst>
       <p:ext uri="{BB962C8B-B14F-4D97-AF65-F5344CB8AC3E}">
-        <p14:creationId xmlns:p14="http://schemas.microsoft.com/office/powerpoint/2010/main" val="1174267332"/>
+        <p14:creationId xmlns:p14="http://schemas.microsoft.com/office/powerpoint/2010/main" val="2643527116"/>
       </p:ext>
     </p:extLst>
   </p:cSld>
@@ -701,7 +672,7 @@
     </p:spTree>
     <p:extLst>
       <p:ext uri="{BB962C8B-B14F-4D97-AF65-F5344CB8AC3E}">
-        <p14:creationId xmlns:p14="http://schemas.microsoft.com/office/powerpoint/2010/main" val="3357884343"/>
+        <p14:creationId xmlns:p14="http://schemas.microsoft.com/office/powerpoint/2010/main" val="1174267332"/>
       </p:ext>
     </p:extLst>
   </p:cSld>
@@ -819,7 +790,7 @@
     </p:spTree>
     <p:extLst>
       <p:ext uri="{BB962C8B-B14F-4D97-AF65-F5344CB8AC3E}">
-        <p14:creationId xmlns:p14="http://schemas.microsoft.com/office/powerpoint/2010/main" val="2026987365"/>
+        <p14:creationId xmlns:p14="http://schemas.microsoft.com/office/powerpoint/2010/main" val="3357884343"/>
       </p:ext>
     </p:extLst>
   </p:cSld>
@@ -937,7 +908,7 @@
     </p:spTree>
     <p:extLst>
       <p:ext uri="{BB962C8B-B14F-4D97-AF65-F5344CB8AC3E}">
-        <p14:creationId xmlns:p14="http://schemas.microsoft.com/office/powerpoint/2010/main" val="1562396055"/>
+        <p14:creationId xmlns:p14="http://schemas.microsoft.com/office/powerpoint/2010/main" val="2026987365"/>
       </p:ext>
     </p:extLst>
   </p:cSld>
@@ -1055,7 +1026,7 @@
     </p:spTree>
     <p:extLst>
       <p:ext uri="{BB962C8B-B14F-4D97-AF65-F5344CB8AC3E}">
-        <p14:creationId xmlns:p14="http://schemas.microsoft.com/office/powerpoint/2010/main" val="2674068"/>
+        <p14:creationId xmlns:p14="http://schemas.microsoft.com/office/powerpoint/2010/main" val="1562396055"/>
       </p:ext>
     </p:extLst>
   </p:cSld>
@@ -1173,7 +1144,7 @@
     </p:spTree>
     <p:extLst>
       <p:ext uri="{BB962C8B-B14F-4D97-AF65-F5344CB8AC3E}">
-        <p14:creationId xmlns:p14="http://schemas.microsoft.com/office/powerpoint/2010/main" val="2986247793"/>
+        <p14:creationId xmlns:p14="http://schemas.microsoft.com/office/powerpoint/2010/main" val="2674068"/>
       </p:ext>
     </p:extLst>
   </p:cSld>
@@ -1228,8 +1199,38 @@
           <a:lstStyle/>
           <a:p>
             <a:r>
-              <a:rPr lang="zh-CN" altLang="en-US" dirty="0" smtClean="0"/>
-              <a:t>为什么要改？</a:t>
+              <a:rPr lang="en-US" altLang="zh-CN" dirty="0" smtClean="0"/>
+              <a:t>123</a:t>
+            </a:r>
+          </a:p>
+          <a:p>
+            <a:r>
+              <a:rPr lang="en-US" altLang="zh-CN" dirty="0" smtClean="0"/>
+              <a:t>132</a:t>
+            </a:r>
+          </a:p>
+          <a:p>
+            <a:r>
+              <a:rPr lang="en-US" altLang="zh-CN" dirty="0" smtClean="0"/>
+              <a:t>213</a:t>
+            </a:r>
+          </a:p>
+          <a:p>
+            <a:r>
+              <a:rPr lang="en-US" altLang="zh-CN" dirty="0" smtClean="0"/>
+              <a:t>231</a:t>
+            </a:r>
+          </a:p>
+          <a:p>
+            <a:r>
+              <a:rPr lang="en-US" altLang="zh-CN" dirty="0" smtClean="0"/>
+              <a:t>312</a:t>
+            </a:r>
+          </a:p>
+          <a:p>
+            <a:r>
+              <a:rPr lang="en-US" altLang="zh-CN" dirty="0" smtClean="0"/>
+              <a:t>321</a:t>
             </a:r>
             <a:endParaRPr lang="zh-CN" altLang="en-US" dirty="0"/>
           </a:p>
@@ -1261,7 +1262,7 @@
     </p:spTree>
     <p:extLst>
       <p:ext uri="{BB962C8B-B14F-4D97-AF65-F5344CB8AC3E}">
-        <p14:creationId xmlns:p14="http://schemas.microsoft.com/office/powerpoint/2010/main" val="4239555959"/>
+        <p14:creationId xmlns:p14="http://schemas.microsoft.com/office/powerpoint/2010/main" val="2986247793"/>
       </p:ext>
     </p:extLst>
   </p:cSld>
@@ -4256,6 +4257,10 @@
           <a:bodyPr/>
           <a:lstStyle/>
           <a:p>
+            <a:r>
+              <a:rPr lang="en-US" altLang="zh-CN" dirty="0" smtClean="0"/>
+              <a:t> </a:t>
+            </a:r>
             <a:endParaRPr lang="zh-CN" altLang="en-US" dirty="0"/>
           </a:p>
         </p:txBody>
@@ -4353,6 +4358,78 @@
 </p:sld>
 </file>
 
+<file path=ppt/slides/slide12.xml><?xml version="1.0" encoding="utf-8"?>
+<p:sld xmlns:a="http://schemas.openxmlformats.org/drawingml/2006/main" xmlns:r="http://schemas.openxmlformats.org/officeDocument/2006/relationships" xmlns:p="http://schemas.openxmlformats.org/presentationml/2006/main">
+  <p:cSld>
+    <p:spTree>
+      <p:nvGrpSpPr>
+        <p:cNvPr id="1" name=""/>
+        <p:cNvGrpSpPr/>
+        <p:nvPr/>
+      </p:nvGrpSpPr>
+      <p:grpSpPr>
+        <a:xfrm>
+          <a:off x="0" y="0"/>
+          <a:ext cx="0" cy="0"/>
+          <a:chOff x="0" y="0"/>
+          <a:chExt cx="0" cy="0"/>
+        </a:xfrm>
+      </p:grpSpPr>
+      <p:sp>
+        <p:nvSpPr>
+          <p:cNvPr id="2" name="标题 1"/>
+          <p:cNvSpPr>
+            <a:spLocks noGrp="1"/>
+          </p:cNvSpPr>
+          <p:nvPr>
+            <p:ph type="title"/>
+          </p:nvPr>
+        </p:nvSpPr>
+        <p:spPr/>
+        <p:txBody>
+          <a:bodyPr/>
+          <a:lstStyle/>
+          <a:p>
+            <a:r>
+              <a:rPr lang="zh-CN" altLang="en-US" dirty="0" smtClean="0"/>
+              <a:t>评估方案</a:t>
+            </a:r>
+            <a:endParaRPr lang="zh-CN" altLang="en-US" dirty="0"/>
+          </a:p>
+        </p:txBody>
+      </p:sp>
+      <p:sp>
+        <p:nvSpPr>
+          <p:cNvPr id="3" name="内容占位符 2"/>
+          <p:cNvSpPr>
+            <a:spLocks noGrp="1"/>
+          </p:cNvSpPr>
+          <p:nvPr>
+            <p:ph idx="1"/>
+          </p:nvPr>
+        </p:nvSpPr>
+        <p:spPr/>
+        <p:txBody>
+          <a:bodyPr/>
+          <a:lstStyle/>
+          <a:p>
+            <a:endParaRPr lang="zh-CN" altLang="en-US"/>
+          </a:p>
+        </p:txBody>
+      </p:sp>
+    </p:spTree>
+    <p:extLst>
+      <p:ext uri="{BB962C8B-B14F-4D97-AF65-F5344CB8AC3E}">
+        <p14:creationId xmlns:p14="http://schemas.microsoft.com/office/powerpoint/2010/main" val="2468574750"/>
+      </p:ext>
+    </p:extLst>
+  </p:cSld>
+  <p:clrMapOvr>
+    <a:masterClrMapping/>
+  </p:clrMapOvr>
+</p:sld>
+</file>
+
 <file path=ppt/slides/slide2.xml><?xml version="1.0" encoding="utf-8"?>
 <p:sld xmlns:a="http://schemas.openxmlformats.org/drawingml/2006/main" xmlns:r="http://schemas.openxmlformats.org/officeDocument/2006/relationships" xmlns:p="http://schemas.openxmlformats.org/presentationml/2006/main">
   <p:cSld>
@@ -4409,11 +4486,7 @@
           <a:p>
             <a:r>
               <a:rPr lang="zh-CN" altLang="en-US" dirty="0" smtClean="0"/>
-              <a:t>路由算法修改</a:t>
-            </a:r>
-            <a:r>
-              <a:rPr lang="zh-CN" altLang="en-US" dirty="0" smtClean="0"/>
-              <a:t>的</a:t>
+              <a:t>路由算法修改的</a:t>
             </a:r>
             <a:r>
               <a:rPr lang="zh-CN" altLang="en-US" dirty="0"/>
@@ -4432,11 +4505,7 @@
             </a:r>
             <a:r>
               <a:rPr lang="zh-CN" altLang="en-US" dirty="0" smtClean="0"/>
-              <a:t>的</a:t>
-            </a:r>
-            <a:r>
-              <a:rPr lang="zh-CN" altLang="en-US" dirty="0" smtClean="0"/>
-              <a:t>区别</a:t>
+              <a:t>的区别</a:t>
             </a:r>
             <a:endParaRPr lang="en-US" altLang="zh-CN" dirty="0"/>
           </a:p>
@@ -4458,11 +4527,7 @@
           <a:p>
             <a:r>
               <a:rPr lang="zh-CN" altLang="en-US" dirty="0" smtClean="0"/>
-              <a:t>评估</a:t>
-            </a:r>
-            <a:r>
-              <a:rPr lang="zh-CN" altLang="en-US" dirty="0" smtClean="0"/>
-              <a:t>方法</a:t>
+              <a:t>评估方法</a:t>
             </a:r>
             <a:endParaRPr lang="en-US" altLang="zh-CN" dirty="0" smtClean="0"/>
           </a:p>
@@ -4514,16 +4579,257 @@
           <a:lstStyle/>
           <a:p>
             <a:r>
+              <a:rPr lang="zh-CN" altLang="en-US" dirty="0" smtClean="0"/>
+              <a:t>新型路由算法</a:t>
+            </a:r>
+            <a:endParaRPr lang="zh-CN" altLang="en-US" dirty="0"/>
+          </a:p>
+        </p:txBody>
+      </p:sp>
+      <p:sp>
+        <p:nvSpPr>
+          <p:cNvPr id="3" name="内容占位符 2"/>
+          <p:cNvSpPr>
+            <a:spLocks noGrp="1"/>
+          </p:cNvSpPr>
+          <p:nvPr>
+            <p:ph idx="1"/>
+          </p:nvPr>
+        </p:nvSpPr>
+        <p:spPr/>
+        <p:txBody>
+          <a:bodyPr/>
+          <a:lstStyle/>
+          <a:p>
+            <a:r>
+              <a:rPr lang="zh-CN" altLang="en-US" dirty="0" smtClean="0"/>
+              <a:t>集中资源，分布式计算方法</a:t>
+            </a:r>
+            <a:endParaRPr lang="en-US" altLang="zh-CN" dirty="0" smtClean="0"/>
+          </a:p>
+          <a:p>
+            <a:pPr lvl="1"/>
+            <a:r>
+              <a:rPr lang="zh-CN" altLang="en-US" dirty="0" smtClean="0"/>
+              <a:t>路由经过每台边界路由器过滤后形态各异</a:t>
+            </a:r>
+            <a:endParaRPr lang="en-US" altLang="zh-CN" dirty="0" smtClean="0"/>
+          </a:p>
+          <a:p>
+            <a:r>
+              <a:rPr lang="zh-CN" altLang="en-US" dirty="0" smtClean="0">
+                <a:solidFill>
+                  <a:srgbClr val="FF0000"/>
+                </a:solidFill>
+              </a:rPr>
+              <a:t>两两比较属性</a:t>
+            </a:r>
+            <a:r>
+              <a:rPr lang="zh-CN" altLang="en-US" dirty="0" smtClean="0"/>
+              <a:t>的算法不够优：集合缩小到</a:t>
+            </a:r>
+            <a:r>
+              <a:rPr lang="en-US" altLang="zh-CN" dirty="0" smtClean="0"/>
+              <a:t>1</a:t>
+            </a:r>
+          </a:p>
+          <a:p>
+            <a:pPr lvl="1"/>
+            <a:r>
+              <a:rPr lang="en-US" altLang="zh-CN" dirty="0" smtClean="0"/>
+              <a:t>Weight</a:t>
+            </a:r>
+            <a:r>
+              <a:rPr lang="zh-CN" altLang="en-US" dirty="0" smtClean="0"/>
+              <a:t>最高</a:t>
+            </a:r>
+            <a:endParaRPr lang="en-US" altLang="zh-CN" dirty="0" smtClean="0"/>
+          </a:p>
+          <a:p>
+            <a:pPr lvl="1"/>
+            <a:r>
+              <a:rPr lang="en-US" altLang="zh-CN" dirty="0" smtClean="0"/>
+              <a:t>Local Preference</a:t>
+            </a:r>
+            <a:r>
+              <a:rPr lang="zh-CN" altLang="en-US" dirty="0" smtClean="0"/>
+              <a:t>最高</a:t>
+            </a:r>
+            <a:endParaRPr lang="en-US" altLang="zh-CN" dirty="0" smtClean="0"/>
+          </a:p>
+          <a:p>
+            <a:pPr lvl="1"/>
+            <a:r>
+              <a:rPr lang="en-US" altLang="zh-CN" dirty="0" smtClean="0"/>
+              <a:t>AS path</a:t>
+            </a:r>
+            <a:r>
+              <a:rPr lang="zh-CN" altLang="en-US" dirty="0" smtClean="0"/>
+              <a:t>最短</a:t>
+            </a:r>
+            <a:endParaRPr lang="en-US" altLang="zh-CN" dirty="0" smtClean="0"/>
+          </a:p>
+          <a:p>
+            <a:pPr lvl="1"/>
+            <a:r>
+              <a:rPr lang="zh-CN" altLang="en-US" dirty="0" smtClean="0"/>
+              <a:t>来自相同</a:t>
+            </a:r>
+            <a:r>
+              <a:rPr lang="en-US" altLang="zh-CN" dirty="0" smtClean="0"/>
+              <a:t>AS</a:t>
+            </a:r>
+            <a:r>
+              <a:rPr lang="zh-CN" altLang="en-US" dirty="0" smtClean="0"/>
+              <a:t>的</a:t>
+            </a:r>
+            <a:r>
+              <a:rPr lang="en-US" altLang="zh-CN" dirty="0" smtClean="0"/>
+              <a:t>MED</a:t>
+            </a:r>
+            <a:r>
+              <a:rPr lang="zh-CN" altLang="en-US" dirty="0" smtClean="0"/>
+              <a:t>最低</a:t>
+            </a:r>
+            <a:r>
+              <a:rPr lang="en-US" altLang="zh-CN" dirty="0" smtClean="0"/>
+              <a:t>+</a:t>
+            </a:r>
+            <a:r>
+              <a:rPr lang="zh-CN" altLang="en-US" dirty="0" smtClean="0"/>
+              <a:t>来自不同</a:t>
+            </a:r>
+            <a:r>
+              <a:rPr lang="en-US" altLang="zh-CN" dirty="0" smtClean="0"/>
+              <a:t>AS</a:t>
+            </a:r>
+            <a:endParaRPr lang="en-US" altLang="zh-CN" dirty="0"/>
+          </a:p>
+          <a:p>
+            <a:pPr lvl="1"/>
+            <a:r>
+              <a:rPr lang="en-US" altLang="zh-CN" dirty="0" smtClean="0"/>
+              <a:t>IGP metric</a:t>
+            </a:r>
+            <a:r>
+              <a:rPr lang="zh-CN" altLang="en-US" dirty="0" smtClean="0"/>
+              <a:t>最小</a:t>
+            </a:r>
+            <a:endParaRPr lang="en-US" altLang="zh-CN" dirty="0" smtClean="0"/>
+          </a:p>
+          <a:p>
+            <a:pPr lvl="1"/>
+            <a:r>
+              <a:rPr lang="en-US" altLang="zh-CN" dirty="0" smtClean="0"/>
+              <a:t>Next-hop</a:t>
+            </a:r>
+            <a:r>
+              <a:rPr lang="zh-CN" altLang="en-US" dirty="0" smtClean="0"/>
+              <a:t>的</a:t>
+            </a:r>
+            <a:r>
+              <a:rPr lang="en-US" altLang="zh-CN" dirty="0" smtClean="0"/>
+              <a:t>router-id</a:t>
+            </a:r>
+            <a:r>
+              <a:rPr lang="zh-CN" altLang="en-US" dirty="0" smtClean="0"/>
+              <a:t>最小</a:t>
+            </a:r>
+            <a:endParaRPr lang="en-US" altLang="zh-CN" dirty="0" smtClean="0"/>
+          </a:p>
+          <a:p>
+            <a:pPr lvl="1"/>
+            <a:r>
+              <a:rPr lang="en-US" altLang="zh-CN" dirty="0" smtClean="0"/>
+              <a:t>Next-hop</a:t>
+            </a:r>
+            <a:r>
+              <a:rPr lang="zh-CN" altLang="en-US" dirty="0" smtClean="0"/>
+              <a:t>的</a:t>
+            </a:r>
+            <a:r>
+              <a:rPr lang="en-US" altLang="zh-CN" dirty="0" err="1" smtClean="0"/>
+              <a:t>ip</a:t>
+            </a:r>
+            <a:r>
+              <a:rPr lang="zh-CN" altLang="en-US" dirty="0" smtClean="0"/>
+              <a:t>地址最小</a:t>
+            </a:r>
+            <a:endParaRPr lang="en-US" altLang="zh-CN" dirty="0" smtClean="0"/>
+          </a:p>
+          <a:p>
+            <a:pPr lvl="1"/>
+            <a:endParaRPr lang="en-US" altLang="zh-CN" dirty="0" smtClean="0"/>
+          </a:p>
+          <a:p>
+            <a:pPr lvl="1"/>
+            <a:endParaRPr lang="en-US" altLang="zh-CN" dirty="0" smtClean="0"/>
+          </a:p>
+          <a:p>
+            <a:pPr lvl="1"/>
+            <a:endParaRPr lang="zh-CN" altLang="en-US" dirty="0"/>
+          </a:p>
+        </p:txBody>
+      </p:sp>
+    </p:spTree>
+    <p:extLst>
+      <p:ext uri="{BB962C8B-B14F-4D97-AF65-F5344CB8AC3E}">
+        <p14:creationId xmlns:p14="http://schemas.microsoft.com/office/powerpoint/2010/main" val="3282208717"/>
+      </p:ext>
+    </p:extLst>
+  </p:cSld>
+  <p:clrMapOvr>
+    <a:masterClrMapping/>
+  </p:clrMapOvr>
+  <p:timing>
+    <p:tnLst>
+      <p:par>
+        <p:cTn id="1" dur="indefinite" restart="never" nodeType="tmRoot"/>
+      </p:par>
+    </p:tnLst>
+  </p:timing>
+</p:sld>
+</file>
+
+<file path=ppt/slides/slide4.xml><?xml version="1.0" encoding="utf-8"?>
+<p:sld xmlns:a="http://schemas.openxmlformats.org/drawingml/2006/main" xmlns:r="http://schemas.openxmlformats.org/officeDocument/2006/relationships" xmlns:p="http://schemas.openxmlformats.org/presentationml/2006/main">
+  <p:cSld>
+    <p:spTree>
+      <p:nvGrpSpPr>
+        <p:cNvPr id="1" name=""/>
+        <p:cNvGrpSpPr/>
+        <p:nvPr/>
+      </p:nvGrpSpPr>
+      <p:grpSpPr>
+        <a:xfrm>
+          <a:off x="0" y="0"/>
+          <a:ext cx="0" cy="0"/>
+          <a:chOff x="0" y="0"/>
+          <a:chExt cx="0" cy="0"/>
+        </a:xfrm>
+      </p:grpSpPr>
+      <p:sp>
+        <p:nvSpPr>
+          <p:cNvPr id="2" name="标题 1"/>
+          <p:cNvSpPr>
+            <a:spLocks noGrp="1"/>
+          </p:cNvSpPr>
+          <p:nvPr>
+            <p:ph type="title"/>
+          </p:nvPr>
+        </p:nvSpPr>
+        <p:spPr/>
+        <p:txBody>
+          <a:bodyPr/>
+          <a:lstStyle/>
+          <a:p>
+            <a:r>
               <a:rPr lang="zh-CN" altLang="en-US" sz="4000" dirty="0"/>
               <a:t>新型</a:t>
             </a:r>
             <a:r>
               <a:rPr lang="zh-CN" altLang="en-US" sz="4000" dirty="0" smtClean="0"/>
-              <a:t>路由</a:t>
-            </a:r>
-            <a:r>
-              <a:rPr lang="zh-CN" altLang="en-US" sz="4000" dirty="0" smtClean="0"/>
-              <a:t>计算</a:t>
+              <a:t>路由计算</a:t>
             </a:r>
             <a:r>
               <a:rPr lang="en-US" altLang="zh-CN" sz="4000" dirty="0"/>
@@ -4855,7 +5161,7 @@
 </p:sld>
 </file>
 
-<file path=ppt/slides/slide4.xml><?xml version="1.0" encoding="utf-8"?>
+<file path=ppt/slides/slide5.xml><?xml version="1.0" encoding="utf-8"?>
 <p:sld xmlns:a="http://schemas.openxmlformats.org/drawingml/2006/main" xmlns:r="http://schemas.openxmlformats.org/officeDocument/2006/relationships" xmlns:p="http://schemas.openxmlformats.org/presentationml/2006/main">
   <p:cSld>
     <p:spTree>
@@ -4893,11 +5199,7 @@
             </a:r>
             <a:r>
               <a:rPr lang="zh-CN" altLang="en-US" sz="4000" dirty="0" smtClean="0"/>
-              <a:t>路由</a:t>
-            </a:r>
-            <a:r>
-              <a:rPr lang="zh-CN" altLang="en-US" sz="4000" dirty="0" smtClean="0"/>
-              <a:t>计算</a:t>
+              <a:t>路由计算</a:t>
             </a:r>
             <a:r>
               <a:rPr lang="en-US" altLang="zh-CN" sz="4000" dirty="0" smtClean="0"/>
@@ -5177,7 +5479,7 @@
 </p:sld>
 </file>
 
-<file path=ppt/slides/slide5.xml><?xml version="1.0" encoding="utf-8"?>
+<file path=ppt/slides/slide6.xml><?xml version="1.0" encoding="utf-8"?>
 <p:sld xmlns:a="http://schemas.openxmlformats.org/drawingml/2006/main" xmlns:r="http://schemas.openxmlformats.org/officeDocument/2006/relationships" xmlns:p="http://schemas.openxmlformats.org/presentationml/2006/main">
   <p:cSld>
     <p:spTree>
@@ -5215,11 +5517,7 @@
             </a:r>
             <a:r>
               <a:rPr lang="zh-CN" altLang="en-US" sz="4000" dirty="0" smtClean="0"/>
-              <a:t>路由</a:t>
-            </a:r>
-            <a:r>
-              <a:rPr lang="zh-CN" altLang="en-US" sz="4000" dirty="0" smtClean="0"/>
-              <a:t>计算</a:t>
+              <a:t>路由计算</a:t>
             </a:r>
             <a:r>
               <a:rPr lang="en-US" altLang="zh-CN" sz="4000" dirty="0"/>
@@ -5309,11 +5607,7 @@
           <a:p>
             <a:r>
               <a:rPr lang="zh-CN" altLang="en-US" dirty="0" smtClean="0"/>
-              <a:t>路由到达</a:t>
-            </a:r>
-            <a:r>
-              <a:rPr lang="zh-CN" altLang="en-US" dirty="0" smtClean="0"/>
-              <a:t>顺序</a:t>
+              <a:t>路由到达顺序</a:t>
             </a:r>
             <a:r>
               <a:rPr lang="en-US" altLang="zh-CN" dirty="0" smtClean="0"/>
@@ -5377,11 +5671,7 @@
             </a:r>
             <a:r>
               <a:rPr lang="zh-CN" altLang="en-US" dirty="0" smtClean="0"/>
-              <a:t>选</a:t>
-            </a:r>
-            <a:r>
-              <a:rPr lang="zh-CN" altLang="en-US" dirty="0" smtClean="0"/>
-              <a:t>从</a:t>
+              <a:t>选从</a:t>
             </a:r>
             <a:r>
               <a:rPr lang="en-US" altLang="zh-CN" dirty="0"/>
@@ -5393,11 +5683,7 @@
             </a:r>
             <a:r>
               <a:rPr lang="zh-CN" altLang="en-US" dirty="0" smtClean="0"/>
-              <a:t>来</a:t>
-            </a:r>
-            <a:r>
-              <a:rPr lang="zh-CN" altLang="en-US" dirty="0" smtClean="0"/>
-              <a:t>的路由</a:t>
+              <a:t>来的路由</a:t>
             </a:r>
             <a:endParaRPr lang="en-US" altLang="zh-CN" dirty="0" smtClean="0"/>
           </a:p>
@@ -5417,11 +5703,7 @@
             </a:r>
             <a:r>
               <a:rPr lang="zh-CN" altLang="en-US" dirty="0" smtClean="0"/>
-              <a:t>来</a:t>
-            </a:r>
-            <a:r>
-              <a:rPr lang="zh-CN" altLang="en-US" dirty="0" smtClean="0"/>
-              <a:t>的路由</a:t>
+              <a:t>来的路由</a:t>
             </a:r>
             <a:endParaRPr lang="en-US" altLang="zh-CN" dirty="0" smtClean="0"/>
           </a:p>
@@ -5441,11 +5723,7 @@
             </a:r>
             <a:r>
               <a:rPr lang="zh-CN" altLang="en-US" dirty="0" smtClean="0"/>
-              <a:t>来</a:t>
-            </a:r>
-            <a:r>
-              <a:rPr lang="zh-CN" altLang="en-US" dirty="0" smtClean="0"/>
-              <a:t>的路由</a:t>
+              <a:t>来的路由</a:t>
             </a:r>
             <a:endParaRPr lang="en-US" altLang="zh-CN" dirty="0" smtClean="0"/>
           </a:p>
@@ -5485,11 +5763,7 @@
             </a:r>
             <a:r>
               <a:rPr lang="zh-CN" altLang="en-US" dirty="0" smtClean="0"/>
-              <a:t>来</a:t>
-            </a:r>
-            <a:r>
-              <a:rPr lang="zh-CN" altLang="en-US" dirty="0" smtClean="0"/>
-              <a:t>的路由</a:t>
+              <a:t>来的路由</a:t>
             </a:r>
             <a:endParaRPr lang="en-US" altLang="zh-CN" dirty="0" smtClean="0"/>
           </a:p>
@@ -5571,7 +5845,7 @@
 </p:sld>
 </file>
 
-<file path=ppt/slides/slide6.xml><?xml version="1.0" encoding="utf-8"?>
+<file path=ppt/slides/slide7.xml><?xml version="1.0" encoding="utf-8"?>
 <p:sld xmlns:a="http://schemas.openxmlformats.org/drawingml/2006/main" xmlns:r="http://schemas.openxmlformats.org/officeDocument/2006/relationships" xmlns:p="http://schemas.openxmlformats.org/presentationml/2006/main">
   <p:cSld>
     <p:spTree>
@@ -5609,11 +5883,7 @@
             </a:r>
             <a:r>
               <a:rPr lang="zh-CN" altLang="en-US" sz="4000" dirty="0" smtClean="0"/>
-              <a:t>路由</a:t>
-            </a:r>
-            <a:r>
-              <a:rPr lang="zh-CN" altLang="en-US" sz="4000" dirty="0" smtClean="0"/>
-              <a:t>计算</a:t>
+              <a:t>路由计算</a:t>
             </a:r>
             <a:r>
               <a:rPr lang="en-US" altLang="zh-CN" sz="4000" dirty="0"/>
@@ -5703,11 +5973,7 @@
           <a:p>
             <a:r>
               <a:rPr lang="zh-CN" altLang="en-US" dirty="0" smtClean="0"/>
-              <a:t>路由到达</a:t>
-            </a:r>
-            <a:r>
-              <a:rPr lang="zh-CN" altLang="en-US" dirty="0" smtClean="0"/>
-              <a:t>顺序</a:t>
+              <a:t>路由到达顺序</a:t>
             </a:r>
             <a:r>
               <a:rPr lang="en-US" altLang="zh-CN" dirty="0" smtClean="0"/>
@@ -5729,7 +5995,6 @@
               <a:rPr lang="en-US" altLang="zh-CN" dirty="0"/>
               <a:t> C1-1</a:t>
             </a:r>
-            <a:endParaRPr lang="en-US" altLang="zh-CN" dirty="0"/>
           </a:p>
           <a:p>
             <a:pPr lvl="1"/>
@@ -5767,11 +6032,7 @@
             </a:r>
             <a:r>
               <a:rPr lang="zh-CN" altLang="en-US" dirty="0" smtClean="0"/>
-              <a:t>来</a:t>
-            </a:r>
-            <a:r>
-              <a:rPr lang="zh-CN" altLang="en-US" dirty="0" smtClean="0"/>
-              <a:t>的路由</a:t>
+              <a:t>来的路由</a:t>
             </a:r>
             <a:endParaRPr lang="en-US" altLang="zh-CN" dirty="0" smtClean="0"/>
           </a:p>
@@ -5791,11 +6052,7 @@
             </a:r>
             <a:r>
               <a:rPr lang="zh-CN" altLang="en-US" dirty="0" smtClean="0"/>
-              <a:t>来</a:t>
-            </a:r>
-            <a:r>
-              <a:rPr lang="zh-CN" altLang="en-US" dirty="0" smtClean="0"/>
-              <a:t>的路由</a:t>
+              <a:t>来的路由</a:t>
             </a:r>
             <a:endParaRPr lang="en-US" altLang="zh-CN" dirty="0" smtClean="0"/>
           </a:p>
@@ -6022,7 +6279,7 @@
 </p:sld>
 </file>
 
-<file path=ppt/slides/slide7.xml><?xml version="1.0" encoding="utf-8"?>
+<file path=ppt/slides/slide8.xml><?xml version="1.0" encoding="utf-8"?>
 <p:sld xmlns:a="http://schemas.openxmlformats.org/drawingml/2006/main" xmlns:r="http://schemas.openxmlformats.org/officeDocument/2006/relationships" xmlns:p="http://schemas.openxmlformats.org/presentationml/2006/main">
   <p:cSld>
     <p:spTree>
@@ -6060,11 +6317,7 @@
             </a:r>
             <a:r>
               <a:rPr lang="zh-CN" altLang="en-US" sz="4000" dirty="0" smtClean="0"/>
-              <a:t>路由</a:t>
-            </a:r>
-            <a:r>
-              <a:rPr lang="zh-CN" altLang="en-US" sz="4000" dirty="0" smtClean="0"/>
-              <a:t>计算</a:t>
+              <a:t>路由计算</a:t>
             </a:r>
             <a:r>
               <a:rPr lang="en-US" altLang="zh-CN" sz="4000" dirty="0"/>
@@ -6154,11 +6407,7 @@
           <a:p>
             <a:r>
               <a:rPr lang="zh-CN" altLang="en-US" dirty="0" smtClean="0"/>
-              <a:t>路由到达</a:t>
-            </a:r>
-            <a:r>
-              <a:rPr lang="zh-CN" altLang="en-US" dirty="0" smtClean="0"/>
-              <a:t>顺序</a:t>
+              <a:t>路由到达顺序</a:t>
             </a:r>
             <a:r>
               <a:rPr lang="en-US" altLang="zh-CN" dirty="0" smtClean="0"/>
@@ -6222,11 +6471,7 @@
             </a:r>
             <a:r>
               <a:rPr lang="zh-CN" altLang="en-US" dirty="0" smtClean="0"/>
-              <a:t>选</a:t>
-            </a:r>
-            <a:r>
-              <a:rPr lang="zh-CN" altLang="en-US" dirty="0" smtClean="0"/>
-              <a:t>从</a:t>
+              <a:t>选从</a:t>
             </a:r>
             <a:r>
               <a:rPr lang="en-US" altLang="zh-CN" dirty="0" smtClean="0"/>
@@ -6234,11 +6479,7 @@
             </a:r>
             <a:r>
               <a:rPr lang="zh-CN" altLang="en-US" dirty="0" smtClean="0"/>
-              <a:t>来</a:t>
-            </a:r>
-            <a:r>
-              <a:rPr lang="zh-CN" altLang="en-US" dirty="0" smtClean="0"/>
-              <a:t>的路由</a:t>
+              <a:t>来的路由</a:t>
             </a:r>
             <a:endParaRPr lang="en-US" altLang="zh-CN" dirty="0" smtClean="0"/>
           </a:p>
@@ -6258,11 +6499,7 @@
             </a:r>
             <a:r>
               <a:rPr lang="zh-CN" altLang="en-US" dirty="0" smtClean="0"/>
-              <a:t>来</a:t>
-            </a:r>
-            <a:r>
-              <a:rPr lang="zh-CN" altLang="en-US" dirty="0" smtClean="0"/>
-              <a:t>的路由</a:t>
+              <a:t>来的路由</a:t>
             </a:r>
             <a:endParaRPr lang="en-US" altLang="zh-CN" dirty="0" smtClean="0"/>
           </a:p>
@@ -6282,11 +6519,7 @@
             </a:r>
             <a:r>
               <a:rPr lang="zh-CN" altLang="en-US" dirty="0" smtClean="0"/>
-              <a:t>来</a:t>
-            </a:r>
-            <a:r>
-              <a:rPr lang="zh-CN" altLang="en-US" dirty="0" smtClean="0"/>
-              <a:t>的路由</a:t>
+              <a:t>来的路由</a:t>
             </a:r>
             <a:endParaRPr lang="en-US" altLang="zh-CN" dirty="0" smtClean="0"/>
           </a:p>
@@ -6306,11 +6539,7 @@
             </a:r>
             <a:r>
               <a:rPr lang="zh-CN" altLang="en-US" dirty="0" smtClean="0"/>
-              <a:t>来</a:t>
-            </a:r>
-            <a:r>
-              <a:rPr lang="zh-CN" altLang="en-US" dirty="0" smtClean="0"/>
-              <a:t>的路由</a:t>
+              <a:t>来的路由</a:t>
             </a:r>
             <a:endParaRPr lang="en-US" altLang="zh-CN" dirty="0" smtClean="0"/>
           </a:p>
@@ -6330,11 +6559,7 @@
             </a:r>
             <a:r>
               <a:rPr lang="zh-CN" altLang="en-US" dirty="0" smtClean="0"/>
-              <a:t>来</a:t>
-            </a:r>
-            <a:r>
-              <a:rPr lang="zh-CN" altLang="en-US" dirty="0" smtClean="0"/>
-              <a:t>的路由</a:t>
+              <a:t>来的路由</a:t>
             </a:r>
             <a:endParaRPr lang="en-US" altLang="zh-CN" dirty="0" smtClean="0"/>
           </a:p>
@@ -6416,7 +6641,7 @@
 </p:sld>
 </file>
 
-<file path=ppt/slides/slide8.xml><?xml version="1.0" encoding="utf-8"?>
+<file path=ppt/slides/slide9.xml><?xml version="1.0" encoding="utf-8"?>
 <p:sld xmlns:a="http://schemas.openxmlformats.org/drawingml/2006/main" xmlns:r="http://schemas.openxmlformats.org/officeDocument/2006/relationships" xmlns:p="http://schemas.openxmlformats.org/presentationml/2006/main">
   <p:cSld>
     <p:spTree>
@@ -6454,11 +6679,7 @@
             </a:r>
             <a:r>
               <a:rPr lang="zh-CN" altLang="en-US" sz="4000" dirty="0" smtClean="0"/>
-              <a:t>路由</a:t>
-            </a:r>
-            <a:r>
-              <a:rPr lang="zh-CN" altLang="en-US" sz="4000" dirty="0" smtClean="0"/>
-              <a:t>计算</a:t>
+              <a:t>路由计算</a:t>
             </a:r>
             <a:r>
               <a:rPr lang="en-US" altLang="zh-CN" sz="4000" dirty="0"/>
@@ -6548,11 +6769,7 @@
           <a:p>
             <a:r>
               <a:rPr lang="zh-CN" altLang="en-US" dirty="0" smtClean="0"/>
-              <a:t>路由到达</a:t>
-            </a:r>
-            <a:r>
-              <a:rPr lang="zh-CN" altLang="en-US" dirty="0" smtClean="0"/>
-              <a:t>顺序</a:t>
+              <a:t>路由到达顺序</a:t>
             </a:r>
             <a:r>
               <a:rPr lang="en-US" altLang="zh-CN" dirty="0" smtClean="0"/>
@@ -6624,11 +6841,7 @@
             </a:r>
             <a:r>
               <a:rPr lang="zh-CN" altLang="en-US" dirty="0" smtClean="0"/>
-              <a:t>来</a:t>
-            </a:r>
-            <a:r>
-              <a:rPr lang="zh-CN" altLang="en-US" dirty="0" smtClean="0"/>
-              <a:t>的路由</a:t>
+              <a:t>来的路由</a:t>
             </a:r>
             <a:endParaRPr lang="en-US" altLang="zh-CN" dirty="0" smtClean="0"/>
           </a:p>
@@ -6648,11 +6861,7 @@
             </a:r>
             <a:r>
               <a:rPr lang="zh-CN" altLang="en-US" dirty="0" smtClean="0"/>
-              <a:t>来</a:t>
-            </a:r>
-            <a:r>
-              <a:rPr lang="zh-CN" altLang="en-US" dirty="0" smtClean="0"/>
-              <a:t>的路由</a:t>
+              <a:t>来的路由</a:t>
             </a:r>
             <a:endParaRPr lang="en-US" altLang="zh-CN" dirty="0" smtClean="0"/>
           </a:p>
@@ -6894,259 +7103,6 @@
     <p:extLst>
       <p:ext uri="{BB962C8B-B14F-4D97-AF65-F5344CB8AC3E}">
         <p14:creationId xmlns:p14="http://schemas.microsoft.com/office/powerpoint/2010/main" val="3145962396"/>
-      </p:ext>
-    </p:extLst>
-  </p:cSld>
-  <p:clrMapOvr>
-    <a:masterClrMapping/>
-  </p:clrMapOvr>
-  <p:timing>
-    <p:tnLst>
-      <p:par>
-        <p:cTn id="1" dur="indefinite" restart="never" nodeType="tmRoot"/>
-      </p:par>
-    </p:tnLst>
-  </p:timing>
-</p:sld>
-</file>
-
-<file path=ppt/slides/slide9.xml><?xml version="1.0" encoding="utf-8"?>
-<p:sld xmlns:a="http://schemas.openxmlformats.org/drawingml/2006/main" xmlns:r="http://schemas.openxmlformats.org/officeDocument/2006/relationships" xmlns:p="http://schemas.openxmlformats.org/presentationml/2006/main">
-  <p:cSld>
-    <p:spTree>
-      <p:nvGrpSpPr>
-        <p:cNvPr id="1" name=""/>
-        <p:cNvGrpSpPr/>
-        <p:nvPr/>
-      </p:nvGrpSpPr>
-      <p:grpSpPr>
-        <a:xfrm>
-          <a:off x="0" y="0"/>
-          <a:ext cx="0" cy="0"/>
-          <a:chOff x="0" y="0"/>
-          <a:chExt cx="0" cy="0"/>
-        </a:xfrm>
-      </p:grpSpPr>
-      <p:sp>
-        <p:nvSpPr>
-          <p:cNvPr id="2" name="标题 1"/>
-          <p:cNvSpPr>
-            <a:spLocks noGrp="1"/>
-          </p:cNvSpPr>
-          <p:nvPr>
-            <p:ph type="title"/>
-          </p:nvPr>
-        </p:nvSpPr>
-        <p:spPr/>
-        <p:txBody>
-          <a:bodyPr/>
-          <a:lstStyle/>
-          <a:p>
-            <a:r>
-              <a:rPr lang="zh-CN" altLang="en-US" dirty="0" smtClean="0"/>
-              <a:t>新型路由算法</a:t>
-            </a:r>
-            <a:endParaRPr lang="zh-CN" altLang="en-US" dirty="0"/>
-          </a:p>
-        </p:txBody>
-      </p:sp>
-      <p:sp>
-        <p:nvSpPr>
-          <p:cNvPr id="3" name="内容占位符 2"/>
-          <p:cNvSpPr>
-            <a:spLocks noGrp="1"/>
-          </p:cNvSpPr>
-          <p:nvPr>
-            <p:ph idx="1"/>
-          </p:nvPr>
-        </p:nvSpPr>
-        <p:spPr/>
-        <p:txBody>
-          <a:bodyPr/>
-          <a:lstStyle/>
-          <a:p>
-            <a:r>
-              <a:rPr lang="zh-CN" altLang="en-US" dirty="0" smtClean="0"/>
-              <a:t>集中资源，分布式计算方法</a:t>
-            </a:r>
-            <a:endParaRPr lang="en-US" altLang="zh-CN" dirty="0" smtClean="0"/>
-          </a:p>
-          <a:p>
-            <a:pPr lvl="1"/>
-            <a:r>
-              <a:rPr lang="zh-CN" altLang="en-US" dirty="0" smtClean="0"/>
-              <a:t>路由经过每台边界路由器过滤后形态各异</a:t>
-            </a:r>
-            <a:endParaRPr lang="en-US" altLang="zh-CN" dirty="0" smtClean="0"/>
-          </a:p>
-          <a:p>
-            <a:r>
-              <a:rPr lang="zh-CN" altLang="en-US" dirty="0" smtClean="0">
-                <a:solidFill>
-                  <a:srgbClr val="FF0000"/>
-                </a:solidFill>
-              </a:rPr>
-              <a:t>两两比较属性</a:t>
-            </a:r>
-            <a:r>
-              <a:rPr lang="zh-CN" altLang="en-US" dirty="0" smtClean="0"/>
-              <a:t>的算法</a:t>
-            </a:r>
-            <a:r>
-              <a:rPr lang="zh-CN" altLang="en-US" dirty="0" smtClean="0"/>
-              <a:t>不够优：</a:t>
-            </a:r>
-            <a:r>
-              <a:rPr lang="zh-CN" altLang="en-US" dirty="0" smtClean="0"/>
-              <a:t>集合缩小到</a:t>
-            </a:r>
-            <a:r>
-              <a:rPr lang="en-US" altLang="zh-CN" dirty="0" smtClean="0"/>
-              <a:t>1</a:t>
-            </a:r>
-          </a:p>
-          <a:p>
-            <a:pPr lvl="1"/>
-            <a:r>
-              <a:rPr lang="en-US" altLang="zh-CN" dirty="0" smtClean="0"/>
-              <a:t>Weight</a:t>
-            </a:r>
-            <a:r>
-              <a:rPr lang="zh-CN" altLang="en-US" dirty="0" smtClean="0"/>
-              <a:t>最高</a:t>
-            </a:r>
-            <a:endParaRPr lang="en-US" altLang="zh-CN" dirty="0" smtClean="0"/>
-          </a:p>
-          <a:p>
-            <a:pPr lvl="1"/>
-            <a:r>
-              <a:rPr lang="en-US" altLang="zh-CN" dirty="0" smtClean="0"/>
-              <a:t>Local Preference</a:t>
-            </a:r>
-            <a:r>
-              <a:rPr lang="zh-CN" altLang="en-US" dirty="0" smtClean="0"/>
-              <a:t>最高</a:t>
-            </a:r>
-            <a:endParaRPr lang="en-US" altLang="zh-CN" dirty="0" smtClean="0"/>
-          </a:p>
-          <a:p>
-            <a:pPr lvl="1"/>
-            <a:r>
-              <a:rPr lang="en-US" altLang="zh-CN" dirty="0" smtClean="0"/>
-              <a:t>AS path</a:t>
-            </a:r>
-            <a:r>
-              <a:rPr lang="zh-CN" altLang="en-US" dirty="0" smtClean="0"/>
-              <a:t>最短</a:t>
-            </a:r>
-            <a:endParaRPr lang="en-US" altLang="zh-CN" dirty="0" smtClean="0"/>
-          </a:p>
-          <a:p>
-            <a:pPr lvl="1"/>
-            <a:r>
-              <a:rPr lang="zh-CN" altLang="en-US" dirty="0" smtClean="0"/>
-              <a:t>来自相同</a:t>
-            </a:r>
-            <a:r>
-              <a:rPr lang="en-US" altLang="zh-CN" dirty="0" smtClean="0"/>
-              <a:t>AS</a:t>
-            </a:r>
-            <a:r>
-              <a:rPr lang="zh-CN" altLang="en-US" dirty="0" smtClean="0"/>
-              <a:t>的</a:t>
-            </a:r>
-            <a:r>
-              <a:rPr lang="en-US" altLang="zh-CN" dirty="0" smtClean="0"/>
-              <a:t>MED</a:t>
-            </a:r>
-            <a:r>
-              <a:rPr lang="zh-CN" altLang="en-US" dirty="0" smtClean="0"/>
-              <a:t>最低</a:t>
-            </a:r>
-            <a:r>
-              <a:rPr lang="en-US" altLang="zh-CN" dirty="0" smtClean="0"/>
-              <a:t>+</a:t>
-            </a:r>
-            <a:r>
-              <a:rPr lang="zh-CN" altLang="en-US" dirty="0" smtClean="0"/>
-              <a:t>来自不同</a:t>
-            </a:r>
-            <a:r>
-              <a:rPr lang="en-US" altLang="zh-CN" dirty="0" smtClean="0"/>
-              <a:t>AS</a:t>
-            </a:r>
-            <a:endParaRPr lang="en-US" altLang="zh-CN" dirty="0"/>
-          </a:p>
-          <a:p>
-            <a:pPr lvl="1"/>
-            <a:r>
-              <a:rPr lang="en-US" altLang="zh-CN" dirty="0" smtClean="0"/>
-              <a:t>IGP metric</a:t>
-            </a:r>
-            <a:r>
-              <a:rPr lang="zh-CN" altLang="en-US" dirty="0" smtClean="0"/>
-              <a:t>最小</a:t>
-            </a:r>
-            <a:endParaRPr lang="en-US" altLang="zh-CN" dirty="0" smtClean="0"/>
-          </a:p>
-          <a:p>
-            <a:pPr lvl="1"/>
-            <a:r>
-              <a:rPr lang="en-US" altLang="zh-CN" dirty="0" smtClean="0"/>
-              <a:t>Next-hop</a:t>
-            </a:r>
-            <a:r>
-              <a:rPr lang="zh-CN" altLang="en-US" dirty="0" smtClean="0"/>
-              <a:t>的</a:t>
-            </a:r>
-            <a:r>
-              <a:rPr lang="en-US" altLang="zh-CN" dirty="0" smtClean="0"/>
-              <a:t>router-id</a:t>
-            </a:r>
-            <a:r>
-              <a:rPr lang="zh-CN" altLang="en-US" dirty="0" smtClean="0"/>
-              <a:t>最小</a:t>
-            </a:r>
-            <a:endParaRPr lang="en-US" altLang="zh-CN" dirty="0" smtClean="0"/>
-          </a:p>
-          <a:p>
-            <a:pPr lvl="1"/>
-            <a:r>
-              <a:rPr lang="en-US" altLang="zh-CN" dirty="0" smtClean="0"/>
-              <a:t>Next-hop</a:t>
-            </a:r>
-            <a:r>
-              <a:rPr lang="zh-CN" altLang="en-US" dirty="0" smtClean="0"/>
-              <a:t>的</a:t>
-            </a:r>
-            <a:r>
-              <a:rPr lang="en-US" altLang="zh-CN" dirty="0" err="1" smtClean="0"/>
-              <a:t>ip</a:t>
-            </a:r>
-            <a:r>
-              <a:rPr lang="zh-CN" altLang="en-US" dirty="0" smtClean="0"/>
-              <a:t>地址最小</a:t>
-            </a:r>
-            <a:endParaRPr lang="en-US" altLang="zh-CN" dirty="0" smtClean="0"/>
-          </a:p>
-          <a:p>
-            <a:pPr lvl="1"/>
-            <a:endParaRPr lang="en-US" altLang="zh-CN" dirty="0" smtClean="0"/>
-          </a:p>
-          <a:p>
-            <a:pPr lvl="1"/>
-            <a:endParaRPr lang="en-US" altLang="zh-CN" dirty="0" smtClean="0"/>
-          </a:p>
-          <a:p>
-            <a:pPr lvl="1"/>
-            <a:endParaRPr lang="zh-CN" altLang="en-US" dirty="0"/>
-          </a:p>
-        </p:txBody>
-      </p:sp>
-    </p:spTree>
-    <p:extLst>
-      <p:ext uri="{BB962C8B-B14F-4D97-AF65-F5344CB8AC3E}">
-        <p14:creationId xmlns:p14="http://schemas.microsoft.com/office/powerpoint/2010/main" val="4224230344"/>
       </p:ext>
     </p:extLst>
   </p:cSld>

--- a/doc/毕设阶段讨论4.pptx
+++ b/doc/毕设阶段讨论4.pptx
@@ -5,21 +5,24 @@
     <p:sldMasterId id="2147483660" r:id="rId1"/>
   </p:sldMasterIdLst>
   <p:notesMasterIdLst>
-    <p:notesMasterId r:id="rId14"/>
+    <p:notesMasterId r:id="rId17"/>
   </p:notesMasterIdLst>
   <p:sldIdLst>
     <p:sldId id="256" r:id="rId2"/>
     <p:sldId id="257" r:id="rId3"/>
-    <p:sldId id="271" r:id="rId4"/>
-    <p:sldId id="262" r:id="rId5"/>
-    <p:sldId id="263" r:id="rId6"/>
-    <p:sldId id="264" r:id="rId7"/>
-    <p:sldId id="265" r:id="rId8"/>
-    <p:sldId id="268" r:id="rId9"/>
-    <p:sldId id="269" r:id="rId10"/>
-    <p:sldId id="266" r:id="rId11"/>
-    <p:sldId id="267" r:id="rId12"/>
-    <p:sldId id="270" r:id="rId13"/>
+    <p:sldId id="272" r:id="rId4"/>
+    <p:sldId id="271" r:id="rId5"/>
+    <p:sldId id="262" r:id="rId6"/>
+    <p:sldId id="263" r:id="rId7"/>
+    <p:sldId id="264" r:id="rId8"/>
+    <p:sldId id="265" r:id="rId9"/>
+    <p:sldId id="268" r:id="rId10"/>
+    <p:sldId id="269" r:id="rId11"/>
+    <p:sldId id="266" r:id="rId12"/>
+    <p:sldId id="273" r:id="rId13"/>
+    <p:sldId id="274" r:id="rId14"/>
+    <p:sldId id="275" r:id="rId15"/>
+    <p:sldId id="276" r:id="rId16"/>
   </p:sldIdLst>
   <p:sldSz cx="9144000" cy="6858000" type="screen4x3"/>
   <p:notesSz cx="6858000" cy="9144000"/>
@@ -522,9 +525,196 @@
           <a:p>
             <a:r>
               <a:rPr lang="zh-CN" altLang="en-US" dirty="0" smtClean="0"/>
-              <a:t>为什么要改？</a:t>
-            </a:r>
-            <a:endParaRPr lang="zh-CN" altLang="en-US" dirty="0"/>
+              <a:t>从</a:t>
+            </a:r>
+            <a:r>
+              <a:rPr lang="en-US" altLang="zh-CN" dirty="0" err="1" smtClean="0"/>
+              <a:t>ibgp</a:t>
+            </a:r>
+            <a:r>
+              <a:rPr lang="zh-CN" altLang="en-US" dirty="0" smtClean="0"/>
+              <a:t>过来的路由，不会再向外传播，即使</a:t>
+            </a:r>
+            <a:r>
+              <a:rPr lang="en-US" altLang="zh-CN" dirty="0" smtClean="0"/>
+              <a:t>best</a:t>
+            </a:r>
+            <a:r>
+              <a:rPr lang="zh-CN" altLang="en-US" dirty="0" smtClean="0"/>
+              <a:t>路由发生变化，因为每次发的也都是</a:t>
+            </a:r>
+            <a:r>
+              <a:rPr lang="en-US" altLang="zh-CN" dirty="0" smtClean="0"/>
+              <a:t>best</a:t>
+            </a:r>
+            <a:r>
+              <a:rPr lang="zh-CN" altLang="en-US" dirty="0" smtClean="0"/>
+              <a:t>路由</a:t>
+            </a:r>
+            <a:endParaRPr lang="en-US" altLang="zh-CN" dirty="0" smtClean="0"/>
+          </a:p>
+          <a:p>
+            <a:endParaRPr lang="en-US" altLang="zh-CN" dirty="0" smtClean="0"/>
+          </a:p>
+          <a:p>
+            <a:r>
+              <a:rPr lang="en-US" altLang="zh-CN" dirty="0" err="1" smtClean="0"/>
+              <a:t>Ibgp</a:t>
+            </a:r>
+            <a:r>
+              <a:rPr lang="zh-CN" altLang="en-US" dirty="0" smtClean="0"/>
+              <a:t>的</a:t>
+            </a:r>
+            <a:r>
+              <a:rPr lang="en-US" altLang="zh-CN" dirty="0" smtClean="0"/>
+              <a:t>policy</a:t>
+            </a:r>
+            <a:r>
+              <a:rPr lang="zh-CN" altLang="en-US" dirty="0" smtClean="0"/>
+              <a:t>的作用：某一个</a:t>
+            </a:r>
+            <a:r>
+              <a:rPr lang="en-US" altLang="zh-CN" dirty="0" smtClean="0"/>
+              <a:t>prefix</a:t>
+            </a:r>
+            <a:r>
+              <a:rPr lang="zh-CN" altLang="en-US" dirty="0" smtClean="0"/>
+              <a:t>收还是不收，所有的</a:t>
+            </a:r>
+            <a:r>
+              <a:rPr lang="en-US" altLang="zh-CN" dirty="0" err="1" smtClean="0"/>
+              <a:t>ebgp</a:t>
+            </a:r>
+            <a:r>
+              <a:rPr lang="zh-CN" altLang="en-US" dirty="0" smtClean="0"/>
+              <a:t>路由都要分发（</a:t>
+            </a:r>
+            <a:r>
+              <a:rPr lang="en-US" altLang="zh-CN" dirty="0" err="1" smtClean="0"/>
+              <a:t>ebgp</a:t>
+            </a:r>
+            <a:r>
+              <a:rPr lang="zh-CN" altLang="en-US" dirty="0" smtClean="0"/>
+              <a:t>出站过滤）</a:t>
+            </a:r>
+            <a:endParaRPr lang="en-US" altLang="zh-CN" dirty="0" smtClean="0"/>
+          </a:p>
+          <a:p>
+            <a:endParaRPr lang="en-US" altLang="zh-CN" dirty="0" smtClean="0"/>
+          </a:p>
+          <a:p>
+            <a:r>
+              <a:rPr lang="en-US" altLang="zh-CN" dirty="0" smtClean="0"/>
+              <a:t>Med</a:t>
+            </a:r>
+            <a:r>
+              <a:rPr lang="zh-CN" altLang="en-US" dirty="0" smtClean="0"/>
+              <a:t>相关的例子再走一遍？</a:t>
+            </a:r>
+            <a:endParaRPr lang="en-US" altLang="zh-CN" dirty="0" smtClean="0"/>
+          </a:p>
+          <a:p>
+            <a:endParaRPr lang="en-US" altLang="zh-CN" dirty="0" smtClean="0"/>
+          </a:p>
+          <a:p>
+            <a:r>
+              <a:rPr lang="zh-CN" altLang="en-US" dirty="0" smtClean="0"/>
+              <a:t>路由算法？</a:t>
+            </a:r>
+            <a:r>
+              <a:rPr lang="en-US" altLang="zh-CN" dirty="0" smtClean="0"/>
+              <a:t>Med</a:t>
+            </a:r>
+            <a:r>
+              <a:rPr lang="zh-CN" altLang="en-US" dirty="0" smtClean="0"/>
+              <a:t>怎么办，具体写出来；并行路由计算的想法（</a:t>
+            </a:r>
+            <a:r>
+              <a:rPr lang="en-US" altLang="zh-CN" dirty="0" err="1" smtClean="0"/>
+              <a:t>rcp</a:t>
+            </a:r>
+            <a:r>
+              <a:rPr lang="zh-CN" altLang="en-US" dirty="0" smtClean="0"/>
+              <a:t>的代码）</a:t>
+            </a:r>
+            <a:endParaRPr lang="en-US" altLang="zh-CN" dirty="0" smtClean="0"/>
+          </a:p>
+          <a:p>
+            <a:endParaRPr lang="en-US" altLang="zh-CN" dirty="0" smtClean="0"/>
+          </a:p>
+          <a:p>
+            <a:r>
+              <a:rPr lang="zh-CN" altLang="en-US" dirty="0" smtClean="0"/>
+              <a:t>和已有工作的区别：</a:t>
+            </a:r>
+            <a:r>
+              <a:rPr lang="en-US" altLang="zh-CN" dirty="0" smtClean="0"/>
+              <a:t>RCP【</a:t>
+            </a:r>
+            <a:r>
+              <a:rPr lang="zh-CN" altLang="en-US" dirty="0" smtClean="0"/>
+              <a:t>路由算法</a:t>
+            </a:r>
+            <a:r>
+              <a:rPr lang="en-US" altLang="zh-CN" dirty="0" smtClean="0"/>
+              <a:t>】</a:t>
+            </a:r>
+          </a:p>
+          <a:p>
+            <a:endParaRPr lang="en-US" altLang="zh-CN" dirty="0" smtClean="0"/>
+          </a:p>
+          <a:p>
+            <a:r>
+              <a:rPr lang="zh-CN" altLang="en-US" dirty="0" smtClean="0"/>
+              <a:t>往下具体的实现设计：建议集中平台自己设计；</a:t>
+            </a:r>
+            <a:r>
+              <a:rPr lang="en-US" altLang="zh-CN" dirty="0" smtClean="0"/>
+              <a:t>quagga</a:t>
+            </a:r>
+          </a:p>
+          <a:p>
+            <a:endParaRPr lang="en-US" altLang="zh-CN" dirty="0" smtClean="0"/>
+          </a:p>
+          <a:p>
+            <a:r>
+              <a:rPr lang="zh-CN" altLang="en-US" dirty="0" smtClean="0"/>
+              <a:t>数据集：验证算法</a:t>
+            </a:r>
+            <a:r>
+              <a:rPr lang="en-US" altLang="zh-CN" dirty="0" smtClean="0"/>
+              <a:t>【</a:t>
+            </a:r>
+            <a:r>
+              <a:rPr lang="zh-CN" altLang="en-US" dirty="0" smtClean="0"/>
+              <a:t>实际的路由网络、配置、</a:t>
+            </a:r>
+            <a:r>
+              <a:rPr lang="en-US" altLang="zh-CN" dirty="0" smtClean="0"/>
+              <a:t>】</a:t>
+            </a:r>
+          </a:p>
+          <a:p>
+            <a:endParaRPr lang="en-US" altLang="zh-CN" dirty="0" smtClean="0"/>
+          </a:p>
+          <a:p>
+            <a:r>
+              <a:rPr lang="zh-CN" altLang="en-US" dirty="0" smtClean="0"/>
+              <a:t>实现结果：</a:t>
+            </a:r>
+            <a:r>
+              <a:rPr lang="en-US" altLang="zh-CN" dirty="0" smtClean="0"/>
+              <a:t>testbed</a:t>
+            </a:r>
+          </a:p>
+          <a:p>
+            <a:endParaRPr lang="en-US" altLang="zh-CN" dirty="0" smtClean="0"/>
+          </a:p>
+          <a:p>
+            <a:endParaRPr lang="en-US" altLang="zh-CN" dirty="0" smtClean="0"/>
+          </a:p>
+          <a:p>
+            <a:endParaRPr lang="en-US" altLang="zh-CN" dirty="0" smtClean="0"/>
           </a:p>
         </p:txBody>
       </p:sp>
@@ -543,7 +733,7 @@
           <a:bodyPr/>
           <a:lstStyle/>
           <a:p>
-            <a:fld id="{F5358FEF-A560-4564-B0D1-AAE8C4804329}" type="slidenum">
+            <a:fld id="{D739253D-9922-4063-AA59-B9E9C13B7667}" type="slidenum">
               <a:rPr lang="zh-CN" altLang="en-US" smtClean="0"/>
               <a:t>3</a:t>
             </a:fld>
@@ -554,7 +744,161 @@
     </p:spTree>
     <p:extLst>
       <p:ext uri="{BB962C8B-B14F-4D97-AF65-F5344CB8AC3E}">
-        <p14:creationId xmlns:p14="http://schemas.microsoft.com/office/powerpoint/2010/main" val="2643527116"/>
+        <p14:creationId xmlns:p14="http://schemas.microsoft.com/office/powerpoint/2010/main" val="3756040278"/>
+      </p:ext>
+    </p:extLst>
+  </p:cSld>
+  <p:clrMapOvr>
+    <a:masterClrMapping/>
+  </p:clrMapOvr>
+</p:notes>
+</file>
+
+<file path=ppt/notesSlides/notesSlide10.xml><?xml version="1.0" encoding="utf-8"?>
+<p:notes xmlns:a="http://schemas.openxmlformats.org/drawingml/2006/main" xmlns:r="http://schemas.openxmlformats.org/officeDocument/2006/relationships" xmlns:p="http://schemas.openxmlformats.org/presentationml/2006/main">
+  <p:cSld>
+    <p:spTree>
+      <p:nvGrpSpPr>
+        <p:cNvPr id="1" name=""/>
+        <p:cNvGrpSpPr/>
+        <p:nvPr/>
+      </p:nvGrpSpPr>
+      <p:grpSpPr>
+        <a:xfrm>
+          <a:off x="0" y="0"/>
+          <a:ext cx="0" cy="0"/>
+          <a:chOff x="0" y="0"/>
+          <a:chExt cx="0" cy="0"/>
+        </a:xfrm>
+      </p:grpSpPr>
+      <p:sp>
+        <p:nvSpPr>
+          <p:cNvPr id="2" name="幻灯片图像占位符 1"/>
+          <p:cNvSpPr>
+            <a:spLocks noGrp="1" noRot="1" noChangeAspect="1"/>
+          </p:cNvSpPr>
+          <p:nvPr>
+            <p:ph type="sldImg"/>
+          </p:nvPr>
+        </p:nvSpPr>
+        <p:spPr/>
+      </p:sp>
+      <p:sp>
+        <p:nvSpPr>
+          <p:cNvPr id="3" name="备注占位符 2"/>
+          <p:cNvSpPr>
+            <a:spLocks noGrp="1"/>
+          </p:cNvSpPr>
+          <p:nvPr>
+            <p:ph type="body" idx="1"/>
+          </p:nvPr>
+        </p:nvSpPr>
+        <p:spPr/>
+        <p:txBody>
+          <a:bodyPr/>
+          <a:lstStyle/>
+          <a:p>
+            <a:r>
+              <a:rPr lang="zh-CN" altLang="en-US" dirty="0" smtClean="0"/>
+              <a:t>测试分析过程中的定量实验，主要针对路由可扩展性和路由有效性</a:t>
+            </a:r>
+            <a:endParaRPr lang="en-US" altLang="zh-CN" dirty="0" smtClean="0"/>
+          </a:p>
+          <a:p>
+            <a:endParaRPr lang="en-US" altLang="zh-CN" dirty="0" smtClean="0"/>
+          </a:p>
+          <a:p>
+            <a:r>
+              <a:rPr lang="zh-CN" altLang="en-US" dirty="0" smtClean="0"/>
+              <a:t>路由的可扩展性通过变化网络拓扑大小和路由数目，计算平均每条路由域内传播的计算时间，以及维护各种数据结构所使用的内存。</a:t>
+            </a:r>
+            <a:endParaRPr lang="en-US" altLang="zh-CN" dirty="0" smtClean="0"/>
+          </a:p>
+          <a:p>
+            <a:endParaRPr lang="en-US" altLang="zh-CN" dirty="0" smtClean="0"/>
+          </a:p>
+          <a:p>
+            <a:r>
+              <a:rPr lang="zh-CN" altLang="en-US" dirty="0" smtClean="0"/>
+              <a:t>路由的有效性关注两方面：</a:t>
+            </a:r>
+            <a:endParaRPr lang="en-US" altLang="zh-CN" dirty="0" smtClean="0"/>
+          </a:p>
+          <a:p>
+            <a:endParaRPr lang="en-US" altLang="zh-CN" dirty="0" smtClean="0"/>
+          </a:p>
+          <a:p>
+            <a:r>
+              <a:rPr lang="en-US" altLang="zh-CN" dirty="0" smtClean="0"/>
+              <a:t>SD-</a:t>
+            </a:r>
+            <a:r>
+              <a:rPr lang="en-US" altLang="zh-CN" dirty="0" err="1" smtClean="0"/>
+              <a:t>iBGP</a:t>
+            </a:r>
+            <a:r>
+              <a:rPr lang="zh-CN" altLang="en-US" dirty="0" smtClean="0"/>
+              <a:t>是否解决了路由反射存在的问题，设计拓扑，验证</a:t>
+            </a:r>
+            <a:r>
+              <a:rPr lang="en-US" altLang="zh-CN" dirty="0" smtClean="0"/>
+              <a:t>SD-</a:t>
+            </a:r>
+            <a:r>
+              <a:rPr lang="en-US" altLang="zh-CN" dirty="0" err="1" smtClean="0"/>
+              <a:t>iBGP</a:t>
+            </a:r>
+            <a:r>
+              <a:rPr lang="zh-CN" altLang="en-US" dirty="0" smtClean="0"/>
+              <a:t>解决路由反射的非最优出口、转发环路和路由震荡问题。</a:t>
+            </a:r>
+            <a:endParaRPr lang="en-US" altLang="zh-CN" dirty="0" smtClean="0"/>
+          </a:p>
+          <a:p>
+            <a:endParaRPr lang="en-US" altLang="zh-CN" dirty="0" smtClean="0"/>
+          </a:p>
+          <a:p>
+            <a:r>
+              <a:rPr lang="zh-CN" altLang="en-US" dirty="0" smtClean="0"/>
+              <a:t>设计路由变化、拓扑或者配置变化的应用场景，计算每条路由计算时间和维护各种数据结构所使用的内存</a:t>
+            </a:r>
+            <a:endParaRPr lang="en-US" altLang="zh-CN" dirty="0" smtClean="0"/>
+          </a:p>
+          <a:p>
+            <a:endParaRPr lang="en-US" altLang="zh-CN" dirty="0" smtClean="0"/>
+          </a:p>
+          <a:p>
+            <a:endParaRPr lang="zh-CN" altLang="en-US" dirty="0"/>
+          </a:p>
+        </p:txBody>
+      </p:sp>
+      <p:sp>
+        <p:nvSpPr>
+          <p:cNvPr id="4" name="灯片编号占位符 3"/>
+          <p:cNvSpPr>
+            <a:spLocks noGrp="1"/>
+          </p:cNvSpPr>
+          <p:nvPr>
+            <p:ph type="sldNum" sz="quarter" idx="10"/>
+          </p:nvPr>
+        </p:nvSpPr>
+        <p:spPr/>
+        <p:txBody>
+          <a:bodyPr/>
+          <a:lstStyle/>
+          <a:p>
+            <a:fld id="{F5E8F21B-03B9-44B1-98BE-F9B968A6865C}" type="slidenum">
+              <a:rPr lang="zh-CN" altLang="en-US" smtClean="0"/>
+              <a:t>14</a:t>
+            </a:fld>
+            <a:endParaRPr lang="zh-CN" altLang="en-US"/>
+          </a:p>
+        </p:txBody>
+      </p:sp>
+    </p:spTree>
+    <p:extLst>
+      <p:ext uri="{BB962C8B-B14F-4D97-AF65-F5344CB8AC3E}">
+        <p14:creationId xmlns:p14="http://schemas.microsoft.com/office/powerpoint/2010/main" val="2458410201"/>
       </p:ext>
     </p:extLst>
   </p:cSld>
@@ -609,38 +953,8 @@
           <a:lstStyle/>
           <a:p>
             <a:r>
-              <a:rPr lang="en-US" altLang="zh-CN" dirty="0" smtClean="0"/>
-              <a:t>123</a:t>
-            </a:r>
-          </a:p>
-          <a:p>
-            <a:r>
-              <a:rPr lang="en-US" altLang="zh-CN" dirty="0" smtClean="0"/>
-              <a:t>132</a:t>
-            </a:r>
-          </a:p>
-          <a:p>
-            <a:r>
-              <a:rPr lang="en-US" altLang="zh-CN" dirty="0" smtClean="0"/>
-              <a:t>213</a:t>
-            </a:r>
-          </a:p>
-          <a:p>
-            <a:r>
-              <a:rPr lang="en-US" altLang="zh-CN" dirty="0" smtClean="0"/>
-              <a:t>231</a:t>
-            </a:r>
-          </a:p>
-          <a:p>
-            <a:r>
-              <a:rPr lang="en-US" altLang="zh-CN" dirty="0" smtClean="0"/>
-              <a:t>312</a:t>
-            </a:r>
-          </a:p>
-          <a:p>
-            <a:r>
-              <a:rPr lang="en-US" altLang="zh-CN" dirty="0" smtClean="0"/>
-              <a:t>321</a:t>
+              <a:rPr lang="zh-CN" altLang="en-US" dirty="0" smtClean="0"/>
+              <a:t>为什么要改？</a:t>
             </a:r>
             <a:endParaRPr lang="zh-CN" altLang="en-US" dirty="0"/>
           </a:p>
@@ -672,7 +986,7 @@
     </p:spTree>
     <p:extLst>
       <p:ext uri="{BB962C8B-B14F-4D97-AF65-F5344CB8AC3E}">
-        <p14:creationId xmlns:p14="http://schemas.microsoft.com/office/powerpoint/2010/main" val="1174267332"/>
+        <p14:creationId xmlns:p14="http://schemas.microsoft.com/office/powerpoint/2010/main" val="2643527116"/>
       </p:ext>
     </p:extLst>
   </p:cSld>
@@ -790,7 +1104,7 @@
     </p:spTree>
     <p:extLst>
       <p:ext uri="{BB962C8B-B14F-4D97-AF65-F5344CB8AC3E}">
-        <p14:creationId xmlns:p14="http://schemas.microsoft.com/office/powerpoint/2010/main" val="3357884343"/>
+        <p14:creationId xmlns:p14="http://schemas.microsoft.com/office/powerpoint/2010/main" val="1174267332"/>
       </p:ext>
     </p:extLst>
   </p:cSld>
@@ -908,7 +1222,7 @@
     </p:spTree>
     <p:extLst>
       <p:ext uri="{BB962C8B-B14F-4D97-AF65-F5344CB8AC3E}">
-        <p14:creationId xmlns:p14="http://schemas.microsoft.com/office/powerpoint/2010/main" val="2026987365"/>
+        <p14:creationId xmlns:p14="http://schemas.microsoft.com/office/powerpoint/2010/main" val="3357884343"/>
       </p:ext>
     </p:extLst>
   </p:cSld>
@@ -1026,7 +1340,7 @@
     </p:spTree>
     <p:extLst>
       <p:ext uri="{BB962C8B-B14F-4D97-AF65-F5344CB8AC3E}">
-        <p14:creationId xmlns:p14="http://schemas.microsoft.com/office/powerpoint/2010/main" val="1562396055"/>
+        <p14:creationId xmlns:p14="http://schemas.microsoft.com/office/powerpoint/2010/main" val="2026987365"/>
       </p:ext>
     </p:extLst>
   </p:cSld>
@@ -1144,7 +1458,7 @@
     </p:spTree>
     <p:extLst>
       <p:ext uri="{BB962C8B-B14F-4D97-AF65-F5344CB8AC3E}">
-        <p14:creationId xmlns:p14="http://schemas.microsoft.com/office/powerpoint/2010/main" val="2674068"/>
+        <p14:creationId xmlns:p14="http://schemas.microsoft.com/office/powerpoint/2010/main" val="1562396055"/>
       </p:ext>
     </p:extLst>
   </p:cSld>
@@ -1262,7 +1576,310 @@
     </p:spTree>
     <p:extLst>
       <p:ext uri="{BB962C8B-B14F-4D97-AF65-F5344CB8AC3E}">
+        <p14:creationId xmlns:p14="http://schemas.microsoft.com/office/powerpoint/2010/main" val="2674068"/>
+      </p:ext>
+    </p:extLst>
+  </p:cSld>
+  <p:clrMapOvr>
+    <a:masterClrMapping/>
+  </p:clrMapOvr>
+</p:notes>
+</file>
+
+<file path=ppt/notesSlides/notesSlide8.xml><?xml version="1.0" encoding="utf-8"?>
+<p:notes xmlns:a="http://schemas.openxmlformats.org/drawingml/2006/main" xmlns:r="http://schemas.openxmlformats.org/officeDocument/2006/relationships" xmlns:p="http://schemas.openxmlformats.org/presentationml/2006/main">
+  <p:cSld>
+    <p:spTree>
+      <p:nvGrpSpPr>
+        <p:cNvPr id="1" name=""/>
+        <p:cNvGrpSpPr/>
+        <p:nvPr/>
+      </p:nvGrpSpPr>
+      <p:grpSpPr>
+        <a:xfrm>
+          <a:off x="0" y="0"/>
+          <a:ext cx="0" cy="0"/>
+          <a:chOff x="0" y="0"/>
+          <a:chExt cx="0" cy="0"/>
+        </a:xfrm>
+      </p:grpSpPr>
+      <p:sp>
+        <p:nvSpPr>
+          <p:cNvPr id="2" name="幻灯片图像占位符 1"/>
+          <p:cNvSpPr>
+            <a:spLocks noGrp="1" noRot="1" noChangeAspect="1"/>
+          </p:cNvSpPr>
+          <p:nvPr>
+            <p:ph type="sldImg"/>
+          </p:nvPr>
+        </p:nvSpPr>
+        <p:spPr/>
+      </p:sp>
+      <p:sp>
+        <p:nvSpPr>
+          <p:cNvPr id="3" name="备注占位符 2"/>
+          <p:cNvSpPr>
+            <a:spLocks noGrp="1"/>
+          </p:cNvSpPr>
+          <p:nvPr>
+            <p:ph type="body" idx="1"/>
+          </p:nvPr>
+        </p:nvSpPr>
+        <p:spPr/>
+        <p:txBody>
+          <a:bodyPr/>
+          <a:lstStyle/>
+          <a:p>
+            <a:r>
+              <a:rPr lang="en-US" altLang="zh-CN" dirty="0" smtClean="0"/>
+              <a:t>123</a:t>
+            </a:r>
+          </a:p>
+          <a:p>
+            <a:r>
+              <a:rPr lang="en-US" altLang="zh-CN" dirty="0" smtClean="0"/>
+              <a:t>132</a:t>
+            </a:r>
+          </a:p>
+          <a:p>
+            <a:r>
+              <a:rPr lang="en-US" altLang="zh-CN" dirty="0" smtClean="0"/>
+              <a:t>213</a:t>
+            </a:r>
+          </a:p>
+          <a:p>
+            <a:r>
+              <a:rPr lang="en-US" altLang="zh-CN" dirty="0" smtClean="0"/>
+              <a:t>231</a:t>
+            </a:r>
+          </a:p>
+          <a:p>
+            <a:r>
+              <a:rPr lang="en-US" altLang="zh-CN" dirty="0" smtClean="0"/>
+              <a:t>312</a:t>
+            </a:r>
+          </a:p>
+          <a:p>
+            <a:r>
+              <a:rPr lang="en-US" altLang="zh-CN" dirty="0" smtClean="0"/>
+              <a:t>321</a:t>
+            </a:r>
+            <a:endParaRPr lang="zh-CN" altLang="en-US" dirty="0"/>
+          </a:p>
+        </p:txBody>
+      </p:sp>
+      <p:sp>
+        <p:nvSpPr>
+          <p:cNvPr id="4" name="灯片编号占位符 3"/>
+          <p:cNvSpPr>
+            <a:spLocks noGrp="1"/>
+          </p:cNvSpPr>
+          <p:nvPr>
+            <p:ph type="sldNum" sz="quarter" idx="10"/>
+          </p:nvPr>
+        </p:nvSpPr>
+        <p:spPr/>
+        <p:txBody>
+          <a:bodyPr/>
+          <a:lstStyle/>
+          <a:p>
+            <a:fld id="{F5358FEF-A560-4564-B0D1-AAE8C4804329}" type="slidenum">
+              <a:rPr lang="zh-CN" altLang="en-US" smtClean="0"/>
+              <a:t>10</a:t>
+            </a:fld>
+            <a:endParaRPr lang="zh-CN" altLang="en-US"/>
+          </a:p>
+        </p:txBody>
+      </p:sp>
+    </p:spTree>
+    <p:extLst>
+      <p:ext uri="{BB962C8B-B14F-4D97-AF65-F5344CB8AC3E}">
         <p14:creationId xmlns:p14="http://schemas.microsoft.com/office/powerpoint/2010/main" val="2986247793"/>
+      </p:ext>
+    </p:extLst>
+  </p:cSld>
+  <p:clrMapOvr>
+    <a:masterClrMapping/>
+  </p:clrMapOvr>
+</p:notes>
+</file>
+
+<file path=ppt/notesSlides/notesSlide9.xml><?xml version="1.0" encoding="utf-8"?>
+<p:notes xmlns:a="http://schemas.openxmlformats.org/drawingml/2006/main" xmlns:r="http://schemas.openxmlformats.org/officeDocument/2006/relationships" xmlns:p="http://schemas.openxmlformats.org/presentationml/2006/main">
+  <p:cSld>
+    <p:spTree>
+      <p:nvGrpSpPr>
+        <p:cNvPr id="1" name=""/>
+        <p:cNvGrpSpPr/>
+        <p:nvPr/>
+      </p:nvGrpSpPr>
+      <p:grpSpPr>
+        <a:xfrm>
+          <a:off x="0" y="0"/>
+          <a:ext cx="0" cy="0"/>
+          <a:chOff x="0" y="0"/>
+          <a:chExt cx="0" cy="0"/>
+        </a:xfrm>
+      </p:grpSpPr>
+      <p:sp>
+        <p:nvSpPr>
+          <p:cNvPr id="2" name="幻灯片图像占位符 1"/>
+          <p:cNvSpPr>
+            <a:spLocks noGrp="1" noRot="1" noChangeAspect="1"/>
+          </p:cNvSpPr>
+          <p:nvPr>
+            <p:ph type="sldImg"/>
+          </p:nvPr>
+        </p:nvSpPr>
+        <p:spPr/>
+      </p:sp>
+      <p:sp>
+        <p:nvSpPr>
+          <p:cNvPr id="3" name="备注占位符 2"/>
+          <p:cNvSpPr>
+            <a:spLocks noGrp="1"/>
+          </p:cNvSpPr>
+          <p:nvPr>
+            <p:ph type="body" idx="1"/>
+          </p:nvPr>
+        </p:nvSpPr>
+        <p:spPr/>
+        <p:txBody>
+          <a:bodyPr/>
+          <a:lstStyle/>
+          <a:p>
+            <a:r>
+              <a:rPr lang="en-US" altLang="zh-CN" dirty="0" smtClean="0"/>
+              <a:t>SD-</a:t>
+            </a:r>
+            <a:r>
+              <a:rPr lang="en-US" altLang="zh-CN" dirty="0" err="1" smtClean="0"/>
+              <a:t>iBGP</a:t>
+            </a:r>
+            <a:r>
+              <a:rPr lang="zh-CN" altLang="en-US" dirty="0" smtClean="0"/>
+              <a:t>测试分两类：仿真实验和实际测试，对其性能进行定性、定量分析，选择传统网络、</a:t>
+            </a:r>
+            <a:r>
+              <a:rPr lang="en-US" altLang="zh-CN" dirty="0" smtClean="0"/>
+              <a:t>RR</a:t>
+            </a:r>
+            <a:r>
+              <a:rPr lang="zh-CN" altLang="en-US" dirty="0" smtClean="0"/>
+              <a:t>、</a:t>
+            </a:r>
+            <a:r>
+              <a:rPr lang="en-US" altLang="zh-CN" dirty="0" smtClean="0"/>
+              <a:t>RCP</a:t>
+            </a:r>
+            <a:r>
+              <a:rPr lang="zh-CN" altLang="en-US" dirty="0" smtClean="0"/>
+              <a:t>、</a:t>
+            </a:r>
+            <a:r>
+              <a:rPr lang="en-US" altLang="zh-CN" dirty="0" smtClean="0"/>
+              <a:t>SD-</a:t>
+            </a:r>
+            <a:r>
+              <a:rPr lang="en-US" altLang="zh-CN" dirty="0" err="1" smtClean="0"/>
+              <a:t>iBGP</a:t>
+            </a:r>
+            <a:r>
+              <a:rPr lang="zh-CN" altLang="en-US" dirty="0" smtClean="0"/>
+              <a:t>进行对比分析</a:t>
+            </a:r>
+            <a:endParaRPr lang="en-US" altLang="zh-CN" dirty="0" smtClean="0"/>
+          </a:p>
+          <a:p>
+            <a:endParaRPr lang="en-US" altLang="zh-CN" dirty="0" smtClean="0"/>
+          </a:p>
+          <a:p>
+            <a:r>
+              <a:rPr lang="zh-CN" altLang="en-US" dirty="0" smtClean="0"/>
+              <a:t>定性分析有四类内容：</a:t>
+            </a:r>
+            <a:endParaRPr lang="en-US" altLang="zh-CN" dirty="0" smtClean="0"/>
+          </a:p>
+          <a:p>
+            <a:endParaRPr lang="en-US" altLang="zh-CN" dirty="0" smtClean="0"/>
+          </a:p>
+          <a:p>
+            <a:r>
+              <a:rPr lang="zh-CN" altLang="en-US" dirty="0" smtClean="0"/>
+              <a:t>分析</a:t>
+            </a:r>
+            <a:r>
+              <a:rPr lang="en-US" altLang="zh-CN" dirty="0" err="1" smtClean="0"/>
+              <a:t>iBGP</a:t>
+            </a:r>
+            <a:r>
+              <a:rPr lang="en-US" altLang="zh-CN" dirty="0" smtClean="0"/>
+              <a:t> session</a:t>
+            </a:r>
+            <a:r>
+              <a:rPr lang="zh-CN" altLang="en-US" dirty="0" smtClean="0"/>
+              <a:t>的数目分析</a:t>
+            </a:r>
+            <a:r>
+              <a:rPr lang="en-US" altLang="zh-CN" dirty="0" err="1" smtClean="0"/>
+              <a:t>iBGP</a:t>
+            </a:r>
+            <a:r>
+              <a:rPr lang="zh-CN" altLang="en-US" dirty="0" smtClean="0"/>
+              <a:t>的可扩展性</a:t>
+            </a:r>
+            <a:endParaRPr lang="en-US" altLang="zh-CN" dirty="0" smtClean="0"/>
+          </a:p>
+          <a:p>
+            <a:r>
+              <a:rPr lang="zh-CN" altLang="en-US" dirty="0" smtClean="0"/>
+              <a:t>分析路由存储的复杂度</a:t>
+            </a:r>
+            <a:endParaRPr lang="en-US" altLang="zh-CN" dirty="0" smtClean="0"/>
+          </a:p>
+          <a:p>
+            <a:r>
+              <a:rPr lang="zh-CN" altLang="en-US" dirty="0" smtClean="0"/>
+              <a:t>分析策略配置的便携性和检错性</a:t>
+            </a:r>
+            <a:endParaRPr lang="en-US" altLang="zh-CN" dirty="0" smtClean="0"/>
+          </a:p>
+          <a:p>
+            <a:r>
+              <a:rPr lang="zh-CN" altLang="en-US" dirty="0" smtClean="0"/>
+              <a:t>对路由在域内传播的计算复杂度进行分析</a:t>
+            </a:r>
+            <a:endParaRPr lang="zh-CN" altLang="en-US" dirty="0"/>
+          </a:p>
+        </p:txBody>
+      </p:sp>
+      <p:sp>
+        <p:nvSpPr>
+          <p:cNvPr id="4" name="灯片编号占位符 3"/>
+          <p:cNvSpPr>
+            <a:spLocks noGrp="1"/>
+          </p:cNvSpPr>
+          <p:nvPr>
+            <p:ph type="sldNum" sz="quarter" idx="10"/>
+          </p:nvPr>
+        </p:nvSpPr>
+        <p:spPr/>
+        <p:txBody>
+          <a:bodyPr/>
+          <a:lstStyle/>
+          <a:p>
+            <a:fld id="{F5E8F21B-03B9-44B1-98BE-F9B968A6865C}" type="slidenum">
+              <a:rPr lang="zh-CN" altLang="en-US" smtClean="0"/>
+              <a:t>13</a:t>
+            </a:fld>
+            <a:endParaRPr lang="zh-CN" altLang="en-US"/>
+          </a:p>
+        </p:txBody>
+      </p:sp>
+    </p:spTree>
+    <p:extLst>
+      <p:ext uri="{BB962C8B-B14F-4D97-AF65-F5344CB8AC3E}">
+        <p14:creationId xmlns:p14="http://schemas.microsoft.com/office/powerpoint/2010/main" val="2898565876"/>
       </p:ext>
     </p:extLst>
   </p:cSld>
@@ -4227,18 +4844,57 @@
           <a:lstStyle/>
           <a:p>
             <a:r>
-              <a:rPr lang="zh-CN" altLang="en-US" dirty="0" smtClean="0"/>
-              <a:t>与</a:t>
-            </a:r>
-            <a:r>
-              <a:rPr lang="en-US" altLang="zh-CN" dirty="0" smtClean="0"/>
-              <a:t>RCP</a:t>
-            </a:r>
-            <a:r>
-              <a:rPr lang="zh-CN" altLang="en-US" dirty="0" smtClean="0"/>
-              <a:t>的区别</a:t>
-            </a:r>
-            <a:endParaRPr lang="zh-CN" altLang="en-US" dirty="0"/>
+              <a:rPr lang="zh-CN" altLang="en-US" sz="4000" dirty="0"/>
+              <a:t>新型</a:t>
+            </a:r>
+            <a:r>
+              <a:rPr lang="zh-CN" altLang="en-US" sz="4000" dirty="0" smtClean="0"/>
+              <a:t>路由计算</a:t>
+            </a:r>
+            <a:r>
+              <a:rPr lang="en-US" altLang="zh-CN" sz="4000" dirty="0"/>
+              <a:t>-</a:t>
+            </a:r>
+            <a:r>
+              <a:rPr lang="zh-CN" altLang="en-US" sz="4000" dirty="0" smtClean="0"/>
+              <a:t>案例</a:t>
+            </a:r>
+            <a:r>
+              <a:rPr lang="en-US" altLang="zh-CN" sz="4000" dirty="0"/>
+              <a:t>3</a:t>
+            </a:r>
+            <a:r>
+              <a:rPr lang="zh-CN" altLang="en-US" sz="4000" dirty="0" smtClean="0"/>
+              <a:t>：</a:t>
+            </a:r>
+            <a:r>
+              <a:rPr lang="en-US" altLang="zh-CN" sz="4000" dirty="0" smtClean="0"/>
+              <a:t/>
+            </a:r>
+            <a:br>
+              <a:rPr lang="en-US" altLang="zh-CN" sz="4000" dirty="0" smtClean="0"/>
+            </a:br>
+            <a:r>
+              <a:rPr lang="zh-CN" altLang="en-US" sz="2000" dirty="0">
+                <a:solidFill>
+                  <a:srgbClr val="FF0000"/>
+                </a:solidFill>
+              </a:rPr>
+              <a:t>新路由先</a:t>
+            </a:r>
+            <a:r>
+              <a:rPr lang="zh-CN" altLang="en-US" sz="2000" dirty="0" smtClean="0">
+                <a:solidFill>
+                  <a:srgbClr val="FF0000"/>
+                </a:solidFill>
+              </a:rPr>
+              <a:t>比较</a:t>
+            </a:r>
+            <a:endParaRPr lang="zh-CN" altLang="en-US" sz="4000" dirty="0">
+              <a:solidFill>
+                <a:srgbClr val="FF0000"/>
+              </a:solidFill>
+            </a:endParaRPr>
           </a:p>
         </p:txBody>
       </p:sp>
@@ -4258,9 +4914,341 @@
           <a:lstStyle/>
           <a:p>
             <a:r>
-              <a:rPr lang="en-US" altLang="zh-CN" dirty="0" smtClean="0"/>
+              <a:rPr lang="zh-CN" altLang="en-US" dirty="0" smtClean="0"/>
+              <a:t>路由到达顺序</a:t>
+            </a:r>
+            <a:r>
+              <a:rPr lang="en-US" altLang="zh-CN" dirty="0" smtClean="0"/>
+              <a:t>C2</a:t>
+            </a:r>
+            <a:r>
+              <a:rPr lang="zh-CN" altLang="en-US" dirty="0" smtClean="0"/>
+              <a:t>，</a:t>
+            </a:r>
+            <a:r>
+              <a:rPr lang="en-US" altLang="zh-CN" dirty="0"/>
               <a:t> </a:t>
             </a:r>
+            <a:r>
+              <a:rPr lang="en-US" altLang="zh-CN" dirty="0" smtClean="0"/>
+              <a:t>C1-1</a:t>
+            </a:r>
+            <a:r>
+              <a:rPr lang="zh-CN" altLang="en-US" dirty="0" smtClean="0"/>
+              <a:t>，</a:t>
+            </a:r>
+            <a:r>
+              <a:rPr lang="en-US" altLang="zh-CN" dirty="0"/>
+              <a:t> </a:t>
+            </a:r>
+            <a:r>
+              <a:rPr lang="en-US" altLang="zh-CN" dirty="0" smtClean="0"/>
+              <a:t>C1-2</a:t>
+            </a:r>
+            <a:endParaRPr lang="en-US" altLang="zh-CN" dirty="0"/>
+          </a:p>
+          <a:p>
+            <a:pPr lvl="1"/>
+            <a:r>
+              <a:rPr lang="en-US" altLang="zh-CN" dirty="0" smtClean="0"/>
+              <a:t>C1-2</a:t>
+            </a:r>
+            <a:r>
+              <a:rPr lang="zh-CN" altLang="en-US" dirty="0" smtClean="0"/>
+              <a:t>收到</a:t>
+            </a:r>
+            <a:r>
+              <a:rPr lang="zh-CN" altLang="en-US" dirty="0"/>
+              <a:t>路由，传到集中平台，</a:t>
+            </a:r>
+            <a:r>
+              <a:rPr lang="en-US" altLang="zh-CN" dirty="0"/>
+              <a:t>3</a:t>
+            </a:r>
+            <a:r>
+              <a:rPr lang="zh-CN" altLang="en-US" dirty="0"/>
+              <a:t>条路由</a:t>
+            </a:r>
+            <a:endParaRPr lang="en-US" altLang="zh-CN" dirty="0"/>
+          </a:p>
+          <a:p>
+            <a:pPr lvl="2"/>
+            <a:r>
+              <a:rPr lang="en-US" altLang="zh-CN" dirty="0" smtClean="0"/>
+              <a:t>RR1</a:t>
+            </a:r>
+            <a:r>
+              <a:rPr lang="zh-CN" altLang="en-US" dirty="0" smtClean="0"/>
+              <a:t>选从</a:t>
+            </a:r>
+            <a:r>
+              <a:rPr lang="en-US" altLang="zh-CN" dirty="0" smtClean="0"/>
+              <a:t>C2</a:t>
+            </a:r>
+            <a:r>
+              <a:rPr lang="zh-CN" altLang="en-US" dirty="0" smtClean="0"/>
+              <a:t>来的路由</a:t>
+            </a:r>
+            <a:endParaRPr lang="en-US" altLang="zh-CN" dirty="0" smtClean="0"/>
+          </a:p>
+          <a:p>
+            <a:pPr lvl="2"/>
+            <a:r>
+              <a:rPr lang="en-US" altLang="zh-CN" dirty="0" smtClean="0"/>
+              <a:t>RR2</a:t>
+            </a:r>
+            <a:r>
+              <a:rPr lang="zh-CN" altLang="en-US" dirty="0" smtClean="0"/>
+              <a:t>选从</a:t>
+            </a:r>
+            <a:r>
+              <a:rPr lang="en-US" altLang="zh-CN" dirty="0" smtClean="0"/>
+              <a:t>C2</a:t>
+            </a:r>
+            <a:r>
+              <a:rPr lang="zh-CN" altLang="en-US" dirty="0" smtClean="0"/>
+              <a:t>来的路由</a:t>
+            </a:r>
+            <a:endParaRPr lang="en-US" altLang="zh-CN" dirty="0" smtClean="0"/>
+          </a:p>
+          <a:p>
+            <a:pPr lvl="2"/>
+            <a:r>
+              <a:rPr lang="en-US" altLang="zh-CN" dirty="0" smtClean="0"/>
+              <a:t>C1-1</a:t>
+            </a:r>
+            <a:r>
+              <a:rPr lang="zh-CN" altLang="en-US" dirty="0" smtClean="0"/>
+              <a:t>选从</a:t>
+            </a:r>
+            <a:r>
+              <a:rPr lang="en-US" altLang="zh-CN" dirty="0" smtClean="0"/>
+              <a:t>C1-1</a:t>
+            </a:r>
+            <a:r>
+              <a:rPr lang="zh-CN" altLang="en-US" dirty="0" smtClean="0"/>
+              <a:t>来的路由</a:t>
+            </a:r>
+            <a:endParaRPr lang="en-US" altLang="zh-CN" dirty="0" smtClean="0"/>
+          </a:p>
+          <a:p>
+            <a:pPr lvl="2"/>
+            <a:r>
+              <a:rPr lang="en-US" altLang="zh-CN" dirty="0" smtClean="0"/>
+              <a:t>C1-2</a:t>
+            </a:r>
+            <a:r>
+              <a:rPr lang="zh-CN" altLang="en-US" dirty="0" smtClean="0"/>
+              <a:t>选从</a:t>
+            </a:r>
+            <a:r>
+              <a:rPr lang="en-US" altLang="zh-CN" dirty="0" smtClean="0"/>
+              <a:t>C1-2</a:t>
+            </a:r>
+            <a:r>
+              <a:rPr lang="zh-CN" altLang="en-US" dirty="0" smtClean="0"/>
+              <a:t>来的路由</a:t>
+            </a:r>
+            <a:endParaRPr lang="en-US" altLang="zh-CN" dirty="0" smtClean="0"/>
+          </a:p>
+          <a:p>
+            <a:pPr lvl="2"/>
+            <a:r>
+              <a:rPr lang="en-US" altLang="zh-CN" dirty="0" smtClean="0"/>
+              <a:t>C2</a:t>
+            </a:r>
+            <a:r>
+              <a:rPr lang="zh-CN" altLang="en-US" dirty="0" smtClean="0"/>
+              <a:t>选择从</a:t>
+            </a:r>
+            <a:r>
+              <a:rPr lang="en-US" altLang="zh-CN" dirty="0" smtClean="0"/>
+              <a:t>C2</a:t>
+            </a:r>
+            <a:r>
+              <a:rPr lang="zh-CN" altLang="en-US" dirty="0" smtClean="0"/>
+              <a:t>来的路由</a:t>
+            </a:r>
+            <a:endParaRPr lang="en-US" altLang="zh-CN" dirty="0" smtClean="0"/>
+          </a:p>
+        </p:txBody>
+      </p:sp>
+      <p:pic>
+        <p:nvPicPr>
+          <p:cNvPr id="6" name="图片 5"/>
+          <p:cNvPicPr>
+            <a:picLocks noChangeAspect="1"/>
+          </p:cNvPicPr>
+          <p:nvPr/>
+        </p:nvPicPr>
+        <p:blipFill>
+          <a:blip r:embed="rId3"/>
+          <a:stretch>
+            <a:fillRect/>
+          </a:stretch>
+        </p:blipFill>
+        <p:spPr>
+          <a:xfrm>
+            <a:off x="6563596" y="2105025"/>
+            <a:ext cx="2349775" cy="2969985"/>
+          </a:xfrm>
+          <a:prstGeom prst="rect">
+            <a:avLst/>
+          </a:prstGeom>
+        </p:spPr>
+      </p:pic>
+      <p:sp>
+        <p:nvSpPr>
+          <p:cNvPr id="4" name="文本框 3"/>
+          <p:cNvSpPr txBox="1"/>
+          <p:nvPr/>
+        </p:nvSpPr>
+        <p:spPr>
+          <a:xfrm>
+            <a:off x="628649" y="5075010"/>
+            <a:ext cx="8410247" cy="2031325"/>
+          </a:xfrm>
+          <a:prstGeom prst="rect">
+            <a:avLst/>
+          </a:prstGeom>
+          <a:noFill/>
+        </p:spPr>
+        <p:txBody>
+          <a:bodyPr wrap="square" rtlCol="0">
+            <a:spAutoFit/>
+          </a:bodyPr>
+          <a:lstStyle/>
+          <a:p>
+            <a:r>
+              <a:rPr lang="zh-CN" altLang="en-US" dirty="0" smtClean="0"/>
+              <a:t>分析：</a:t>
+            </a:r>
+            <a:endParaRPr lang="en-US" altLang="zh-CN" dirty="0" smtClean="0"/>
+          </a:p>
+          <a:p>
+            <a:pPr marL="285750" indent="-285750">
+              <a:buFont typeface="Arial" panose="020B0604020202020204" pitchFamily="34" charset="0"/>
+              <a:buChar char="•"/>
+            </a:pPr>
+            <a:r>
+              <a:rPr lang="zh-CN" altLang="en-US" dirty="0" smtClean="0"/>
+              <a:t>路由顺序不同，最优</a:t>
+            </a:r>
+            <a:r>
+              <a:rPr lang="zh-CN" altLang="en-US" dirty="0" smtClean="0"/>
+              <a:t>路由选择唯一，但是结果不同</a:t>
+            </a:r>
+            <a:r>
+              <a:rPr lang="zh-CN" altLang="en-US" dirty="0" smtClean="0"/>
+              <a:t>：</a:t>
+            </a:r>
+            <a:endParaRPr lang="en-US" altLang="zh-CN" dirty="0" smtClean="0"/>
+          </a:p>
+          <a:p>
+            <a:pPr marL="742950" lvl="1" indent="-285750">
+              <a:buFont typeface="Arial" panose="020B0604020202020204" pitchFamily="34" charset="0"/>
+              <a:buChar char="•"/>
+            </a:pPr>
+            <a:r>
+              <a:rPr lang="zh-CN" altLang="en-US" dirty="0" smtClean="0"/>
+              <a:t>原则上</a:t>
+            </a:r>
+            <a:r>
+              <a:rPr lang="en-US" altLang="zh-CN" dirty="0" smtClean="0"/>
+              <a:t>C1-1</a:t>
+            </a:r>
+            <a:r>
+              <a:rPr lang="zh-CN" altLang="en-US" dirty="0" smtClean="0"/>
+              <a:t>的路由最优，但实际因为顺序不同，最优路由结果不同</a:t>
+            </a:r>
+            <a:endParaRPr lang="en-US" altLang="zh-CN" dirty="0" smtClean="0"/>
+          </a:p>
+          <a:p>
+            <a:pPr marL="1200150" lvl="2" indent="-285750">
+              <a:buFont typeface="Arial" panose="020B0604020202020204" pitchFamily="34" charset="0"/>
+              <a:buChar char="•"/>
+            </a:pPr>
+            <a:r>
+              <a:rPr lang="zh-CN" altLang="en-US" dirty="0" smtClean="0"/>
+              <a:t>违背邻居</a:t>
+            </a:r>
+            <a:r>
+              <a:rPr lang="en-US" altLang="zh-CN" dirty="0" smtClean="0"/>
+              <a:t>AS</a:t>
+            </a:r>
+            <a:r>
+              <a:rPr lang="zh-CN" altLang="en-US" dirty="0" smtClean="0"/>
+              <a:t>设置</a:t>
+            </a:r>
+            <a:r>
+              <a:rPr lang="en-US" altLang="zh-CN" dirty="0" smtClean="0"/>
+              <a:t>MED</a:t>
+            </a:r>
+            <a:r>
+              <a:rPr lang="zh-CN" altLang="en-US" dirty="0" smtClean="0"/>
+              <a:t>值的初衷，当来自同一个</a:t>
+            </a:r>
+            <a:r>
+              <a:rPr lang="en-US" altLang="zh-CN" dirty="0" smtClean="0"/>
+              <a:t>AS</a:t>
+            </a:r>
+            <a:r>
+              <a:rPr lang="zh-CN" altLang="en-US" dirty="0" smtClean="0"/>
+              <a:t>，</a:t>
+            </a:r>
+            <a:r>
+              <a:rPr lang="en-US" altLang="zh-CN" dirty="0" smtClean="0"/>
+              <a:t>MED</a:t>
+            </a:r>
+            <a:r>
+              <a:rPr lang="zh-CN" altLang="en-US" dirty="0"/>
+              <a:t>大</a:t>
+            </a:r>
+            <a:r>
+              <a:rPr lang="zh-CN" altLang="en-US" dirty="0" smtClean="0"/>
+              <a:t>的被排除</a:t>
+            </a:r>
+            <a:endParaRPr lang="en-US" altLang="zh-CN" dirty="0" smtClean="0"/>
+          </a:p>
+          <a:p>
+            <a:pPr marL="1200150" lvl="2" indent="-285750">
+              <a:buFont typeface="Arial" panose="020B0604020202020204" pitchFamily="34" charset="0"/>
+              <a:buChar char="•"/>
+            </a:pPr>
+            <a:r>
+              <a:rPr lang="zh-CN" altLang="en-US" dirty="0"/>
+              <a:t>当</a:t>
+            </a:r>
+            <a:r>
+              <a:rPr lang="zh-CN" altLang="en-US" dirty="0" smtClean="0"/>
+              <a:t>有</a:t>
+            </a:r>
+            <a:r>
+              <a:rPr lang="en-US" altLang="zh-CN" dirty="0" smtClean="0"/>
+              <a:t>3</a:t>
+            </a:r>
+            <a:r>
+              <a:rPr lang="zh-CN" altLang="en-US" dirty="0" smtClean="0"/>
+              <a:t>条路由时，</a:t>
+            </a:r>
+            <a:r>
+              <a:rPr lang="en-US" altLang="zh-CN" dirty="0" smtClean="0"/>
+              <a:t>C1-1</a:t>
+            </a:r>
+            <a:r>
+              <a:rPr lang="zh-CN" altLang="en-US" dirty="0" smtClean="0"/>
+              <a:t>是最合理的最优路由答案</a:t>
+            </a:r>
+            <a:endParaRPr lang="en-US" altLang="zh-CN" dirty="0" smtClean="0"/>
+          </a:p>
+          <a:p>
+            <a:pPr marL="285750" indent="-285750">
+              <a:buFont typeface="Arial" panose="020B0604020202020204" pitchFamily="34" charset="0"/>
+              <a:buChar char="•"/>
+            </a:pPr>
+            <a:endParaRPr lang="en-US" altLang="zh-CN" dirty="0" smtClean="0"/>
+          </a:p>
+          <a:p>
             <a:endParaRPr lang="zh-CN" altLang="en-US" dirty="0"/>
           </a:p>
         </p:txBody>
@@ -4268,13 +5256,20 @@
     </p:spTree>
     <p:extLst>
       <p:ext uri="{BB962C8B-B14F-4D97-AF65-F5344CB8AC3E}">
-        <p14:creationId xmlns:p14="http://schemas.microsoft.com/office/powerpoint/2010/main" val="3876105879"/>
+        <p14:creationId xmlns:p14="http://schemas.microsoft.com/office/powerpoint/2010/main" val="3145962396"/>
       </p:ext>
     </p:extLst>
   </p:cSld>
   <p:clrMapOvr>
     <a:masterClrMapping/>
   </p:clrMapOvr>
+  <p:timing>
+    <p:tnLst>
+      <p:par>
+        <p:cTn id="1" dur="indefinite" restart="never" nodeType="tmRoot"/>
+      </p:par>
+    </p:tnLst>
+  </p:timing>
 </p:sld>
 </file>
 
@@ -4316,7 +5311,7 @@
             </a:r>
             <a:r>
               <a:rPr lang="en-US" altLang="zh-CN" dirty="0" smtClean="0"/>
-              <a:t>SD-WAN</a:t>
+              <a:t>RCP</a:t>
             </a:r>
             <a:r>
               <a:rPr lang="zh-CN" altLang="en-US" dirty="0" smtClean="0"/>
@@ -4338,17 +5333,259 @@
         </p:nvSpPr>
         <p:spPr/>
         <p:txBody>
-          <a:bodyPr/>
+          <a:bodyPr>
+            <a:normAutofit/>
+          </a:bodyPr>
           <a:lstStyle/>
           <a:p>
-            <a:endParaRPr lang="zh-CN" altLang="en-US" dirty="0"/>
+            <a:r>
+              <a:rPr lang="zh-CN" altLang="en-US" dirty="0" smtClean="0"/>
+              <a:t>我的方案与</a:t>
+            </a:r>
+            <a:r>
+              <a:rPr lang="en-US" altLang="zh-CN" dirty="0" smtClean="0"/>
+              <a:t>RCP</a:t>
+            </a:r>
+            <a:r>
+              <a:rPr lang="zh-CN" altLang="en-US" dirty="0" smtClean="0"/>
+              <a:t>的区别（路由存储类似</a:t>
+            </a:r>
+            <a:r>
+              <a:rPr lang="en-US" altLang="zh-CN" dirty="0" smtClean="0"/>
+              <a:t>-</a:t>
+            </a:r>
+            <a:r>
+              <a:rPr lang="zh-CN" altLang="en-US" dirty="0" smtClean="0"/>
+              <a:t>增量）</a:t>
+            </a:r>
+            <a:endParaRPr lang="en-US" altLang="zh-CN" dirty="0" smtClean="0"/>
+          </a:p>
+          <a:p>
+            <a:pPr lvl="1"/>
+            <a:r>
+              <a:rPr lang="zh-CN" altLang="en-US" dirty="0"/>
+              <a:t>更</a:t>
+            </a:r>
+            <a:r>
+              <a:rPr lang="zh-CN" altLang="en-US" dirty="0" smtClean="0"/>
+              <a:t>灵活的策略配置：</a:t>
+            </a:r>
+            <a:endParaRPr lang="en-US" altLang="zh-CN" dirty="0" smtClean="0"/>
+          </a:p>
+          <a:p>
+            <a:pPr lvl="2"/>
+            <a:r>
+              <a:rPr lang="zh-CN" altLang="en-US" dirty="0" smtClean="0"/>
+              <a:t>我的方案：边界路由器收到路由，经过</a:t>
+            </a:r>
+            <a:r>
+              <a:rPr lang="en-US" altLang="zh-CN" dirty="0" err="1" smtClean="0"/>
+              <a:t>ebgp</a:t>
+            </a:r>
+            <a:r>
+              <a:rPr lang="en-US" altLang="zh-CN" dirty="0" smtClean="0"/>
+              <a:t> policy</a:t>
+            </a:r>
+            <a:r>
+              <a:rPr lang="zh-CN" altLang="en-US" dirty="0" smtClean="0"/>
+              <a:t>传给集中平台，集中平台经过</a:t>
+            </a:r>
+            <a:r>
+              <a:rPr lang="zh-CN" altLang="en-US" dirty="0" smtClean="0">
+                <a:solidFill>
+                  <a:srgbClr val="FF0000"/>
+                </a:solidFill>
+              </a:rPr>
+              <a:t>每台路由器的</a:t>
+            </a:r>
+            <a:r>
+              <a:rPr lang="en-US" altLang="zh-CN" dirty="0" err="1" smtClean="0">
+                <a:solidFill>
+                  <a:srgbClr val="FF0000"/>
+                </a:solidFill>
+              </a:rPr>
+              <a:t>ibgp</a:t>
+            </a:r>
+            <a:r>
+              <a:rPr lang="en-US" altLang="zh-CN" dirty="0" smtClean="0">
+                <a:solidFill>
+                  <a:srgbClr val="FF0000"/>
+                </a:solidFill>
+              </a:rPr>
+              <a:t> policy</a:t>
+            </a:r>
+            <a:r>
+              <a:rPr lang="zh-CN" altLang="en-US" dirty="0" smtClean="0"/>
+              <a:t>得到每台路由器的路由</a:t>
+            </a:r>
+            <a:endParaRPr lang="en-US" altLang="zh-CN" dirty="0" smtClean="0"/>
+          </a:p>
+          <a:p>
+            <a:pPr lvl="2"/>
+            <a:r>
+              <a:rPr lang="en-US" altLang="zh-CN" dirty="0" smtClean="0"/>
+              <a:t>RCP</a:t>
+            </a:r>
+            <a:r>
+              <a:rPr lang="zh-CN" altLang="en-US" dirty="0" smtClean="0"/>
+              <a:t>方案：</a:t>
+            </a:r>
+            <a:r>
+              <a:rPr lang="zh-CN" altLang="en-US" dirty="0"/>
+              <a:t>路由策略配置在</a:t>
+            </a:r>
+            <a:r>
+              <a:rPr lang="en-US" altLang="zh-CN" dirty="0"/>
+              <a:t>BR</a:t>
+            </a:r>
+            <a:r>
+              <a:rPr lang="zh-CN" altLang="en-US" dirty="0" smtClean="0"/>
+              <a:t>上，收到</a:t>
+            </a:r>
+            <a:r>
+              <a:rPr lang="zh-CN" altLang="en-US" dirty="0"/>
+              <a:t>路由的</a:t>
+            </a:r>
+            <a:r>
+              <a:rPr lang="en-US" altLang="zh-CN" dirty="0"/>
+              <a:t>BR</a:t>
+            </a:r>
+            <a:r>
+              <a:rPr lang="zh-CN" altLang="en-US" dirty="0"/>
+              <a:t>执行</a:t>
+            </a:r>
+            <a:r>
+              <a:rPr lang="en-US" altLang="zh-CN" dirty="0" err="1"/>
+              <a:t>ebgp</a:t>
+            </a:r>
+            <a:r>
+              <a:rPr lang="en-US" altLang="zh-CN" dirty="0"/>
+              <a:t> </a:t>
+            </a:r>
+            <a:r>
+              <a:rPr lang="en-US" altLang="zh-CN" dirty="0" smtClean="0"/>
+              <a:t>policy</a:t>
+            </a:r>
+            <a:r>
+              <a:rPr lang="zh-CN" altLang="en-US" dirty="0" smtClean="0"/>
+              <a:t>，将路由通过</a:t>
+            </a:r>
+            <a:r>
+              <a:rPr lang="en-US" altLang="zh-CN" dirty="0" err="1" smtClean="0"/>
+              <a:t>ibgp</a:t>
+            </a:r>
+            <a:r>
+              <a:rPr lang="zh-CN" altLang="en-US" dirty="0" smtClean="0"/>
+              <a:t>传给集中平台</a:t>
+            </a:r>
+            <a:endParaRPr lang="en-US" altLang="zh-CN" dirty="0" smtClean="0"/>
+          </a:p>
+          <a:p>
+            <a:pPr lvl="1"/>
+            <a:r>
+              <a:rPr lang="zh-CN" altLang="en-US" dirty="0" smtClean="0"/>
+              <a:t>更</a:t>
+            </a:r>
+            <a:r>
+              <a:rPr lang="zh-CN" altLang="en-US" dirty="0"/>
+              <a:t>准确</a:t>
+            </a:r>
+            <a:r>
+              <a:rPr lang="zh-CN" altLang="en-US" dirty="0" smtClean="0"/>
+              <a:t>的路由计算方法</a:t>
+            </a:r>
+            <a:endParaRPr lang="en-US" altLang="zh-CN" dirty="0" smtClean="0"/>
+          </a:p>
+          <a:p>
+            <a:pPr lvl="2"/>
+            <a:r>
+              <a:rPr lang="zh-CN" altLang="en-US" dirty="0" smtClean="0"/>
+              <a:t>我的方案：集合缩小法来计算最优路由</a:t>
+            </a:r>
+            <a:endParaRPr lang="en-US" altLang="zh-CN" dirty="0" smtClean="0"/>
+          </a:p>
+          <a:p>
+            <a:pPr lvl="2"/>
+            <a:r>
+              <a:rPr lang="en-US" altLang="zh-CN" dirty="0" smtClean="0"/>
+              <a:t>RCP</a:t>
+            </a:r>
+            <a:r>
+              <a:rPr lang="zh-CN" altLang="en-US" dirty="0" smtClean="0"/>
+              <a:t>方案：每</a:t>
+            </a:r>
+            <a:r>
+              <a:rPr lang="zh-CN" altLang="en-US" dirty="0"/>
+              <a:t>台</a:t>
+            </a:r>
+            <a:r>
+              <a:rPr lang="zh-CN" altLang="en-US" dirty="0" smtClean="0"/>
+              <a:t>路由器根据</a:t>
+            </a:r>
+            <a:r>
+              <a:rPr lang="en-US" altLang="zh-CN" dirty="0" smtClean="0"/>
+              <a:t>IGP cost</a:t>
+            </a:r>
+            <a:r>
+              <a:rPr lang="zh-CN" altLang="en-US" dirty="0"/>
+              <a:t>对</a:t>
+            </a:r>
+            <a:r>
+              <a:rPr lang="zh-CN" altLang="en-US" dirty="0" smtClean="0"/>
+              <a:t>所有的出口进行优先级排序（每个出口对应一堆</a:t>
+            </a:r>
+            <a:r>
+              <a:rPr lang="en-US" altLang="zh-CN" dirty="0" smtClean="0"/>
+              <a:t>prefix</a:t>
+            </a:r>
+            <a:r>
+              <a:rPr lang="zh-CN" altLang="en-US" dirty="0" smtClean="0"/>
+              <a:t>集合，</a:t>
+            </a:r>
+            <a:r>
+              <a:rPr lang="en-US" altLang="zh-CN" dirty="0" smtClean="0"/>
+              <a:t>prefix</a:t>
+            </a:r>
+            <a:r>
+              <a:rPr lang="zh-CN" altLang="en-US" dirty="0" smtClean="0"/>
+              <a:t>最优出口更新则</a:t>
+            </a:r>
+            <a:r>
+              <a:rPr lang="en-US" altLang="zh-CN" dirty="0" smtClean="0"/>
+              <a:t>prefix</a:t>
+            </a:r>
+            <a:r>
+              <a:rPr lang="zh-CN" altLang="en-US" dirty="0" smtClean="0"/>
+              <a:t>的位置），如果</a:t>
+            </a:r>
+            <a:r>
+              <a:rPr lang="en-US" altLang="zh-CN" dirty="0" smtClean="0"/>
+              <a:t>IGP</a:t>
+            </a:r>
+            <a:r>
+              <a:rPr lang="zh-CN" altLang="en-US" dirty="0" smtClean="0"/>
+              <a:t>更新某出口，则需要更新该出口以上的所有</a:t>
+            </a:r>
+            <a:r>
+              <a:rPr lang="en-US" altLang="zh-CN" dirty="0" smtClean="0"/>
+              <a:t>prefix</a:t>
+            </a:r>
+            <a:r>
+              <a:rPr lang="zh-CN" altLang="en-US" dirty="0" smtClean="0"/>
+              <a:t>集合中的</a:t>
+            </a:r>
+            <a:r>
+              <a:rPr lang="en-US" altLang="zh-CN" dirty="0" smtClean="0"/>
+              <a:t>prefix</a:t>
+            </a:r>
+            <a:endParaRPr lang="en-US" altLang="zh-CN" dirty="0" smtClean="0"/>
           </a:p>
         </p:txBody>
       </p:sp>
     </p:spTree>
     <p:extLst>
       <p:ext uri="{BB962C8B-B14F-4D97-AF65-F5344CB8AC3E}">
-        <p14:creationId xmlns:p14="http://schemas.microsoft.com/office/powerpoint/2010/main" val="3399741574"/>
+        <p14:creationId xmlns:p14="http://schemas.microsoft.com/office/powerpoint/2010/main" val="3876105879"/>
       </p:ext>
     </p:extLst>
   </p:cSld>
@@ -4392,7 +5629,19 @@
           <a:p>
             <a:r>
               <a:rPr lang="zh-CN" altLang="en-US" dirty="0" smtClean="0"/>
-              <a:t>评估方案</a:t>
+              <a:t>与</a:t>
+            </a:r>
+            <a:r>
+              <a:rPr lang="en-US" altLang="zh-CN" dirty="0" smtClean="0"/>
+              <a:t>SD-WAN</a:t>
+            </a:r>
+            <a:r>
+              <a:rPr lang="zh-CN" altLang="en-US" dirty="0" smtClean="0"/>
+              <a:t>的</a:t>
+            </a:r>
+            <a:r>
+              <a:rPr lang="zh-CN" altLang="en-US" dirty="0" smtClean="0"/>
+              <a:t>区别</a:t>
             </a:r>
             <a:endParaRPr lang="zh-CN" altLang="en-US" dirty="0"/>
           </a:p>
@@ -4410,17 +5659,884 @@
         </p:nvSpPr>
         <p:spPr/>
         <p:txBody>
-          <a:bodyPr/>
+          <a:bodyPr>
+            <a:normAutofit/>
+          </a:bodyPr>
           <a:lstStyle/>
           <a:p>
-            <a:endParaRPr lang="zh-CN" altLang="en-US"/>
+            <a:r>
+              <a:rPr lang="en-US" altLang="zh-CN" dirty="0" smtClean="0"/>
+              <a:t>SD-WAN</a:t>
+            </a:r>
+          </a:p>
+          <a:p>
+            <a:pPr lvl="1"/>
+            <a:r>
+              <a:rPr lang="zh-CN" altLang="en-US" dirty="0" smtClean="0"/>
+              <a:t>控制器通过</a:t>
+            </a:r>
+            <a:r>
+              <a:rPr lang="en-US" altLang="zh-CN" dirty="0" smtClean="0"/>
+              <a:t>BGP</a:t>
+            </a:r>
+            <a:r>
+              <a:rPr lang="zh-CN" altLang="en-US" dirty="0" smtClean="0"/>
+              <a:t>协议收集路由信息（</a:t>
+            </a:r>
+            <a:r>
+              <a:rPr lang="en-US" altLang="zh-CN" dirty="0" err="1" smtClean="0"/>
+              <a:t>ebgp</a:t>
+            </a:r>
+            <a:r>
+              <a:rPr lang="en-US" altLang="zh-CN" dirty="0" smtClean="0"/>
+              <a:t> policy</a:t>
+            </a:r>
+            <a:r>
+              <a:rPr lang="zh-CN" altLang="en-US" dirty="0" smtClean="0"/>
+              <a:t>），在控制器上根据用户定义的</a:t>
+            </a:r>
+            <a:r>
+              <a:rPr lang="en-US" altLang="zh-CN" dirty="0" smtClean="0"/>
+              <a:t>policy</a:t>
+            </a:r>
+            <a:r>
+              <a:rPr lang="zh-CN" altLang="en-US" dirty="0" smtClean="0"/>
+              <a:t>修改路由参数，计算最优路由，发给特定的路由器（</a:t>
+            </a:r>
+            <a:r>
+              <a:rPr lang="en-US" altLang="zh-CN" dirty="0" err="1" smtClean="0"/>
+              <a:t>ibgp</a:t>
+            </a:r>
+            <a:r>
+              <a:rPr lang="en-US" altLang="zh-CN" dirty="0" smtClean="0"/>
+              <a:t> policy</a:t>
+            </a:r>
+            <a:r>
+              <a:rPr lang="zh-CN" altLang="en-US" dirty="0" smtClean="0"/>
+              <a:t>）</a:t>
+            </a:r>
+            <a:endParaRPr lang="en-US" altLang="zh-CN" dirty="0" smtClean="0"/>
+          </a:p>
+          <a:p>
+            <a:pPr lvl="1"/>
+            <a:r>
+              <a:rPr lang="zh-CN" altLang="en-US" dirty="0"/>
+              <a:t>简化的安全密钥交换（用于数据平面</a:t>
+            </a:r>
+            <a:r>
+              <a:rPr lang="en-US" altLang="zh-CN" dirty="0"/>
+              <a:t>CPE</a:t>
+            </a:r>
+            <a:r>
+              <a:rPr lang="zh-CN" altLang="en-US" dirty="0"/>
+              <a:t>设备之间</a:t>
+            </a:r>
+            <a:r>
+              <a:rPr lang="en-US" altLang="zh-CN" dirty="0" err="1"/>
+              <a:t>IPSec</a:t>
+            </a:r>
+            <a:r>
+              <a:rPr lang="zh-CN" altLang="en-US" dirty="0"/>
+              <a:t>隧道的建立</a:t>
+            </a:r>
+            <a:endParaRPr lang="en-US" altLang="zh-CN" dirty="0" smtClean="0"/>
+          </a:p>
+          <a:p>
+            <a:r>
+              <a:rPr lang="zh-CN" altLang="en-US" dirty="0"/>
+              <a:t>我的方案</a:t>
+            </a:r>
+            <a:r>
+              <a:rPr lang="zh-CN" altLang="en-US" dirty="0" smtClean="0"/>
+              <a:t>与</a:t>
+            </a:r>
+            <a:r>
+              <a:rPr lang="en-US" altLang="zh-CN" dirty="0" smtClean="0"/>
+              <a:t>SD-WAN</a:t>
+            </a:r>
+            <a:r>
+              <a:rPr lang="zh-CN" altLang="en-US" dirty="0" smtClean="0"/>
+              <a:t>的</a:t>
+            </a:r>
+            <a:r>
+              <a:rPr lang="zh-CN" altLang="en-US" dirty="0"/>
+              <a:t>区别</a:t>
+            </a:r>
+            <a:endParaRPr lang="en-US" altLang="zh-CN" dirty="0" smtClean="0"/>
+          </a:p>
+          <a:p>
+            <a:pPr lvl="1"/>
+            <a:r>
+              <a:rPr lang="zh-CN" altLang="en-US" dirty="0"/>
+              <a:t>更准确的路由计算方法</a:t>
+            </a:r>
+            <a:endParaRPr lang="en-US" altLang="zh-CN" dirty="0"/>
+          </a:p>
+          <a:p>
+            <a:pPr lvl="2"/>
+            <a:r>
+              <a:rPr lang="zh-CN" altLang="en-US" dirty="0"/>
+              <a:t>我的方案：集合缩小法来计算最优路由</a:t>
+            </a:r>
+            <a:endParaRPr lang="en-US" altLang="zh-CN" dirty="0"/>
+          </a:p>
+          <a:p>
+            <a:pPr lvl="2"/>
+            <a:r>
+              <a:rPr lang="en-US" altLang="zh-CN" dirty="0" smtClean="0"/>
+              <a:t>SD-WAN</a:t>
+            </a:r>
+            <a:r>
+              <a:rPr lang="zh-CN" altLang="en-US" dirty="0" smtClean="0"/>
+              <a:t>方案：传统的分布式计算路由</a:t>
+            </a:r>
+            <a:endParaRPr lang="en-US" altLang="zh-CN" dirty="0" smtClean="0"/>
           </a:p>
         </p:txBody>
       </p:sp>
     </p:spTree>
     <p:extLst>
       <p:ext uri="{BB962C8B-B14F-4D97-AF65-F5344CB8AC3E}">
-        <p14:creationId xmlns:p14="http://schemas.microsoft.com/office/powerpoint/2010/main" val="2468574750"/>
+        <p14:creationId xmlns:p14="http://schemas.microsoft.com/office/powerpoint/2010/main" val="2779405596"/>
+      </p:ext>
+    </p:extLst>
+  </p:cSld>
+  <p:clrMapOvr>
+    <a:masterClrMapping/>
+  </p:clrMapOvr>
+</p:sld>
+</file>
+
+<file path=ppt/slides/slide13.xml><?xml version="1.0" encoding="utf-8"?>
+<p:sld xmlns:a="http://schemas.openxmlformats.org/drawingml/2006/main" xmlns:r="http://schemas.openxmlformats.org/officeDocument/2006/relationships" xmlns:p="http://schemas.openxmlformats.org/presentationml/2006/main">
+  <p:cSld>
+    <p:spTree>
+      <p:nvGrpSpPr>
+        <p:cNvPr id="1" name=""/>
+        <p:cNvGrpSpPr/>
+        <p:nvPr/>
+      </p:nvGrpSpPr>
+      <p:grpSpPr>
+        <a:xfrm>
+          <a:off x="0" y="0"/>
+          <a:ext cx="0" cy="0"/>
+          <a:chOff x="0" y="0"/>
+          <a:chExt cx="0" cy="0"/>
+        </a:xfrm>
+      </p:grpSpPr>
+      <p:sp>
+        <p:nvSpPr>
+          <p:cNvPr id="2" name="标题 1"/>
+          <p:cNvSpPr>
+            <a:spLocks noGrp="1"/>
+          </p:cNvSpPr>
+          <p:nvPr>
+            <p:ph type="title"/>
+          </p:nvPr>
+        </p:nvSpPr>
+        <p:spPr/>
+        <p:txBody>
+          <a:bodyPr/>
+          <a:lstStyle/>
+          <a:p>
+            <a:r>
+              <a:rPr lang="zh-CN" altLang="en-US" dirty="0" smtClean="0"/>
+              <a:t>测试与分析</a:t>
+            </a:r>
+            <a:endParaRPr lang="zh-CN" altLang="en-US" dirty="0"/>
+          </a:p>
+        </p:txBody>
+      </p:sp>
+      <p:sp>
+        <p:nvSpPr>
+          <p:cNvPr id="3" name="内容占位符 2"/>
+          <p:cNvSpPr>
+            <a:spLocks noGrp="1"/>
+          </p:cNvSpPr>
+          <p:nvPr>
+            <p:ph idx="1"/>
+          </p:nvPr>
+        </p:nvSpPr>
+        <p:spPr/>
+        <p:txBody>
+          <a:bodyPr>
+            <a:normAutofit/>
+          </a:bodyPr>
+          <a:lstStyle/>
+          <a:p>
+            <a:pPr>
+              <a:lnSpc>
+                <a:spcPct val="100000"/>
+              </a:lnSpc>
+            </a:pPr>
+            <a:r>
+              <a:rPr lang="zh-CN" altLang="en-US" dirty="0" smtClean="0"/>
+              <a:t>测试平台</a:t>
+            </a:r>
+            <a:endParaRPr lang="en-US" altLang="zh-CN" dirty="0" smtClean="0"/>
+          </a:p>
+          <a:p>
+            <a:pPr lvl="1">
+              <a:lnSpc>
+                <a:spcPct val="100000"/>
+              </a:lnSpc>
+            </a:pPr>
+            <a:r>
+              <a:rPr lang="zh-CN" altLang="en-US" dirty="0"/>
+              <a:t>仿真实验：</a:t>
+            </a:r>
+            <a:r>
+              <a:rPr lang="en-US" altLang="zh-CN" dirty="0"/>
+              <a:t>Docker</a:t>
+            </a:r>
+            <a:r>
+              <a:rPr lang="zh-CN" altLang="en-US" dirty="0" smtClean="0"/>
+              <a:t>容器（域内拓扑</a:t>
+            </a:r>
+            <a:r>
+              <a:rPr lang="en-US" altLang="zh-CN" dirty="0" smtClean="0"/>
+              <a:t>+</a:t>
+            </a:r>
+            <a:r>
+              <a:rPr lang="zh-CN" altLang="en-US" dirty="0" smtClean="0"/>
+              <a:t>仿真器打路由）</a:t>
+            </a:r>
+            <a:endParaRPr lang="zh-CN" altLang="en-US" dirty="0"/>
+          </a:p>
+          <a:p>
+            <a:pPr lvl="1">
+              <a:lnSpc>
+                <a:spcPct val="100000"/>
+              </a:lnSpc>
+            </a:pPr>
+            <a:r>
+              <a:rPr lang="zh-CN" altLang="en-US" dirty="0"/>
+              <a:t>实际测试：真实</a:t>
+            </a:r>
+            <a:r>
+              <a:rPr lang="zh-CN" altLang="en-US" dirty="0" smtClean="0"/>
+              <a:t>设备（小拓扑）</a:t>
+            </a:r>
+            <a:endParaRPr lang="en-US" altLang="zh-CN" dirty="0" smtClean="0"/>
+          </a:p>
+          <a:p>
+            <a:pPr>
+              <a:lnSpc>
+                <a:spcPct val="100000"/>
+              </a:lnSpc>
+            </a:pPr>
+            <a:r>
+              <a:rPr lang="zh-CN" altLang="en-US" dirty="0"/>
+              <a:t>测试</a:t>
+            </a:r>
+            <a:r>
+              <a:rPr lang="zh-CN" altLang="en-US" dirty="0" smtClean="0"/>
+              <a:t>的主要性能指标</a:t>
+            </a:r>
+            <a:endParaRPr lang="en-US" altLang="zh-CN" dirty="0" smtClean="0"/>
+          </a:p>
+          <a:p>
+            <a:pPr lvl="1">
+              <a:lnSpc>
+                <a:spcPct val="100000"/>
+              </a:lnSpc>
+            </a:pPr>
+            <a:r>
+              <a:rPr lang="zh-CN" altLang="en-US" dirty="0" smtClean="0"/>
+              <a:t>定性分析</a:t>
+            </a:r>
+            <a:r>
+              <a:rPr lang="en-US" altLang="zh-CN" dirty="0"/>
+              <a:t>(</a:t>
+            </a:r>
+            <a:r>
+              <a:rPr lang="zh-CN" altLang="en-US" dirty="0"/>
+              <a:t>传统网络、</a:t>
+            </a:r>
+            <a:r>
+              <a:rPr lang="en-US" altLang="zh-CN" dirty="0"/>
+              <a:t>RR</a:t>
+            </a:r>
+            <a:r>
+              <a:rPr lang="zh-CN" altLang="en-US" dirty="0" smtClean="0"/>
+              <a:t>、</a:t>
+            </a:r>
+            <a:r>
+              <a:rPr lang="en-US" altLang="zh-CN" dirty="0" smtClean="0"/>
+              <a:t>RCP</a:t>
+            </a:r>
+            <a:r>
+              <a:rPr lang="zh-CN" altLang="en-US" dirty="0" smtClean="0"/>
+              <a:t>、</a:t>
+            </a:r>
+            <a:r>
+              <a:rPr lang="en-US" altLang="zh-CN" dirty="0" smtClean="0"/>
+              <a:t>SD-</a:t>
+            </a:r>
+            <a:r>
+              <a:rPr lang="en-US" altLang="zh-CN" dirty="0" err="1" smtClean="0"/>
+              <a:t>iBGP</a:t>
+            </a:r>
+            <a:r>
+              <a:rPr lang="en-US" altLang="zh-CN" dirty="0" smtClean="0"/>
+              <a:t>)</a:t>
+            </a:r>
+          </a:p>
+          <a:p>
+            <a:pPr lvl="2">
+              <a:lnSpc>
+                <a:spcPct val="100000"/>
+              </a:lnSpc>
+            </a:pPr>
+            <a:r>
+              <a:rPr lang="en-US" altLang="zh-CN" dirty="0" err="1" smtClean="0"/>
+              <a:t>iBGP</a:t>
+            </a:r>
+            <a:r>
+              <a:rPr lang="zh-CN" altLang="en-US" dirty="0" smtClean="0"/>
+              <a:t>可扩展性：</a:t>
+            </a:r>
+            <a:r>
+              <a:rPr lang="en-US" altLang="zh-CN" dirty="0" err="1" smtClean="0"/>
+              <a:t>iBGP</a:t>
+            </a:r>
+            <a:r>
+              <a:rPr lang="en-US" altLang="zh-CN" dirty="0" smtClean="0"/>
+              <a:t> session</a:t>
+            </a:r>
+            <a:r>
+              <a:rPr lang="zh-CN" altLang="en-US" dirty="0" smtClean="0"/>
+              <a:t>数目</a:t>
+            </a:r>
+            <a:endParaRPr lang="en-US" altLang="zh-CN" dirty="0" smtClean="0"/>
+          </a:p>
+          <a:p>
+            <a:pPr lvl="2">
+              <a:lnSpc>
+                <a:spcPct val="100000"/>
+              </a:lnSpc>
+            </a:pPr>
+            <a:r>
+              <a:rPr lang="zh-CN" altLang="en-US" dirty="0" smtClean="0"/>
+              <a:t>路由存储：存储复杂度对比</a:t>
+            </a:r>
+            <a:endParaRPr lang="en-US" altLang="zh-CN" dirty="0" smtClean="0"/>
+          </a:p>
+          <a:p>
+            <a:pPr lvl="2">
+              <a:lnSpc>
+                <a:spcPct val="100000"/>
+              </a:lnSpc>
+            </a:pPr>
+            <a:r>
+              <a:rPr lang="zh-CN" altLang="en-US" dirty="0" smtClean="0"/>
+              <a:t>路由策略：策略配置便捷</a:t>
+            </a:r>
+            <a:r>
+              <a:rPr lang="zh-CN" altLang="en-US" dirty="0" smtClean="0"/>
+              <a:t>性</a:t>
+            </a:r>
+            <a:r>
+              <a:rPr lang="zh-CN" altLang="en-US" dirty="0" smtClean="0"/>
+              <a:t>、灵活性</a:t>
+            </a:r>
+            <a:endParaRPr lang="en-US" altLang="zh-CN" dirty="0" smtClean="0"/>
+          </a:p>
+          <a:p>
+            <a:pPr lvl="2">
+              <a:lnSpc>
+                <a:spcPct val="100000"/>
+              </a:lnSpc>
+            </a:pPr>
+            <a:r>
+              <a:rPr lang="zh-CN" altLang="en-US" dirty="0"/>
+              <a:t>路由</a:t>
+            </a:r>
+            <a:r>
+              <a:rPr lang="zh-CN" altLang="en-US" dirty="0" smtClean="0"/>
+              <a:t>计算：路由在域内传播的计算复杂度分析</a:t>
+            </a:r>
+            <a:endParaRPr lang="en-US" altLang="zh-CN" dirty="0" smtClean="0"/>
+          </a:p>
+        </p:txBody>
+      </p:sp>
+    </p:spTree>
+    <p:extLst>
+      <p:ext uri="{BB962C8B-B14F-4D97-AF65-F5344CB8AC3E}">
+        <p14:creationId xmlns:p14="http://schemas.microsoft.com/office/powerpoint/2010/main" val="2554943744"/>
+      </p:ext>
+    </p:extLst>
+  </p:cSld>
+  <p:clrMapOvr>
+    <a:masterClrMapping/>
+  </p:clrMapOvr>
+  <p:timing>
+    <p:tnLst>
+      <p:par>
+        <p:cTn id="1" dur="indefinite" restart="never" nodeType="tmRoot"/>
+      </p:par>
+    </p:tnLst>
+  </p:timing>
+</p:sld>
+</file>
+
+<file path=ppt/slides/slide14.xml><?xml version="1.0" encoding="utf-8"?>
+<p:sld xmlns:a="http://schemas.openxmlformats.org/drawingml/2006/main" xmlns:r="http://schemas.openxmlformats.org/officeDocument/2006/relationships" xmlns:p="http://schemas.openxmlformats.org/presentationml/2006/main">
+  <p:cSld>
+    <p:spTree>
+      <p:nvGrpSpPr>
+        <p:cNvPr id="1" name=""/>
+        <p:cNvGrpSpPr/>
+        <p:nvPr/>
+      </p:nvGrpSpPr>
+      <p:grpSpPr>
+        <a:xfrm>
+          <a:off x="0" y="0"/>
+          <a:ext cx="0" cy="0"/>
+          <a:chOff x="0" y="0"/>
+          <a:chExt cx="0" cy="0"/>
+        </a:xfrm>
+      </p:grpSpPr>
+      <p:sp>
+        <p:nvSpPr>
+          <p:cNvPr id="2" name="标题 1"/>
+          <p:cNvSpPr>
+            <a:spLocks noGrp="1"/>
+          </p:cNvSpPr>
+          <p:nvPr>
+            <p:ph type="title"/>
+          </p:nvPr>
+        </p:nvSpPr>
+        <p:spPr/>
+        <p:txBody>
+          <a:bodyPr/>
+          <a:lstStyle/>
+          <a:p>
+            <a:r>
+              <a:rPr lang="zh-CN" altLang="en-US" dirty="0" smtClean="0"/>
+              <a:t>测试与分析</a:t>
+            </a:r>
+            <a:endParaRPr lang="zh-CN" altLang="en-US" dirty="0"/>
+          </a:p>
+        </p:txBody>
+      </p:sp>
+      <p:sp>
+        <p:nvSpPr>
+          <p:cNvPr id="3" name="内容占位符 2"/>
+          <p:cNvSpPr>
+            <a:spLocks noGrp="1"/>
+          </p:cNvSpPr>
+          <p:nvPr>
+            <p:ph idx="1"/>
+          </p:nvPr>
+        </p:nvSpPr>
+        <p:spPr/>
+        <p:txBody>
+          <a:bodyPr>
+            <a:normAutofit fontScale="92500" lnSpcReduction="20000"/>
+          </a:bodyPr>
+          <a:lstStyle/>
+          <a:p>
+            <a:pPr lvl="0">
+              <a:lnSpc>
+                <a:spcPct val="100000"/>
+              </a:lnSpc>
+            </a:pPr>
+            <a:r>
+              <a:rPr lang="zh-CN" altLang="en-US" sz="3200" dirty="0">
+                <a:solidFill>
+                  <a:prstClr val="black"/>
+                </a:solidFill>
+              </a:rPr>
+              <a:t>测试的主要</a:t>
+            </a:r>
+            <a:r>
+              <a:rPr lang="zh-CN" altLang="en-US" sz="3200" dirty="0" smtClean="0">
+                <a:solidFill>
+                  <a:prstClr val="black"/>
+                </a:solidFill>
+              </a:rPr>
+              <a:t>性能指标</a:t>
+            </a:r>
+            <a:r>
+              <a:rPr lang="en-US" altLang="zh-CN" sz="3200" dirty="0" smtClean="0">
+                <a:solidFill>
+                  <a:prstClr val="black"/>
+                </a:solidFill>
+              </a:rPr>
+              <a:t>-</a:t>
+            </a:r>
+            <a:r>
+              <a:rPr lang="zh-CN" altLang="en-US" sz="3200" dirty="0" smtClean="0">
+                <a:solidFill>
+                  <a:prstClr val="black"/>
+                </a:solidFill>
+              </a:rPr>
+              <a:t>定量实验</a:t>
+            </a:r>
+            <a:endParaRPr lang="en-US" altLang="zh-CN" sz="1700" dirty="0">
+              <a:solidFill>
+                <a:prstClr val="black"/>
+              </a:solidFill>
+            </a:endParaRPr>
+          </a:p>
+          <a:p>
+            <a:pPr lvl="1">
+              <a:lnSpc>
+                <a:spcPct val="100000"/>
+              </a:lnSpc>
+            </a:pPr>
+            <a:r>
+              <a:rPr lang="zh-CN" altLang="en-US" dirty="0" smtClean="0"/>
+              <a:t>可扩展性</a:t>
+            </a:r>
+            <a:endParaRPr lang="en-US" altLang="zh-CN" dirty="0" smtClean="0"/>
+          </a:p>
+          <a:p>
+            <a:pPr lvl="2"/>
+            <a:r>
+              <a:rPr lang="zh-CN" altLang="en-US" sz="2400" dirty="0" smtClean="0"/>
+              <a:t>网络拓扑</a:t>
+            </a:r>
+            <a:r>
+              <a:rPr lang="zh-CN" altLang="en-US" sz="2400" dirty="0"/>
+              <a:t>大小和路由</a:t>
+            </a:r>
+            <a:r>
+              <a:rPr lang="zh-CN" altLang="en-US" sz="2400" dirty="0" smtClean="0"/>
+              <a:t>数目</a:t>
+            </a:r>
+            <a:endParaRPr lang="en-US" altLang="zh-CN" sz="2400" dirty="0" smtClean="0"/>
+          </a:p>
+          <a:p>
+            <a:pPr lvl="3"/>
+            <a:r>
+              <a:rPr lang="zh-CN" altLang="en-US" sz="2400" dirty="0"/>
+              <a:t>平均每条路由计算的时间</a:t>
+            </a:r>
+            <a:endParaRPr lang="en-US" altLang="zh-CN" sz="2400" dirty="0"/>
+          </a:p>
+          <a:p>
+            <a:pPr lvl="3"/>
+            <a:r>
+              <a:rPr lang="zh-CN" altLang="en-US" sz="2400" dirty="0"/>
+              <a:t>维护各种数据结构所使用的</a:t>
+            </a:r>
+            <a:r>
+              <a:rPr lang="zh-CN" altLang="en-US" sz="2400" dirty="0" smtClean="0"/>
+              <a:t>内存</a:t>
+            </a:r>
+            <a:endParaRPr lang="en-US" altLang="zh-CN" sz="2200" dirty="0" smtClean="0"/>
+          </a:p>
+          <a:p>
+            <a:pPr lvl="1"/>
+            <a:r>
+              <a:rPr lang="zh-CN" altLang="en-US" sz="2800" dirty="0" smtClean="0"/>
+              <a:t>有效性</a:t>
+            </a:r>
+            <a:endParaRPr lang="en-US" altLang="zh-CN" sz="2800" dirty="0"/>
+          </a:p>
+          <a:p>
+            <a:pPr lvl="2"/>
+            <a:r>
+              <a:rPr lang="zh-CN" altLang="en-US" sz="2400" dirty="0"/>
+              <a:t>是否</a:t>
+            </a:r>
+            <a:r>
+              <a:rPr lang="zh-CN" altLang="en-US" sz="2400" dirty="0" smtClean="0"/>
+              <a:t>解决</a:t>
+            </a:r>
+            <a:r>
+              <a:rPr lang="en-US" altLang="zh-CN" sz="2400" dirty="0" smtClean="0"/>
+              <a:t>RR</a:t>
+            </a:r>
+            <a:r>
+              <a:rPr lang="zh-CN" altLang="en-US" sz="2400" dirty="0" smtClean="0"/>
+              <a:t>、</a:t>
+            </a:r>
+            <a:r>
+              <a:rPr lang="en-US" altLang="zh-CN" sz="2400" dirty="0" smtClean="0"/>
+              <a:t>AS</a:t>
+            </a:r>
+            <a:r>
+              <a:rPr lang="zh-CN" altLang="en-US" sz="2400" dirty="0" smtClean="0"/>
+              <a:t>联邦存在</a:t>
+            </a:r>
+            <a:r>
+              <a:rPr lang="zh-CN" altLang="en-US" sz="2400" dirty="0"/>
+              <a:t>的问题（分别设计拓扑）</a:t>
+            </a:r>
+            <a:r>
+              <a:rPr lang="zh-CN" altLang="en-US" sz="2400" dirty="0" smtClean="0"/>
+              <a:t>：</a:t>
+            </a:r>
+            <a:endParaRPr lang="en-US" altLang="zh-CN" sz="2400" dirty="0" smtClean="0"/>
+          </a:p>
+          <a:p>
+            <a:pPr lvl="3"/>
+            <a:r>
+              <a:rPr lang="zh-CN" altLang="en-US" sz="2000" dirty="0" smtClean="0"/>
+              <a:t>非</a:t>
+            </a:r>
+            <a:r>
+              <a:rPr lang="zh-CN" altLang="en-US" sz="2000" dirty="0"/>
+              <a:t>最优出口（</a:t>
+            </a:r>
+            <a:r>
+              <a:rPr lang="en-US" altLang="zh-CN" sz="2000" dirty="0"/>
+              <a:t>IGP</a:t>
+            </a:r>
+            <a:r>
+              <a:rPr lang="zh-CN" altLang="en-US" sz="2000" dirty="0"/>
+              <a:t>视图 </a:t>
+            </a:r>
+            <a:r>
+              <a:rPr lang="en-US" altLang="zh-CN" sz="2000" dirty="0"/>
+              <a:t>| </a:t>
+            </a:r>
+            <a:r>
+              <a:rPr lang="zh-CN" altLang="en-US" sz="2000" dirty="0"/>
+              <a:t>全部路由</a:t>
+            </a:r>
+            <a:r>
+              <a:rPr lang="zh-CN" altLang="en-US" sz="2000" dirty="0" smtClean="0"/>
+              <a:t>）</a:t>
+            </a:r>
+            <a:endParaRPr lang="en-US" altLang="zh-CN" sz="2000" dirty="0" smtClean="0"/>
+          </a:p>
+          <a:p>
+            <a:pPr lvl="3"/>
+            <a:r>
+              <a:rPr lang="zh-CN" altLang="en-US" sz="2000" dirty="0" smtClean="0"/>
+              <a:t>转发环路</a:t>
+            </a:r>
+            <a:endParaRPr lang="en-US" altLang="zh-CN" sz="2000" dirty="0" smtClean="0"/>
+          </a:p>
+          <a:p>
+            <a:pPr lvl="3"/>
+            <a:r>
+              <a:rPr lang="zh-CN" altLang="en-US" sz="2000" dirty="0" smtClean="0"/>
+              <a:t>路由</a:t>
+            </a:r>
+            <a:r>
+              <a:rPr lang="zh-CN" altLang="en-US" sz="2000" dirty="0"/>
+              <a:t>震荡</a:t>
+            </a:r>
+            <a:endParaRPr lang="en-US" altLang="zh-CN" sz="2000" dirty="0"/>
+          </a:p>
+          <a:p>
+            <a:pPr lvl="2"/>
+            <a:r>
+              <a:rPr lang="zh-CN" altLang="en-US" sz="2400" dirty="0"/>
+              <a:t>路由变化</a:t>
+            </a:r>
+            <a:r>
+              <a:rPr lang="en-US" altLang="zh-CN" sz="2400" dirty="0" smtClean="0"/>
+              <a:t>|</a:t>
+            </a:r>
+            <a:r>
+              <a:rPr lang="zh-CN" altLang="en-US" sz="2400" dirty="0" smtClean="0"/>
+              <a:t>拓扑</a:t>
+            </a:r>
+            <a:r>
+              <a:rPr lang="zh-CN" altLang="en-US" sz="2400" dirty="0"/>
+              <a:t>或者</a:t>
+            </a:r>
+            <a:r>
+              <a:rPr lang="zh-CN" altLang="en-US" sz="2400" dirty="0" smtClean="0"/>
+              <a:t>配置</a:t>
+            </a:r>
+            <a:r>
+              <a:rPr lang="zh-CN" altLang="en-US" sz="2400" dirty="0" smtClean="0"/>
+              <a:t>变化（</a:t>
+            </a:r>
+            <a:r>
+              <a:rPr lang="en-US" altLang="zh-CN" sz="2400" dirty="0" smtClean="0"/>
+              <a:t>IGP cost</a:t>
+            </a:r>
+            <a:r>
+              <a:rPr lang="zh-CN" altLang="en-US" sz="2400" dirty="0" smtClean="0"/>
+              <a:t>等等）</a:t>
+            </a:r>
+            <a:endParaRPr lang="en-US" altLang="zh-CN" sz="2400" dirty="0"/>
+          </a:p>
+          <a:p>
+            <a:pPr lvl="3"/>
+            <a:r>
+              <a:rPr lang="zh-CN" altLang="en-US" sz="2000" dirty="0"/>
+              <a:t>平均每条路由计算的时间</a:t>
+            </a:r>
+            <a:endParaRPr lang="en-US" altLang="zh-CN" sz="2000" dirty="0"/>
+          </a:p>
+          <a:p>
+            <a:pPr lvl="3"/>
+            <a:r>
+              <a:rPr lang="zh-CN" altLang="en-US" sz="2000" dirty="0"/>
+              <a:t>维护各种数据结构所使用的内存</a:t>
+            </a:r>
+            <a:endParaRPr lang="en-US" altLang="zh-CN" sz="2000" dirty="0"/>
+          </a:p>
+        </p:txBody>
+      </p:sp>
+    </p:spTree>
+    <p:extLst>
+      <p:ext uri="{BB962C8B-B14F-4D97-AF65-F5344CB8AC3E}">
+        <p14:creationId xmlns:p14="http://schemas.microsoft.com/office/powerpoint/2010/main" val="3141606814"/>
+      </p:ext>
+    </p:extLst>
+  </p:cSld>
+  <p:clrMapOvr>
+    <a:masterClrMapping/>
+  </p:clrMapOvr>
+  <p:timing>
+    <p:tnLst>
+      <p:par>
+        <p:cTn id="1" dur="indefinite" restart="never" nodeType="tmRoot"/>
+      </p:par>
+    </p:tnLst>
+  </p:timing>
+</p:sld>
+</file>
+
+<file path=ppt/slides/slide15.xml><?xml version="1.0" encoding="utf-8"?>
+<p:sld xmlns:a="http://schemas.openxmlformats.org/drawingml/2006/main" xmlns:r="http://schemas.openxmlformats.org/officeDocument/2006/relationships" xmlns:p="http://schemas.openxmlformats.org/presentationml/2006/main">
+  <p:cSld>
+    <p:spTree>
+      <p:nvGrpSpPr>
+        <p:cNvPr id="1" name=""/>
+        <p:cNvGrpSpPr/>
+        <p:nvPr/>
+      </p:nvGrpSpPr>
+      <p:grpSpPr>
+        <a:xfrm>
+          <a:off x="0" y="0"/>
+          <a:ext cx="0" cy="0"/>
+          <a:chOff x="0" y="0"/>
+          <a:chExt cx="0" cy="0"/>
+        </a:xfrm>
+      </p:grpSpPr>
+      <p:sp>
+        <p:nvSpPr>
+          <p:cNvPr id="2" name="标题 1"/>
+          <p:cNvSpPr>
+            <a:spLocks noGrp="1"/>
+          </p:cNvSpPr>
+          <p:nvPr>
+            <p:ph type="title"/>
+          </p:nvPr>
+        </p:nvSpPr>
+        <p:spPr/>
+        <p:txBody>
+          <a:bodyPr/>
+          <a:lstStyle/>
+          <a:p>
+            <a:r>
+              <a:rPr lang="zh-CN" altLang="en-US" dirty="0" smtClean="0"/>
+              <a:t>测试与分析</a:t>
+            </a:r>
+            <a:endParaRPr lang="zh-CN" altLang="en-US" dirty="0"/>
+          </a:p>
+        </p:txBody>
+      </p:sp>
+      <p:sp>
+        <p:nvSpPr>
+          <p:cNvPr id="3" name="内容占位符 2"/>
+          <p:cNvSpPr>
+            <a:spLocks noGrp="1"/>
+          </p:cNvSpPr>
+          <p:nvPr>
+            <p:ph idx="1"/>
+          </p:nvPr>
+        </p:nvSpPr>
+        <p:spPr/>
+        <p:txBody>
+          <a:bodyPr/>
+          <a:lstStyle/>
+          <a:p>
+            <a:pPr marL="228600" lvl="1">
+              <a:spcBef>
+                <a:spcPts val="1000"/>
+              </a:spcBef>
+            </a:pPr>
+            <a:r>
+              <a:rPr lang="zh-CN" altLang="en-US" dirty="0" smtClean="0"/>
+              <a:t>仿真器：直接</a:t>
+            </a:r>
+            <a:r>
+              <a:rPr lang="zh-CN" altLang="en-US" smtClean="0"/>
+              <a:t>把路由给</a:t>
+            </a:r>
+            <a:r>
+              <a:rPr lang="zh-CN" altLang="en-US" dirty="0" smtClean="0"/>
+              <a:t>集中平台</a:t>
+            </a:r>
+            <a:endParaRPr lang="en-US" altLang="zh-CN" dirty="0" smtClean="0"/>
+          </a:p>
+          <a:p>
+            <a:pPr lvl="1"/>
+            <a:r>
+              <a:rPr lang="zh-CN" altLang="en-US" dirty="0" smtClean="0"/>
+              <a:t>路由计算的可扩展性</a:t>
+            </a:r>
+            <a:endParaRPr lang="en-US" altLang="zh-CN" dirty="0" smtClean="0"/>
+          </a:p>
+          <a:p>
+            <a:pPr lvl="1"/>
+            <a:r>
+              <a:rPr lang="zh-CN" altLang="en-US" dirty="0" smtClean="0"/>
+              <a:t>路由存储的可扩展性</a:t>
+            </a:r>
+            <a:endParaRPr lang="en-US" altLang="zh-CN" dirty="0" smtClean="0"/>
+          </a:p>
+          <a:p>
+            <a:r>
+              <a:rPr lang="zh-CN" altLang="en-US" dirty="0" smtClean="0"/>
+              <a:t>小型拓扑</a:t>
+            </a:r>
+            <a:endParaRPr lang="en-US" altLang="zh-CN" dirty="0" smtClean="0"/>
+          </a:p>
+          <a:p>
+            <a:pPr lvl="1"/>
+            <a:r>
+              <a:rPr lang="zh-CN" altLang="en-US" dirty="0" smtClean="0"/>
+              <a:t>路由传输：集中平台和边界路由器的路由传输</a:t>
+            </a:r>
+            <a:endParaRPr lang="en-US" altLang="zh-CN" dirty="0" smtClean="0"/>
+          </a:p>
+          <a:p>
+            <a:pPr lvl="1"/>
+            <a:r>
+              <a:rPr lang="zh-CN" altLang="en-US" dirty="0"/>
+              <a:t>路由</a:t>
+            </a:r>
+            <a:r>
+              <a:rPr lang="zh-CN" altLang="en-US" dirty="0" smtClean="0"/>
+              <a:t>计算的正确性</a:t>
+            </a:r>
+            <a:endParaRPr lang="en-US" altLang="zh-CN" dirty="0" smtClean="0"/>
+          </a:p>
+          <a:p>
+            <a:pPr lvl="1"/>
+            <a:r>
+              <a:rPr lang="zh-CN" altLang="en-US" dirty="0" smtClean="0"/>
+              <a:t>路由存储的正确性</a:t>
+            </a:r>
+            <a:endParaRPr lang="en-US" altLang="zh-CN" dirty="0" smtClean="0"/>
+          </a:p>
+          <a:p>
+            <a:pPr lvl="1"/>
+            <a:r>
+              <a:rPr lang="zh-CN" altLang="en-US" dirty="0" smtClean="0"/>
+              <a:t>策略管理</a:t>
+            </a:r>
+            <a:endParaRPr lang="en-US" altLang="zh-CN" dirty="0"/>
+          </a:p>
+        </p:txBody>
+      </p:sp>
+    </p:spTree>
+    <p:extLst>
+      <p:ext uri="{BB962C8B-B14F-4D97-AF65-F5344CB8AC3E}">
+        <p14:creationId xmlns:p14="http://schemas.microsoft.com/office/powerpoint/2010/main" val="3912396075"/>
       </p:ext>
     </p:extLst>
   </p:cSld>
@@ -4527,7 +6643,7 @@
           <a:p>
             <a:r>
               <a:rPr lang="zh-CN" altLang="en-US" dirty="0" smtClean="0"/>
-              <a:t>评估方法</a:t>
+              <a:t>测试与分析</a:t>
             </a:r>
             <a:endParaRPr lang="en-US" altLang="zh-CN" dirty="0" smtClean="0"/>
           </a:p>
@@ -4580,7 +6696,7 @@
           <a:p>
             <a:r>
               <a:rPr lang="zh-CN" altLang="en-US" dirty="0" smtClean="0"/>
-              <a:t>新型路由算法</a:t>
+              <a:t>优化路由表项存储</a:t>
             </a:r>
             <a:endParaRPr lang="zh-CN" altLang="en-US" dirty="0"/>
           </a:p>
@@ -4602,171 +6718,1510 @@
           <a:lstStyle/>
           <a:p>
             <a:r>
-              <a:rPr lang="zh-CN" altLang="en-US" dirty="0" smtClean="0"/>
-              <a:t>集中资源，分布式计算方法</a:t>
-            </a:r>
-            <a:endParaRPr lang="en-US" altLang="zh-CN" dirty="0" smtClean="0"/>
+              <a:rPr lang="en-US" altLang="zh-CN" dirty="0" smtClean="0"/>
+              <a:t>RIB-IN</a:t>
+            </a:r>
           </a:p>
           <a:p>
             <a:pPr lvl="1"/>
             <a:r>
-              <a:rPr lang="zh-CN" altLang="en-US" dirty="0" smtClean="0"/>
-              <a:t>路由经过每台边界路由器过滤后形态各异</a:t>
-            </a:r>
-            <a:endParaRPr lang="en-US" altLang="zh-CN" dirty="0" smtClean="0"/>
-          </a:p>
-          <a:p>
-            <a:r>
-              <a:rPr lang="zh-CN" altLang="en-US" dirty="0" smtClean="0">
-                <a:solidFill>
-                  <a:srgbClr val="FF0000"/>
-                </a:solidFill>
-              </a:rPr>
-              <a:t>两两比较属性</a:t>
-            </a:r>
-            <a:r>
-              <a:rPr lang="zh-CN" altLang="en-US" dirty="0" smtClean="0"/>
-              <a:t>的算法不够优：集合缩小到</a:t>
-            </a:r>
-            <a:r>
-              <a:rPr lang="en-US" altLang="zh-CN" dirty="0" smtClean="0"/>
-              <a:t>1</a:t>
+              <a:rPr lang="zh-CN" altLang="en-US" dirty="0"/>
+              <a:t>不</a:t>
+            </a:r>
+            <a:r>
+              <a:rPr lang="zh-CN" altLang="en-US" dirty="0" smtClean="0"/>
+              <a:t>包含</a:t>
+            </a:r>
+            <a:r>
+              <a:rPr lang="en-US" altLang="zh-CN" dirty="0" smtClean="0"/>
+              <a:t>router-id</a:t>
+            </a:r>
+            <a:r>
+              <a:rPr lang="zh-CN" altLang="en-US" dirty="0" smtClean="0"/>
+              <a:t>，有</a:t>
+            </a:r>
+            <a:r>
+              <a:rPr lang="en-US" altLang="zh-CN" dirty="0" smtClean="0"/>
+              <a:t>index</a:t>
+            </a:r>
+            <a:r>
+              <a:rPr lang="zh-CN" altLang="en-US" dirty="0" smtClean="0"/>
+              <a:t>如</a:t>
+            </a:r>
+            <a:r>
+              <a:rPr lang="en-US" altLang="zh-CN" dirty="0" smtClean="0"/>
+              <a:t>1,2,3</a:t>
+            </a:r>
+          </a:p>
+          <a:p>
+            <a:r>
+              <a:rPr lang="en-US" altLang="zh-CN" dirty="0" smtClean="0"/>
+              <a:t>Router-RIB-IN-Index</a:t>
             </a:r>
           </a:p>
           <a:p>
             <a:pPr lvl="1"/>
             <a:r>
-              <a:rPr lang="en-US" altLang="zh-CN" dirty="0" smtClean="0"/>
-              <a:t>Weight</a:t>
-            </a:r>
-            <a:r>
-              <a:rPr lang="zh-CN" altLang="en-US" dirty="0" smtClean="0"/>
-              <a:t>最高</a:t>
-            </a:r>
-            <a:endParaRPr lang="en-US" altLang="zh-CN" dirty="0" smtClean="0"/>
+              <a:rPr lang="zh-CN" altLang="en-US" dirty="0"/>
+              <a:t>每台</a:t>
+            </a:r>
+            <a:r>
+              <a:rPr lang="zh-CN" altLang="en-US" dirty="0" smtClean="0"/>
+              <a:t>边界路由器计算出自己的路由，在</a:t>
+            </a:r>
+            <a:r>
+              <a:rPr lang="en-US" altLang="zh-CN" dirty="0" smtClean="0"/>
+              <a:t>RIB-IN</a:t>
+            </a:r>
+            <a:r>
+              <a:rPr lang="zh-CN" altLang="en-US" dirty="0" smtClean="0"/>
+              <a:t>中找</a:t>
+            </a:r>
+            <a:endParaRPr lang="en-US" altLang="zh-CN" dirty="0" smtClean="0"/>
+          </a:p>
+          <a:p>
+            <a:pPr lvl="2"/>
+            <a:r>
+              <a:rPr lang="zh-CN" altLang="en-US" dirty="0" smtClean="0"/>
+              <a:t>找到，直接加入标记</a:t>
+            </a:r>
+            <a:r>
+              <a:rPr lang="en-US" altLang="zh-CN" dirty="0" smtClean="0"/>
+              <a:t>index</a:t>
+            </a:r>
+            <a:r>
+              <a:rPr lang="zh-CN" altLang="en-US" dirty="0" smtClean="0"/>
+              <a:t>的表项</a:t>
+            </a:r>
+            <a:r>
+              <a:rPr lang="en-US" altLang="zh-CN" dirty="0" smtClean="0"/>
+              <a:t>【1】</a:t>
+            </a:r>
+          </a:p>
+          <a:p>
+            <a:pPr lvl="2"/>
+            <a:r>
+              <a:rPr lang="zh-CN" altLang="en-US" dirty="0" smtClean="0"/>
+              <a:t>没找到，在</a:t>
+            </a:r>
+            <a:r>
+              <a:rPr lang="en-US" altLang="zh-CN" dirty="0" smtClean="0"/>
+              <a:t>RIB-IN</a:t>
+            </a:r>
+            <a:r>
+              <a:rPr lang="zh-CN" altLang="en-US" dirty="0" smtClean="0"/>
+              <a:t>中增加</a:t>
+            </a:r>
+            <a:r>
+              <a:rPr lang="en-US" altLang="zh-CN" dirty="0" smtClean="0"/>
+              <a:t>index=4</a:t>
+            </a:r>
+            <a:r>
+              <a:rPr lang="zh-CN" altLang="en-US" dirty="0" smtClean="0"/>
+              <a:t>的表项，执行</a:t>
+            </a:r>
+            <a:r>
+              <a:rPr lang="en-US" altLang="zh-CN" dirty="0" smtClean="0"/>
+              <a:t>【1】</a:t>
+            </a:r>
           </a:p>
           <a:p>
             <a:pPr lvl="1"/>
-            <a:r>
-              <a:rPr lang="en-US" altLang="zh-CN" dirty="0" smtClean="0"/>
-              <a:t>Local Preference</a:t>
-            </a:r>
-            <a:r>
-              <a:rPr lang="zh-CN" altLang="en-US" dirty="0" smtClean="0"/>
-              <a:t>最高</a:t>
-            </a:r>
-            <a:endParaRPr lang="en-US" altLang="zh-CN" dirty="0" smtClean="0"/>
-          </a:p>
-          <a:p>
-            <a:pPr lvl="1"/>
-            <a:r>
-              <a:rPr lang="en-US" altLang="zh-CN" dirty="0" smtClean="0"/>
-              <a:t>AS path</a:t>
-            </a:r>
-            <a:r>
-              <a:rPr lang="zh-CN" altLang="en-US" dirty="0" smtClean="0"/>
-              <a:t>最短</a:t>
-            </a:r>
-            <a:endParaRPr lang="en-US" altLang="zh-CN" dirty="0" smtClean="0"/>
-          </a:p>
-          <a:p>
-            <a:pPr lvl="1"/>
-            <a:r>
-              <a:rPr lang="zh-CN" altLang="en-US" dirty="0" smtClean="0"/>
-              <a:t>来自相同</a:t>
-            </a:r>
-            <a:r>
-              <a:rPr lang="en-US" altLang="zh-CN" dirty="0" smtClean="0"/>
-              <a:t>AS</a:t>
-            </a:r>
-            <a:r>
-              <a:rPr lang="zh-CN" altLang="en-US" dirty="0" smtClean="0"/>
-              <a:t>的</a:t>
-            </a:r>
-            <a:r>
-              <a:rPr lang="en-US" altLang="zh-CN" dirty="0" smtClean="0"/>
-              <a:t>MED</a:t>
-            </a:r>
-            <a:r>
-              <a:rPr lang="zh-CN" altLang="en-US" dirty="0" smtClean="0"/>
-              <a:t>最低</a:t>
-            </a:r>
-            <a:r>
-              <a:rPr lang="en-US" altLang="zh-CN" dirty="0" smtClean="0"/>
-              <a:t>+</a:t>
-            </a:r>
-            <a:r>
-              <a:rPr lang="zh-CN" altLang="en-US" dirty="0" smtClean="0"/>
-              <a:t>来自不同</a:t>
-            </a:r>
-            <a:r>
-              <a:rPr lang="en-US" altLang="zh-CN" dirty="0" smtClean="0"/>
-              <a:t>AS</a:t>
-            </a:r>
-            <a:endParaRPr lang="en-US" altLang="zh-CN" dirty="0"/>
-          </a:p>
-          <a:p>
-            <a:pPr lvl="1"/>
-            <a:r>
-              <a:rPr lang="en-US" altLang="zh-CN" dirty="0" smtClean="0"/>
-              <a:t>IGP metric</a:t>
-            </a:r>
-            <a:r>
-              <a:rPr lang="zh-CN" altLang="en-US" dirty="0" smtClean="0"/>
-              <a:t>最小</a:t>
-            </a:r>
-            <a:endParaRPr lang="en-US" altLang="zh-CN" dirty="0" smtClean="0"/>
-          </a:p>
-          <a:p>
-            <a:pPr lvl="1"/>
-            <a:r>
-              <a:rPr lang="en-US" altLang="zh-CN" dirty="0" smtClean="0"/>
-              <a:t>Next-hop</a:t>
-            </a:r>
-            <a:r>
-              <a:rPr lang="zh-CN" altLang="en-US" dirty="0" smtClean="0"/>
-              <a:t>的</a:t>
-            </a:r>
-            <a:r>
-              <a:rPr lang="en-US" altLang="zh-CN" dirty="0" smtClean="0"/>
-              <a:t>router-id</a:t>
-            </a:r>
-            <a:r>
-              <a:rPr lang="zh-CN" altLang="en-US" dirty="0" smtClean="0"/>
-              <a:t>最小</a:t>
-            </a:r>
-            <a:endParaRPr lang="en-US" altLang="zh-CN" dirty="0" smtClean="0"/>
-          </a:p>
-          <a:p>
-            <a:pPr lvl="1"/>
-            <a:r>
-              <a:rPr lang="en-US" altLang="zh-CN" dirty="0" smtClean="0"/>
-              <a:t>Next-hop</a:t>
-            </a:r>
-            <a:r>
-              <a:rPr lang="zh-CN" altLang="en-US" dirty="0" smtClean="0"/>
-              <a:t>的</a:t>
-            </a:r>
-            <a:r>
-              <a:rPr lang="en-US" altLang="zh-CN" dirty="0" err="1" smtClean="0"/>
-              <a:t>ip</a:t>
-            </a:r>
-            <a:r>
-              <a:rPr lang="zh-CN" altLang="en-US" dirty="0" smtClean="0"/>
-              <a:t>地址最小</a:t>
-            </a:r>
-            <a:endParaRPr lang="en-US" altLang="zh-CN" dirty="0" smtClean="0"/>
-          </a:p>
-          <a:p>
-            <a:pPr lvl="1"/>
-            <a:endParaRPr lang="en-US" altLang="zh-CN" dirty="0" smtClean="0"/>
-          </a:p>
-          <a:p>
-            <a:pPr lvl="1"/>
-            <a:endParaRPr lang="en-US" altLang="zh-CN" dirty="0" smtClean="0"/>
-          </a:p>
-          <a:p>
-            <a:pPr lvl="1"/>
+            <a:endParaRPr lang="en-US" altLang="zh-CN" dirty="0" smtClean="0"/>
+          </a:p>
+          <a:p>
+            <a:pPr marL="457200" lvl="1" indent="0">
+              <a:buNone/>
+            </a:pPr>
+            <a:endParaRPr lang="zh-CN" altLang="en-US" dirty="0"/>
+          </a:p>
+        </p:txBody>
+      </p:sp>
+      <p:graphicFrame>
+        <p:nvGraphicFramePr>
+          <p:cNvPr id="4" name="表格 3"/>
+          <p:cNvGraphicFramePr>
+            <a:graphicFrameLocks noGrp="1"/>
+          </p:cNvGraphicFramePr>
+          <p:nvPr>
+            <p:extLst/>
+          </p:nvPr>
+        </p:nvGraphicFramePr>
+        <p:xfrm>
+          <a:off x="3206750" y="4466897"/>
+          <a:ext cx="5308600" cy="723900"/>
+        </p:xfrm>
+        <a:graphic>
+          <a:graphicData uri="http://schemas.openxmlformats.org/drawingml/2006/table">
+            <a:tbl>
+              <a:tblPr>
+                <a:tableStyleId>{5C22544A-7EE6-4342-B048-85BDC9FD1C3A}</a:tableStyleId>
+              </a:tblPr>
+              <a:tblGrid>
+                <a:gridCol w="633863">
+                  <a:extLst>
+                    <a:ext uri="{9D8B030D-6E8A-4147-A177-3AD203B41FA5}">
+                      <a16:colId xmlns:a16="http://schemas.microsoft.com/office/drawing/2014/main" val="1970876727"/>
+                    </a:ext>
+                  </a:extLst>
+                </a:gridCol>
+                <a:gridCol w="836699">
+                  <a:extLst>
+                    <a:ext uri="{9D8B030D-6E8A-4147-A177-3AD203B41FA5}">
+                      <a16:colId xmlns:a16="http://schemas.microsoft.com/office/drawing/2014/main" val="701670805"/>
+                    </a:ext>
+                  </a:extLst>
+                </a:gridCol>
+                <a:gridCol w="1169477">
+                  <a:extLst>
+                    <a:ext uri="{9D8B030D-6E8A-4147-A177-3AD203B41FA5}">
+                      <a16:colId xmlns:a16="http://schemas.microsoft.com/office/drawing/2014/main" val="1720056254"/>
+                    </a:ext>
+                  </a:extLst>
+                </a:gridCol>
+                <a:gridCol w="646540">
+                  <a:extLst>
+                    <a:ext uri="{9D8B030D-6E8A-4147-A177-3AD203B41FA5}">
+                      <a16:colId xmlns:a16="http://schemas.microsoft.com/office/drawing/2014/main" val="1924264265"/>
+                    </a:ext>
+                  </a:extLst>
+                </a:gridCol>
+                <a:gridCol w="446873">
+                  <a:extLst>
+                    <a:ext uri="{9D8B030D-6E8A-4147-A177-3AD203B41FA5}">
+                      <a16:colId xmlns:a16="http://schemas.microsoft.com/office/drawing/2014/main" val="1755397164"/>
+                    </a:ext>
+                  </a:extLst>
+                </a:gridCol>
+                <a:gridCol w="671894">
+                  <a:extLst>
+                    <a:ext uri="{9D8B030D-6E8A-4147-A177-3AD203B41FA5}">
+                      <a16:colId xmlns:a16="http://schemas.microsoft.com/office/drawing/2014/main" val="1676823395"/>
+                    </a:ext>
+                  </a:extLst>
+                </a:gridCol>
+                <a:gridCol w="903254">
+                  <a:extLst>
+                    <a:ext uri="{9D8B030D-6E8A-4147-A177-3AD203B41FA5}">
+                      <a16:colId xmlns:a16="http://schemas.microsoft.com/office/drawing/2014/main" val="1152947278"/>
+                    </a:ext>
+                  </a:extLst>
+                </a:gridCol>
+              </a:tblGrid>
+              <a:tr h="180975">
+                <a:tc>
+                  <a:txBody>
+                    <a:bodyPr/>
+                    <a:lstStyle/>
+                    <a:p>
+                      <a:pPr algn="ctr" fontAlgn="ctr"/>
+                      <a:r>
+                        <a:rPr lang="en-US" sz="1100" u="none" strike="noStrike">
+                          <a:effectLst/>
+                        </a:rPr>
+                        <a:t>index</a:t>
+                      </a:r>
+                      <a:endParaRPr lang="en-US" sz="1100" b="0" i="0" u="none" strike="noStrike">
+                        <a:solidFill>
+                          <a:srgbClr val="000000"/>
+                        </a:solidFill>
+                        <a:effectLst/>
+                        <a:latin typeface="等线" panose="02010600030101010101" pitchFamily="2" charset="-122"/>
+                        <a:ea typeface="等线" panose="02010600030101010101" pitchFamily="2" charset="-122"/>
+                      </a:endParaRPr>
+                    </a:p>
+                  </a:txBody>
+                  <a:tcPr marL="9525" marR="9525" marT="9525" marB="0" anchor="ctr"/>
+                </a:tc>
+                <a:tc>
+                  <a:txBody>
+                    <a:bodyPr/>
+                    <a:lstStyle/>
+                    <a:p>
+                      <a:pPr algn="ctr" fontAlgn="ctr"/>
+                      <a:r>
+                        <a:rPr lang="en-US" sz="1100" u="none" strike="noStrike">
+                          <a:effectLst/>
+                        </a:rPr>
+                        <a:t>prefix</a:t>
+                      </a:r>
+                      <a:endParaRPr lang="en-US" sz="1100" b="0" i="0" u="none" strike="noStrike">
+                        <a:solidFill>
+                          <a:srgbClr val="000000"/>
+                        </a:solidFill>
+                        <a:effectLst/>
+                        <a:latin typeface="等线" panose="02010600030101010101" pitchFamily="2" charset="-122"/>
+                        <a:ea typeface="等线" panose="02010600030101010101" pitchFamily="2" charset="-122"/>
+                      </a:endParaRPr>
+                    </a:p>
+                  </a:txBody>
+                  <a:tcPr marL="9525" marR="9525" marT="9525" marB="0" anchor="ctr"/>
+                </a:tc>
+                <a:tc>
+                  <a:txBody>
+                    <a:bodyPr/>
+                    <a:lstStyle/>
+                    <a:p>
+                      <a:pPr algn="ctr" fontAlgn="ctr"/>
+                      <a:r>
+                        <a:rPr lang="en-US" sz="1100" u="none" strike="noStrike">
+                          <a:effectLst/>
+                        </a:rPr>
+                        <a:t>local preference</a:t>
+                      </a:r>
+                      <a:endParaRPr lang="en-US" sz="1100" b="0" i="0" u="none" strike="noStrike">
+                        <a:solidFill>
+                          <a:srgbClr val="000000"/>
+                        </a:solidFill>
+                        <a:effectLst/>
+                        <a:latin typeface="等线" panose="02010600030101010101" pitchFamily="2" charset="-122"/>
+                        <a:ea typeface="等线" panose="02010600030101010101" pitchFamily="2" charset="-122"/>
+                      </a:endParaRPr>
+                    </a:p>
+                  </a:txBody>
+                  <a:tcPr marL="9525" marR="9525" marT="9525" marB="0" anchor="ctr"/>
+                </a:tc>
+                <a:tc>
+                  <a:txBody>
+                    <a:bodyPr/>
+                    <a:lstStyle/>
+                    <a:p>
+                      <a:pPr algn="ctr" fontAlgn="ctr"/>
+                      <a:r>
+                        <a:rPr lang="en-US" sz="1100" u="none" strike="noStrike">
+                          <a:effectLst/>
+                        </a:rPr>
+                        <a:t>as path</a:t>
+                      </a:r>
+                      <a:endParaRPr lang="en-US" sz="1100" b="0" i="0" u="none" strike="noStrike">
+                        <a:solidFill>
+                          <a:srgbClr val="000000"/>
+                        </a:solidFill>
+                        <a:effectLst/>
+                        <a:latin typeface="等线" panose="02010600030101010101" pitchFamily="2" charset="-122"/>
+                        <a:ea typeface="等线" panose="02010600030101010101" pitchFamily="2" charset="-122"/>
+                      </a:endParaRPr>
+                    </a:p>
+                  </a:txBody>
+                  <a:tcPr marL="9525" marR="9525" marT="9525" marB="0" anchor="ctr"/>
+                </a:tc>
+                <a:tc>
+                  <a:txBody>
+                    <a:bodyPr/>
+                    <a:lstStyle/>
+                    <a:p>
+                      <a:pPr algn="ctr" fontAlgn="ctr"/>
+                      <a:r>
+                        <a:rPr lang="en-US" sz="1100" u="none" strike="noStrike" dirty="0">
+                          <a:effectLst/>
+                        </a:rPr>
+                        <a:t>med</a:t>
+                      </a:r>
+                      <a:endParaRPr lang="en-US" sz="1100" b="0" i="0" u="none" strike="noStrike" dirty="0">
+                        <a:solidFill>
+                          <a:srgbClr val="000000"/>
+                        </a:solidFill>
+                        <a:effectLst/>
+                        <a:latin typeface="等线" panose="02010600030101010101" pitchFamily="2" charset="-122"/>
+                        <a:ea typeface="等线" panose="02010600030101010101" pitchFamily="2" charset="-122"/>
+                      </a:endParaRPr>
+                    </a:p>
+                  </a:txBody>
+                  <a:tcPr marL="9525" marR="9525" marT="9525" marB="0" anchor="ctr"/>
+                </a:tc>
+                <a:tc>
+                  <a:txBody>
+                    <a:bodyPr/>
+                    <a:lstStyle/>
+                    <a:p>
+                      <a:pPr algn="ctr" fontAlgn="ctr"/>
+                      <a:r>
+                        <a:rPr lang="en-US" sz="1100" u="none" strike="noStrike">
+                          <a:effectLst/>
+                        </a:rPr>
+                        <a:t>next-hop</a:t>
+                      </a:r>
+                      <a:endParaRPr lang="en-US" sz="1100" b="0" i="0" u="none" strike="noStrike">
+                        <a:solidFill>
+                          <a:srgbClr val="000000"/>
+                        </a:solidFill>
+                        <a:effectLst/>
+                        <a:latin typeface="等线" panose="02010600030101010101" pitchFamily="2" charset="-122"/>
+                        <a:ea typeface="等线" panose="02010600030101010101" pitchFamily="2" charset="-122"/>
+                      </a:endParaRPr>
+                    </a:p>
+                  </a:txBody>
+                  <a:tcPr marL="9525" marR="9525" marT="9525" marB="0" anchor="ctr"/>
+                </a:tc>
+                <a:tc>
+                  <a:txBody>
+                    <a:bodyPr/>
+                    <a:lstStyle/>
+                    <a:p>
+                      <a:pPr algn="ctr" fontAlgn="ctr"/>
+                      <a:r>
+                        <a:rPr lang="en-US" sz="1100" u="none" strike="noStrike">
+                          <a:effectLst/>
+                        </a:rPr>
+                        <a:t>neighbor ip</a:t>
+                      </a:r>
+                      <a:endParaRPr lang="en-US" sz="1100" b="0" i="0" u="none" strike="noStrike">
+                        <a:solidFill>
+                          <a:srgbClr val="000000"/>
+                        </a:solidFill>
+                        <a:effectLst/>
+                        <a:latin typeface="等线" panose="02010600030101010101" pitchFamily="2" charset="-122"/>
+                        <a:ea typeface="等线" panose="02010600030101010101" pitchFamily="2" charset="-122"/>
+                      </a:endParaRPr>
+                    </a:p>
+                  </a:txBody>
+                  <a:tcPr marL="9525" marR="9525" marT="9525" marB="0" anchor="ctr"/>
+                </a:tc>
+                <a:extLst>
+                  <a:ext uri="{0D108BD9-81ED-4DB2-BD59-A6C34878D82A}">
+                    <a16:rowId xmlns:a16="http://schemas.microsoft.com/office/drawing/2014/main" val="610657710"/>
+                  </a:ext>
+                </a:extLst>
+              </a:tr>
+              <a:tr h="180975">
+                <a:tc>
+                  <a:txBody>
+                    <a:bodyPr/>
+                    <a:lstStyle/>
+                    <a:p>
+                      <a:pPr algn="ctr" fontAlgn="ctr"/>
+                      <a:r>
+                        <a:rPr lang="en-US" altLang="zh-CN" sz="1100" u="none" strike="noStrike">
+                          <a:effectLst/>
+                        </a:rPr>
+                        <a:t>1</a:t>
+                      </a:r>
+                      <a:endParaRPr lang="en-US" altLang="zh-CN" sz="1100" b="0" i="0" u="none" strike="noStrike">
+                        <a:solidFill>
+                          <a:srgbClr val="000000"/>
+                        </a:solidFill>
+                        <a:effectLst/>
+                        <a:latin typeface="等线" panose="02010600030101010101" pitchFamily="2" charset="-122"/>
+                        <a:ea typeface="等线" panose="02010600030101010101" pitchFamily="2" charset="-122"/>
+                      </a:endParaRPr>
+                    </a:p>
+                  </a:txBody>
+                  <a:tcPr marL="9525" marR="9525" marT="9525" marB="0" anchor="ctr"/>
+                </a:tc>
+                <a:tc>
+                  <a:txBody>
+                    <a:bodyPr/>
+                    <a:lstStyle/>
+                    <a:p>
+                      <a:pPr algn="ctr" fontAlgn="ctr"/>
+                      <a:r>
+                        <a:rPr lang="en-US" altLang="zh-CN" sz="1100" u="none" strike="noStrike">
+                          <a:effectLst/>
+                        </a:rPr>
+                        <a:t>192.167.1.0</a:t>
+                      </a:r>
+                      <a:endParaRPr lang="en-US" altLang="zh-CN" sz="1100" b="0" i="0" u="none" strike="noStrike">
+                        <a:solidFill>
+                          <a:srgbClr val="000000"/>
+                        </a:solidFill>
+                        <a:effectLst/>
+                        <a:latin typeface="等线" panose="02010600030101010101" pitchFamily="2" charset="-122"/>
+                        <a:ea typeface="等线" panose="02010600030101010101" pitchFamily="2" charset="-122"/>
+                      </a:endParaRPr>
+                    </a:p>
+                  </a:txBody>
+                  <a:tcPr marL="9525" marR="9525" marT="9525" marB="0" anchor="ctr"/>
+                </a:tc>
+                <a:tc>
+                  <a:txBody>
+                    <a:bodyPr/>
+                    <a:lstStyle/>
+                    <a:p>
+                      <a:pPr algn="ctr" fontAlgn="ctr"/>
+                      <a:r>
+                        <a:rPr lang="en-US" altLang="zh-CN" sz="1100" u="none" strike="noStrike">
+                          <a:effectLst/>
+                        </a:rPr>
+                        <a:t>100</a:t>
+                      </a:r>
+                      <a:endParaRPr lang="en-US" altLang="zh-CN" sz="1100" b="0" i="0" u="none" strike="noStrike">
+                        <a:solidFill>
+                          <a:srgbClr val="000000"/>
+                        </a:solidFill>
+                        <a:effectLst/>
+                        <a:latin typeface="等线" panose="02010600030101010101" pitchFamily="2" charset="-122"/>
+                        <a:ea typeface="等线" panose="02010600030101010101" pitchFamily="2" charset="-122"/>
+                      </a:endParaRPr>
+                    </a:p>
+                  </a:txBody>
+                  <a:tcPr marL="9525" marR="9525" marT="9525" marB="0" anchor="ctr"/>
+                </a:tc>
+                <a:tc>
+                  <a:txBody>
+                    <a:bodyPr/>
+                    <a:lstStyle/>
+                    <a:p>
+                      <a:pPr algn="ctr" fontAlgn="ctr"/>
+                      <a:r>
+                        <a:rPr lang="en-US" altLang="zh-CN" sz="1100" u="none" strike="noStrike">
+                          <a:effectLst/>
+                        </a:rPr>
+                        <a:t>200,400</a:t>
+                      </a:r>
+                      <a:endParaRPr lang="en-US" altLang="zh-CN" sz="1100" b="0" i="0" u="none" strike="noStrike">
+                        <a:solidFill>
+                          <a:srgbClr val="000000"/>
+                        </a:solidFill>
+                        <a:effectLst/>
+                        <a:latin typeface="等线" panose="02010600030101010101" pitchFamily="2" charset="-122"/>
+                        <a:ea typeface="等线" panose="02010600030101010101" pitchFamily="2" charset="-122"/>
+                      </a:endParaRPr>
+                    </a:p>
+                  </a:txBody>
+                  <a:tcPr marL="9525" marR="9525" marT="9525" marB="0" anchor="ctr"/>
+                </a:tc>
+                <a:tc>
+                  <a:txBody>
+                    <a:bodyPr/>
+                    <a:lstStyle/>
+                    <a:p>
+                      <a:pPr algn="ctr" fontAlgn="ctr"/>
+                      <a:r>
+                        <a:rPr lang="en-US" altLang="zh-CN" sz="1100" u="none" strike="noStrike">
+                          <a:effectLst/>
+                        </a:rPr>
+                        <a:t>5</a:t>
+                      </a:r>
+                      <a:endParaRPr lang="en-US" altLang="zh-CN" sz="1100" b="0" i="0" u="none" strike="noStrike">
+                        <a:solidFill>
+                          <a:srgbClr val="000000"/>
+                        </a:solidFill>
+                        <a:effectLst/>
+                        <a:latin typeface="等线" panose="02010600030101010101" pitchFamily="2" charset="-122"/>
+                        <a:ea typeface="等线" panose="02010600030101010101" pitchFamily="2" charset="-122"/>
+                      </a:endParaRPr>
+                    </a:p>
+                  </a:txBody>
+                  <a:tcPr marL="9525" marR="9525" marT="9525" marB="0" anchor="ctr"/>
+                </a:tc>
+                <a:tc>
+                  <a:txBody>
+                    <a:bodyPr/>
+                    <a:lstStyle/>
+                    <a:p>
+                      <a:pPr algn="ctr" fontAlgn="ctr"/>
+                      <a:r>
+                        <a:rPr lang="en-US" sz="1100" u="none" strike="noStrike">
+                          <a:effectLst/>
+                        </a:rPr>
+                        <a:t>r5-ip</a:t>
+                      </a:r>
+                      <a:endParaRPr lang="en-US" sz="1100" b="0" i="0" u="none" strike="noStrike">
+                        <a:solidFill>
+                          <a:srgbClr val="000000"/>
+                        </a:solidFill>
+                        <a:effectLst/>
+                        <a:latin typeface="等线" panose="02010600030101010101" pitchFamily="2" charset="-122"/>
+                        <a:ea typeface="等线" panose="02010600030101010101" pitchFamily="2" charset="-122"/>
+                      </a:endParaRPr>
+                    </a:p>
+                  </a:txBody>
+                  <a:tcPr marL="9525" marR="9525" marT="9525" marB="0" anchor="ctr"/>
+                </a:tc>
+                <a:tc>
+                  <a:txBody>
+                    <a:bodyPr/>
+                    <a:lstStyle/>
+                    <a:p>
+                      <a:pPr algn="ctr" fontAlgn="ctr"/>
+                      <a:r>
+                        <a:rPr lang="en-US" sz="1100" u="none" strike="noStrike">
+                          <a:effectLst/>
+                        </a:rPr>
+                        <a:t>r5-ip</a:t>
+                      </a:r>
+                      <a:endParaRPr lang="en-US" sz="1100" b="0" i="0" u="none" strike="noStrike">
+                        <a:solidFill>
+                          <a:srgbClr val="000000"/>
+                        </a:solidFill>
+                        <a:effectLst/>
+                        <a:latin typeface="等线" panose="02010600030101010101" pitchFamily="2" charset="-122"/>
+                        <a:ea typeface="等线" panose="02010600030101010101" pitchFamily="2" charset="-122"/>
+                      </a:endParaRPr>
+                    </a:p>
+                  </a:txBody>
+                  <a:tcPr marL="9525" marR="9525" marT="9525" marB="0" anchor="ctr"/>
+                </a:tc>
+                <a:extLst>
+                  <a:ext uri="{0D108BD9-81ED-4DB2-BD59-A6C34878D82A}">
+                    <a16:rowId xmlns:a16="http://schemas.microsoft.com/office/drawing/2014/main" val="2454950363"/>
+                  </a:ext>
+                </a:extLst>
+              </a:tr>
+              <a:tr h="180975">
+                <a:tc>
+                  <a:txBody>
+                    <a:bodyPr/>
+                    <a:lstStyle/>
+                    <a:p>
+                      <a:pPr algn="ctr" fontAlgn="ctr"/>
+                      <a:r>
+                        <a:rPr lang="en-US" altLang="zh-CN" sz="1100" u="none" strike="noStrike">
+                          <a:effectLst/>
+                        </a:rPr>
+                        <a:t>2</a:t>
+                      </a:r>
+                      <a:endParaRPr lang="en-US" altLang="zh-CN" sz="1100" b="0" i="0" u="none" strike="noStrike">
+                        <a:solidFill>
+                          <a:srgbClr val="000000"/>
+                        </a:solidFill>
+                        <a:effectLst/>
+                        <a:latin typeface="等线" panose="02010600030101010101" pitchFamily="2" charset="-122"/>
+                        <a:ea typeface="等线" panose="02010600030101010101" pitchFamily="2" charset="-122"/>
+                      </a:endParaRPr>
+                    </a:p>
+                  </a:txBody>
+                  <a:tcPr marL="9525" marR="9525" marT="9525" marB="0" anchor="ctr"/>
+                </a:tc>
+                <a:tc>
+                  <a:txBody>
+                    <a:bodyPr/>
+                    <a:lstStyle/>
+                    <a:p>
+                      <a:pPr algn="ctr" fontAlgn="ctr"/>
+                      <a:r>
+                        <a:rPr lang="en-US" altLang="zh-CN" sz="1100" u="none" strike="noStrike">
+                          <a:effectLst/>
+                        </a:rPr>
+                        <a:t>192.167.1.0</a:t>
+                      </a:r>
+                      <a:endParaRPr lang="en-US" altLang="zh-CN" sz="1100" b="0" i="0" u="none" strike="noStrike">
+                        <a:solidFill>
+                          <a:srgbClr val="000000"/>
+                        </a:solidFill>
+                        <a:effectLst/>
+                        <a:latin typeface="等线" panose="02010600030101010101" pitchFamily="2" charset="-122"/>
+                        <a:ea typeface="等线" panose="02010600030101010101" pitchFamily="2" charset="-122"/>
+                      </a:endParaRPr>
+                    </a:p>
+                  </a:txBody>
+                  <a:tcPr marL="9525" marR="9525" marT="9525" marB="0" anchor="ctr"/>
+                </a:tc>
+                <a:tc>
+                  <a:txBody>
+                    <a:bodyPr/>
+                    <a:lstStyle/>
+                    <a:p>
+                      <a:pPr algn="ctr" fontAlgn="ctr"/>
+                      <a:r>
+                        <a:rPr lang="en-US" altLang="zh-CN" sz="1100" u="none" strike="noStrike">
+                          <a:effectLst/>
+                        </a:rPr>
+                        <a:t>150</a:t>
+                      </a:r>
+                      <a:endParaRPr lang="en-US" altLang="zh-CN" sz="1100" b="0" i="0" u="none" strike="noStrike">
+                        <a:solidFill>
+                          <a:srgbClr val="000000"/>
+                        </a:solidFill>
+                        <a:effectLst/>
+                        <a:latin typeface="等线" panose="02010600030101010101" pitchFamily="2" charset="-122"/>
+                        <a:ea typeface="等线" panose="02010600030101010101" pitchFamily="2" charset="-122"/>
+                      </a:endParaRPr>
+                    </a:p>
+                  </a:txBody>
+                  <a:tcPr marL="9525" marR="9525" marT="9525" marB="0" anchor="ctr"/>
+                </a:tc>
+                <a:tc>
+                  <a:txBody>
+                    <a:bodyPr/>
+                    <a:lstStyle/>
+                    <a:p>
+                      <a:pPr algn="ctr" fontAlgn="ctr"/>
+                      <a:r>
+                        <a:rPr lang="en-US" altLang="zh-CN" sz="1100" u="none" strike="noStrike">
+                          <a:effectLst/>
+                        </a:rPr>
+                        <a:t>200,400</a:t>
+                      </a:r>
+                      <a:endParaRPr lang="en-US" altLang="zh-CN" sz="1100" b="0" i="0" u="none" strike="noStrike">
+                        <a:solidFill>
+                          <a:srgbClr val="000000"/>
+                        </a:solidFill>
+                        <a:effectLst/>
+                        <a:latin typeface="等线" panose="02010600030101010101" pitchFamily="2" charset="-122"/>
+                        <a:ea typeface="等线" panose="02010600030101010101" pitchFamily="2" charset="-122"/>
+                      </a:endParaRPr>
+                    </a:p>
+                  </a:txBody>
+                  <a:tcPr marL="9525" marR="9525" marT="9525" marB="0" anchor="ctr"/>
+                </a:tc>
+                <a:tc>
+                  <a:txBody>
+                    <a:bodyPr/>
+                    <a:lstStyle/>
+                    <a:p>
+                      <a:pPr algn="ctr" fontAlgn="ctr"/>
+                      <a:r>
+                        <a:rPr lang="en-US" altLang="zh-CN" sz="1100" u="none" strike="noStrike">
+                          <a:effectLst/>
+                        </a:rPr>
+                        <a:t>5</a:t>
+                      </a:r>
+                      <a:endParaRPr lang="en-US" altLang="zh-CN" sz="1100" b="0" i="0" u="none" strike="noStrike">
+                        <a:solidFill>
+                          <a:srgbClr val="000000"/>
+                        </a:solidFill>
+                        <a:effectLst/>
+                        <a:latin typeface="等线" panose="02010600030101010101" pitchFamily="2" charset="-122"/>
+                        <a:ea typeface="等线" panose="02010600030101010101" pitchFamily="2" charset="-122"/>
+                      </a:endParaRPr>
+                    </a:p>
+                  </a:txBody>
+                  <a:tcPr marL="9525" marR="9525" marT="9525" marB="0" anchor="ctr"/>
+                </a:tc>
+                <a:tc>
+                  <a:txBody>
+                    <a:bodyPr/>
+                    <a:lstStyle/>
+                    <a:p>
+                      <a:pPr algn="ctr" fontAlgn="ctr"/>
+                      <a:r>
+                        <a:rPr lang="en-US" sz="1100" u="none" strike="noStrike">
+                          <a:effectLst/>
+                        </a:rPr>
+                        <a:t>r2-ip</a:t>
+                      </a:r>
+                      <a:endParaRPr lang="en-US" sz="1100" b="0" i="0" u="none" strike="noStrike">
+                        <a:solidFill>
+                          <a:srgbClr val="000000"/>
+                        </a:solidFill>
+                        <a:effectLst/>
+                        <a:latin typeface="等线" panose="02010600030101010101" pitchFamily="2" charset="-122"/>
+                        <a:ea typeface="等线" panose="02010600030101010101" pitchFamily="2" charset="-122"/>
+                      </a:endParaRPr>
+                    </a:p>
+                  </a:txBody>
+                  <a:tcPr marL="9525" marR="9525" marT="9525" marB="0" anchor="ctr"/>
+                </a:tc>
+                <a:tc>
+                  <a:txBody>
+                    <a:bodyPr/>
+                    <a:lstStyle/>
+                    <a:p>
+                      <a:pPr algn="ctr" fontAlgn="ctr"/>
+                      <a:r>
+                        <a:rPr lang="en-US" sz="1100" u="none" strike="noStrike">
+                          <a:effectLst/>
+                        </a:rPr>
+                        <a:t>r2-ip</a:t>
+                      </a:r>
+                      <a:endParaRPr lang="en-US" sz="1100" b="0" i="0" u="none" strike="noStrike">
+                        <a:solidFill>
+                          <a:srgbClr val="000000"/>
+                        </a:solidFill>
+                        <a:effectLst/>
+                        <a:latin typeface="等线" panose="02010600030101010101" pitchFamily="2" charset="-122"/>
+                        <a:ea typeface="等线" panose="02010600030101010101" pitchFamily="2" charset="-122"/>
+                      </a:endParaRPr>
+                    </a:p>
+                  </a:txBody>
+                  <a:tcPr marL="9525" marR="9525" marT="9525" marB="0" anchor="ctr"/>
+                </a:tc>
+                <a:extLst>
+                  <a:ext uri="{0D108BD9-81ED-4DB2-BD59-A6C34878D82A}">
+                    <a16:rowId xmlns:a16="http://schemas.microsoft.com/office/drawing/2014/main" val="792971465"/>
+                  </a:ext>
+                </a:extLst>
+              </a:tr>
+              <a:tr h="180975">
+                <a:tc>
+                  <a:txBody>
+                    <a:bodyPr/>
+                    <a:lstStyle/>
+                    <a:p>
+                      <a:pPr algn="ctr" fontAlgn="ctr"/>
+                      <a:r>
+                        <a:rPr lang="en-US" altLang="zh-CN" sz="1100" u="none" strike="noStrike">
+                          <a:effectLst/>
+                        </a:rPr>
+                        <a:t>3</a:t>
+                      </a:r>
+                      <a:endParaRPr lang="en-US" altLang="zh-CN" sz="1100" b="0" i="0" u="none" strike="noStrike">
+                        <a:solidFill>
+                          <a:srgbClr val="000000"/>
+                        </a:solidFill>
+                        <a:effectLst/>
+                        <a:latin typeface="等线" panose="02010600030101010101" pitchFamily="2" charset="-122"/>
+                        <a:ea typeface="等线" panose="02010600030101010101" pitchFamily="2" charset="-122"/>
+                      </a:endParaRPr>
+                    </a:p>
+                  </a:txBody>
+                  <a:tcPr marL="9525" marR="9525" marT="9525" marB="0" anchor="ctr"/>
+                </a:tc>
+                <a:tc>
+                  <a:txBody>
+                    <a:bodyPr/>
+                    <a:lstStyle/>
+                    <a:p>
+                      <a:pPr algn="ctr" fontAlgn="ctr"/>
+                      <a:r>
+                        <a:rPr lang="en-US" altLang="zh-CN" sz="1100" u="none" strike="noStrike">
+                          <a:effectLst/>
+                        </a:rPr>
+                        <a:t>192.167.1.0</a:t>
+                      </a:r>
+                      <a:endParaRPr lang="en-US" altLang="zh-CN" sz="1100" b="0" i="0" u="none" strike="noStrike">
+                        <a:solidFill>
+                          <a:srgbClr val="000000"/>
+                        </a:solidFill>
+                        <a:effectLst/>
+                        <a:latin typeface="等线" panose="02010600030101010101" pitchFamily="2" charset="-122"/>
+                        <a:ea typeface="等线" panose="02010600030101010101" pitchFamily="2" charset="-122"/>
+                      </a:endParaRPr>
+                    </a:p>
+                  </a:txBody>
+                  <a:tcPr marL="9525" marR="9525" marT="9525" marB="0" anchor="ctr"/>
+                </a:tc>
+                <a:tc>
+                  <a:txBody>
+                    <a:bodyPr/>
+                    <a:lstStyle/>
+                    <a:p>
+                      <a:pPr algn="ctr" fontAlgn="ctr"/>
+                      <a:r>
+                        <a:rPr lang="en-US" altLang="zh-CN" sz="1100" u="none" strike="noStrike">
+                          <a:effectLst/>
+                        </a:rPr>
+                        <a:t>100</a:t>
+                      </a:r>
+                      <a:endParaRPr lang="en-US" altLang="zh-CN" sz="1100" b="0" i="0" u="none" strike="noStrike">
+                        <a:solidFill>
+                          <a:srgbClr val="000000"/>
+                        </a:solidFill>
+                        <a:effectLst/>
+                        <a:latin typeface="等线" panose="02010600030101010101" pitchFamily="2" charset="-122"/>
+                        <a:ea typeface="等线" panose="02010600030101010101" pitchFamily="2" charset="-122"/>
+                      </a:endParaRPr>
+                    </a:p>
+                  </a:txBody>
+                  <a:tcPr marL="9525" marR="9525" marT="9525" marB="0" anchor="ctr"/>
+                </a:tc>
+                <a:tc>
+                  <a:txBody>
+                    <a:bodyPr/>
+                    <a:lstStyle/>
+                    <a:p>
+                      <a:pPr algn="ctr" fontAlgn="ctr"/>
+                      <a:r>
+                        <a:rPr lang="en-US" altLang="zh-CN" sz="1100" u="none" strike="noStrike">
+                          <a:effectLst/>
+                        </a:rPr>
+                        <a:t>200,400</a:t>
+                      </a:r>
+                      <a:endParaRPr lang="en-US" altLang="zh-CN" sz="1100" b="0" i="0" u="none" strike="noStrike">
+                        <a:solidFill>
+                          <a:srgbClr val="000000"/>
+                        </a:solidFill>
+                        <a:effectLst/>
+                        <a:latin typeface="等线" panose="02010600030101010101" pitchFamily="2" charset="-122"/>
+                        <a:ea typeface="等线" panose="02010600030101010101" pitchFamily="2" charset="-122"/>
+                      </a:endParaRPr>
+                    </a:p>
+                  </a:txBody>
+                  <a:tcPr marL="9525" marR="9525" marT="9525" marB="0" anchor="ctr"/>
+                </a:tc>
+                <a:tc>
+                  <a:txBody>
+                    <a:bodyPr/>
+                    <a:lstStyle/>
+                    <a:p>
+                      <a:pPr algn="ctr" fontAlgn="ctr"/>
+                      <a:r>
+                        <a:rPr lang="en-US" altLang="zh-CN" sz="1100" u="none" strike="noStrike">
+                          <a:effectLst/>
+                        </a:rPr>
+                        <a:t>5</a:t>
+                      </a:r>
+                      <a:endParaRPr lang="en-US" altLang="zh-CN" sz="1100" b="0" i="0" u="none" strike="noStrike">
+                        <a:solidFill>
+                          <a:srgbClr val="000000"/>
+                        </a:solidFill>
+                        <a:effectLst/>
+                        <a:latin typeface="等线" panose="02010600030101010101" pitchFamily="2" charset="-122"/>
+                        <a:ea typeface="等线" panose="02010600030101010101" pitchFamily="2" charset="-122"/>
+                      </a:endParaRPr>
+                    </a:p>
+                  </a:txBody>
+                  <a:tcPr marL="9525" marR="9525" marT="9525" marB="0" anchor="ctr"/>
+                </a:tc>
+                <a:tc>
+                  <a:txBody>
+                    <a:bodyPr/>
+                    <a:lstStyle/>
+                    <a:p>
+                      <a:pPr algn="ctr" fontAlgn="ctr"/>
+                      <a:r>
+                        <a:rPr lang="en-US" sz="1100" u="none" strike="noStrike">
+                          <a:effectLst/>
+                        </a:rPr>
+                        <a:t>r2-ip</a:t>
+                      </a:r>
+                      <a:endParaRPr lang="en-US" sz="1100" b="0" i="0" u="none" strike="noStrike">
+                        <a:solidFill>
+                          <a:srgbClr val="000000"/>
+                        </a:solidFill>
+                        <a:effectLst/>
+                        <a:latin typeface="等线" panose="02010600030101010101" pitchFamily="2" charset="-122"/>
+                        <a:ea typeface="等线" panose="02010600030101010101" pitchFamily="2" charset="-122"/>
+                      </a:endParaRPr>
+                    </a:p>
+                  </a:txBody>
+                  <a:tcPr marL="9525" marR="9525" marT="9525" marB="0" anchor="ctr"/>
+                </a:tc>
+                <a:tc>
+                  <a:txBody>
+                    <a:bodyPr/>
+                    <a:lstStyle/>
+                    <a:p>
+                      <a:pPr algn="ctr" fontAlgn="ctr"/>
+                      <a:r>
+                        <a:rPr lang="en-US" sz="1100" u="none" strike="noStrike" dirty="0">
+                          <a:effectLst/>
+                        </a:rPr>
+                        <a:t>r2-ip</a:t>
+                      </a:r>
+                      <a:endParaRPr lang="en-US" sz="1100" b="0" i="0" u="none" strike="noStrike" dirty="0">
+                        <a:solidFill>
+                          <a:srgbClr val="000000"/>
+                        </a:solidFill>
+                        <a:effectLst/>
+                        <a:latin typeface="等线" panose="02010600030101010101" pitchFamily="2" charset="-122"/>
+                        <a:ea typeface="等线" panose="02010600030101010101" pitchFamily="2" charset="-122"/>
+                      </a:endParaRPr>
+                    </a:p>
+                  </a:txBody>
+                  <a:tcPr marL="9525" marR="9525" marT="9525" marB="0" anchor="ctr"/>
+                </a:tc>
+                <a:extLst>
+                  <a:ext uri="{0D108BD9-81ED-4DB2-BD59-A6C34878D82A}">
+                    <a16:rowId xmlns:a16="http://schemas.microsoft.com/office/drawing/2014/main" val="1881963496"/>
+                  </a:ext>
+                </a:extLst>
+              </a:tr>
+            </a:tbl>
+          </a:graphicData>
+        </a:graphic>
+      </p:graphicFrame>
+      <p:graphicFrame>
+        <p:nvGraphicFramePr>
+          <p:cNvPr id="7" name="表格 6"/>
+          <p:cNvGraphicFramePr>
+            <a:graphicFrameLocks noGrp="1"/>
+          </p:cNvGraphicFramePr>
+          <p:nvPr>
+            <p:extLst/>
+          </p:nvPr>
+        </p:nvGraphicFramePr>
+        <p:xfrm>
+          <a:off x="5873749" y="5407024"/>
+          <a:ext cx="2641601" cy="904875"/>
+        </p:xfrm>
+        <a:graphic>
+          <a:graphicData uri="http://schemas.openxmlformats.org/drawingml/2006/table">
+            <a:tbl>
+              <a:tblPr>
+                <a:tableStyleId>{5C22544A-7EE6-4342-B048-85BDC9FD1C3A}</a:tableStyleId>
+              </a:tblPr>
+              <a:tblGrid>
+                <a:gridCol w="634238">
+                  <a:extLst>
+                    <a:ext uri="{9D8B030D-6E8A-4147-A177-3AD203B41FA5}">
+                      <a16:colId xmlns:a16="http://schemas.microsoft.com/office/drawing/2014/main" val="3666639199"/>
+                    </a:ext>
+                  </a:extLst>
+                </a:gridCol>
+                <a:gridCol w="837194">
+                  <a:extLst>
+                    <a:ext uri="{9D8B030D-6E8A-4147-A177-3AD203B41FA5}">
+                      <a16:colId xmlns:a16="http://schemas.microsoft.com/office/drawing/2014/main" val="1203360424"/>
+                    </a:ext>
+                  </a:extLst>
+                </a:gridCol>
+                <a:gridCol w="1170169">
+                  <a:extLst>
+                    <a:ext uri="{9D8B030D-6E8A-4147-A177-3AD203B41FA5}">
+                      <a16:colId xmlns:a16="http://schemas.microsoft.com/office/drawing/2014/main" val="4219478242"/>
+                    </a:ext>
+                  </a:extLst>
+                </a:gridCol>
+              </a:tblGrid>
+              <a:tr h="180975">
+                <a:tc>
+                  <a:txBody>
+                    <a:bodyPr/>
+                    <a:lstStyle/>
+                    <a:p>
+                      <a:pPr algn="ctr" fontAlgn="ctr"/>
+                      <a:r>
+                        <a:rPr lang="en-US" sz="1100" u="none" strike="noStrike">
+                          <a:effectLst/>
+                        </a:rPr>
+                        <a:t>router-id</a:t>
+                      </a:r>
+                      <a:endParaRPr lang="en-US" sz="1100" b="0" i="0" u="none" strike="noStrike">
+                        <a:solidFill>
+                          <a:srgbClr val="000000"/>
+                        </a:solidFill>
+                        <a:effectLst/>
+                        <a:latin typeface="等线" panose="02010600030101010101" pitchFamily="2" charset="-122"/>
+                        <a:ea typeface="等线" panose="02010600030101010101" pitchFamily="2" charset="-122"/>
+                      </a:endParaRPr>
+                    </a:p>
+                  </a:txBody>
+                  <a:tcPr marL="9525" marR="9525" marT="9525" marB="0" anchor="ctr"/>
+                </a:tc>
+                <a:tc>
+                  <a:txBody>
+                    <a:bodyPr/>
+                    <a:lstStyle/>
+                    <a:p>
+                      <a:pPr algn="ctr" fontAlgn="ctr"/>
+                      <a:r>
+                        <a:rPr lang="en-US" sz="1100" u="none" strike="noStrike">
+                          <a:effectLst/>
+                        </a:rPr>
+                        <a:t>prefix-index</a:t>
+                      </a:r>
+                      <a:endParaRPr lang="en-US" sz="1100" b="0" i="0" u="none" strike="noStrike">
+                        <a:solidFill>
+                          <a:srgbClr val="000000"/>
+                        </a:solidFill>
+                        <a:effectLst/>
+                        <a:latin typeface="等线" panose="02010600030101010101" pitchFamily="2" charset="-122"/>
+                        <a:ea typeface="等线" panose="02010600030101010101" pitchFamily="2" charset="-122"/>
+                      </a:endParaRPr>
+                    </a:p>
+                  </a:txBody>
+                  <a:tcPr marL="9525" marR="9525" marT="9525" marB="0" anchor="ctr"/>
+                </a:tc>
+                <a:tc>
+                  <a:txBody>
+                    <a:bodyPr/>
+                    <a:lstStyle/>
+                    <a:p>
+                      <a:pPr algn="ctr" fontAlgn="ctr"/>
+                      <a:r>
+                        <a:rPr lang="zh-CN" altLang="en-US" sz="1100" u="none" strike="noStrike">
+                          <a:effectLst/>
+                        </a:rPr>
+                        <a:t>更新时间</a:t>
+                      </a:r>
+                      <a:endParaRPr lang="zh-CN" altLang="en-US" sz="1100" b="0" i="0" u="none" strike="noStrike">
+                        <a:solidFill>
+                          <a:srgbClr val="000000"/>
+                        </a:solidFill>
+                        <a:effectLst/>
+                        <a:latin typeface="等线" panose="02010600030101010101" pitchFamily="2" charset="-122"/>
+                        <a:ea typeface="等线" panose="02010600030101010101" pitchFamily="2" charset="-122"/>
+                      </a:endParaRPr>
+                    </a:p>
+                  </a:txBody>
+                  <a:tcPr marL="9525" marR="9525" marT="9525" marB="0" anchor="ctr"/>
+                </a:tc>
+                <a:extLst>
+                  <a:ext uri="{0D108BD9-81ED-4DB2-BD59-A6C34878D82A}">
+                    <a16:rowId xmlns:a16="http://schemas.microsoft.com/office/drawing/2014/main" val="2245350615"/>
+                  </a:ext>
+                </a:extLst>
+              </a:tr>
+              <a:tr h="180975">
+                <a:tc>
+                  <a:txBody>
+                    <a:bodyPr/>
+                    <a:lstStyle/>
+                    <a:p>
+                      <a:pPr algn="ctr" fontAlgn="ctr"/>
+                      <a:r>
+                        <a:rPr lang="en-US" sz="1100" u="none" strike="noStrike">
+                          <a:effectLst/>
+                        </a:rPr>
+                        <a:t>r2</a:t>
+                      </a:r>
+                      <a:endParaRPr lang="en-US" sz="1100" b="0" i="0" u="none" strike="noStrike">
+                        <a:solidFill>
+                          <a:srgbClr val="000000"/>
+                        </a:solidFill>
+                        <a:effectLst/>
+                        <a:latin typeface="等线" panose="02010600030101010101" pitchFamily="2" charset="-122"/>
+                        <a:ea typeface="等线" panose="02010600030101010101" pitchFamily="2" charset="-122"/>
+                      </a:endParaRPr>
+                    </a:p>
+                  </a:txBody>
+                  <a:tcPr marL="9525" marR="9525" marT="9525" marB="0" anchor="ctr"/>
+                </a:tc>
+                <a:tc>
+                  <a:txBody>
+                    <a:bodyPr/>
+                    <a:lstStyle/>
+                    <a:p>
+                      <a:pPr algn="ctr" fontAlgn="ctr"/>
+                      <a:r>
+                        <a:rPr lang="en-US" altLang="zh-CN" sz="1100" u="none" strike="noStrike">
+                          <a:effectLst/>
+                        </a:rPr>
+                        <a:t>1</a:t>
+                      </a:r>
+                      <a:endParaRPr lang="en-US" altLang="zh-CN" sz="1100" b="0" i="0" u="none" strike="noStrike">
+                        <a:solidFill>
+                          <a:srgbClr val="000000"/>
+                        </a:solidFill>
+                        <a:effectLst/>
+                        <a:latin typeface="等线" panose="02010600030101010101" pitchFamily="2" charset="-122"/>
+                        <a:ea typeface="等线" panose="02010600030101010101" pitchFamily="2" charset="-122"/>
+                      </a:endParaRPr>
+                    </a:p>
+                  </a:txBody>
+                  <a:tcPr marL="9525" marR="9525" marT="9525" marB="0" anchor="ctr"/>
+                </a:tc>
+                <a:tc>
+                  <a:txBody>
+                    <a:bodyPr/>
+                    <a:lstStyle/>
+                    <a:p>
+                      <a:pPr algn="ctr" fontAlgn="ctr"/>
+                      <a:r>
+                        <a:rPr lang="en-US" altLang="zh-CN" sz="1100" u="none" strike="noStrike">
+                          <a:effectLst/>
+                        </a:rPr>
+                        <a:t>12/28/17 16:00:00</a:t>
+                      </a:r>
+                      <a:endParaRPr lang="en-US" altLang="zh-CN" sz="1100" b="0" i="0" u="none" strike="noStrike">
+                        <a:solidFill>
+                          <a:srgbClr val="000000"/>
+                        </a:solidFill>
+                        <a:effectLst/>
+                        <a:latin typeface="等线" panose="02010600030101010101" pitchFamily="2" charset="-122"/>
+                        <a:ea typeface="等线" panose="02010600030101010101" pitchFamily="2" charset="-122"/>
+                      </a:endParaRPr>
+                    </a:p>
+                  </a:txBody>
+                  <a:tcPr marL="9525" marR="9525" marT="9525" marB="0" anchor="ctr"/>
+                </a:tc>
+                <a:extLst>
+                  <a:ext uri="{0D108BD9-81ED-4DB2-BD59-A6C34878D82A}">
+                    <a16:rowId xmlns:a16="http://schemas.microsoft.com/office/drawing/2014/main" val="931907718"/>
+                  </a:ext>
+                </a:extLst>
+              </a:tr>
+              <a:tr h="180975">
+                <a:tc>
+                  <a:txBody>
+                    <a:bodyPr/>
+                    <a:lstStyle/>
+                    <a:p>
+                      <a:pPr algn="ctr" fontAlgn="ctr"/>
+                      <a:r>
+                        <a:rPr lang="en-US" sz="1100" u="none" strike="noStrike">
+                          <a:effectLst/>
+                        </a:rPr>
+                        <a:t>r3</a:t>
+                      </a:r>
+                      <a:endParaRPr lang="en-US" sz="1100" b="0" i="0" u="none" strike="noStrike">
+                        <a:solidFill>
+                          <a:srgbClr val="000000"/>
+                        </a:solidFill>
+                        <a:effectLst/>
+                        <a:latin typeface="等线" panose="02010600030101010101" pitchFamily="2" charset="-122"/>
+                        <a:ea typeface="等线" panose="02010600030101010101" pitchFamily="2" charset="-122"/>
+                      </a:endParaRPr>
+                    </a:p>
+                  </a:txBody>
+                  <a:tcPr marL="9525" marR="9525" marT="9525" marB="0" anchor="ctr"/>
+                </a:tc>
+                <a:tc>
+                  <a:txBody>
+                    <a:bodyPr/>
+                    <a:lstStyle/>
+                    <a:p>
+                      <a:pPr algn="ctr" fontAlgn="ctr"/>
+                      <a:r>
+                        <a:rPr lang="en-US" altLang="zh-CN" sz="1100" u="none" strike="noStrike">
+                          <a:effectLst/>
+                        </a:rPr>
+                        <a:t>2</a:t>
+                      </a:r>
+                      <a:endParaRPr lang="en-US" altLang="zh-CN" sz="1100" b="0" i="0" u="none" strike="noStrike">
+                        <a:solidFill>
+                          <a:srgbClr val="000000"/>
+                        </a:solidFill>
+                        <a:effectLst/>
+                        <a:latin typeface="等线" panose="02010600030101010101" pitchFamily="2" charset="-122"/>
+                        <a:ea typeface="等线" panose="02010600030101010101" pitchFamily="2" charset="-122"/>
+                      </a:endParaRPr>
+                    </a:p>
+                  </a:txBody>
+                  <a:tcPr marL="9525" marR="9525" marT="9525" marB="0" anchor="ctr"/>
+                </a:tc>
+                <a:tc>
+                  <a:txBody>
+                    <a:bodyPr/>
+                    <a:lstStyle/>
+                    <a:p>
+                      <a:pPr algn="ctr" fontAlgn="ctr"/>
+                      <a:r>
+                        <a:rPr lang="en-US" altLang="zh-CN" sz="1100" u="none" strike="noStrike">
+                          <a:effectLst/>
+                        </a:rPr>
+                        <a:t>12/28/17 16:00:10</a:t>
+                      </a:r>
+                      <a:endParaRPr lang="en-US" altLang="zh-CN" sz="1100" b="0" i="0" u="none" strike="noStrike">
+                        <a:solidFill>
+                          <a:srgbClr val="000000"/>
+                        </a:solidFill>
+                        <a:effectLst/>
+                        <a:latin typeface="等线" panose="02010600030101010101" pitchFamily="2" charset="-122"/>
+                        <a:ea typeface="等线" panose="02010600030101010101" pitchFamily="2" charset="-122"/>
+                      </a:endParaRPr>
+                    </a:p>
+                  </a:txBody>
+                  <a:tcPr marL="9525" marR="9525" marT="9525" marB="0" anchor="ctr"/>
+                </a:tc>
+                <a:extLst>
+                  <a:ext uri="{0D108BD9-81ED-4DB2-BD59-A6C34878D82A}">
+                    <a16:rowId xmlns:a16="http://schemas.microsoft.com/office/drawing/2014/main" val="2091874466"/>
+                  </a:ext>
+                </a:extLst>
+              </a:tr>
+              <a:tr h="180975">
+                <a:tc>
+                  <a:txBody>
+                    <a:bodyPr/>
+                    <a:lstStyle/>
+                    <a:p>
+                      <a:pPr algn="ctr" fontAlgn="ctr"/>
+                      <a:r>
+                        <a:rPr lang="en-US" sz="1100" u="none" strike="noStrike">
+                          <a:effectLst/>
+                        </a:rPr>
+                        <a:t>r1</a:t>
+                      </a:r>
+                      <a:endParaRPr lang="en-US" sz="1100" b="0" i="0" u="none" strike="noStrike">
+                        <a:solidFill>
+                          <a:srgbClr val="000000"/>
+                        </a:solidFill>
+                        <a:effectLst/>
+                        <a:latin typeface="等线" panose="02010600030101010101" pitchFamily="2" charset="-122"/>
+                        <a:ea typeface="等线" panose="02010600030101010101" pitchFamily="2" charset="-122"/>
+                      </a:endParaRPr>
+                    </a:p>
+                  </a:txBody>
+                  <a:tcPr marL="9525" marR="9525" marT="9525" marB="0" anchor="ctr"/>
+                </a:tc>
+                <a:tc>
+                  <a:txBody>
+                    <a:bodyPr/>
+                    <a:lstStyle/>
+                    <a:p>
+                      <a:pPr algn="ctr" fontAlgn="ctr"/>
+                      <a:r>
+                        <a:rPr lang="en-US" altLang="zh-CN" sz="1100" u="none" strike="noStrike">
+                          <a:effectLst/>
+                        </a:rPr>
+                        <a:t>3</a:t>
+                      </a:r>
+                      <a:endParaRPr lang="en-US" altLang="zh-CN" sz="1100" b="0" i="0" u="none" strike="noStrike">
+                        <a:solidFill>
+                          <a:srgbClr val="000000"/>
+                        </a:solidFill>
+                        <a:effectLst/>
+                        <a:latin typeface="等线" panose="02010600030101010101" pitchFamily="2" charset="-122"/>
+                        <a:ea typeface="等线" panose="02010600030101010101" pitchFamily="2" charset="-122"/>
+                      </a:endParaRPr>
+                    </a:p>
+                  </a:txBody>
+                  <a:tcPr marL="9525" marR="9525" marT="9525" marB="0" anchor="ctr"/>
+                </a:tc>
+                <a:tc>
+                  <a:txBody>
+                    <a:bodyPr/>
+                    <a:lstStyle/>
+                    <a:p>
+                      <a:pPr algn="ctr" fontAlgn="ctr"/>
+                      <a:r>
+                        <a:rPr lang="en-US" altLang="zh-CN" sz="1100" u="none" strike="noStrike">
+                          <a:effectLst/>
+                        </a:rPr>
+                        <a:t>12/28/17 16:00:12</a:t>
+                      </a:r>
+                      <a:endParaRPr lang="en-US" altLang="zh-CN" sz="1100" b="0" i="0" u="none" strike="noStrike">
+                        <a:solidFill>
+                          <a:srgbClr val="000000"/>
+                        </a:solidFill>
+                        <a:effectLst/>
+                        <a:latin typeface="等线" panose="02010600030101010101" pitchFamily="2" charset="-122"/>
+                        <a:ea typeface="等线" panose="02010600030101010101" pitchFamily="2" charset="-122"/>
+                      </a:endParaRPr>
+                    </a:p>
+                  </a:txBody>
+                  <a:tcPr marL="9525" marR="9525" marT="9525" marB="0" anchor="ctr"/>
+                </a:tc>
+                <a:extLst>
+                  <a:ext uri="{0D108BD9-81ED-4DB2-BD59-A6C34878D82A}">
+                    <a16:rowId xmlns:a16="http://schemas.microsoft.com/office/drawing/2014/main" val="1574302875"/>
+                  </a:ext>
+                </a:extLst>
+              </a:tr>
+              <a:tr h="180975">
+                <a:tc>
+                  <a:txBody>
+                    <a:bodyPr/>
+                    <a:lstStyle/>
+                    <a:p>
+                      <a:pPr algn="ctr" fontAlgn="ctr"/>
+                      <a:r>
+                        <a:rPr lang="en-US" sz="1100" u="none" strike="noStrike">
+                          <a:effectLst/>
+                        </a:rPr>
+                        <a:t>r4</a:t>
+                      </a:r>
+                      <a:endParaRPr lang="en-US" sz="1100" b="0" i="0" u="none" strike="noStrike">
+                        <a:solidFill>
+                          <a:srgbClr val="000000"/>
+                        </a:solidFill>
+                        <a:effectLst/>
+                        <a:latin typeface="等线" panose="02010600030101010101" pitchFamily="2" charset="-122"/>
+                        <a:ea typeface="等线" panose="02010600030101010101" pitchFamily="2" charset="-122"/>
+                      </a:endParaRPr>
+                    </a:p>
+                  </a:txBody>
+                  <a:tcPr marL="9525" marR="9525" marT="9525" marB="0" anchor="ctr"/>
+                </a:tc>
+                <a:tc>
+                  <a:txBody>
+                    <a:bodyPr/>
+                    <a:lstStyle/>
+                    <a:p>
+                      <a:pPr algn="ctr" fontAlgn="ctr"/>
+                      <a:r>
+                        <a:rPr lang="en-US" altLang="zh-CN" sz="1100" u="none" strike="noStrike">
+                          <a:effectLst/>
+                        </a:rPr>
+                        <a:t>3</a:t>
+                      </a:r>
+                      <a:endParaRPr lang="en-US" altLang="zh-CN" sz="1100" b="0" i="0" u="none" strike="noStrike">
+                        <a:solidFill>
+                          <a:srgbClr val="000000"/>
+                        </a:solidFill>
+                        <a:effectLst/>
+                        <a:latin typeface="等线" panose="02010600030101010101" pitchFamily="2" charset="-122"/>
+                        <a:ea typeface="等线" panose="02010600030101010101" pitchFamily="2" charset="-122"/>
+                      </a:endParaRPr>
+                    </a:p>
+                  </a:txBody>
+                  <a:tcPr marL="9525" marR="9525" marT="9525" marB="0" anchor="ctr"/>
+                </a:tc>
+                <a:tc>
+                  <a:txBody>
+                    <a:bodyPr/>
+                    <a:lstStyle/>
+                    <a:p>
+                      <a:pPr algn="ctr" fontAlgn="ctr"/>
+                      <a:r>
+                        <a:rPr lang="en-US" altLang="zh-CN" sz="1100" u="none" strike="noStrike" dirty="0">
+                          <a:effectLst/>
+                        </a:rPr>
+                        <a:t>12/28/17 16:00:14</a:t>
+                      </a:r>
+                      <a:endParaRPr lang="en-US" altLang="zh-CN" sz="1100" b="0" i="0" u="none" strike="noStrike" dirty="0">
+                        <a:solidFill>
+                          <a:srgbClr val="000000"/>
+                        </a:solidFill>
+                        <a:effectLst/>
+                        <a:latin typeface="等线" panose="02010600030101010101" pitchFamily="2" charset="-122"/>
+                        <a:ea typeface="等线" panose="02010600030101010101" pitchFamily="2" charset="-122"/>
+                      </a:endParaRPr>
+                    </a:p>
+                  </a:txBody>
+                  <a:tcPr marL="9525" marR="9525" marT="9525" marB="0" anchor="ctr"/>
+                </a:tc>
+                <a:extLst>
+                  <a:ext uri="{0D108BD9-81ED-4DB2-BD59-A6C34878D82A}">
+                    <a16:rowId xmlns:a16="http://schemas.microsoft.com/office/drawing/2014/main" val="3412599692"/>
+                  </a:ext>
+                </a:extLst>
+              </a:tr>
+            </a:tbl>
+          </a:graphicData>
+        </a:graphic>
+      </p:graphicFrame>
+      <p:graphicFrame>
+        <p:nvGraphicFramePr>
+          <p:cNvPr id="8" name="对象 7"/>
+          <p:cNvGraphicFramePr>
+            <a:graphicFrameLocks noChangeAspect="1"/>
+          </p:cNvGraphicFramePr>
+          <p:nvPr>
+            <p:extLst/>
+          </p:nvPr>
+        </p:nvGraphicFramePr>
+        <p:xfrm>
+          <a:off x="5698828" y="8400"/>
+          <a:ext cx="3323235" cy="2995592"/>
+        </p:xfrm>
+        <a:graphic>
+          <a:graphicData uri="http://schemas.openxmlformats.org/presentationml/2006/ole">
+            <mc:AlternateContent xmlns:mc="http://schemas.openxmlformats.org/markup-compatibility/2006">
+              <mc:Choice xmlns:v="urn:schemas-microsoft-com:vml" Requires="v">
+                <p:oleObj spid="_x0000_s1067" name="Visio" r:id="rId4" imgW="7829612" imgH="7058025" progId="Visio.Drawing.15">
+                  <p:embed/>
+                </p:oleObj>
+              </mc:Choice>
+              <mc:Fallback>
+                <p:oleObj name="Visio" r:id="rId4" imgW="7829612" imgH="7058025" progId="Visio.Drawing.15">
+                  <p:embed/>
+                  <p:pic>
+                    <p:nvPicPr>
+                      <p:cNvPr id="8" name="对象 7"/>
+                      <p:cNvPicPr/>
+                      <p:nvPr/>
+                    </p:nvPicPr>
+                    <p:blipFill>
+                      <a:blip r:embed="rId5"/>
+                      <a:stretch>
+                        <a:fillRect/>
+                      </a:stretch>
+                    </p:blipFill>
+                    <p:spPr>
+                      <a:xfrm>
+                        <a:off x="5698828" y="8400"/>
+                        <a:ext cx="3323235" cy="2995592"/>
+                      </a:xfrm>
+                      <a:prstGeom prst="rect">
+                        <a:avLst/>
+                      </a:prstGeom>
+                    </p:spPr>
+                  </p:pic>
+                </p:oleObj>
+              </mc:Fallback>
+            </mc:AlternateContent>
+          </a:graphicData>
+        </a:graphic>
+      </p:graphicFrame>
+      <p:pic>
+        <p:nvPicPr>
+          <p:cNvPr id="6" name="图片 5"/>
+          <p:cNvPicPr>
+            <a:picLocks noChangeAspect="1"/>
+          </p:cNvPicPr>
+          <p:nvPr/>
+        </p:nvPicPr>
+        <p:blipFill>
+          <a:blip r:embed="rId6"/>
+          <a:stretch>
+            <a:fillRect/>
+          </a:stretch>
+        </p:blipFill>
+        <p:spPr>
+          <a:xfrm>
+            <a:off x="-81144" y="4050576"/>
+            <a:ext cx="3287893" cy="2843516"/>
+          </a:xfrm>
+          <a:prstGeom prst="rect">
+            <a:avLst/>
+          </a:prstGeom>
+        </p:spPr>
+      </p:pic>
+      <p:sp>
+        <p:nvSpPr>
+          <p:cNvPr id="9" name="文本框 8"/>
+          <p:cNvSpPr txBox="1"/>
+          <p:nvPr/>
+        </p:nvSpPr>
+        <p:spPr>
+          <a:xfrm>
+            <a:off x="2928393" y="5472334"/>
+            <a:ext cx="3437681" cy="923330"/>
+          </a:xfrm>
+          <a:prstGeom prst="rect">
+            <a:avLst/>
+          </a:prstGeom>
+          <a:noFill/>
+        </p:spPr>
+        <p:txBody>
+          <a:bodyPr wrap="square" rtlCol="0">
+            <a:spAutoFit/>
+          </a:bodyPr>
+          <a:lstStyle/>
+          <a:p>
+            <a:r>
+              <a:rPr lang="en-US" altLang="zh-CN" dirty="0" smtClean="0"/>
+              <a:t>Policy</a:t>
+            </a:r>
+            <a:r>
+              <a:rPr lang="zh-CN" altLang="en-US" dirty="0" smtClean="0"/>
+              <a:t>：</a:t>
+            </a:r>
+            <a:endParaRPr lang="en-US" altLang="zh-CN" dirty="0" smtClean="0"/>
+          </a:p>
+          <a:p>
+            <a:r>
+              <a:rPr lang="en-US" altLang="zh-CN" dirty="0" smtClean="0"/>
+              <a:t>R3</a:t>
+            </a:r>
+            <a:r>
+              <a:rPr lang="zh-CN" altLang="en-US" dirty="0" smtClean="0"/>
+              <a:t>：</a:t>
+            </a:r>
+            <a:r>
+              <a:rPr lang="en-US" altLang="zh-CN" sz="1400" dirty="0" smtClean="0"/>
+              <a:t>R2</a:t>
+            </a:r>
+            <a:r>
+              <a:rPr lang="zh-CN" altLang="en-US" sz="1400" dirty="0" smtClean="0"/>
+              <a:t>收到的</a:t>
+            </a:r>
+            <a:r>
+              <a:rPr lang="en-US" altLang="zh-CN" sz="1400" dirty="0" err="1"/>
+              <a:t>i</a:t>
+            </a:r>
+            <a:r>
+              <a:rPr lang="en-US" altLang="zh-CN" sz="1400" dirty="0" err="1" smtClean="0"/>
+              <a:t>bgp</a:t>
+            </a:r>
+            <a:r>
+              <a:rPr lang="zh-CN" altLang="en-US" sz="1400" dirty="0" smtClean="0"/>
+              <a:t>路由</a:t>
+            </a:r>
+            <a:r>
+              <a:rPr lang="en-US" altLang="zh-CN" sz="1400" dirty="0" smtClean="0"/>
+              <a:t>LP</a:t>
+            </a:r>
+            <a:r>
+              <a:rPr lang="zh-CN" altLang="en-US" sz="1400" dirty="0" smtClean="0"/>
+              <a:t>改为</a:t>
+            </a:r>
+            <a:r>
+              <a:rPr lang="en-US" altLang="zh-CN" sz="1400" dirty="0" smtClean="0"/>
+              <a:t>150</a:t>
+            </a:r>
+          </a:p>
+          <a:p>
+            <a:r>
+              <a:rPr lang="en-US" altLang="zh-CN" dirty="0" smtClean="0"/>
+              <a:t>R1</a:t>
+            </a:r>
+            <a:r>
+              <a:rPr lang="zh-CN" altLang="en-US" dirty="0" smtClean="0"/>
+              <a:t>和</a:t>
+            </a:r>
+            <a:r>
+              <a:rPr lang="en-US" altLang="zh-CN" dirty="0" smtClean="0"/>
+              <a:t>R4</a:t>
+            </a:r>
+            <a:r>
+              <a:rPr lang="zh-CN" altLang="en-US" dirty="0" smtClean="0"/>
+              <a:t>：无</a:t>
+            </a:r>
             <a:endParaRPr lang="zh-CN" altLang="en-US" dirty="0"/>
           </a:p>
         </p:txBody>
@@ -4774,7 +8229,7 @@
     </p:spTree>
     <p:extLst>
       <p:ext uri="{BB962C8B-B14F-4D97-AF65-F5344CB8AC3E}">
-        <p14:creationId xmlns:p14="http://schemas.microsoft.com/office/powerpoint/2010/main" val="3282208717"/>
+        <p14:creationId xmlns:p14="http://schemas.microsoft.com/office/powerpoint/2010/main" val="124511959"/>
       </p:ext>
     </p:extLst>
   </p:cSld>
@@ -4824,6 +8279,368 @@
           <a:lstStyle/>
           <a:p>
             <a:r>
+              <a:rPr lang="zh-CN" altLang="en-US" dirty="0" smtClean="0"/>
+              <a:t>新型路由算法</a:t>
+            </a:r>
+            <a:endParaRPr lang="zh-CN" altLang="en-US" dirty="0"/>
+          </a:p>
+        </p:txBody>
+      </p:sp>
+      <p:sp>
+        <p:nvSpPr>
+          <p:cNvPr id="3" name="内容占位符 2"/>
+          <p:cNvSpPr>
+            <a:spLocks noGrp="1"/>
+          </p:cNvSpPr>
+          <p:nvPr>
+            <p:ph idx="1"/>
+          </p:nvPr>
+        </p:nvSpPr>
+        <p:spPr/>
+        <p:txBody>
+          <a:bodyPr>
+            <a:normAutofit fontScale="85000" lnSpcReduction="20000"/>
+          </a:bodyPr>
+          <a:lstStyle/>
+          <a:p>
+            <a:r>
+              <a:rPr lang="zh-CN" altLang="en-US" dirty="0" smtClean="0"/>
+              <a:t>集中资源，分布式计算方法</a:t>
+            </a:r>
+            <a:endParaRPr lang="en-US" altLang="zh-CN" dirty="0" smtClean="0"/>
+          </a:p>
+          <a:p>
+            <a:pPr lvl="1"/>
+            <a:r>
+              <a:rPr lang="zh-CN" altLang="en-US" dirty="0" smtClean="0"/>
+              <a:t>路由经过每台边界路由器过滤后形态各异</a:t>
+            </a:r>
+            <a:endParaRPr lang="en-US" altLang="zh-CN" dirty="0" smtClean="0"/>
+          </a:p>
+          <a:p>
+            <a:r>
+              <a:rPr lang="zh-CN" altLang="en-US" dirty="0" smtClean="0">
+                <a:solidFill>
+                  <a:srgbClr val="FF0000"/>
+                </a:solidFill>
+              </a:rPr>
+              <a:t>两两比较属性</a:t>
+            </a:r>
+            <a:r>
+              <a:rPr lang="zh-CN" altLang="en-US" dirty="0" smtClean="0"/>
+              <a:t>的算法</a:t>
+            </a:r>
+            <a:r>
+              <a:rPr lang="zh-CN" altLang="en-US" dirty="0" smtClean="0"/>
+              <a:t>不够准确：</a:t>
+            </a:r>
+            <a:endParaRPr lang="en-US" altLang="zh-CN" dirty="0" smtClean="0"/>
+          </a:p>
+          <a:p>
+            <a:pPr lvl="1"/>
+            <a:r>
+              <a:rPr lang="zh-CN" altLang="en-US" dirty="0" smtClean="0">
+                <a:solidFill>
+                  <a:srgbClr val="FF0000"/>
+                </a:solidFill>
+              </a:rPr>
+              <a:t>方法：</a:t>
+            </a:r>
+            <a:r>
+              <a:rPr lang="zh-CN" altLang="en-US" dirty="0" smtClean="0">
+                <a:solidFill>
+                  <a:srgbClr val="FF0000"/>
+                </a:solidFill>
+              </a:rPr>
+              <a:t>集合比较法</a:t>
+            </a:r>
+            <a:r>
+              <a:rPr lang="zh-CN" altLang="en-US" dirty="0" smtClean="0"/>
+              <a:t>，集合每一步找最大集合最小集，缩小至</a:t>
+            </a:r>
+            <a:r>
+              <a:rPr lang="en-US" altLang="zh-CN" dirty="0" smtClean="0"/>
+              <a:t>1</a:t>
+            </a:r>
+          </a:p>
+          <a:p>
+            <a:pPr lvl="1"/>
+            <a:r>
+              <a:rPr lang="zh-CN" altLang="en-US" dirty="0"/>
+              <a:t>复杂</a:t>
+            </a:r>
+            <a:r>
+              <a:rPr lang="zh-CN" altLang="en-US" dirty="0" smtClean="0"/>
+              <a:t>度分析：</a:t>
+            </a:r>
+            <a:r>
+              <a:rPr lang="en-US" altLang="zh-CN" dirty="0" smtClean="0"/>
+              <a:t>n</a:t>
+            </a:r>
+            <a:r>
+              <a:rPr lang="zh-CN" altLang="en-US" dirty="0" smtClean="0"/>
+              <a:t>条路由，</a:t>
+            </a:r>
+            <a:r>
+              <a:rPr lang="en-US" altLang="zh-CN" dirty="0" smtClean="0"/>
+              <a:t>k</a:t>
+            </a:r>
+            <a:r>
+              <a:rPr lang="zh-CN" altLang="en-US" dirty="0" smtClean="0"/>
+              <a:t>步骤</a:t>
+            </a:r>
+            <a:endParaRPr lang="en-US" altLang="zh-CN" dirty="0" smtClean="0"/>
+          </a:p>
+          <a:p>
+            <a:pPr lvl="2"/>
+            <a:r>
+              <a:rPr lang="zh-CN" altLang="en-US" dirty="0"/>
+              <a:t>两两</a:t>
+            </a:r>
+            <a:r>
+              <a:rPr lang="zh-CN" altLang="en-US" dirty="0" smtClean="0"/>
+              <a:t>比较：</a:t>
+            </a:r>
+            <a:r>
+              <a:rPr lang="en-US" altLang="zh-CN" dirty="0" smtClean="0"/>
+              <a:t>O(n</a:t>
+            </a:r>
+            <a:r>
+              <a:rPr lang="zh-CN" altLang="en-US" dirty="0" smtClean="0"/>
+              <a:t>*</a:t>
+            </a:r>
+            <a:r>
+              <a:rPr lang="en-US" altLang="zh-CN" dirty="0" smtClean="0"/>
+              <a:t>k)</a:t>
+            </a:r>
+          </a:p>
+          <a:p>
+            <a:pPr lvl="2"/>
+            <a:r>
+              <a:rPr lang="zh-CN" altLang="en-US" dirty="0" smtClean="0"/>
+              <a:t>集合比较：</a:t>
+            </a:r>
+            <a:r>
+              <a:rPr lang="en-US" altLang="zh-CN" dirty="0"/>
+              <a:t> O(n</a:t>
+            </a:r>
+            <a:r>
+              <a:rPr lang="zh-CN" altLang="en-US" dirty="0"/>
+              <a:t>*</a:t>
+            </a:r>
+            <a:r>
+              <a:rPr lang="en-US" altLang="zh-CN" dirty="0"/>
+              <a:t>k</a:t>
+            </a:r>
+            <a:r>
+              <a:rPr lang="en-US" altLang="zh-CN" dirty="0" smtClean="0"/>
+              <a:t>)</a:t>
+            </a:r>
+            <a:r>
+              <a:rPr lang="zh-CN" altLang="en-US" dirty="0" smtClean="0"/>
+              <a:t>，找最大或最小的集合</a:t>
+            </a:r>
+            <a:endParaRPr lang="en-US" altLang="zh-CN" dirty="0" smtClean="0"/>
+          </a:p>
+          <a:p>
+            <a:pPr lvl="1"/>
+            <a:r>
+              <a:rPr lang="zh-CN" altLang="en-US" dirty="0" smtClean="0"/>
+              <a:t>方案</a:t>
+            </a:r>
+            <a:endParaRPr lang="en-US" altLang="zh-CN" dirty="0" smtClean="0"/>
+          </a:p>
+          <a:p>
+            <a:pPr lvl="2"/>
+            <a:r>
+              <a:rPr lang="en-US" altLang="zh-CN" dirty="0" smtClean="0"/>
+              <a:t>Weight</a:t>
+            </a:r>
+            <a:r>
+              <a:rPr lang="zh-CN" altLang="en-US" dirty="0" smtClean="0"/>
+              <a:t>最高</a:t>
+            </a:r>
+            <a:endParaRPr lang="en-US" altLang="zh-CN" dirty="0" smtClean="0"/>
+          </a:p>
+          <a:p>
+            <a:pPr lvl="2"/>
+            <a:r>
+              <a:rPr lang="en-US" altLang="zh-CN" dirty="0" smtClean="0"/>
+              <a:t>Local Preference</a:t>
+            </a:r>
+            <a:r>
+              <a:rPr lang="zh-CN" altLang="en-US" dirty="0" smtClean="0"/>
+              <a:t>最高</a:t>
+            </a:r>
+            <a:endParaRPr lang="en-US" altLang="zh-CN" dirty="0" smtClean="0"/>
+          </a:p>
+          <a:p>
+            <a:pPr lvl="2"/>
+            <a:r>
+              <a:rPr lang="en-US" altLang="zh-CN" dirty="0" smtClean="0"/>
+              <a:t>AS path</a:t>
+            </a:r>
+            <a:r>
+              <a:rPr lang="zh-CN" altLang="en-US" dirty="0" smtClean="0"/>
+              <a:t>最短</a:t>
+            </a:r>
+            <a:endParaRPr lang="en-US" altLang="zh-CN" dirty="0" smtClean="0"/>
+          </a:p>
+          <a:p>
+            <a:pPr lvl="2"/>
+            <a:r>
+              <a:rPr lang="zh-CN" altLang="en-US" dirty="0" smtClean="0"/>
+              <a:t>来自相同</a:t>
+            </a:r>
+            <a:r>
+              <a:rPr lang="en-US" altLang="zh-CN" dirty="0" smtClean="0"/>
+              <a:t>AS</a:t>
+            </a:r>
+            <a:r>
+              <a:rPr lang="zh-CN" altLang="en-US" dirty="0" smtClean="0"/>
+              <a:t>的</a:t>
+            </a:r>
+            <a:r>
+              <a:rPr lang="en-US" altLang="zh-CN" dirty="0" smtClean="0"/>
+              <a:t>MED</a:t>
+            </a:r>
+            <a:r>
+              <a:rPr lang="zh-CN" altLang="en-US" dirty="0" smtClean="0"/>
+              <a:t>最低</a:t>
+            </a:r>
+            <a:r>
+              <a:rPr lang="en-US" altLang="zh-CN" dirty="0" smtClean="0"/>
+              <a:t>+</a:t>
+            </a:r>
+            <a:r>
+              <a:rPr lang="zh-CN" altLang="en-US" dirty="0" smtClean="0"/>
+              <a:t>来自不同</a:t>
+            </a:r>
+            <a:r>
+              <a:rPr lang="en-US" altLang="zh-CN" dirty="0" smtClean="0"/>
+              <a:t>AS</a:t>
+            </a:r>
+            <a:endParaRPr lang="en-US" altLang="zh-CN" dirty="0"/>
+          </a:p>
+          <a:p>
+            <a:pPr lvl="2"/>
+            <a:r>
+              <a:rPr lang="en-US" altLang="zh-CN" dirty="0" smtClean="0"/>
+              <a:t>IGP metric</a:t>
+            </a:r>
+            <a:r>
+              <a:rPr lang="zh-CN" altLang="en-US" dirty="0" smtClean="0"/>
+              <a:t>最小</a:t>
+            </a:r>
+            <a:endParaRPr lang="en-US" altLang="zh-CN" dirty="0" smtClean="0"/>
+          </a:p>
+          <a:p>
+            <a:pPr lvl="2"/>
+            <a:r>
+              <a:rPr lang="en-US" altLang="zh-CN" dirty="0" smtClean="0"/>
+              <a:t>Next-hop</a:t>
+            </a:r>
+            <a:r>
+              <a:rPr lang="zh-CN" altLang="en-US" dirty="0" smtClean="0"/>
+              <a:t>的</a:t>
+            </a:r>
+            <a:r>
+              <a:rPr lang="en-US" altLang="zh-CN" dirty="0" smtClean="0"/>
+              <a:t>router-id</a:t>
+            </a:r>
+            <a:r>
+              <a:rPr lang="zh-CN" altLang="en-US" dirty="0" smtClean="0"/>
+              <a:t>最小</a:t>
+            </a:r>
+            <a:endParaRPr lang="en-US" altLang="zh-CN" dirty="0" smtClean="0"/>
+          </a:p>
+          <a:p>
+            <a:pPr lvl="2"/>
+            <a:r>
+              <a:rPr lang="en-US" altLang="zh-CN" dirty="0" smtClean="0"/>
+              <a:t>Next-hop</a:t>
+            </a:r>
+            <a:r>
+              <a:rPr lang="zh-CN" altLang="en-US" dirty="0" smtClean="0"/>
+              <a:t>的</a:t>
+            </a:r>
+            <a:r>
+              <a:rPr lang="en-US" altLang="zh-CN" dirty="0" err="1" smtClean="0"/>
+              <a:t>ip</a:t>
+            </a:r>
+            <a:r>
+              <a:rPr lang="zh-CN" altLang="en-US" dirty="0" smtClean="0"/>
+              <a:t>地址最小</a:t>
+            </a:r>
+            <a:endParaRPr lang="en-US" altLang="zh-CN" dirty="0" smtClean="0"/>
+          </a:p>
+          <a:p>
+            <a:pPr lvl="1"/>
+            <a:endParaRPr lang="en-US" altLang="zh-CN" dirty="0" smtClean="0"/>
+          </a:p>
+          <a:p>
+            <a:pPr lvl="1"/>
+            <a:endParaRPr lang="en-US" altLang="zh-CN" dirty="0" smtClean="0"/>
+          </a:p>
+          <a:p>
+            <a:pPr lvl="1"/>
+            <a:endParaRPr lang="zh-CN" altLang="en-US" dirty="0"/>
+          </a:p>
+        </p:txBody>
+      </p:sp>
+    </p:spTree>
+    <p:extLst>
+      <p:ext uri="{BB962C8B-B14F-4D97-AF65-F5344CB8AC3E}">
+        <p14:creationId xmlns:p14="http://schemas.microsoft.com/office/powerpoint/2010/main" val="3282208717"/>
+      </p:ext>
+    </p:extLst>
+  </p:cSld>
+  <p:clrMapOvr>
+    <a:masterClrMapping/>
+  </p:clrMapOvr>
+  <p:timing>
+    <p:tnLst>
+      <p:par>
+        <p:cTn id="1" dur="indefinite" restart="never" nodeType="tmRoot"/>
+      </p:par>
+    </p:tnLst>
+  </p:timing>
+</p:sld>
+</file>
+
+<file path=ppt/slides/slide5.xml><?xml version="1.0" encoding="utf-8"?>
+<p:sld xmlns:a="http://schemas.openxmlformats.org/drawingml/2006/main" xmlns:r="http://schemas.openxmlformats.org/officeDocument/2006/relationships" xmlns:p="http://schemas.openxmlformats.org/presentationml/2006/main">
+  <p:cSld>
+    <p:spTree>
+      <p:nvGrpSpPr>
+        <p:cNvPr id="1" name=""/>
+        <p:cNvGrpSpPr/>
+        <p:nvPr/>
+      </p:nvGrpSpPr>
+      <p:grpSpPr>
+        <a:xfrm>
+          <a:off x="0" y="0"/>
+          <a:ext cx="0" cy="0"/>
+          <a:chOff x="0" y="0"/>
+          <a:chExt cx="0" cy="0"/>
+        </a:xfrm>
+      </p:grpSpPr>
+      <p:sp>
+        <p:nvSpPr>
+          <p:cNvPr id="2" name="标题 1"/>
+          <p:cNvSpPr>
+            <a:spLocks noGrp="1"/>
+          </p:cNvSpPr>
+          <p:nvPr>
+            <p:ph type="title"/>
+          </p:nvPr>
+        </p:nvSpPr>
+        <p:spPr/>
+        <p:txBody>
+          <a:bodyPr/>
+          <a:lstStyle/>
+          <a:p>
+            <a:r>
               <a:rPr lang="zh-CN" altLang="en-US" sz="4000" dirty="0"/>
               <a:t>新型</a:t>
             </a:r>
@@ -4860,15 +8677,7 @@
                   <a:srgbClr val="FF0000"/>
                 </a:solidFill>
               </a:rPr>
-              <a:t>新路由先比较</a:t>
-            </a:r>
-            <a:r>
-              <a:rPr lang="en-US" altLang="zh-CN" sz="2000" dirty="0" smtClean="0">
-                <a:solidFill>
-                  <a:srgbClr val="FF0000"/>
-                </a:solidFill>
-              </a:rPr>
-              <a:t>【</a:t>
+              <a:t>新路由先</a:t>
             </a:r>
             <a:r>
               <a:rPr lang="zh-CN" altLang="en-US" sz="2000" dirty="0" smtClean="0">
@@ -4876,23 +8685,7 @@
                   <a:srgbClr val="FF0000"/>
                 </a:solidFill>
               </a:rPr>
-              <a:t>无关</a:t>
-            </a:r>
-            <a:r>
-              <a:rPr lang="en-US" altLang="zh-CN" sz="2000" dirty="0" smtClean="0">
-                <a:solidFill>
-                  <a:srgbClr val="FF0000"/>
-                </a:solidFill>
-              </a:rPr>
-              <a:t>】</a:t>
-            </a:r>
-            <a:r>
-              <a:rPr lang="zh-CN" altLang="en-US" sz="2000" dirty="0" smtClean="0">
-                <a:solidFill>
-                  <a:srgbClr val="FF0000"/>
-                </a:solidFill>
-              </a:rPr>
-              <a:t>，消除域内震荡</a:t>
+              <a:t>比较</a:t>
             </a:r>
             <a:endParaRPr lang="zh-CN" altLang="en-US" sz="4000" dirty="0">
               <a:solidFill>
@@ -5161,7 +8954,7 @@
 </p:sld>
 </file>
 
-<file path=ppt/slides/slide5.xml><?xml version="1.0" encoding="utf-8"?>
+<file path=ppt/slides/slide6.xml><?xml version="1.0" encoding="utf-8"?>
 <p:sld xmlns:a="http://schemas.openxmlformats.org/drawingml/2006/main" xmlns:r="http://schemas.openxmlformats.org/officeDocument/2006/relationships" xmlns:p="http://schemas.openxmlformats.org/presentationml/2006/main">
   <p:cSld>
     <p:spTree>
@@ -5199,11 +8992,15 @@
             </a:r>
             <a:r>
               <a:rPr lang="zh-CN" altLang="en-US" sz="4000" dirty="0" smtClean="0"/>
-              <a:t>路由计算</a:t>
-            </a:r>
-            <a:r>
-              <a:rPr lang="en-US" altLang="zh-CN" sz="4000" dirty="0" smtClean="0"/>
-              <a:t>·</a:t>
+              <a:t>路由</a:t>
+            </a:r>
+            <a:r>
+              <a:rPr lang="zh-CN" altLang="en-US" sz="4000" dirty="0" smtClean="0"/>
+              <a:t>计算</a:t>
+            </a:r>
+            <a:r>
+              <a:rPr lang="en-US" altLang="zh-CN" sz="4000" dirty="0"/>
+              <a:t>-</a:t>
             </a:r>
             <a:r>
               <a:rPr lang="zh-CN" altLang="en-US" sz="4000" dirty="0" smtClean="0"/>
@@ -5230,39 +9027,15 @@
                   <a:srgbClr val="FF0000"/>
                 </a:solidFill>
               </a:rPr>
-              <a:t>新路由先比较</a:t>
-            </a:r>
-            <a:r>
-              <a:rPr lang="en-US" altLang="zh-CN" sz="2000" dirty="0">
+              <a:t>新路由先</a:t>
+            </a:r>
+            <a:r>
+              <a:rPr lang="zh-CN" altLang="en-US" sz="2000" dirty="0" smtClean="0">
                 <a:solidFill>
                   <a:srgbClr val="FF0000"/>
                 </a:solidFill>
               </a:rPr>
-              <a:t>【</a:t>
-            </a:r>
-            <a:r>
-              <a:rPr lang="zh-CN" altLang="en-US" sz="2000" dirty="0">
-                <a:solidFill>
-                  <a:srgbClr val="FF0000"/>
-                </a:solidFill>
-              </a:rPr>
-              <a:t>无关</a:t>
-            </a:r>
-            <a:r>
-              <a:rPr lang="en-US" altLang="zh-CN" sz="2000" dirty="0">
-                <a:solidFill>
-                  <a:srgbClr val="FF0000"/>
-                </a:solidFill>
-              </a:rPr>
-              <a:t>】</a:t>
-            </a:r>
-            <a:r>
-              <a:rPr lang="zh-CN" altLang="en-US" sz="2000" dirty="0">
-                <a:solidFill>
-                  <a:srgbClr val="FF0000"/>
-                </a:solidFill>
-              </a:rPr>
-              <a:t>，消除域内震荡</a:t>
+              <a:t>比较</a:t>
             </a:r>
             <a:endParaRPr lang="zh-CN" altLang="en-US" sz="4000" dirty="0">
               <a:solidFill>
@@ -5479,7 +9252,7 @@
 </p:sld>
 </file>
 
-<file path=ppt/slides/slide6.xml><?xml version="1.0" encoding="utf-8"?>
+<file path=ppt/slides/slide7.xml><?xml version="1.0" encoding="utf-8"?>
 <p:sld xmlns:a="http://schemas.openxmlformats.org/drawingml/2006/main" xmlns:r="http://schemas.openxmlformats.org/officeDocument/2006/relationships" xmlns:p="http://schemas.openxmlformats.org/presentationml/2006/main">
   <p:cSld>
     <p:spTree>
@@ -5548,15 +9321,7 @@
                   <a:srgbClr val="FF0000"/>
                 </a:solidFill>
               </a:rPr>
-              <a:t>新路由先比较</a:t>
-            </a:r>
-            <a:r>
-              <a:rPr lang="en-US" altLang="zh-CN" sz="2000" dirty="0" smtClean="0">
-                <a:solidFill>
-                  <a:srgbClr val="FF0000"/>
-                </a:solidFill>
-              </a:rPr>
-              <a:t>【</a:t>
+              <a:t>新路由先</a:t>
             </a:r>
             <a:r>
               <a:rPr lang="zh-CN" altLang="en-US" sz="2000" dirty="0" smtClean="0">
@@ -5564,23 +9329,7 @@
                   <a:srgbClr val="FF0000"/>
                 </a:solidFill>
               </a:rPr>
-              <a:t>无关</a:t>
-            </a:r>
-            <a:r>
-              <a:rPr lang="en-US" altLang="zh-CN" sz="2000" dirty="0" smtClean="0">
-                <a:solidFill>
-                  <a:srgbClr val="FF0000"/>
-                </a:solidFill>
-              </a:rPr>
-              <a:t>】</a:t>
-            </a:r>
-            <a:r>
-              <a:rPr lang="zh-CN" altLang="en-US" sz="2000" dirty="0" smtClean="0">
-                <a:solidFill>
-                  <a:srgbClr val="FF0000"/>
-                </a:solidFill>
-              </a:rPr>
-              <a:t>，消除域内震荡</a:t>
+              <a:t>比较</a:t>
             </a:r>
             <a:endParaRPr lang="zh-CN" altLang="en-US" sz="4000" dirty="0">
               <a:solidFill>
@@ -5845,7 +9594,7 @@
 </p:sld>
 </file>
 
-<file path=ppt/slides/slide7.xml><?xml version="1.0" encoding="utf-8"?>
+<file path=ppt/slides/slide8.xml><?xml version="1.0" encoding="utf-8"?>
 <p:sld xmlns:a="http://schemas.openxmlformats.org/drawingml/2006/main" xmlns:r="http://schemas.openxmlformats.org/officeDocument/2006/relationships" xmlns:p="http://schemas.openxmlformats.org/presentationml/2006/main">
   <p:cSld>
     <p:spTree>
@@ -5914,39 +9663,15 @@
                   <a:srgbClr val="FF0000"/>
                 </a:solidFill>
               </a:rPr>
-              <a:t>新路由先比较</a:t>
-            </a:r>
-            <a:r>
-              <a:rPr lang="en-US" altLang="zh-CN" sz="2000" dirty="0">
+              <a:t>新路由先</a:t>
+            </a:r>
+            <a:r>
+              <a:rPr lang="zh-CN" altLang="en-US" sz="2000" dirty="0" smtClean="0">
                 <a:solidFill>
                   <a:srgbClr val="FF0000"/>
                 </a:solidFill>
               </a:rPr>
-              <a:t>【</a:t>
-            </a:r>
-            <a:r>
-              <a:rPr lang="zh-CN" altLang="en-US" sz="2000" dirty="0">
-                <a:solidFill>
-                  <a:srgbClr val="FF0000"/>
-                </a:solidFill>
-              </a:rPr>
-              <a:t>无关</a:t>
-            </a:r>
-            <a:r>
-              <a:rPr lang="en-US" altLang="zh-CN" sz="2000" dirty="0">
-                <a:solidFill>
-                  <a:srgbClr val="FF0000"/>
-                </a:solidFill>
-              </a:rPr>
-              <a:t>】</a:t>
-            </a:r>
-            <a:r>
-              <a:rPr lang="zh-CN" altLang="en-US" sz="2000" dirty="0">
-                <a:solidFill>
-                  <a:srgbClr val="FF0000"/>
-                </a:solidFill>
-              </a:rPr>
-              <a:t>，消除域内震荡</a:t>
+              <a:t>比较</a:t>
             </a:r>
             <a:endParaRPr lang="zh-CN" altLang="en-US" sz="4000" dirty="0">
               <a:solidFill>
@@ -6142,489 +9867,10 @@
           </a:prstGeom>
         </p:spPr>
       </p:pic>
-      <p:sp>
-        <p:nvSpPr>
-          <p:cNvPr id="4" name="文本框 3"/>
-          <p:cNvSpPr txBox="1"/>
-          <p:nvPr/>
-        </p:nvSpPr>
-        <p:spPr>
-          <a:xfrm>
-            <a:off x="628649" y="5075010"/>
-            <a:ext cx="8410247" cy="1754326"/>
-          </a:xfrm>
-          <a:prstGeom prst="rect">
-            <a:avLst/>
-          </a:prstGeom>
-          <a:noFill/>
-        </p:spPr>
-        <p:txBody>
-          <a:bodyPr wrap="square" rtlCol="0">
-            <a:spAutoFit/>
-          </a:bodyPr>
-          <a:lstStyle/>
-          <a:p>
-            <a:r>
-              <a:rPr lang="zh-CN" altLang="en-US" dirty="0" smtClean="0"/>
-              <a:t>分析：</a:t>
-            </a:r>
-            <a:endParaRPr lang="en-US" altLang="zh-CN" dirty="0" smtClean="0"/>
-          </a:p>
-          <a:p>
-            <a:pPr marL="285750" indent="-285750">
-              <a:buFont typeface="Arial" panose="020B0604020202020204" pitchFamily="34" charset="0"/>
-              <a:buChar char="•"/>
-            </a:pPr>
-            <a:r>
-              <a:rPr lang="zh-CN" altLang="en-US" dirty="0" smtClean="0"/>
-              <a:t>路由顺序不同，最优路由选择不同：</a:t>
-            </a:r>
-            <a:endParaRPr lang="en-US" altLang="zh-CN" dirty="0" smtClean="0"/>
-          </a:p>
-          <a:p>
-            <a:pPr marL="742950" lvl="1" indent="-285750">
-              <a:buFont typeface="Arial" panose="020B0604020202020204" pitchFamily="34" charset="0"/>
-              <a:buChar char="•"/>
-            </a:pPr>
-            <a:r>
-              <a:rPr lang="zh-CN" altLang="en-US" dirty="0" smtClean="0"/>
-              <a:t>原则上</a:t>
-            </a:r>
-            <a:r>
-              <a:rPr lang="en-US" altLang="zh-CN" dirty="0" smtClean="0"/>
-              <a:t>C1-1</a:t>
-            </a:r>
-            <a:r>
-              <a:rPr lang="zh-CN" altLang="en-US" dirty="0" smtClean="0"/>
-              <a:t>的路由最优，但实际因为顺序不同，最优路由结果不同</a:t>
-            </a:r>
-            <a:endParaRPr lang="en-US" altLang="zh-CN" dirty="0" smtClean="0"/>
-          </a:p>
-          <a:p>
-            <a:pPr marL="1200150" lvl="2" indent="-285750">
-              <a:buFont typeface="Arial" panose="020B0604020202020204" pitchFamily="34" charset="0"/>
-              <a:buChar char="•"/>
-            </a:pPr>
-            <a:r>
-              <a:rPr lang="zh-CN" altLang="en-US" dirty="0" smtClean="0"/>
-              <a:t>违背邻居</a:t>
-            </a:r>
-            <a:r>
-              <a:rPr lang="en-US" altLang="zh-CN" dirty="0" smtClean="0"/>
-              <a:t>AS</a:t>
-            </a:r>
-            <a:r>
-              <a:rPr lang="zh-CN" altLang="en-US" dirty="0" smtClean="0"/>
-              <a:t>设置</a:t>
-            </a:r>
-            <a:r>
-              <a:rPr lang="en-US" altLang="zh-CN" dirty="0" smtClean="0"/>
-              <a:t>MED</a:t>
-            </a:r>
-            <a:r>
-              <a:rPr lang="zh-CN" altLang="en-US" dirty="0" smtClean="0"/>
-              <a:t>值的初衷，当来自同一个</a:t>
-            </a:r>
-            <a:r>
-              <a:rPr lang="en-US" altLang="zh-CN" dirty="0" smtClean="0"/>
-              <a:t>AS</a:t>
-            </a:r>
-            <a:r>
-              <a:rPr lang="zh-CN" altLang="en-US" dirty="0" smtClean="0"/>
-              <a:t>，</a:t>
-            </a:r>
-            <a:r>
-              <a:rPr lang="en-US" altLang="zh-CN" dirty="0" smtClean="0"/>
-              <a:t>MED</a:t>
-            </a:r>
-            <a:r>
-              <a:rPr lang="zh-CN" altLang="en-US" dirty="0"/>
-              <a:t>大</a:t>
-            </a:r>
-            <a:r>
-              <a:rPr lang="zh-CN" altLang="en-US" dirty="0" smtClean="0"/>
-              <a:t>的被排除</a:t>
-            </a:r>
-            <a:endParaRPr lang="en-US" altLang="zh-CN" dirty="0" smtClean="0"/>
-          </a:p>
-          <a:p>
-            <a:pPr marL="285750" indent="-285750">
-              <a:buFont typeface="Arial" panose="020B0604020202020204" pitchFamily="34" charset="0"/>
-              <a:buChar char="•"/>
-            </a:pPr>
-            <a:endParaRPr lang="en-US" altLang="zh-CN" dirty="0" smtClean="0"/>
-          </a:p>
-          <a:p>
-            <a:endParaRPr lang="zh-CN" altLang="en-US" dirty="0"/>
-          </a:p>
-        </p:txBody>
-      </p:sp>
     </p:spTree>
     <p:extLst>
       <p:ext uri="{BB962C8B-B14F-4D97-AF65-F5344CB8AC3E}">
         <p14:creationId xmlns:p14="http://schemas.microsoft.com/office/powerpoint/2010/main" val="2491803891"/>
-      </p:ext>
-    </p:extLst>
-  </p:cSld>
-  <p:clrMapOvr>
-    <a:masterClrMapping/>
-  </p:clrMapOvr>
-  <p:timing>
-    <p:tnLst>
-      <p:par>
-        <p:cTn id="1" dur="indefinite" restart="never" nodeType="tmRoot"/>
-      </p:par>
-    </p:tnLst>
-  </p:timing>
-</p:sld>
-</file>
-
-<file path=ppt/slides/slide8.xml><?xml version="1.0" encoding="utf-8"?>
-<p:sld xmlns:a="http://schemas.openxmlformats.org/drawingml/2006/main" xmlns:r="http://schemas.openxmlformats.org/officeDocument/2006/relationships" xmlns:p="http://schemas.openxmlformats.org/presentationml/2006/main">
-  <p:cSld>
-    <p:spTree>
-      <p:nvGrpSpPr>
-        <p:cNvPr id="1" name=""/>
-        <p:cNvGrpSpPr/>
-        <p:nvPr/>
-      </p:nvGrpSpPr>
-      <p:grpSpPr>
-        <a:xfrm>
-          <a:off x="0" y="0"/>
-          <a:ext cx="0" cy="0"/>
-          <a:chOff x="0" y="0"/>
-          <a:chExt cx="0" cy="0"/>
-        </a:xfrm>
-      </p:grpSpPr>
-      <p:sp>
-        <p:nvSpPr>
-          <p:cNvPr id="2" name="标题 1"/>
-          <p:cNvSpPr>
-            <a:spLocks noGrp="1"/>
-          </p:cNvSpPr>
-          <p:nvPr>
-            <p:ph type="title"/>
-          </p:nvPr>
-        </p:nvSpPr>
-        <p:spPr/>
-        <p:txBody>
-          <a:bodyPr/>
-          <a:lstStyle/>
-          <a:p>
-            <a:r>
-              <a:rPr lang="zh-CN" altLang="en-US" sz="4000" dirty="0"/>
-              <a:t>新型</a:t>
-            </a:r>
-            <a:r>
-              <a:rPr lang="zh-CN" altLang="en-US" sz="4000" dirty="0" smtClean="0"/>
-              <a:t>路由计算</a:t>
-            </a:r>
-            <a:r>
-              <a:rPr lang="en-US" altLang="zh-CN" sz="4000" dirty="0"/>
-              <a:t>-</a:t>
-            </a:r>
-            <a:r>
-              <a:rPr lang="zh-CN" altLang="en-US" sz="4000" dirty="0" smtClean="0"/>
-              <a:t>案例</a:t>
-            </a:r>
-            <a:r>
-              <a:rPr lang="en-US" altLang="zh-CN" sz="4000" dirty="0"/>
-              <a:t>3</a:t>
-            </a:r>
-            <a:r>
-              <a:rPr lang="zh-CN" altLang="en-US" sz="4000" dirty="0" smtClean="0"/>
-              <a:t>：</a:t>
-            </a:r>
-            <a:r>
-              <a:rPr lang="en-US" altLang="zh-CN" sz="4000" dirty="0" smtClean="0"/>
-              <a:t/>
-            </a:r>
-            <a:br>
-              <a:rPr lang="en-US" altLang="zh-CN" sz="4000" dirty="0" smtClean="0"/>
-            </a:br>
-            <a:r>
-              <a:rPr lang="zh-CN" altLang="en-US" sz="2000" dirty="0" smtClean="0">
-                <a:solidFill>
-                  <a:srgbClr val="FF0000"/>
-                </a:solidFill>
-              </a:rPr>
-              <a:t>新路由先比较</a:t>
-            </a:r>
-            <a:r>
-              <a:rPr lang="en-US" altLang="zh-CN" sz="2000" dirty="0" smtClean="0">
-                <a:solidFill>
-                  <a:srgbClr val="FF0000"/>
-                </a:solidFill>
-              </a:rPr>
-              <a:t>【</a:t>
-            </a:r>
-            <a:r>
-              <a:rPr lang="zh-CN" altLang="en-US" sz="2000" dirty="0" smtClean="0">
-                <a:solidFill>
-                  <a:srgbClr val="FF0000"/>
-                </a:solidFill>
-              </a:rPr>
-              <a:t>无关</a:t>
-            </a:r>
-            <a:r>
-              <a:rPr lang="en-US" altLang="zh-CN" sz="2000" dirty="0" smtClean="0">
-                <a:solidFill>
-                  <a:srgbClr val="FF0000"/>
-                </a:solidFill>
-              </a:rPr>
-              <a:t>】</a:t>
-            </a:r>
-            <a:r>
-              <a:rPr lang="zh-CN" altLang="en-US" sz="2000" dirty="0" smtClean="0">
-                <a:solidFill>
-                  <a:srgbClr val="FF0000"/>
-                </a:solidFill>
-              </a:rPr>
-              <a:t>，消除域内震荡</a:t>
-            </a:r>
-            <a:endParaRPr lang="zh-CN" altLang="en-US" sz="4000" dirty="0">
-              <a:solidFill>
-                <a:srgbClr val="FF0000"/>
-              </a:solidFill>
-            </a:endParaRPr>
-          </a:p>
-        </p:txBody>
-      </p:sp>
-      <p:sp>
-        <p:nvSpPr>
-          <p:cNvPr id="3" name="内容占位符 2"/>
-          <p:cNvSpPr>
-            <a:spLocks noGrp="1"/>
-          </p:cNvSpPr>
-          <p:nvPr>
-            <p:ph idx="1"/>
-          </p:nvPr>
-        </p:nvSpPr>
-        <p:spPr/>
-        <p:txBody>
-          <a:bodyPr/>
-          <a:lstStyle/>
-          <a:p>
-            <a:r>
-              <a:rPr lang="zh-CN" altLang="en-US" dirty="0" smtClean="0"/>
-              <a:t>路由到达顺序</a:t>
-            </a:r>
-            <a:r>
-              <a:rPr lang="en-US" altLang="zh-CN" dirty="0" smtClean="0"/>
-              <a:t>C2</a:t>
-            </a:r>
-            <a:r>
-              <a:rPr lang="zh-CN" altLang="en-US" dirty="0" smtClean="0"/>
-              <a:t>，</a:t>
-            </a:r>
-            <a:r>
-              <a:rPr lang="en-US" altLang="zh-CN" dirty="0" smtClean="0"/>
-              <a:t>C1-1</a:t>
-            </a:r>
-            <a:r>
-              <a:rPr lang="zh-CN" altLang="en-US" dirty="0" smtClean="0"/>
-              <a:t>（</a:t>
-            </a:r>
-            <a:r>
-              <a:rPr lang="en-US" altLang="zh-CN" dirty="0" smtClean="0"/>
-              <a:t> C1-2</a:t>
-            </a:r>
-            <a:r>
-              <a:rPr lang="zh-CN" altLang="en-US" dirty="0" smtClean="0"/>
-              <a:t>先撤销再宣告）</a:t>
-            </a:r>
-            <a:endParaRPr lang="en-US" altLang="zh-CN" dirty="0"/>
-          </a:p>
-          <a:p>
-            <a:pPr lvl="1"/>
-            <a:r>
-              <a:rPr lang="en-US" altLang="zh-CN" dirty="0" smtClean="0"/>
-              <a:t>C2</a:t>
-            </a:r>
-            <a:r>
-              <a:rPr lang="zh-CN" altLang="en-US" dirty="0" smtClean="0"/>
-              <a:t>，</a:t>
-            </a:r>
-            <a:r>
-              <a:rPr lang="en-US" altLang="zh-CN" dirty="0" smtClean="0"/>
-              <a:t>C1-1</a:t>
-            </a:r>
-            <a:r>
-              <a:rPr lang="zh-CN" altLang="en-US" dirty="0" smtClean="0"/>
-              <a:t>，</a:t>
-            </a:r>
-            <a:r>
-              <a:rPr lang="en-US" altLang="zh-CN" dirty="0" smtClean="0"/>
-              <a:t>2</a:t>
-            </a:r>
-            <a:r>
-              <a:rPr lang="zh-CN" altLang="en-US" dirty="0" smtClean="0"/>
-              <a:t>条路由</a:t>
-            </a:r>
-            <a:endParaRPr lang="en-US" altLang="zh-CN" dirty="0" smtClean="0"/>
-          </a:p>
-          <a:p>
-            <a:pPr lvl="2"/>
-            <a:r>
-              <a:rPr lang="en-US" altLang="zh-CN" dirty="0" smtClean="0"/>
-              <a:t>RR1</a:t>
-            </a:r>
-            <a:r>
-              <a:rPr lang="zh-CN" altLang="en-US" dirty="0" smtClean="0"/>
-              <a:t>选从</a:t>
-            </a:r>
-            <a:r>
-              <a:rPr lang="en-US" altLang="zh-CN" dirty="0" smtClean="0"/>
-              <a:t>C1-1</a:t>
-            </a:r>
-            <a:r>
-              <a:rPr lang="zh-CN" altLang="en-US" dirty="0" smtClean="0"/>
-              <a:t>来的路由</a:t>
-            </a:r>
-            <a:endParaRPr lang="en-US" altLang="zh-CN" dirty="0" smtClean="0"/>
-          </a:p>
-          <a:p>
-            <a:pPr lvl="2"/>
-            <a:r>
-              <a:rPr lang="en-US" altLang="zh-CN" dirty="0" smtClean="0"/>
-              <a:t>RR2</a:t>
-            </a:r>
-            <a:r>
-              <a:rPr lang="zh-CN" altLang="en-US" dirty="0" smtClean="0"/>
-              <a:t>选从</a:t>
-            </a:r>
-            <a:r>
-              <a:rPr lang="en-US" altLang="zh-CN" dirty="0" smtClean="0"/>
-              <a:t>C1-1</a:t>
-            </a:r>
-            <a:r>
-              <a:rPr lang="zh-CN" altLang="en-US" dirty="0" smtClean="0"/>
-              <a:t>来的路由</a:t>
-            </a:r>
-            <a:endParaRPr lang="en-US" altLang="zh-CN" dirty="0" smtClean="0"/>
-          </a:p>
-          <a:p>
-            <a:pPr lvl="2"/>
-            <a:r>
-              <a:rPr lang="en-US" altLang="zh-CN" dirty="0" smtClean="0"/>
-              <a:t>C1-1</a:t>
-            </a:r>
-            <a:r>
-              <a:rPr lang="zh-CN" altLang="en-US" dirty="0" smtClean="0"/>
-              <a:t>选从</a:t>
-            </a:r>
-            <a:r>
-              <a:rPr lang="en-US" altLang="zh-CN" dirty="0" smtClean="0"/>
-              <a:t>C1-1</a:t>
-            </a:r>
-            <a:r>
-              <a:rPr lang="zh-CN" altLang="en-US" dirty="0" smtClean="0"/>
-              <a:t>来的路由</a:t>
-            </a:r>
-            <a:endParaRPr lang="en-US" altLang="zh-CN" dirty="0" smtClean="0"/>
-          </a:p>
-          <a:p>
-            <a:pPr lvl="2"/>
-            <a:r>
-              <a:rPr lang="en-US" altLang="zh-CN" dirty="0" smtClean="0"/>
-              <a:t>C1-2</a:t>
-            </a:r>
-            <a:r>
-              <a:rPr lang="zh-CN" altLang="en-US" dirty="0" smtClean="0"/>
-              <a:t>选从</a:t>
-            </a:r>
-            <a:r>
-              <a:rPr lang="en-US" altLang="zh-CN" dirty="0" smtClean="0"/>
-              <a:t>C1-1</a:t>
-            </a:r>
-            <a:r>
-              <a:rPr lang="zh-CN" altLang="en-US" dirty="0" smtClean="0"/>
-              <a:t>来的路由</a:t>
-            </a:r>
-            <a:endParaRPr lang="en-US" altLang="zh-CN" dirty="0" smtClean="0"/>
-          </a:p>
-          <a:p>
-            <a:pPr lvl="2"/>
-            <a:r>
-              <a:rPr lang="en-US" altLang="zh-CN" dirty="0" smtClean="0"/>
-              <a:t>C2</a:t>
-            </a:r>
-            <a:r>
-              <a:rPr lang="zh-CN" altLang="en-US" dirty="0" smtClean="0"/>
-              <a:t>选择从</a:t>
-            </a:r>
-            <a:r>
-              <a:rPr lang="en-US" altLang="zh-CN" dirty="0" smtClean="0"/>
-              <a:t>C2</a:t>
-            </a:r>
-            <a:r>
-              <a:rPr lang="zh-CN" altLang="en-US" dirty="0" smtClean="0"/>
-              <a:t>来的路由</a:t>
-            </a:r>
-            <a:endParaRPr lang="en-US" altLang="zh-CN" dirty="0" smtClean="0"/>
-          </a:p>
-          <a:p>
-            <a:pPr lvl="1"/>
-            <a:r>
-              <a:rPr lang="en-US" altLang="zh-CN" dirty="0" smtClean="0"/>
-              <a:t>C1-2</a:t>
-            </a:r>
-            <a:r>
-              <a:rPr lang="zh-CN" altLang="en-US" dirty="0" smtClean="0"/>
-              <a:t>收到</a:t>
-            </a:r>
-            <a:r>
-              <a:rPr lang="zh-CN" altLang="en-US" dirty="0"/>
-              <a:t>路由，</a:t>
-            </a:r>
-            <a:r>
-              <a:rPr lang="zh-CN" altLang="en-US" dirty="0" smtClean="0"/>
-              <a:t>传到集中平台，</a:t>
-            </a:r>
-            <a:r>
-              <a:rPr lang="en-US" altLang="zh-CN" dirty="0" smtClean="0"/>
-              <a:t>3</a:t>
-            </a:r>
-            <a:r>
-              <a:rPr lang="zh-CN" altLang="en-US" dirty="0"/>
-              <a:t>条</a:t>
-            </a:r>
-            <a:r>
-              <a:rPr lang="zh-CN" altLang="en-US" dirty="0" smtClean="0"/>
-              <a:t>路由</a:t>
-            </a:r>
-            <a:endParaRPr lang="en-US" altLang="zh-CN" dirty="0"/>
-          </a:p>
-        </p:txBody>
-      </p:sp>
-      <p:pic>
-        <p:nvPicPr>
-          <p:cNvPr id="5" name="图片 4"/>
-          <p:cNvPicPr>
-            <a:picLocks noChangeAspect="1"/>
-          </p:cNvPicPr>
-          <p:nvPr/>
-        </p:nvPicPr>
-        <p:blipFill>
-          <a:blip r:embed="rId3"/>
-          <a:stretch>
-            <a:fillRect/>
-          </a:stretch>
-        </p:blipFill>
-        <p:spPr>
-          <a:xfrm>
-            <a:off x="6563596" y="2105025"/>
-            <a:ext cx="2349775" cy="2969985"/>
-          </a:xfrm>
-          <a:prstGeom prst="rect">
-            <a:avLst/>
-          </a:prstGeom>
-        </p:spPr>
-      </p:pic>
-    </p:spTree>
-    <p:extLst>
-      <p:ext uri="{BB962C8B-B14F-4D97-AF65-F5344CB8AC3E}">
-        <p14:creationId xmlns:p14="http://schemas.microsoft.com/office/powerpoint/2010/main" val="2115990832"/>
       </p:ext>
     </p:extLst>
   </p:cSld>
@@ -6705,44 +9951,20 @@
               <a:rPr lang="en-US" altLang="zh-CN" sz="4000" dirty="0" smtClean="0"/>
             </a:br>
             <a:r>
-              <a:rPr lang="zh-CN" altLang="en-US" sz="2000" dirty="0">
+              <a:rPr lang="zh-CN" altLang="en-US" sz="2000" dirty="0" smtClean="0">
                 <a:solidFill>
                   <a:srgbClr val="FF0000"/>
                 </a:solidFill>
               </a:rPr>
-              <a:t>新路由先比较</a:t>
-            </a:r>
-            <a:r>
-              <a:rPr lang="en-US" altLang="zh-CN" sz="2000" dirty="0">
+              <a:t>新路由先</a:t>
+            </a:r>
+            <a:r>
+              <a:rPr lang="zh-CN" altLang="en-US" sz="2000" dirty="0" smtClean="0">
                 <a:solidFill>
                   <a:srgbClr val="FF0000"/>
                 </a:solidFill>
               </a:rPr>
-              <a:t>【</a:t>
-            </a:r>
-            <a:r>
-              <a:rPr lang="zh-CN" altLang="en-US" sz="2000" dirty="0">
-                <a:solidFill>
-                  <a:srgbClr val="FF0000"/>
-                </a:solidFill>
-              </a:rPr>
-              <a:t>无关</a:t>
-            </a:r>
-            <a:r>
-              <a:rPr lang="en-US" altLang="zh-CN" sz="2000" dirty="0">
-                <a:solidFill>
-                  <a:srgbClr val="FF0000"/>
-                </a:solidFill>
-              </a:rPr>
-              <a:t>】</a:t>
-            </a:r>
-            <a:r>
-              <a:rPr lang="zh-CN" altLang="en-US" sz="2000" dirty="0">
-                <a:solidFill>
-                  <a:srgbClr val="FF0000"/>
-                </a:solidFill>
-              </a:rPr>
-              <a:t>，消除域内震荡</a:t>
+              <a:t>比较</a:t>
             </a:r>
             <a:endParaRPr lang="zh-CN" altLang="en-US" sz="4000" dirty="0">
               <a:solidFill>
@@ -6780,156 +10002,188 @@
               <a:t>，</a:t>
             </a:r>
             <a:r>
-              <a:rPr lang="en-US" altLang="zh-CN" dirty="0"/>
-              <a:t> </a:t>
-            </a:r>
-            <a:r>
               <a:rPr lang="en-US" altLang="zh-CN" dirty="0" smtClean="0"/>
               <a:t>C1-1</a:t>
             </a:r>
             <a:r>
               <a:rPr lang="zh-CN" altLang="en-US" dirty="0" smtClean="0"/>
+              <a:t>（</a:t>
+            </a:r>
+            <a:r>
+              <a:rPr lang="en-US" altLang="zh-CN" dirty="0" smtClean="0"/>
+              <a:t> C1-2</a:t>
+            </a:r>
+            <a:r>
+              <a:rPr lang="zh-CN" altLang="en-US" dirty="0" smtClean="0"/>
+              <a:t>先撤销再宣告）</a:t>
+            </a:r>
+            <a:endParaRPr lang="en-US" altLang="zh-CN" dirty="0"/>
+          </a:p>
+          <a:p>
+            <a:pPr lvl="1"/>
+            <a:r>
+              <a:rPr lang="en-US" altLang="zh-CN" dirty="0" smtClean="0"/>
+              <a:t>C2</a:t>
+            </a:r>
+            <a:r>
+              <a:rPr lang="zh-CN" altLang="en-US" dirty="0" smtClean="0"/>
               <a:t>，</a:t>
             </a:r>
             <a:r>
-              <a:rPr lang="en-US" altLang="zh-CN" dirty="0"/>
-              <a:t> </a:t>
-            </a:r>
+              <a:rPr lang="en-US" altLang="zh-CN" dirty="0" smtClean="0"/>
+              <a:t>C1-1</a:t>
+            </a:r>
+            <a:r>
+              <a:rPr lang="zh-CN" altLang="en-US" dirty="0" smtClean="0"/>
+              <a:t>，</a:t>
+            </a:r>
+            <a:r>
+              <a:rPr lang="en-US" altLang="zh-CN" dirty="0" smtClean="0"/>
+              <a:t>2</a:t>
+            </a:r>
+            <a:r>
+              <a:rPr lang="zh-CN" altLang="en-US" dirty="0" smtClean="0"/>
+              <a:t>条路由</a:t>
+            </a:r>
+            <a:endParaRPr lang="en-US" altLang="zh-CN" dirty="0" smtClean="0"/>
+          </a:p>
+          <a:p>
+            <a:pPr lvl="2"/>
+            <a:r>
+              <a:rPr lang="en-US" altLang="zh-CN" dirty="0" smtClean="0"/>
+              <a:t>RR1</a:t>
+            </a:r>
+            <a:r>
+              <a:rPr lang="zh-CN" altLang="en-US" dirty="0" smtClean="0"/>
+              <a:t>选从</a:t>
+            </a:r>
+            <a:r>
+              <a:rPr lang="en-US" altLang="zh-CN" dirty="0" smtClean="0"/>
+              <a:t>C1-1</a:t>
+            </a:r>
+            <a:r>
+              <a:rPr lang="zh-CN" altLang="en-US" dirty="0" smtClean="0"/>
+              <a:t>来的路由</a:t>
+            </a:r>
+            <a:endParaRPr lang="en-US" altLang="zh-CN" dirty="0" smtClean="0"/>
+          </a:p>
+          <a:p>
+            <a:pPr lvl="2"/>
+            <a:r>
+              <a:rPr lang="en-US" altLang="zh-CN" dirty="0" smtClean="0"/>
+              <a:t>RR2</a:t>
+            </a:r>
+            <a:r>
+              <a:rPr lang="zh-CN" altLang="en-US" dirty="0" smtClean="0"/>
+              <a:t>选从</a:t>
+            </a:r>
+            <a:r>
+              <a:rPr lang="en-US" altLang="zh-CN" dirty="0" smtClean="0"/>
+              <a:t>C1-1</a:t>
+            </a:r>
+            <a:r>
+              <a:rPr lang="zh-CN" altLang="en-US" dirty="0" smtClean="0"/>
+              <a:t>来的路由</a:t>
+            </a:r>
+            <a:endParaRPr lang="en-US" altLang="zh-CN" dirty="0" smtClean="0"/>
+          </a:p>
+          <a:p>
+            <a:pPr lvl="2"/>
+            <a:r>
+              <a:rPr lang="en-US" altLang="zh-CN" dirty="0" smtClean="0"/>
+              <a:t>C1-1</a:t>
+            </a:r>
+            <a:r>
+              <a:rPr lang="zh-CN" altLang="en-US" dirty="0" smtClean="0"/>
+              <a:t>选从</a:t>
+            </a:r>
+            <a:r>
+              <a:rPr lang="en-US" altLang="zh-CN" dirty="0" smtClean="0"/>
+              <a:t>C1-1</a:t>
+            </a:r>
+            <a:r>
+              <a:rPr lang="zh-CN" altLang="en-US" dirty="0" smtClean="0"/>
+              <a:t>来的路由</a:t>
+            </a:r>
+            <a:endParaRPr lang="en-US" altLang="zh-CN" dirty="0" smtClean="0"/>
+          </a:p>
+          <a:p>
+            <a:pPr lvl="2"/>
             <a:r>
               <a:rPr lang="en-US" altLang="zh-CN" dirty="0" smtClean="0"/>
               <a:t>C1-2</a:t>
             </a:r>
+            <a:r>
+              <a:rPr lang="zh-CN" altLang="en-US" dirty="0" smtClean="0"/>
+              <a:t>选从</a:t>
+            </a:r>
+            <a:r>
+              <a:rPr lang="en-US" altLang="zh-CN" dirty="0" smtClean="0"/>
+              <a:t>C1-1</a:t>
+            </a:r>
+            <a:r>
+              <a:rPr lang="zh-CN" altLang="en-US" dirty="0" smtClean="0"/>
+              <a:t>来的路由</a:t>
+            </a:r>
+            <a:endParaRPr lang="en-US" altLang="zh-CN" dirty="0" smtClean="0"/>
+          </a:p>
+          <a:p>
+            <a:pPr lvl="2"/>
+            <a:r>
+              <a:rPr lang="en-US" altLang="zh-CN" dirty="0" smtClean="0"/>
+              <a:t>C2</a:t>
+            </a:r>
+            <a:r>
+              <a:rPr lang="zh-CN" altLang="en-US" dirty="0" smtClean="0"/>
+              <a:t>选择从</a:t>
+            </a:r>
+            <a:r>
+              <a:rPr lang="en-US" altLang="zh-CN" dirty="0" smtClean="0"/>
+              <a:t>C2</a:t>
+            </a:r>
+            <a:r>
+              <a:rPr lang="zh-CN" altLang="en-US" dirty="0" smtClean="0"/>
+              <a:t>来的路由</a:t>
+            </a:r>
+            <a:endParaRPr lang="en-US" altLang="zh-CN" dirty="0" smtClean="0"/>
+          </a:p>
+          <a:p>
+            <a:pPr lvl="1"/>
+            <a:r>
+              <a:rPr lang="en-US" altLang="zh-CN" dirty="0" smtClean="0"/>
+              <a:t>C1-2</a:t>
+            </a:r>
+            <a:r>
+              <a:rPr lang="zh-CN" altLang="en-US" dirty="0" smtClean="0"/>
+              <a:t>收到</a:t>
+            </a:r>
+            <a:r>
+              <a:rPr lang="zh-CN" altLang="en-US" dirty="0"/>
+              <a:t>路由，</a:t>
+            </a:r>
+            <a:r>
+              <a:rPr lang="zh-CN" altLang="en-US" dirty="0" smtClean="0"/>
+              <a:t>传到集中平台，</a:t>
+            </a:r>
+            <a:r>
+              <a:rPr lang="en-US" altLang="zh-CN" dirty="0" smtClean="0"/>
+              <a:t>3</a:t>
+            </a:r>
+            <a:r>
+              <a:rPr lang="zh-CN" altLang="en-US" dirty="0"/>
+              <a:t>条</a:t>
+            </a:r>
+            <a:r>
+              <a:rPr lang="zh-CN" altLang="en-US" dirty="0" smtClean="0"/>
+              <a:t>路由</a:t>
+            </a:r>
             <a:endParaRPr lang="en-US" altLang="zh-CN" dirty="0"/>
-          </a:p>
-          <a:p>
-            <a:pPr lvl="1"/>
-            <a:r>
-              <a:rPr lang="en-US" altLang="zh-CN" dirty="0" smtClean="0"/>
-              <a:t>C1-2</a:t>
-            </a:r>
-            <a:r>
-              <a:rPr lang="zh-CN" altLang="en-US" dirty="0" smtClean="0"/>
-              <a:t>收到</a:t>
-            </a:r>
-            <a:r>
-              <a:rPr lang="zh-CN" altLang="en-US" dirty="0"/>
-              <a:t>路由，传到集中平台，</a:t>
-            </a:r>
-            <a:r>
-              <a:rPr lang="en-US" altLang="zh-CN" dirty="0"/>
-              <a:t>3</a:t>
-            </a:r>
-            <a:r>
-              <a:rPr lang="zh-CN" altLang="en-US" dirty="0"/>
-              <a:t>条路由</a:t>
-            </a:r>
-            <a:endParaRPr lang="en-US" altLang="zh-CN" dirty="0"/>
-          </a:p>
-          <a:p>
-            <a:pPr lvl="2"/>
-            <a:r>
-              <a:rPr lang="en-US" altLang="zh-CN" dirty="0" smtClean="0"/>
-              <a:t>RR1</a:t>
-            </a:r>
-            <a:r>
-              <a:rPr lang="zh-CN" altLang="en-US" dirty="0" smtClean="0"/>
-              <a:t>选从</a:t>
-            </a:r>
-            <a:r>
-              <a:rPr lang="en-US" altLang="zh-CN" dirty="0" smtClean="0"/>
-              <a:t>C2</a:t>
-            </a:r>
-            <a:r>
-              <a:rPr lang="zh-CN" altLang="en-US" dirty="0" smtClean="0"/>
-              <a:t>来的路由</a:t>
-            </a:r>
-            <a:endParaRPr lang="en-US" altLang="zh-CN" dirty="0" smtClean="0"/>
-          </a:p>
-          <a:p>
-            <a:pPr lvl="2"/>
-            <a:r>
-              <a:rPr lang="en-US" altLang="zh-CN" dirty="0" smtClean="0"/>
-              <a:t>RR2</a:t>
-            </a:r>
-            <a:r>
-              <a:rPr lang="zh-CN" altLang="en-US" dirty="0" smtClean="0"/>
-              <a:t>选从</a:t>
-            </a:r>
-            <a:r>
-              <a:rPr lang="en-US" altLang="zh-CN" dirty="0" smtClean="0"/>
-              <a:t>C2</a:t>
-            </a:r>
-            <a:r>
-              <a:rPr lang="zh-CN" altLang="en-US" dirty="0" smtClean="0"/>
-              <a:t>来的路由</a:t>
-            </a:r>
-            <a:endParaRPr lang="en-US" altLang="zh-CN" dirty="0" smtClean="0"/>
-          </a:p>
-          <a:p>
-            <a:pPr lvl="2"/>
-            <a:r>
-              <a:rPr lang="en-US" altLang="zh-CN" dirty="0" smtClean="0"/>
-              <a:t>C1-1</a:t>
-            </a:r>
-            <a:r>
-              <a:rPr lang="zh-CN" altLang="en-US" dirty="0" smtClean="0"/>
-              <a:t>选从</a:t>
-            </a:r>
-            <a:r>
-              <a:rPr lang="en-US" altLang="zh-CN" dirty="0" smtClean="0"/>
-              <a:t>C1-1</a:t>
-            </a:r>
-            <a:r>
-              <a:rPr lang="zh-CN" altLang="en-US" dirty="0" smtClean="0"/>
-              <a:t>来的路由</a:t>
-            </a:r>
-            <a:endParaRPr lang="en-US" altLang="zh-CN" dirty="0" smtClean="0"/>
-          </a:p>
-          <a:p>
-            <a:pPr lvl="2"/>
-            <a:r>
-              <a:rPr lang="en-US" altLang="zh-CN" dirty="0" smtClean="0"/>
-              <a:t>C1-2</a:t>
-            </a:r>
-            <a:r>
-              <a:rPr lang="zh-CN" altLang="en-US" dirty="0" smtClean="0"/>
-              <a:t>选从</a:t>
-            </a:r>
-            <a:r>
-              <a:rPr lang="en-US" altLang="zh-CN" dirty="0" smtClean="0"/>
-              <a:t>C1-2</a:t>
-            </a:r>
-            <a:r>
-              <a:rPr lang="zh-CN" altLang="en-US" dirty="0" smtClean="0"/>
-              <a:t>来的路由</a:t>
-            </a:r>
-            <a:endParaRPr lang="en-US" altLang="zh-CN" dirty="0" smtClean="0"/>
-          </a:p>
-          <a:p>
-            <a:pPr lvl="2"/>
-            <a:r>
-              <a:rPr lang="en-US" altLang="zh-CN" dirty="0" smtClean="0"/>
-              <a:t>C2</a:t>
-            </a:r>
-            <a:r>
-              <a:rPr lang="zh-CN" altLang="en-US" dirty="0" smtClean="0"/>
-              <a:t>选择从</a:t>
-            </a:r>
-            <a:r>
-              <a:rPr lang="en-US" altLang="zh-CN" dirty="0" smtClean="0"/>
-              <a:t>C2</a:t>
-            </a:r>
-            <a:r>
-              <a:rPr lang="zh-CN" altLang="en-US" dirty="0" smtClean="0"/>
-              <a:t>来的路由</a:t>
-            </a:r>
-            <a:endParaRPr lang="en-US" altLang="zh-CN" dirty="0" smtClean="0"/>
           </a:p>
         </p:txBody>
       </p:sp>
       <p:pic>
         <p:nvPicPr>
-          <p:cNvPr id="6" name="图片 5"/>
+          <p:cNvPr id="5" name="图片 4"/>
           <p:cNvPicPr>
             <a:picLocks noChangeAspect="1"/>
           </p:cNvPicPr>
@@ -6951,158 +10205,10 @@
           </a:prstGeom>
         </p:spPr>
       </p:pic>
-      <p:sp>
-        <p:nvSpPr>
-          <p:cNvPr id="4" name="文本框 3"/>
-          <p:cNvSpPr txBox="1"/>
-          <p:nvPr/>
-        </p:nvSpPr>
-        <p:spPr>
-          <a:xfrm>
-            <a:off x="628649" y="5075010"/>
-            <a:ext cx="8410247" cy="2031325"/>
-          </a:xfrm>
-          <a:prstGeom prst="rect">
-            <a:avLst/>
-          </a:prstGeom>
-          <a:noFill/>
-        </p:spPr>
-        <p:txBody>
-          <a:bodyPr wrap="square" rtlCol="0">
-            <a:spAutoFit/>
-          </a:bodyPr>
-          <a:lstStyle/>
-          <a:p>
-            <a:r>
-              <a:rPr lang="zh-CN" altLang="en-US" dirty="0" smtClean="0"/>
-              <a:t>分析：</a:t>
-            </a:r>
-            <a:endParaRPr lang="en-US" altLang="zh-CN" dirty="0" smtClean="0"/>
-          </a:p>
-          <a:p>
-            <a:pPr marL="285750" indent="-285750">
-              <a:buFont typeface="Arial" panose="020B0604020202020204" pitchFamily="34" charset="0"/>
-              <a:buChar char="•"/>
-            </a:pPr>
-            <a:r>
-              <a:rPr lang="zh-CN" altLang="en-US" dirty="0" smtClean="0"/>
-              <a:t>路由顺序不同，最优路由选择不同：</a:t>
-            </a:r>
-            <a:endParaRPr lang="en-US" altLang="zh-CN" dirty="0" smtClean="0"/>
-          </a:p>
-          <a:p>
-            <a:pPr marL="742950" lvl="1" indent="-285750">
-              <a:buFont typeface="Arial" panose="020B0604020202020204" pitchFamily="34" charset="0"/>
-              <a:buChar char="•"/>
-            </a:pPr>
-            <a:r>
-              <a:rPr lang="zh-CN" altLang="en-US" dirty="0" smtClean="0"/>
-              <a:t>原则上</a:t>
-            </a:r>
-            <a:r>
-              <a:rPr lang="en-US" altLang="zh-CN" dirty="0" smtClean="0"/>
-              <a:t>C1-1</a:t>
-            </a:r>
-            <a:r>
-              <a:rPr lang="zh-CN" altLang="en-US" dirty="0" smtClean="0"/>
-              <a:t>的路由最优，但实际因为顺序不同，最优路由结果不同</a:t>
-            </a:r>
-            <a:endParaRPr lang="en-US" altLang="zh-CN" dirty="0" smtClean="0"/>
-          </a:p>
-          <a:p>
-            <a:pPr marL="1200150" lvl="2" indent="-285750">
-              <a:buFont typeface="Arial" panose="020B0604020202020204" pitchFamily="34" charset="0"/>
-              <a:buChar char="•"/>
-            </a:pPr>
-            <a:r>
-              <a:rPr lang="zh-CN" altLang="en-US" dirty="0" smtClean="0"/>
-              <a:t>违背邻居</a:t>
-            </a:r>
-            <a:r>
-              <a:rPr lang="en-US" altLang="zh-CN" dirty="0" smtClean="0"/>
-              <a:t>AS</a:t>
-            </a:r>
-            <a:r>
-              <a:rPr lang="zh-CN" altLang="en-US" dirty="0" smtClean="0"/>
-              <a:t>设置</a:t>
-            </a:r>
-            <a:r>
-              <a:rPr lang="en-US" altLang="zh-CN" dirty="0" smtClean="0"/>
-              <a:t>MED</a:t>
-            </a:r>
-            <a:r>
-              <a:rPr lang="zh-CN" altLang="en-US" dirty="0" smtClean="0"/>
-              <a:t>值的初衷，当来自同一个</a:t>
-            </a:r>
-            <a:r>
-              <a:rPr lang="en-US" altLang="zh-CN" dirty="0" smtClean="0"/>
-              <a:t>AS</a:t>
-            </a:r>
-            <a:r>
-              <a:rPr lang="zh-CN" altLang="en-US" dirty="0" smtClean="0"/>
-              <a:t>，</a:t>
-            </a:r>
-            <a:r>
-              <a:rPr lang="en-US" altLang="zh-CN" dirty="0" smtClean="0"/>
-              <a:t>MED</a:t>
-            </a:r>
-            <a:r>
-              <a:rPr lang="zh-CN" altLang="en-US" dirty="0"/>
-              <a:t>大</a:t>
-            </a:r>
-            <a:r>
-              <a:rPr lang="zh-CN" altLang="en-US" dirty="0" smtClean="0"/>
-              <a:t>的被排除</a:t>
-            </a:r>
-            <a:endParaRPr lang="en-US" altLang="zh-CN" dirty="0" smtClean="0"/>
-          </a:p>
-          <a:p>
-            <a:pPr marL="1200150" lvl="2" indent="-285750">
-              <a:buFont typeface="Arial" panose="020B0604020202020204" pitchFamily="34" charset="0"/>
-              <a:buChar char="•"/>
-            </a:pPr>
-            <a:r>
-              <a:rPr lang="zh-CN" altLang="en-US" dirty="0"/>
-              <a:t>当</a:t>
-            </a:r>
-            <a:r>
-              <a:rPr lang="zh-CN" altLang="en-US" dirty="0" smtClean="0"/>
-              <a:t>有</a:t>
-            </a:r>
-            <a:r>
-              <a:rPr lang="en-US" altLang="zh-CN" dirty="0" smtClean="0"/>
-              <a:t>3</a:t>
-            </a:r>
-            <a:r>
-              <a:rPr lang="zh-CN" altLang="en-US" dirty="0" smtClean="0"/>
-              <a:t>条路由时，</a:t>
-            </a:r>
-            <a:r>
-              <a:rPr lang="en-US" altLang="zh-CN" dirty="0" smtClean="0"/>
-              <a:t>C1-1</a:t>
-            </a:r>
-            <a:r>
-              <a:rPr lang="zh-CN" altLang="en-US" dirty="0" smtClean="0"/>
-              <a:t>是最合理的最优路由答案</a:t>
-            </a:r>
-            <a:endParaRPr lang="en-US" altLang="zh-CN" dirty="0" smtClean="0"/>
-          </a:p>
-          <a:p>
-            <a:pPr marL="285750" indent="-285750">
-              <a:buFont typeface="Arial" panose="020B0604020202020204" pitchFamily="34" charset="0"/>
-              <a:buChar char="•"/>
-            </a:pPr>
-            <a:endParaRPr lang="en-US" altLang="zh-CN" dirty="0" smtClean="0"/>
-          </a:p>
-          <a:p>
-            <a:endParaRPr lang="zh-CN" altLang="en-US" dirty="0"/>
-          </a:p>
-        </p:txBody>
-      </p:sp>
     </p:spTree>
     <p:extLst>
       <p:ext uri="{BB962C8B-B14F-4D97-AF65-F5344CB8AC3E}">
-        <p14:creationId xmlns:p14="http://schemas.microsoft.com/office/powerpoint/2010/main" val="3145962396"/>
+        <p14:creationId xmlns:p14="http://schemas.microsoft.com/office/powerpoint/2010/main" val="2115990832"/>
       </p:ext>
     </p:extLst>
   </p:cSld>

--- a/doc/毕设阶段讨论4.pptx
+++ b/doc/毕设阶段讨论4.pptx
@@ -5,24 +5,28 @@
     <p:sldMasterId id="2147483660" r:id="rId1"/>
   </p:sldMasterIdLst>
   <p:notesMasterIdLst>
-    <p:notesMasterId r:id="rId17"/>
+    <p:notesMasterId r:id="rId21"/>
   </p:notesMasterIdLst>
   <p:sldIdLst>
     <p:sldId id="256" r:id="rId2"/>
     <p:sldId id="257" r:id="rId3"/>
-    <p:sldId id="272" r:id="rId4"/>
-    <p:sldId id="271" r:id="rId5"/>
-    <p:sldId id="262" r:id="rId6"/>
-    <p:sldId id="263" r:id="rId7"/>
-    <p:sldId id="264" r:id="rId8"/>
-    <p:sldId id="265" r:id="rId9"/>
-    <p:sldId id="268" r:id="rId10"/>
-    <p:sldId id="269" r:id="rId11"/>
-    <p:sldId id="266" r:id="rId12"/>
-    <p:sldId id="273" r:id="rId13"/>
-    <p:sldId id="274" r:id="rId14"/>
-    <p:sldId id="275" r:id="rId15"/>
-    <p:sldId id="276" r:id="rId16"/>
+    <p:sldId id="277" r:id="rId4"/>
+    <p:sldId id="279" r:id="rId5"/>
+    <p:sldId id="272" r:id="rId6"/>
+    <p:sldId id="280" r:id="rId7"/>
+    <p:sldId id="262" r:id="rId8"/>
+    <p:sldId id="263" r:id="rId9"/>
+    <p:sldId id="264" r:id="rId10"/>
+    <p:sldId id="265" r:id="rId11"/>
+    <p:sldId id="268" r:id="rId12"/>
+    <p:sldId id="269" r:id="rId13"/>
+    <p:sldId id="266" r:id="rId14"/>
+    <p:sldId id="273" r:id="rId15"/>
+    <p:sldId id="274" r:id="rId16"/>
+    <p:sldId id="275" r:id="rId17"/>
+    <p:sldId id="276" r:id="rId18"/>
+    <p:sldId id="281" r:id="rId19"/>
+    <p:sldId id="282" r:id="rId20"/>
   </p:sldIdLst>
   <p:sldSz cx="9144000" cy="6858000" type="screen4x3"/>
   <p:notesSz cx="6858000" cy="9144000"/>
@@ -211,7 +215,7 @@
           <a:p>
             <a:fld id="{1EACDA4F-CBC8-409D-9790-33E04620064B}" type="datetimeFigureOut">
               <a:rPr lang="zh-CN" altLang="en-US" smtClean="0"/>
-              <a:t>2018/1/24</a:t>
+              <a:t>2018/1/26</a:t>
             </a:fld>
             <a:endParaRPr lang="zh-CN" altLang="en-US"/>
           </a:p>
@@ -735,7 +739,7 @@
           <a:p>
             <a:fld id="{D739253D-9922-4063-AA59-B9E9C13B7667}" type="slidenum">
               <a:rPr lang="zh-CN" altLang="en-US" smtClean="0"/>
-              <a:t>3</a:t>
+              <a:t>5</a:t>
             </a:fld>
             <a:endParaRPr lang="zh-CN" altLang="en-US"/>
           </a:p>
@@ -889,7 +893,7 @@
           <a:p>
             <a:fld id="{F5E8F21B-03B9-44B1-98BE-F9B968A6865C}" type="slidenum">
               <a:rPr lang="zh-CN" altLang="en-US" smtClean="0"/>
-              <a:t>14</a:t>
+              <a:t>16</a:t>
             </a:fld>
             <a:endParaRPr lang="zh-CN" altLang="en-US"/>
           </a:p>
@@ -899,6 +903,177 @@
     <p:extLst>
       <p:ext uri="{BB962C8B-B14F-4D97-AF65-F5344CB8AC3E}">
         <p14:creationId xmlns:p14="http://schemas.microsoft.com/office/powerpoint/2010/main" val="2458410201"/>
+      </p:ext>
+    </p:extLst>
+  </p:cSld>
+  <p:clrMapOvr>
+    <a:masterClrMapping/>
+  </p:clrMapOvr>
+</p:notes>
+</file>
+
+<file path=ppt/notesSlides/notesSlide11.xml><?xml version="1.0" encoding="utf-8"?>
+<p:notes xmlns:a="http://schemas.openxmlformats.org/drawingml/2006/main" xmlns:r="http://schemas.openxmlformats.org/officeDocument/2006/relationships" xmlns:p="http://schemas.openxmlformats.org/presentationml/2006/main">
+  <p:cSld>
+    <p:spTree>
+      <p:nvGrpSpPr>
+        <p:cNvPr id="1" name=""/>
+        <p:cNvGrpSpPr/>
+        <p:nvPr/>
+      </p:nvGrpSpPr>
+      <p:grpSpPr>
+        <a:xfrm>
+          <a:off x="0" y="0"/>
+          <a:ext cx="0" cy="0"/>
+          <a:chOff x="0" y="0"/>
+          <a:chExt cx="0" cy="0"/>
+        </a:xfrm>
+      </p:grpSpPr>
+      <p:sp>
+        <p:nvSpPr>
+          <p:cNvPr id="2" name="幻灯片图像占位符 1"/>
+          <p:cNvSpPr>
+            <a:spLocks noGrp="1" noRot="1" noChangeAspect="1"/>
+          </p:cNvSpPr>
+          <p:nvPr>
+            <p:ph type="sldImg"/>
+          </p:nvPr>
+        </p:nvSpPr>
+        <p:spPr/>
+      </p:sp>
+      <p:sp>
+        <p:nvSpPr>
+          <p:cNvPr id="3" name="备注占位符 2"/>
+          <p:cNvSpPr>
+            <a:spLocks noGrp="1"/>
+          </p:cNvSpPr>
+          <p:nvPr>
+            <p:ph type="body" idx="1"/>
+          </p:nvPr>
+        </p:nvSpPr>
+        <p:spPr/>
+        <p:txBody>
+          <a:bodyPr/>
+          <a:lstStyle/>
+          <a:p>
+            <a:endParaRPr lang="zh-CN" altLang="en-US" dirty="0"/>
+          </a:p>
+        </p:txBody>
+      </p:sp>
+      <p:sp>
+        <p:nvSpPr>
+          <p:cNvPr id="4" name="灯片编号占位符 3"/>
+          <p:cNvSpPr>
+            <a:spLocks noGrp="1"/>
+          </p:cNvSpPr>
+          <p:nvPr>
+            <p:ph type="sldNum" sz="quarter" idx="10"/>
+          </p:nvPr>
+        </p:nvSpPr>
+        <p:spPr/>
+        <p:txBody>
+          <a:bodyPr/>
+          <a:lstStyle/>
+          <a:p>
+            <a:fld id="{A05AF086-B81D-458B-B4CE-4BEEA0009837}" type="slidenum">
+              <a:rPr lang="zh-CN" altLang="en-US" smtClean="0"/>
+              <a:t>17</a:t>
+            </a:fld>
+            <a:endParaRPr lang="zh-CN" altLang="en-US"/>
+          </a:p>
+        </p:txBody>
+      </p:sp>
+    </p:spTree>
+    <p:extLst>
+      <p:ext uri="{BB962C8B-B14F-4D97-AF65-F5344CB8AC3E}">
+        <p14:creationId xmlns:p14="http://schemas.microsoft.com/office/powerpoint/2010/main" val="322022422"/>
+      </p:ext>
+    </p:extLst>
+  </p:cSld>
+  <p:clrMapOvr>
+    <a:masterClrMapping/>
+  </p:clrMapOvr>
+</p:notes>
+</file>
+
+<file path=ppt/notesSlides/notesSlide12.xml><?xml version="1.0" encoding="utf-8"?>
+<p:notes xmlns:a="http://schemas.openxmlformats.org/drawingml/2006/main" xmlns:r="http://schemas.openxmlformats.org/officeDocument/2006/relationships" xmlns:p="http://schemas.openxmlformats.org/presentationml/2006/main">
+  <p:cSld>
+    <p:spTree>
+      <p:nvGrpSpPr>
+        <p:cNvPr id="1" name=""/>
+        <p:cNvGrpSpPr/>
+        <p:nvPr/>
+      </p:nvGrpSpPr>
+      <p:grpSpPr>
+        <a:xfrm>
+          <a:off x="0" y="0"/>
+          <a:ext cx="0" cy="0"/>
+          <a:chOff x="0" y="0"/>
+          <a:chExt cx="0" cy="0"/>
+        </a:xfrm>
+      </p:grpSpPr>
+      <p:sp>
+        <p:nvSpPr>
+          <p:cNvPr id="2" name="幻灯片图像占位符 1"/>
+          <p:cNvSpPr>
+            <a:spLocks noGrp="1" noRot="1" noChangeAspect="1"/>
+          </p:cNvSpPr>
+          <p:nvPr>
+            <p:ph type="sldImg"/>
+          </p:nvPr>
+        </p:nvSpPr>
+        <p:spPr/>
+      </p:sp>
+      <p:sp>
+        <p:nvSpPr>
+          <p:cNvPr id="3" name="备注占位符 2"/>
+          <p:cNvSpPr>
+            <a:spLocks noGrp="1"/>
+          </p:cNvSpPr>
+          <p:nvPr>
+            <p:ph type="body" idx="1"/>
+          </p:nvPr>
+        </p:nvSpPr>
+        <p:spPr/>
+        <p:txBody>
+          <a:bodyPr/>
+          <a:lstStyle/>
+          <a:p>
+            <a:pPr marL="228600" indent="-228600">
+              <a:buAutoNum type="arabicPeriod"/>
+            </a:pPr>
+            <a:endParaRPr lang="en-US" altLang="zh-CN" dirty="0" smtClean="0"/>
+          </a:p>
+        </p:txBody>
+      </p:sp>
+      <p:sp>
+        <p:nvSpPr>
+          <p:cNvPr id="4" name="灯片编号占位符 3"/>
+          <p:cNvSpPr>
+            <a:spLocks noGrp="1"/>
+          </p:cNvSpPr>
+          <p:nvPr>
+            <p:ph type="sldNum" sz="quarter" idx="10"/>
+          </p:nvPr>
+        </p:nvSpPr>
+        <p:spPr/>
+        <p:txBody>
+          <a:bodyPr/>
+          <a:lstStyle/>
+          <a:p>
+            <a:fld id="{A05AF086-B81D-458B-B4CE-4BEEA0009837}" type="slidenum">
+              <a:rPr lang="zh-CN" altLang="en-US" smtClean="0"/>
+              <a:t>18</a:t>
+            </a:fld>
+            <a:endParaRPr lang="zh-CN" altLang="en-US"/>
+          </a:p>
+        </p:txBody>
+      </p:sp>
+    </p:spTree>
+    <p:extLst>
+      <p:ext uri="{BB962C8B-B14F-4D97-AF65-F5344CB8AC3E}">
+        <p14:creationId xmlns:p14="http://schemas.microsoft.com/office/powerpoint/2010/main" val="1276738036"/>
       </p:ext>
     </p:extLst>
   </p:cSld>
@@ -977,7 +1152,7 @@
           <a:p>
             <a:fld id="{F5358FEF-A560-4564-B0D1-AAE8C4804329}" type="slidenum">
               <a:rPr lang="zh-CN" altLang="en-US" smtClean="0"/>
-              <a:t>4</a:t>
+              <a:t>6</a:t>
             </a:fld>
             <a:endParaRPr lang="zh-CN" altLang="en-US"/>
           </a:p>
@@ -986,7 +1161,7 @@
     </p:spTree>
     <p:extLst>
       <p:ext uri="{BB962C8B-B14F-4D97-AF65-F5344CB8AC3E}">
-        <p14:creationId xmlns:p14="http://schemas.microsoft.com/office/powerpoint/2010/main" val="2643527116"/>
+        <p14:creationId xmlns:p14="http://schemas.microsoft.com/office/powerpoint/2010/main" val="266912189"/>
       </p:ext>
     </p:extLst>
   </p:cSld>
@@ -1095,7 +1270,7 @@
           <a:p>
             <a:fld id="{F5358FEF-A560-4564-B0D1-AAE8C4804329}" type="slidenum">
               <a:rPr lang="zh-CN" altLang="en-US" smtClean="0"/>
-              <a:t>5</a:t>
+              <a:t>7</a:t>
             </a:fld>
             <a:endParaRPr lang="zh-CN" altLang="en-US"/>
           </a:p>
@@ -1213,7 +1388,7 @@
           <a:p>
             <a:fld id="{F5358FEF-A560-4564-B0D1-AAE8C4804329}" type="slidenum">
               <a:rPr lang="zh-CN" altLang="en-US" smtClean="0"/>
-              <a:t>6</a:t>
+              <a:t>8</a:t>
             </a:fld>
             <a:endParaRPr lang="zh-CN" altLang="en-US"/>
           </a:p>
@@ -1331,7 +1506,7 @@
           <a:p>
             <a:fld id="{F5358FEF-A560-4564-B0D1-AAE8C4804329}" type="slidenum">
               <a:rPr lang="zh-CN" altLang="en-US" smtClean="0"/>
-              <a:t>7</a:t>
+              <a:t>9</a:t>
             </a:fld>
             <a:endParaRPr lang="zh-CN" altLang="en-US"/>
           </a:p>
@@ -1449,7 +1624,7 @@
           <a:p>
             <a:fld id="{F5358FEF-A560-4564-B0D1-AAE8C4804329}" type="slidenum">
               <a:rPr lang="zh-CN" altLang="en-US" smtClean="0"/>
-              <a:t>8</a:t>
+              <a:t>10</a:t>
             </a:fld>
             <a:endParaRPr lang="zh-CN" altLang="en-US"/>
           </a:p>
@@ -1567,7 +1742,7 @@
           <a:p>
             <a:fld id="{F5358FEF-A560-4564-B0D1-AAE8C4804329}" type="slidenum">
               <a:rPr lang="zh-CN" altLang="en-US" smtClean="0"/>
-              <a:t>9</a:t>
+              <a:t>11</a:t>
             </a:fld>
             <a:endParaRPr lang="zh-CN" altLang="en-US"/>
           </a:p>
@@ -1685,7 +1860,7 @@
           <a:p>
             <a:fld id="{F5358FEF-A560-4564-B0D1-AAE8C4804329}" type="slidenum">
               <a:rPr lang="zh-CN" altLang="en-US" smtClean="0"/>
-              <a:t>10</a:t>
+              <a:t>12</a:t>
             </a:fld>
             <a:endParaRPr lang="zh-CN" altLang="en-US"/>
           </a:p>
@@ -1749,105 +1924,12 @@
           <a:lstStyle/>
           <a:p>
             <a:r>
-              <a:rPr lang="en-US" altLang="zh-CN" dirty="0" smtClean="0"/>
-              <a:t>SD-</a:t>
-            </a:r>
-            <a:r>
-              <a:rPr lang="en-US" altLang="zh-CN" dirty="0" err="1" smtClean="0"/>
-              <a:t>iBGP</a:t>
-            </a:r>
-            <a:r>
-              <a:rPr lang="zh-CN" altLang="en-US" dirty="0" smtClean="0"/>
-              <a:t>测试分两类：仿真实验和实际测试，对其性能进行定性、定量分析，选择传统网络、</a:t>
-            </a:r>
-            <a:r>
-              <a:rPr lang="en-US" altLang="zh-CN" dirty="0" smtClean="0"/>
-              <a:t>RR</a:t>
-            </a:r>
-            <a:r>
-              <a:rPr lang="zh-CN" altLang="en-US" dirty="0" smtClean="0"/>
-              <a:t>、</a:t>
-            </a:r>
-            <a:r>
-              <a:rPr lang="en-US" altLang="zh-CN" dirty="0" smtClean="0"/>
-              <a:t>RCP</a:t>
-            </a:r>
-            <a:r>
-              <a:rPr lang="zh-CN" altLang="en-US" dirty="0" smtClean="0"/>
-              <a:t>、</a:t>
-            </a:r>
-            <a:r>
-              <a:rPr lang="en-US" altLang="zh-CN" dirty="0" smtClean="0"/>
-              <a:t>SD-</a:t>
-            </a:r>
-            <a:r>
-              <a:rPr lang="en-US" altLang="zh-CN" dirty="0" err="1" smtClean="0"/>
-              <a:t>iBGP</a:t>
-            </a:r>
-            <a:r>
-              <a:rPr lang="zh-CN" altLang="en-US" dirty="0" smtClean="0"/>
-              <a:t>进行对比分析</a:t>
-            </a:r>
-            <a:endParaRPr lang="en-US" altLang="zh-CN" dirty="0" smtClean="0"/>
-          </a:p>
-          <a:p>
-            <a:endParaRPr lang="en-US" altLang="zh-CN" dirty="0" smtClean="0"/>
-          </a:p>
-          <a:p>
-            <a:r>
-              <a:rPr lang="zh-CN" altLang="en-US" dirty="0" smtClean="0"/>
-              <a:t>定性分析有四类内容：</a:t>
-            </a:r>
-            <a:endParaRPr lang="en-US" altLang="zh-CN" dirty="0" smtClean="0"/>
-          </a:p>
-          <a:p>
-            <a:endParaRPr lang="en-US" altLang="zh-CN" dirty="0" smtClean="0"/>
-          </a:p>
-          <a:p>
-            <a:r>
-              <a:rPr lang="zh-CN" altLang="en-US" dirty="0" smtClean="0"/>
-              <a:t>分析</a:t>
-            </a:r>
-            <a:r>
-              <a:rPr lang="en-US" altLang="zh-CN" dirty="0" err="1" smtClean="0"/>
-              <a:t>iBGP</a:t>
-            </a:r>
-            <a:r>
-              <a:rPr lang="en-US" altLang="zh-CN" dirty="0" smtClean="0"/>
-              <a:t> session</a:t>
-            </a:r>
-            <a:r>
-              <a:rPr lang="zh-CN" altLang="en-US" dirty="0" smtClean="0"/>
-              <a:t>的数目分析</a:t>
-            </a:r>
-            <a:r>
-              <a:rPr lang="en-US" altLang="zh-CN" dirty="0" err="1" smtClean="0"/>
-              <a:t>iBGP</a:t>
-            </a:r>
-            <a:r>
-              <a:rPr lang="zh-CN" altLang="en-US" dirty="0" smtClean="0"/>
-              <a:t>的可扩展性</a:t>
-            </a:r>
-            <a:endParaRPr lang="en-US" altLang="zh-CN" dirty="0" smtClean="0"/>
-          </a:p>
-          <a:p>
-            <a:r>
-              <a:rPr lang="zh-CN" altLang="en-US" dirty="0" smtClean="0"/>
-              <a:t>分析路由存储的复杂度</a:t>
-            </a:r>
-            <a:endParaRPr lang="en-US" altLang="zh-CN" dirty="0" smtClean="0"/>
-          </a:p>
-          <a:p>
-            <a:r>
-              <a:rPr lang="zh-CN" altLang="en-US" dirty="0" smtClean="0"/>
-              <a:t>分析策略配置的便携性和检错性</a:t>
-            </a:r>
-            <a:endParaRPr lang="en-US" altLang="zh-CN" dirty="0" smtClean="0"/>
-          </a:p>
-          <a:p>
-            <a:r>
-              <a:rPr lang="zh-CN" altLang="en-US" dirty="0" smtClean="0"/>
-              <a:t>对路由在域内传播的计算复杂度进行分析</a:t>
+              <a:rPr lang="zh-CN" altLang="en-US" dirty="0" smtClean="0"/>
+              <a:t>测试仪：路由仿真，仿照路由器的</a:t>
+            </a:r>
+            <a:r>
+              <a:rPr lang="en-US" altLang="zh-CN" dirty="0" smtClean="0"/>
+              <a:t>peer</a:t>
             </a:r>
             <a:endParaRPr lang="zh-CN" altLang="en-US" dirty="0"/>
           </a:p>
@@ -1870,7 +1952,7 @@
           <a:p>
             <a:fld id="{F5E8F21B-03B9-44B1-98BE-F9B968A6865C}" type="slidenum">
               <a:rPr lang="zh-CN" altLang="en-US" smtClean="0"/>
-              <a:t>13</a:t>
+              <a:t>15</a:t>
             </a:fld>
             <a:endParaRPr lang="zh-CN" altLang="en-US"/>
           </a:p>
@@ -2020,7 +2102,7 @@
           <a:p>
             <a:fld id="{326A87AF-5710-40A6-995C-4EE0013E89D3}" type="datetimeFigureOut">
               <a:rPr lang="zh-CN" altLang="en-US" smtClean="0"/>
-              <a:t>2018/1/24</a:t>
+              <a:t>2018/1/26</a:t>
             </a:fld>
             <a:endParaRPr lang="zh-CN" altLang="en-US"/>
           </a:p>
@@ -2190,7 +2272,7 @@
           <a:p>
             <a:fld id="{326A87AF-5710-40A6-995C-4EE0013E89D3}" type="datetimeFigureOut">
               <a:rPr lang="zh-CN" altLang="en-US" smtClean="0"/>
-              <a:t>2018/1/24</a:t>
+              <a:t>2018/1/26</a:t>
             </a:fld>
             <a:endParaRPr lang="zh-CN" altLang="en-US"/>
           </a:p>
@@ -2370,7 +2452,7 @@
           <a:p>
             <a:fld id="{326A87AF-5710-40A6-995C-4EE0013E89D3}" type="datetimeFigureOut">
               <a:rPr lang="zh-CN" altLang="en-US" smtClean="0"/>
-              <a:t>2018/1/24</a:t>
+              <a:t>2018/1/26</a:t>
             </a:fld>
             <a:endParaRPr lang="zh-CN" altLang="en-US"/>
           </a:p>
@@ -2540,7 +2622,7 @@
           <a:p>
             <a:fld id="{326A87AF-5710-40A6-995C-4EE0013E89D3}" type="datetimeFigureOut">
               <a:rPr lang="zh-CN" altLang="en-US" smtClean="0"/>
-              <a:t>2018/1/24</a:t>
+              <a:t>2018/1/26</a:t>
             </a:fld>
             <a:endParaRPr lang="zh-CN" altLang="en-US"/>
           </a:p>
@@ -2784,7 +2866,7 @@
           <a:p>
             <a:fld id="{326A87AF-5710-40A6-995C-4EE0013E89D3}" type="datetimeFigureOut">
               <a:rPr lang="zh-CN" altLang="en-US" smtClean="0"/>
-              <a:t>2018/1/24</a:t>
+              <a:t>2018/1/26</a:t>
             </a:fld>
             <a:endParaRPr lang="zh-CN" altLang="en-US"/>
           </a:p>
@@ -3016,7 +3098,7 @@
           <a:p>
             <a:fld id="{326A87AF-5710-40A6-995C-4EE0013E89D3}" type="datetimeFigureOut">
               <a:rPr lang="zh-CN" altLang="en-US" smtClean="0"/>
-              <a:t>2018/1/24</a:t>
+              <a:t>2018/1/26</a:t>
             </a:fld>
             <a:endParaRPr lang="zh-CN" altLang="en-US"/>
           </a:p>
@@ -3383,7 +3465,7 @@
           <a:p>
             <a:fld id="{326A87AF-5710-40A6-995C-4EE0013E89D3}" type="datetimeFigureOut">
               <a:rPr lang="zh-CN" altLang="en-US" smtClean="0"/>
-              <a:t>2018/1/24</a:t>
+              <a:t>2018/1/26</a:t>
             </a:fld>
             <a:endParaRPr lang="zh-CN" altLang="en-US"/>
           </a:p>
@@ -3501,7 +3583,7 @@
           <a:p>
             <a:fld id="{326A87AF-5710-40A6-995C-4EE0013E89D3}" type="datetimeFigureOut">
               <a:rPr lang="zh-CN" altLang="en-US" smtClean="0"/>
-              <a:t>2018/1/24</a:t>
+              <a:t>2018/1/26</a:t>
             </a:fld>
             <a:endParaRPr lang="zh-CN" altLang="en-US"/>
           </a:p>
@@ -3596,7 +3678,7 @@
           <a:p>
             <a:fld id="{326A87AF-5710-40A6-995C-4EE0013E89D3}" type="datetimeFigureOut">
               <a:rPr lang="zh-CN" altLang="en-US" smtClean="0"/>
-              <a:t>2018/1/24</a:t>
+              <a:t>2018/1/26</a:t>
             </a:fld>
             <a:endParaRPr lang="zh-CN" altLang="en-US"/>
           </a:p>
@@ -3873,7 +3955,7 @@
           <a:p>
             <a:fld id="{326A87AF-5710-40A6-995C-4EE0013E89D3}" type="datetimeFigureOut">
               <a:rPr lang="zh-CN" altLang="en-US" smtClean="0"/>
-              <a:t>2018/1/24</a:t>
+              <a:t>2018/1/26</a:t>
             </a:fld>
             <a:endParaRPr lang="zh-CN" altLang="en-US"/>
           </a:p>
@@ -4130,7 +4212,7 @@
           <a:p>
             <a:fld id="{326A87AF-5710-40A6-995C-4EE0013E89D3}" type="datetimeFigureOut">
               <a:rPr lang="zh-CN" altLang="en-US" smtClean="0"/>
-              <a:t>2018/1/24</a:t>
+              <a:t>2018/1/26</a:t>
             </a:fld>
             <a:endParaRPr lang="zh-CN" altLang="en-US"/>
           </a:p>
@@ -4343,7 +4425,7 @@
           <a:p>
             <a:fld id="{326A87AF-5710-40A6-995C-4EE0013E89D3}" type="datetimeFigureOut">
               <a:rPr lang="zh-CN" altLang="en-US" smtClean="0"/>
-              <a:t>2018/1/24</a:t>
+              <a:t>2018/1/26</a:t>
             </a:fld>
             <a:endParaRPr lang="zh-CN" altLang="en-US"/>
           </a:p>
@@ -4794,6 +4876,20 @@
               <a:rPr lang="en-US" altLang="zh-CN" dirty="0" smtClean="0"/>
               <a:t>20180109</a:t>
             </a:r>
+          </a:p>
+          <a:p>
+            <a:r>
+              <a:rPr lang="zh-CN" altLang="en-US" dirty="0"/>
+              <a:t>讨论</a:t>
+            </a:r>
+            <a:r>
+              <a:rPr lang="zh-CN" altLang="en-US" dirty="0" smtClean="0"/>
+              <a:t>时间：</a:t>
+            </a:r>
+            <a:r>
+              <a:rPr lang="en-US" altLang="zh-CN" dirty="0" smtClean="0"/>
+              <a:t>20180126</a:t>
+            </a:r>
             <a:endParaRPr lang="zh-CN" altLang="en-US" dirty="0"/>
           </a:p>
         </p:txBody>
@@ -4860,8 +4956,8 @@
               <a:t>案例</a:t>
             </a:r>
             <a:r>
-              <a:rPr lang="en-US" altLang="zh-CN" sz="4000" dirty="0"/>
-              <a:t>3</a:t>
+              <a:rPr lang="en-US" altLang="zh-CN" sz="4000" dirty="0" smtClean="0"/>
+              <a:t>2</a:t>
             </a:r>
             <a:r>
               <a:rPr lang="zh-CN" altLang="en-US" sz="4000" dirty="0" smtClean="0"/>
@@ -4919,6 +5015,14 @@
             </a:r>
             <a:r>
               <a:rPr lang="en-US" altLang="zh-CN" dirty="0" smtClean="0"/>
+              <a:t>C1-2</a:t>
+            </a:r>
+            <a:r>
+              <a:rPr lang="zh-CN" altLang="en-US" dirty="0" smtClean="0"/>
+              <a:t>，</a:t>
+            </a:r>
+            <a:r>
+              <a:rPr lang="en-US" altLang="zh-CN" dirty="0" smtClean="0"/>
               <a:t>C2</a:t>
             </a:r>
             <a:r>
@@ -4927,39 +5031,18 @@
             </a:r>
             <a:r>
               <a:rPr lang="en-US" altLang="zh-CN" dirty="0"/>
-              <a:t> </a:t>
-            </a:r>
-            <a:r>
-              <a:rPr lang="en-US" altLang="zh-CN" dirty="0" smtClean="0"/>
+              <a:t> C1-1</a:t>
+            </a:r>
+          </a:p>
+          <a:p>
+            <a:pPr lvl="1"/>
+            <a:r>
+              <a:rPr lang="en-US" altLang="zh-CN" dirty="0"/>
               <a:t>C1-1</a:t>
             </a:r>
             <a:r>
-              <a:rPr lang="zh-CN" altLang="en-US" dirty="0" smtClean="0"/>
-              <a:t>，</a:t>
-            </a:r>
-            <a:r>
-              <a:rPr lang="en-US" altLang="zh-CN" dirty="0"/>
-              <a:t> </a:t>
-            </a:r>
-            <a:r>
-              <a:rPr lang="en-US" altLang="zh-CN" dirty="0" smtClean="0"/>
-              <a:t>C1-2</a:t>
-            </a:r>
-            <a:endParaRPr lang="en-US" altLang="zh-CN" dirty="0"/>
-          </a:p>
-          <a:p>
-            <a:pPr lvl="1"/>
-            <a:r>
-              <a:rPr lang="en-US" altLang="zh-CN" dirty="0" smtClean="0"/>
-              <a:t>C1-2</a:t>
-            </a:r>
-            <a:r>
-              <a:rPr lang="zh-CN" altLang="en-US" dirty="0" smtClean="0"/>
-              <a:t>收到</a:t>
-            </a:r>
-            <a:r>
               <a:rPr lang="zh-CN" altLang="en-US" dirty="0"/>
-              <a:t>路由，传到集中平台，</a:t>
+              <a:t>收到路由，传到集中平台，</a:t>
             </a:r>
             <a:r>
               <a:rPr lang="en-US" altLang="zh-CN" dirty="0"/>
@@ -4983,7 +5066,7 @@
             </a:r>
             <a:r>
               <a:rPr lang="en-US" altLang="zh-CN" dirty="0" smtClean="0"/>
-              <a:t>C2</a:t>
+              <a:t>C1-2</a:t>
             </a:r>
             <a:r>
               <a:rPr lang="zh-CN" altLang="en-US" dirty="0" smtClean="0"/>
@@ -5003,7 +5086,7 @@
             </a:r>
             <a:r>
               <a:rPr lang="en-US" altLang="zh-CN" dirty="0" smtClean="0"/>
-              <a:t>C2</a:t>
+              <a:t>C1-2</a:t>
             </a:r>
             <a:r>
               <a:rPr lang="zh-CN" altLang="en-US" dirty="0" smtClean="0"/>
@@ -5097,166 +5180,10 @@
           </a:prstGeom>
         </p:spPr>
       </p:pic>
-      <p:sp>
-        <p:nvSpPr>
-          <p:cNvPr id="4" name="文本框 3"/>
-          <p:cNvSpPr txBox="1"/>
-          <p:nvPr/>
-        </p:nvSpPr>
-        <p:spPr>
-          <a:xfrm>
-            <a:off x="628649" y="5075010"/>
-            <a:ext cx="8410247" cy="2031325"/>
-          </a:xfrm>
-          <a:prstGeom prst="rect">
-            <a:avLst/>
-          </a:prstGeom>
-          <a:noFill/>
-        </p:spPr>
-        <p:txBody>
-          <a:bodyPr wrap="square" rtlCol="0">
-            <a:spAutoFit/>
-          </a:bodyPr>
-          <a:lstStyle/>
-          <a:p>
-            <a:r>
-              <a:rPr lang="zh-CN" altLang="en-US" dirty="0" smtClean="0"/>
-              <a:t>分析：</a:t>
-            </a:r>
-            <a:endParaRPr lang="en-US" altLang="zh-CN" dirty="0" smtClean="0"/>
-          </a:p>
-          <a:p>
-            <a:pPr marL="285750" indent="-285750">
-              <a:buFont typeface="Arial" panose="020B0604020202020204" pitchFamily="34" charset="0"/>
-              <a:buChar char="•"/>
-            </a:pPr>
-            <a:r>
-              <a:rPr lang="zh-CN" altLang="en-US" dirty="0" smtClean="0"/>
-              <a:t>路由顺序不同，最优</a:t>
-            </a:r>
-            <a:r>
-              <a:rPr lang="zh-CN" altLang="en-US" dirty="0" smtClean="0"/>
-              <a:t>路由选择唯一，但是结果不同</a:t>
-            </a:r>
-            <a:r>
-              <a:rPr lang="zh-CN" altLang="en-US" dirty="0" smtClean="0"/>
-              <a:t>：</a:t>
-            </a:r>
-            <a:endParaRPr lang="en-US" altLang="zh-CN" dirty="0" smtClean="0"/>
-          </a:p>
-          <a:p>
-            <a:pPr marL="742950" lvl="1" indent="-285750">
-              <a:buFont typeface="Arial" panose="020B0604020202020204" pitchFamily="34" charset="0"/>
-              <a:buChar char="•"/>
-            </a:pPr>
-            <a:r>
-              <a:rPr lang="zh-CN" altLang="en-US" dirty="0" smtClean="0"/>
-              <a:t>原则上</a:t>
-            </a:r>
-            <a:r>
-              <a:rPr lang="en-US" altLang="zh-CN" dirty="0" smtClean="0"/>
-              <a:t>C1-1</a:t>
-            </a:r>
-            <a:r>
-              <a:rPr lang="zh-CN" altLang="en-US" dirty="0" smtClean="0"/>
-              <a:t>的路由最优，但实际因为顺序不同，最优路由结果不同</a:t>
-            </a:r>
-            <a:endParaRPr lang="en-US" altLang="zh-CN" dirty="0" smtClean="0"/>
-          </a:p>
-          <a:p>
-            <a:pPr marL="1200150" lvl="2" indent="-285750">
-              <a:buFont typeface="Arial" panose="020B0604020202020204" pitchFamily="34" charset="0"/>
-              <a:buChar char="•"/>
-            </a:pPr>
-            <a:r>
-              <a:rPr lang="zh-CN" altLang="en-US" dirty="0" smtClean="0"/>
-              <a:t>违背邻居</a:t>
-            </a:r>
-            <a:r>
-              <a:rPr lang="en-US" altLang="zh-CN" dirty="0" smtClean="0"/>
-              <a:t>AS</a:t>
-            </a:r>
-            <a:r>
-              <a:rPr lang="zh-CN" altLang="en-US" dirty="0" smtClean="0"/>
-              <a:t>设置</a:t>
-            </a:r>
-            <a:r>
-              <a:rPr lang="en-US" altLang="zh-CN" dirty="0" smtClean="0"/>
-              <a:t>MED</a:t>
-            </a:r>
-            <a:r>
-              <a:rPr lang="zh-CN" altLang="en-US" dirty="0" smtClean="0"/>
-              <a:t>值的初衷，当来自同一个</a:t>
-            </a:r>
-            <a:r>
-              <a:rPr lang="en-US" altLang="zh-CN" dirty="0" smtClean="0"/>
-              <a:t>AS</a:t>
-            </a:r>
-            <a:r>
-              <a:rPr lang="zh-CN" altLang="en-US" dirty="0" smtClean="0"/>
-              <a:t>，</a:t>
-            </a:r>
-            <a:r>
-              <a:rPr lang="en-US" altLang="zh-CN" dirty="0" smtClean="0"/>
-              <a:t>MED</a:t>
-            </a:r>
-            <a:r>
-              <a:rPr lang="zh-CN" altLang="en-US" dirty="0"/>
-              <a:t>大</a:t>
-            </a:r>
-            <a:r>
-              <a:rPr lang="zh-CN" altLang="en-US" dirty="0" smtClean="0"/>
-              <a:t>的被排除</a:t>
-            </a:r>
-            <a:endParaRPr lang="en-US" altLang="zh-CN" dirty="0" smtClean="0"/>
-          </a:p>
-          <a:p>
-            <a:pPr marL="1200150" lvl="2" indent="-285750">
-              <a:buFont typeface="Arial" panose="020B0604020202020204" pitchFamily="34" charset="0"/>
-              <a:buChar char="•"/>
-            </a:pPr>
-            <a:r>
-              <a:rPr lang="zh-CN" altLang="en-US" dirty="0"/>
-              <a:t>当</a:t>
-            </a:r>
-            <a:r>
-              <a:rPr lang="zh-CN" altLang="en-US" dirty="0" smtClean="0"/>
-              <a:t>有</a:t>
-            </a:r>
-            <a:r>
-              <a:rPr lang="en-US" altLang="zh-CN" dirty="0" smtClean="0"/>
-              <a:t>3</a:t>
-            </a:r>
-            <a:r>
-              <a:rPr lang="zh-CN" altLang="en-US" dirty="0" smtClean="0"/>
-              <a:t>条路由时，</a:t>
-            </a:r>
-            <a:r>
-              <a:rPr lang="en-US" altLang="zh-CN" dirty="0" smtClean="0"/>
-              <a:t>C1-1</a:t>
-            </a:r>
-            <a:r>
-              <a:rPr lang="zh-CN" altLang="en-US" dirty="0" smtClean="0"/>
-              <a:t>是最合理的最优路由答案</a:t>
-            </a:r>
-            <a:endParaRPr lang="en-US" altLang="zh-CN" dirty="0" smtClean="0"/>
-          </a:p>
-          <a:p>
-            <a:pPr marL="285750" indent="-285750">
-              <a:buFont typeface="Arial" panose="020B0604020202020204" pitchFamily="34" charset="0"/>
-              <a:buChar char="•"/>
-            </a:pPr>
-            <a:endParaRPr lang="en-US" altLang="zh-CN" dirty="0" smtClean="0"/>
-          </a:p>
-          <a:p>
-            <a:endParaRPr lang="zh-CN" altLang="en-US" dirty="0"/>
-          </a:p>
-        </p:txBody>
-      </p:sp>
     </p:spTree>
     <p:extLst>
       <p:ext uri="{BB962C8B-B14F-4D97-AF65-F5344CB8AC3E}">
-        <p14:creationId xmlns:p14="http://schemas.microsoft.com/office/powerpoint/2010/main" val="3145962396"/>
+        <p14:creationId xmlns:p14="http://schemas.microsoft.com/office/powerpoint/2010/main" val="2491803891"/>
       </p:ext>
     </p:extLst>
   </p:cSld>
@@ -5306,117 +5233,122 @@
           <a:lstStyle/>
           <a:p>
             <a:r>
-              <a:rPr lang="zh-CN" altLang="en-US" dirty="0" smtClean="0"/>
-              <a:t>与</a:t>
-            </a:r>
-            <a:r>
-              <a:rPr lang="en-US" altLang="zh-CN" dirty="0" smtClean="0"/>
-              <a:t>RCP</a:t>
-            </a:r>
-            <a:r>
-              <a:rPr lang="zh-CN" altLang="en-US" dirty="0" smtClean="0"/>
-              <a:t>的区别</a:t>
-            </a:r>
-            <a:endParaRPr lang="zh-CN" altLang="en-US" dirty="0"/>
-          </a:p>
-        </p:txBody>
-      </p:sp>
-      <p:sp>
-        <p:nvSpPr>
-          <p:cNvPr id="3" name="内容占位符 2"/>
-          <p:cNvSpPr>
-            <a:spLocks noGrp="1"/>
-          </p:cNvSpPr>
-          <p:nvPr>
-            <p:ph idx="1"/>
-          </p:nvPr>
-        </p:nvSpPr>
-        <p:spPr/>
-        <p:txBody>
-          <a:bodyPr>
-            <a:normAutofit/>
-          </a:bodyPr>
-          <a:lstStyle/>
-          <a:p>
-            <a:r>
-              <a:rPr lang="zh-CN" altLang="en-US" dirty="0" smtClean="0"/>
-              <a:t>我的方案与</a:t>
-            </a:r>
-            <a:r>
-              <a:rPr lang="en-US" altLang="zh-CN" dirty="0" smtClean="0"/>
-              <a:t>RCP</a:t>
-            </a:r>
-            <a:r>
-              <a:rPr lang="zh-CN" altLang="en-US" dirty="0" smtClean="0"/>
-              <a:t>的区别（路由存储类似</a:t>
-            </a:r>
-            <a:r>
-              <a:rPr lang="en-US" altLang="zh-CN" dirty="0" smtClean="0"/>
+              <a:rPr lang="zh-CN" altLang="en-US" sz="4000" dirty="0"/>
+              <a:t>新型</a:t>
+            </a:r>
+            <a:r>
+              <a:rPr lang="zh-CN" altLang="en-US" sz="4000" dirty="0" smtClean="0"/>
+              <a:t>路由计算</a:t>
+            </a:r>
+            <a:r>
+              <a:rPr lang="en-US" altLang="zh-CN" sz="4000" dirty="0"/>
               <a:t>-</a:t>
             </a:r>
             <a:r>
-              <a:rPr lang="zh-CN" altLang="en-US" dirty="0" smtClean="0"/>
-              <a:t>增量）</a:t>
-            </a:r>
-            <a:endParaRPr lang="en-US" altLang="zh-CN" dirty="0" smtClean="0"/>
-          </a:p>
-          <a:p>
-            <a:pPr lvl="1"/>
-            <a:r>
-              <a:rPr lang="zh-CN" altLang="en-US" dirty="0"/>
-              <a:t>更</a:t>
-            </a:r>
-            <a:r>
-              <a:rPr lang="zh-CN" altLang="en-US" dirty="0" smtClean="0"/>
-              <a:t>灵活的策略配置：</a:t>
-            </a:r>
-            <a:endParaRPr lang="en-US" altLang="zh-CN" dirty="0" smtClean="0"/>
-          </a:p>
-          <a:p>
-            <a:pPr lvl="2"/>
-            <a:r>
-              <a:rPr lang="zh-CN" altLang="en-US" dirty="0" smtClean="0"/>
-              <a:t>我的方案：边界路由器收到路由，经过</a:t>
-            </a:r>
-            <a:r>
-              <a:rPr lang="en-US" altLang="zh-CN" dirty="0" err="1" smtClean="0"/>
-              <a:t>ebgp</a:t>
-            </a:r>
-            <a:r>
-              <a:rPr lang="en-US" altLang="zh-CN" dirty="0" smtClean="0"/>
-              <a:t> policy</a:t>
-            </a:r>
-            <a:r>
-              <a:rPr lang="zh-CN" altLang="en-US" dirty="0" smtClean="0"/>
-              <a:t>传给集中平台，集中平台经过</a:t>
-            </a:r>
-            <a:r>
-              <a:rPr lang="zh-CN" altLang="en-US" dirty="0" smtClean="0">
+              <a:rPr lang="zh-CN" altLang="en-US" sz="4000" dirty="0" smtClean="0"/>
+              <a:t>案例</a:t>
+            </a:r>
+            <a:r>
+              <a:rPr lang="en-US" altLang="zh-CN" sz="4000" dirty="0"/>
+              <a:t>3</a:t>
+            </a:r>
+            <a:r>
+              <a:rPr lang="zh-CN" altLang="en-US" sz="4000" dirty="0" smtClean="0"/>
+              <a:t>：</a:t>
+            </a:r>
+            <a:r>
+              <a:rPr lang="en-US" altLang="zh-CN" sz="4000" dirty="0" smtClean="0"/>
+              <a:t/>
+            </a:r>
+            <a:br>
+              <a:rPr lang="en-US" altLang="zh-CN" sz="4000" dirty="0" smtClean="0"/>
+            </a:br>
+            <a:r>
+              <a:rPr lang="zh-CN" altLang="en-US" sz="2000" dirty="0" smtClean="0">
                 <a:solidFill>
                   <a:srgbClr val="FF0000"/>
                 </a:solidFill>
               </a:rPr>
-              <a:t>每台路由器的</a:t>
-            </a:r>
-            <a:r>
-              <a:rPr lang="en-US" altLang="zh-CN" dirty="0" err="1" smtClean="0">
-                <a:solidFill>
-                  <a:srgbClr val="FF0000"/>
-                </a:solidFill>
-              </a:rPr>
-              <a:t>ibgp</a:t>
-            </a:r>
-            <a:r>
-              <a:rPr lang="en-US" altLang="zh-CN" dirty="0" smtClean="0">
-                <a:solidFill>
-                  <a:srgbClr val="FF0000"/>
-                </a:solidFill>
-              </a:rPr>
-              <a:t> policy</a:t>
-            </a:r>
-            <a:r>
-              <a:rPr lang="zh-CN" altLang="en-US" dirty="0" smtClean="0"/>
-              <a:t>得到每台路由器的路由</a:t>
+              <a:t>新路由先比较</a:t>
+            </a:r>
+            <a:endParaRPr lang="zh-CN" altLang="en-US" sz="4000" dirty="0">
+              <a:solidFill>
+                <a:srgbClr val="FF0000"/>
+              </a:solidFill>
+            </a:endParaRPr>
+          </a:p>
+        </p:txBody>
+      </p:sp>
+      <p:sp>
+        <p:nvSpPr>
+          <p:cNvPr id="3" name="内容占位符 2"/>
+          <p:cNvSpPr>
+            <a:spLocks noGrp="1"/>
+          </p:cNvSpPr>
+          <p:nvPr>
+            <p:ph idx="1"/>
+          </p:nvPr>
+        </p:nvSpPr>
+        <p:spPr/>
+        <p:txBody>
+          <a:bodyPr/>
+          <a:lstStyle/>
+          <a:p>
+            <a:r>
+              <a:rPr lang="zh-CN" altLang="en-US" dirty="0" smtClean="0"/>
+              <a:t>路由到达顺序</a:t>
+            </a:r>
+            <a:r>
+              <a:rPr lang="en-US" altLang="zh-CN" dirty="0" smtClean="0"/>
+              <a:t>C2</a:t>
+            </a:r>
+            <a:r>
+              <a:rPr lang="zh-CN" altLang="en-US" dirty="0" smtClean="0"/>
+              <a:t>，</a:t>
+            </a:r>
+            <a:r>
+              <a:rPr lang="en-US" altLang="zh-CN" dirty="0" smtClean="0"/>
+              <a:t>C1-1</a:t>
+            </a:r>
+            <a:r>
+              <a:rPr lang="zh-CN" altLang="en-US" dirty="0" smtClean="0"/>
+              <a:t>（</a:t>
+            </a:r>
+            <a:r>
+              <a:rPr lang="en-US" altLang="zh-CN" dirty="0" smtClean="0"/>
+              <a:t> C1-2</a:t>
+            </a:r>
+            <a:r>
+              <a:rPr lang="zh-CN" altLang="en-US" dirty="0" smtClean="0"/>
+              <a:t>先撤销再宣告）</a:t>
+            </a:r>
+            <a:endParaRPr lang="en-US" altLang="zh-CN" dirty="0"/>
+          </a:p>
+          <a:p>
+            <a:pPr lvl="1"/>
+            <a:r>
+              <a:rPr lang="en-US" altLang="zh-CN" dirty="0" smtClean="0"/>
+              <a:t>C2</a:t>
+            </a:r>
+            <a:r>
+              <a:rPr lang="zh-CN" altLang="en-US" dirty="0" smtClean="0"/>
+              <a:t>，</a:t>
+            </a:r>
+            <a:r>
+              <a:rPr lang="en-US" altLang="zh-CN" dirty="0" smtClean="0"/>
+              <a:t>C1-1</a:t>
+            </a:r>
+            <a:r>
+              <a:rPr lang="zh-CN" altLang="en-US" dirty="0" smtClean="0"/>
+              <a:t>，</a:t>
+            </a:r>
+            <a:r>
+              <a:rPr lang="en-US" altLang="zh-CN" dirty="0" smtClean="0"/>
+              <a:t>2</a:t>
+            </a:r>
+            <a:r>
+              <a:rPr lang="zh-CN" altLang="en-US" dirty="0" smtClean="0"/>
+              <a:t>条路由</a:t>
             </a:r>
             <a:endParaRPr lang="en-US" altLang="zh-CN" dirty="0" smtClean="0"/>
           </a:p>
@@ -5424,174 +5356,177 @@
             <a:pPr lvl="2"/>
             <a:r>
               <a:rPr lang="en-US" altLang="zh-CN" dirty="0" smtClean="0"/>
-              <a:t>RCP</a:t>
-            </a:r>
-            <a:r>
-              <a:rPr lang="zh-CN" altLang="en-US" dirty="0" smtClean="0"/>
-              <a:t>方案：</a:t>
+              <a:t>RR1</a:t>
+            </a:r>
+            <a:r>
+              <a:rPr lang="zh-CN" altLang="en-US" dirty="0" smtClean="0"/>
+              <a:t>选从</a:t>
+            </a:r>
+            <a:r>
+              <a:rPr lang="en-US" altLang="zh-CN" dirty="0" smtClean="0"/>
+              <a:t>C1-1</a:t>
+            </a:r>
+            <a:r>
+              <a:rPr lang="zh-CN" altLang="en-US" dirty="0" smtClean="0"/>
+              <a:t>来的路由</a:t>
+            </a:r>
+            <a:endParaRPr lang="en-US" altLang="zh-CN" dirty="0" smtClean="0"/>
+          </a:p>
+          <a:p>
+            <a:pPr lvl="2"/>
+            <a:r>
+              <a:rPr lang="en-US" altLang="zh-CN" dirty="0" smtClean="0"/>
+              <a:t>RR2</a:t>
+            </a:r>
+            <a:r>
+              <a:rPr lang="zh-CN" altLang="en-US" dirty="0" smtClean="0"/>
+              <a:t>选从</a:t>
+            </a:r>
+            <a:r>
+              <a:rPr lang="en-US" altLang="zh-CN" dirty="0" smtClean="0"/>
+              <a:t>C1-1</a:t>
+            </a:r>
+            <a:r>
+              <a:rPr lang="zh-CN" altLang="en-US" dirty="0" smtClean="0"/>
+              <a:t>来的路由</a:t>
+            </a:r>
+            <a:endParaRPr lang="en-US" altLang="zh-CN" dirty="0" smtClean="0"/>
+          </a:p>
+          <a:p>
+            <a:pPr lvl="2"/>
+            <a:r>
+              <a:rPr lang="en-US" altLang="zh-CN" dirty="0" smtClean="0"/>
+              <a:t>C1-1</a:t>
+            </a:r>
+            <a:r>
+              <a:rPr lang="zh-CN" altLang="en-US" dirty="0" smtClean="0"/>
+              <a:t>选从</a:t>
+            </a:r>
+            <a:r>
+              <a:rPr lang="en-US" altLang="zh-CN" dirty="0" smtClean="0"/>
+              <a:t>C1-1</a:t>
+            </a:r>
+            <a:r>
+              <a:rPr lang="zh-CN" altLang="en-US" dirty="0" smtClean="0"/>
+              <a:t>来的路由</a:t>
+            </a:r>
+            <a:endParaRPr lang="en-US" altLang="zh-CN" dirty="0" smtClean="0"/>
+          </a:p>
+          <a:p>
+            <a:pPr lvl="2"/>
+            <a:r>
+              <a:rPr lang="en-US" altLang="zh-CN" dirty="0" smtClean="0"/>
+              <a:t>C1-2</a:t>
+            </a:r>
+            <a:r>
+              <a:rPr lang="zh-CN" altLang="en-US" dirty="0" smtClean="0"/>
+              <a:t>选从</a:t>
+            </a:r>
+            <a:r>
+              <a:rPr lang="en-US" altLang="zh-CN" dirty="0" smtClean="0"/>
+              <a:t>C1-1</a:t>
+            </a:r>
+            <a:r>
+              <a:rPr lang="zh-CN" altLang="en-US" dirty="0" smtClean="0"/>
+              <a:t>来的路由</a:t>
+            </a:r>
+            <a:endParaRPr lang="en-US" altLang="zh-CN" dirty="0" smtClean="0"/>
+          </a:p>
+          <a:p>
+            <a:pPr lvl="2"/>
+            <a:r>
+              <a:rPr lang="en-US" altLang="zh-CN" dirty="0" smtClean="0"/>
+              <a:t>C2</a:t>
+            </a:r>
+            <a:r>
+              <a:rPr lang="zh-CN" altLang="en-US" dirty="0" smtClean="0"/>
+              <a:t>选择从</a:t>
+            </a:r>
+            <a:r>
+              <a:rPr lang="en-US" altLang="zh-CN" dirty="0" smtClean="0"/>
+              <a:t>C2</a:t>
+            </a:r>
+            <a:r>
+              <a:rPr lang="zh-CN" altLang="en-US" dirty="0" smtClean="0"/>
+              <a:t>来的路由</a:t>
+            </a:r>
+            <a:endParaRPr lang="en-US" altLang="zh-CN" dirty="0" smtClean="0"/>
+          </a:p>
+          <a:p>
+            <a:pPr lvl="1"/>
+            <a:r>
+              <a:rPr lang="en-US" altLang="zh-CN" dirty="0" smtClean="0"/>
+              <a:t>C1-2</a:t>
+            </a:r>
+            <a:r>
+              <a:rPr lang="zh-CN" altLang="en-US" dirty="0" smtClean="0"/>
+              <a:t>收到</a:t>
             </a:r>
             <a:r>
               <a:rPr lang="zh-CN" altLang="en-US" dirty="0"/>
-              <a:t>路由策略配置在</a:t>
-            </a:r>
-            <a:r>
-              <a:rPr lang="en-US" altLang="zh-CN" dirty="0"/>
-              <a:t>BR</a:t>
-            </a:r>
-            <a:r>
-              <a:rPr lang="zh-CN" altLang="en-US" dirty="0" smtClean="0"/>
-              <a:t>上，收到</a:t>
+              <a:t>路由，</a:t>
+            </a:r>
+            <a:r>
+              <a:rPr lang="zh-CN" altLang="en-US" dirty="0" smtClean="0"/>
+              <a:t>传到集中平台，</a:t>
+            </a:r>
+            <a:r>
+              <a:rPr lang="en-US" altLang="zh-CN" dirty="0" smtClean="0"/>
+              <a:t>3</a:t>
             </a:r>
             <a:r>
               <a:rPr lang="zh-CN" altLang="en-US" dirty="0"/>
-              <a:t>路由的</a:t>
-            </a:r>
-            <a:r>
-              <a:rPr lang="en-US" altLang="zh-CN" dirty="0"/>
-              <a:t>BR</a:t>
-            </a:r>
-            <a:r>
-              <a:rPr lang="zh-CN" altLang="en-US" dirty="0"/>
-              <a:t>执行</a:t>
-            </a:r>
-            <a:r>
-              <a:rPr lang="en-US" altLang="zh-CN" dirty="0" err="1"/>
-              <a:t>ebgp</a:t>
-            </a:r>
-            <a:r>
-              <a:rPr lang="en-US" altLang="zh-CN" dirty="0"/>
-              <a:t> </a:t>
-            </a:r>
-            <a:r>
-              <a:rPr lang="en-US" altLang="zh-CN" dirty="0" smtClean="0"/>
-              <a:t>policy</a:t>
-            </a:r>
-            <a:r>
-              <a:rPr lang="zh-CN" altLang="en-US" dirty="0" smtClean="0"/>
-              <a:t>，将路由通过</a:t>
-            </a:r>
-            <a:r>
-              <a:rPr lang="en-US" altLang="zh-CN" dirty="0" err="1" smtClean="0"/>
-              <a:t>ibgp</a:t>
-            </a:r>
-            <a:r>
-              <a:rPr lang="zh-CN" altLang="en-US" dirty="0" smtClean="0"/>
-              <a:t>传给集中平台</a:t>
-            </a:r>
-            <a:endParaRPr lang="en-US" altLang="zh-CN" dirty="0" smtClean="0"/>
-          </a:p>
-          <a:p>
-            <a:pPr lvl="1"/>
-            <a:r>
-              <a:rPr lang="zh-CN" altLang="en-US" dirty="0" smtClean="0"/>
-              <a:t>更</a:t>
-            </a:r>
-            <a:r>
-              <a:rPr lang="zh-CN" altLang="en-US" dirty="0"/>
-              <a:t>准确</a:t>
-            </a:r>
-            <a:r>
-              <a:rPr lang="zh-CN" altLang="en-US" dirty="0" smtClean="0"/>
-              <a:t>的路由计算方法</a:t>
-            </a:r>
-            <a:endParaRPr lang="en-US" altLang="zh-CN" dirty="0" smtClean="0"/>
-          </a:p>
-          <a:p>
-            <a:pPr lvl="2"/>
-            <a:r>
-              <a:rPr lang="zh-CN" altLang="en-US" dirty="0" smtClean="0"/>
-              <a:t>我的方案：集合缩小法来计算最优路由</a:t>
-            </a:r>
-            <a:endParaRPr lang="en-US" altLang="zh-CN" dirty="0" smtClean="0"/>
-          </a:p>
-          <a:p>
-            <a:pPr lvl="2"/>
-            <a:r>
-              <a:rPr lang="en-US" altLang="zh-CN" dirty="0" smtClean="0"/>
-              <a:t>RCP</a:t>
-            </a:r>
-            <a:r>
-              <a:rPr lang="zh-CN" altLang="en-US" dirty="0" smtClean="0"/>
-              <a:t>方案：每</a:t>
-            </a:r>
-            <a:r>
-              <a:rPr lang="zh-CN" altLang="en-US" dirty="0"/>
-              <a:t>台</a:t>
-            </a:r>
-            <a:r>
-              <a:rPr lang="zh-CN" altLang="en-US" dirty="0" smtClean="0"/>
-              <a:t>路由器根据</a:t>
-            </a:r>
-            <a:r>
-              <a:rPr lang="en-US" altLang="zh-CN" dirty="0" smtClean="0"/>
-              <a:t>IGP cost</a:t>
-            </a:r>
-            <a:r>
-              <a:rPr lang="zh-CN" altLang="en-US" dirty="0"/>
-              <a:t>对</a:t>
-            </a:r>
-            <a:r>
-              <a:rPr lang="zh-CN" altLang="en-US" dirty="0" smtClean="0"/>
-              <a:t>所有的出口进行优先级排序（每个出口对应一堆</a:t>
-            </a:r>
-            <a:r>
-              <a:rPr lang="en-US" altLang="zh-CN" dirty="0" smtClean="0"/>
-              <a:t>prefix</a:t>
-            </a:r>
-            <a:r>
-              <a:rPr lang="zh-CN" altLang="en-US" dirty="0" smtClean="0"/>
-              <a:t>集合，</a:t>
-            </a:r>
-            <a:r>
-              <a:rPr lang="en-US" altLang="zh-CN" dirty="0" smtClean="0"/>
-              <a:t>prefix</a:t>
-            </a:r>
-            <a:r>
-              <a:rPr lang="zh-CN" altLang="en-US" dirty="0" smtClean="0"/>
-              <a:t>最优出口更新则</a:t>
-            </a:r>
-            <a:r>
-              <a:rPr lang="en-US" altLang="zh-CN" dirty="0" smtClean="0"/>
-              <a:t>prefix</a:t>
-            </a:r>
-            <a:r>
-              <a:rPr lang="zh-CN" altLang="en-US" dirty="0" smtClean="0"/>
-              <a:t>的位置），如果</a:t>
-            </a:r>
-            <a:r>
-              <a:rPr lang="en-US" altLang="zh-CN" dirty="0" smtClean="0"/>
-              <a:t>IGP</a:t>
-            </a:r>
-            <a:r>
-              <a:rPr lang="zh-CN" altLang="en-US" dirty="0" smtClean="0"/>
-              <a:t>更新某出口，则需要更新该出口以上的所有</a:t>
-            </a:r>
-            <a:r>
-              <a:rPr lang="en-US" altLang="zh-CN" dirty="0" smtClean="0"/>
-              <a:t>prefix</a:t>
-            </a:r>
-            <a:r>
-              <a:rPr lang="zh-CN" altLang="en-US" dirty="0" smtClean="0"/>
-              <a:t>集合中的</a:t>
-            </a:r>
-            <a:r>
-              <a:rPr lang="en-US" altLang="zh-CN" dirty="0" smtClean="0"/>
-              <a:t>prefix</a:t>
-            </a:r>
-            <a:endParaRPr lang="en-US" altLang="zh-CN" dirty="0" smtClean="0"/>
-          </a:p>
-        </p:txBody>
-      </p:sp>
+              <a:t>条</a:t>
+            </a:r>
+            <a:r>
+              <a:rPr lang="zh-CN" altLang="en-US" dirty="0" smtClean="0"/>
+              <a:t>路由</a:t>
+            </a:r>
+            <a:endParaRPr lang="en-US" altLang="zh-CN" dirty="0"/>
+          </a:p>
+        </p:txBody>
+      </p:sp>
+      <p:pic>
+        <p:nvPicPr>
+          <p:cNvPr id="5" name="图片 4"/>
+          <p:cNvPicPr>
+            <a:picLocks noChangeAspect="1"/>
+          </p:cNvPicPr>
+          <p:nvPr/>
+        </p:nvPicPr>
+        <p:blipFill>
+          <a:blip r:embed="rId3"/>
+          <a:stretch>
+            <a:fillRect/>
+          </a:stretch>
+        </p:blipFill>
+        <p:spPr>
+          <a:xfrm>
+            <a:off x="6563596" y="2105025"/>
+            <a:ext cx="2349775" cy="2969985"/>
+          </a:xfrm>
+          <a:prstGeom prst="rect">
+            <a:avLst/>
+          </a:prstGeom>
+        </p:spPr>
+      </p:pic>
     </p:spTree>
     <p:extLst>
       <p:ext uri="{BB962C8B-B14F-4D97-AF65-F5344CB8AC3E}">
-        <p14:creationId xmlns:p14="http://schemas.microsoft.com/office/powerpoint/2010/main" val="3876105879"/>
+        <p14:creationId xmlns:p14="http://schemas.microsoft.com/office/powerpoint/2010/main" val="2115990832"/>
       </p:ext>
     </p:extLst>
   </p:cSld>
   <p:clrMapOvr>
     <a:masterClrMapping/>
   </p:clrMapOvr>
+  <p:timing>
+    <p:tnLst>
+      <p:par>
+        <p:cTn id="1" dur="indefinite" restart="never" nodeType="tmRoot"/>
+      </p:par>
+    </p:tnLst>
+  </p:timing>
 </p:sld>
 </file>
 
@@ -5628,22 +5563,57 @@
           <a:lstStyle/>
           <a:p>
             <a:r>
-              <a:rPr lang="zh-CN" altLang="en-US" dirty="0" smtClean="0"/>
-              <a:t>与</a:t>
-            </a:r>
-            <a:r>
-              <a:rPr lang="en-US" altLang="zh-CN" dirty="0" smtClean="0"/>
-              <a:t>SD-WAN</a:t>
-            </a:r>
-            <a:r>
-              <a:rPr lang="zh-CN" altLang="en-US" dirty="0" smtClean="0"/>
-              <a:t>的</a:t>
-            </a:r>
-            <a:r>
-              <a:rPr lang="zh-CN" altLang="en-US" dirty="0" smtClean="0"/>
-              <a:t>区别</a:t>
-            </a:r>
-            <a:endParaRPr lang="zh-CN" altLang="en-US" dirty="0"/>
+              <a:rPr lang="zh-CN" altLang="en-US" sz="4000" dirty="0"/>
+              <a:t>新型</a:t>
+            </a:r>
+            <a:r>
+              <a:rPr lang="zh-CN" altLang="en-US" sz="4000" dirty="0" smtClean="0"/>
+              <a:t>路由计算</a:t>
+            </a:r>
+            <a:r>
+              <a:rPr lang="en-US" altLang="zh-CN" sz="4000" dirty="0"/>
+              <a:t>-</a:t>
+            </a:r>
+            <a:r>
+              <a:rPr lang="zh-CN" altLang="en-US" sz="4000" dirty="0" smtClean="0"/>
+              <a:t>案例</a:t>
+            </a:r>
+            <a:r>
+              <a:rPr lang="en-US" altLang="zh-CN" sz="4000" dirty="0"/>
+              <a:t>3</a:t>
+            </a:r>
+            <a:r>
+              <a:rPr lang="zh-CN" altLang="en-US" sz="4000" dirty="0" smtClean="0"/>
+              <a:t>：</a:t>
+            </a:r>
+            <a:r>
+              <a:rPr lang="en-US" altLang="zh-CN" sz="4000" dirty="0" smtClean="0"/>
+              <a:t/>
+            </a:r>
+            <a:br>
+              <a:rPr lang="en-US" altLang="zh-CN" sz="4000" dirty="0" smtClean="0"/>
+            </a:br>
+            <a:r>
+              <a:rPr lang="zh-CN" altLang="en-US" sz="2000" dirty="0">
+                <a:solidFill>
+                  <a:srgbClr val="FF0000"/>
+                </a:solidFill>
+              </a:rPr>
+              <a:t>新路由先</a:t>
+            </a:r>
+            <a:r>
+              <a:rPr lang="zh-CN" altLang="en-US" sz="2000" dirty="0" smtClean="0">
+                <a:solidFill>
+                  <a:srgbClr val="FF0000"/>
+                </a:solidFill>
+              </a:rPr>
+              <a:t>比较</a:t>
+            </a:r>
+            <a:endParaRPr lang="zh-CN" altLang="en-US" sz="4000" dirty="0">
+              <a:solidFill>
+                <a:srgbClr val="FF0000"/>
+              </a:solidFill>
+            </a:endParaRPr>
           </a:p>
         </p:txBody>
       </p:sp>
@@ -5659,151 +5629,358 @@
         </p:nvSpPr>
         <p:spPr/>
         <p:txBody>
-          <a:bodyPr>
-            <a:normAutofit/>
+          <a:bodyPr/>
+          <a:lstStyle/>
+          <a:p>
+            <a:r>
+              <a:rPr lang="zh-CN" altLang="en-US" dirty="0" smtClean="0"/>
+              <a:t>路由到达顺序</a:t>
+            </a:r>
+            <a:r>
+              <a:rPr lang="en-US" altLang="zh-CN" dirty="0" smtClean="0"/>
+              <a:t>C2</a:t>
+            </a:r>
+            <a:r>
+              <a:rPr lang="zh-CN" altLang="en-US" dirty="0" smtClean="0"/>
+              <a:t>，</a:t>
+            </a:r>
+            <a:r>
+              <a:rPr lang="en-US" altLang="zh-CN" dirty="0"/>
+              <a:t> </a:t>
+            </a:r>
+            <a:r>
+              <a:rPr lang="en-US" altLang="zh-CN" dirty="0" smtClean="0"/>
+              <a:t>C1-1</a:t>
+            </a:r>
+            <a:r>
+              <a:rPr lang="zh-CN" altLang="en-US" dirty="0" smtClean="0"/>
+              <a:t>，</a:t>
+            </a:r>
+            <a:r>
+              <a:rPr lang="en-US" altLang="zh-CN" dirty="0"/>
+              <a:t> </a:t>
+            </a:r>
+            <a:r>
+              <a:rPr lang="en-US" altLang="zh-CN" dirty="0" smtClean="0"/>
+              <a:t>C1-2</a:t>
+            </a:r>
+            <a:endParaRPr lang="en-US" altLang="zh-CN" dirty="0"/>
+          </a:p>
+          <a:p>
+            <a:pPr lvl="1"/>
+            <a:r>
+              <a:rPr lang="en-US" altLang="zh-CN" dirty="0" smtClean="0"/>
+              <a:t>C1-2</a:t>
+            </a:r>
+            <a:r>
+              <a:rPr lang="zh-CN" altLang="en-US" dirty="0" smtClean="0"/>
+              <a:t>收到</a:t>
+            </a:r>
+            <a:r>
+              <a:rPr lang="zh-CN" altLang="en-US" dirty="0"/>
+              <a:t>路由，传到集中平台，</a:t>
+            </a:r>
+            <a:r>
+              <a:rPr lang="en-US" altLang="zh-CN" dirty="0"/>
+              <a:t>3</a:t>
+            </a:r>
+            <a:r>
+              <a:rPr lang="zh-CN" altLang="en-US" dirty="0"/>
+              <a:t>条路由</a:t>
+            </a:r>
+            <a:endParaRPr lang="en-US" altLang="zh-CN" dirty="0"/>
+          </a:p>
+          <a:p>
+            <a:pPr lvl="2"/>
+            <a:r>
+              <a:rPr lang="en-US" altLang="zh-CN" dirty="0" smtClean="0"/>
+              <a:t>RR1</a:t>
+            </a:r>
+            <a:r>
+              <a:rPr lang="zh-CN" altLang="en-US" dirty="0" smtClean="0"/>
+              <a:t>选从</a:t>
+            </a:r>
+            <a:r>
+              <a:rPr lang="en-US" altLang="zh-CN" dirty="0" smtClean="0"/>
+              <a:t>C2</a:t>
+            </a:r>
+            <a:r>
+              <a:rPr lang="zh-CN" altLang="en-US" dirty="0" smtClean="0"/>
+              <a:t>来的路由</a:t>
+            </a:r>
+            <a:endParaRPr lang="en-US" altLang="zh-CN" dirty="0" smtClean="0"/>
+          </a:p>
+          <a:p>
+            <a:pPr lvl="2"/>
+            <a:r>
+              <a:rPr lang="en-US" altLang="zh-CN" dirty="0" smtClean="0"/>
+              <a:t>RR2</a:t>
+            </a:r>
+            <a:r>
+              <a:rPr lang="zh-CN" altLang="en-US" dirty="0" smtClean="0"/>
+              <a:t>选从</a:t>
+            </a:r>
+            <a:r>
+              <a:rPr lang="en-US" altLang="zh-CN" dirty="0" smtClean="0"/>
+              <a:t>C2</a:t>
+            </a:r>
+            <a:r>
+              <a:rPr lang="zh-CN" altLang="en-US" dirty="0" smtClean="0"/>
+              <a:t>来的路由</a:t>
+            </a:r>
+            <a:endParaRPr lang="en-US" altLang="zh-CN" dirty="0" smtClean="0"/>
+          </a:p>
+          <a:p>
+            <a:pPr lvl="2"/>
+            <a:r>
+              <a:rPr lang="en-US" altLang="zh-CN" dirty="0" smtClean="0"/>
+              <a:t>C1-1</a:t>
+            </a:r>
+            <a:r>
+              <a:rPr lang="zh-CN" altLang="en-US" dirty="0" smtClean="0"/>
+              <a:t>选从</a:t>
+            </a:r>
+            <a:r>
+              <a:rPr lang="en-US" altLang="zh-CN" dirty="0" smtClean="0"/>
+              <a:t>C1-1</a:t>
+            </a:r>
+            <a:r>
+              <a:rPr lang="zh-CN" altLang="en-US" dirty="0" smtClean="0"/>
+              <a:t>来的路由</a:t>
+            </a:r>
+            <a:endParaRPr lang="en-US" altLang="zh-CN" dirty="0" smtClean="0"/>
+          </a:p>
+          <a:p>
+            <a:pPr lvl="2"/>
+            <a:r>
+              <a:rPr lang="en-US" altLang="zh-CN" dirty="0" smtClean="0"/>
+              <a:t>C1-2</a:t>
+            </a:r>
+            <a:r>
+              <a:rPr lang="zh-CN" altLang="en-US" dirty="0" smtClean="0"/>
+              <a:t>选从</a:t>
+            </a:r>
+            <a:r>
+              <a:rPr lang="en-US" altLang="zh-CN" dirty="0" smtClean="0"/>
+              <a:t>C1-2</a:t>
+            </a:r>
+            <a:r>
+              <a:rPr lang="zh-CN" altLang="en-US" dirty="0" smtClean="0"/>
+              <a:t>来的路由</a:t>
+            </a:r>
+            <a:endParaRPr lang="en-US" altLang="zh-CN" dirty="0" smtClean="0"/>
+          </a:p>
+          <a:p>
+            <a:pPr lvl="2"/>
+            <a:r>
+              <a:rPr lang="en-US" altLang="zh-CN" dirty="0" smtClean="0"/>
+              <a:t>C2</a:t>
+            </a:r>
+            <a:r>
+              <a:rPr lang="zh-CN" altLang="en-US" dirty="0" smtClean="0"/>
+              <a:t>选择从</a:t>
+            </a:r>
+            <a:r>
+              <a:rPr lang="en-US" altLang="zh-CN" dirty="0" smtClean="0"/>
+              <a:t>C2</a:t>
+            </a:r>
+            <a:r>
+              <a:rPr lang="zh-CN" altLang="en-US" dirty="0" smtClean="0"/>
+              <a:t>来的路由</a:t>
+            </a:r>
+            <a:endParaRPr lang="en-US" altLang="zh-CN" dirty="0" smtClean="0"/>
+          </a:p>
+        </p:txBody>
+      </p:sp>
+      <p:pic>
+        <p:nvPicPr>
+          <p:cNvPr id="6" name="图片 5"/>
+          <p:cNvPicPr>
+            <a:picLocks noChangeAspect="1"/>
+          </p:cNvPicPr>
+          <p:nvPr/>
+        </p:nvPicPr>
+        <p:blipFill>
+          <a:blip r:embed="rId3"/>
+          <a:stretch>
+            <a:fillRect/>
+          </a:stretch>
+        </p:blipFill>
+        <p:spPr>
+          <a:xfrm>
+            <a:off x="6563596" y="2105025"/>
+            <a:ext cx="2349775" cy="2969985"/>
+          </a:xfrm>
+          <a:prstGeom prst="rect">
+            <a:avLst/>
+          </a:prstGeom>
+        </p:spPr>
+      </p:pic>
+      <p:sp>
+        <p:nvSpPr>
+          <p:cNvPr id="4" name="文本框 3"/>
+          <p:cNvSpPr txBox="1"/>
+          <p:nvPr/>
+        </p:nvSpPr>
+        <p:spPr>
+          <a:xfrm>
+            <a:off x="628649" y="5075010"/>
+            <a:ext cx="8410247" cy="2031325"/>
+          </a:xfrm>
+          <a:prstGeom prst="rect">
+            <a:avLst/>
+          </a:prstGeom>
+          <a:noFill/>
+        </p:spPr>
+        <p:txBody>
+          <a:bodyPr wrap="square" rtlCol="0">
+            <a:spAutoFit/>
           </a:bodyPr>
           <a:lstStyle/>
           <a:p>
             <a:r>
-              <a:rPr lang="en-US" altLang="zh-CN" dirty="0" smtClean="0"/>
-              <a:t>SD-WAN</a:t>
-            </a:r>
-          </a:p>
-          <a:p>
-            <a:pPr lvl="1"/>
-            <a:r>
-              <a:rPr lang="zh-CN" altLang="en-US" dirty="0" smtClean="0"/>
-              <a:t>控制器通过</a:t>
-            </a:r>
-            <a:r>
-              <a:rPr lang="en-US" altLang="zh-CN" dirty="0" smtClean="0"/>
-              <a:t>BGP</a:t>
-            </a:r>
-            <a:r>
-              <a:rPr lang="zh-CN" altLang="en-US" dirty="0" smtClean="0"/>
-              <a:t>协议收集路由信息（</a:t>
-            </a:r>
-            <a:r>
-              <a:rPr lang="en-US" altLang="zh-CN" dirty="0" err="1" smtClean="0"/>
-              <a:t>ebgp</a:t>
-            </a:r>
-            <a:r>
-              <a:rPr lang="en-US" altLang="zh-CN" dirty="0" smtClean="0"/>
-              <a:t> policy</a:t>
-            </a:r>
-            <a:r>
-              <a:rPr lang="zh-CN" altLang="en-US" dirty="0" smtClean="0"/>
-              <a:t>），在控制器上根据用户定义的</a:t>
-            </a:r>
-            <a:r>
-              <a:rPr lang="en-US" altLang="zh-CN" dirty="0" smtClean="0"/>
-              <a:t>policy</a:t>
-            </a:r>
-            <a:r>
-              <a:rPr lang="zh-CN" altLang="en-US" dirty="0" smtClean="0"/>
-              <a:t>修改路由参数，计算最优路由，发给特定的路由器（</a:t>
-            </a:r>
-            <a:r>
-              <a:rPr lang="en-US" altLang="zh-CN" dirty="0" err="1" smtClean="0"/>
-              <a:t>ibgp</a:t>
-            </a:r>
-            <a:r>
-              <a:rPr lang="en-US" altLang="zh-CN" dirty="0" smtClean="0"/>
-              <a:t> policy</a:t>
-            </a:r>
-            <a:r>
-              <a:rPr lang="zh-CN" altLang="en-US" dirty="0" smtClean="0"/>
-              <a:t>）</a:t>
-            </a:r>
-            <a:endParaRPr lang="en-US" altLang="zh-CN" dirty="0" smtClean="0"/>
-          </a:p>
-          <a:p>
-            <a:pPr lvl="1"/>
+              <a:rPr lang="zh-CN" altLang="en-US" dirty="0" smtClean="0"/>
+              <a:t>分析：</a:t>
+            </a:r>
+            <a:endParaRPr lang="en-US" altLang="zh-CN" dirty="0" smtClean="0"/>
+          </a:p>
+          <a:p>
+            <a:pPr marL="285750" indent="-285750">
+              <a:buFont typeface="Arial" panose="020B0604020202020204" pitchFamily="34" charset="0"/>
+              <a:buChar char="•"/>
+            </a:pPr>
+            <a:r>
+              <a:rPr lang="zh-CN" altLang="en-US" dirty="0" smtClean="0"/>
+              <a:t>路由顺序不同，最优路由选择唯一，但是结果不同：</a:t>
+            </a:r>
+            <a:endParaRPr lang="en-US" altLang="zh-CN" dirty="0" smtClean="0"/>
+          </a:p>
+          <a:p>
+            <a:pPr marL="742950" lvl="1" indent="-285750">
+              <a:buFont typeface="Arial" panose="020B0604020202020204" pitchFamily="34" charset="0"/>
+              <a:buChar char="•"/>
+            </a:pPr>
+            <a:r>
+              <a:rPr lang="zh-CN" altLang="en-US" dirty="0" smtClean="0"/>
+              <a:t>原则上</a:t>
+            </a:r>
+            <a:r>
+              <a:rPr lang="en-US" altLang="zh-CN" dirty="0" smtClean="0"/>
+              <a:t>C1-1</a:t>
+            </a:r>
+            <a:r>
+              <a:rPr lang="zh-CN" altLang="en-US" dirty="0" smtClean="0"/>
+              <a:t>的路由最优，但实际因为顺序不同，最优路由结果不同</a:t>
+            </a:r>
+            <a:endParaRPr lang="en-US" altLang="zh-CN" dirty="0" smtClean="0"/>
+          </a:p>
+          <a:p>
+            <a:pPr marL="1200150" lvl="2" indent="-285750">
+              <a:buFont typeface="Arial" panose="020B0604020202020204" pitchFamily="34" charset="0"/>
+              <a:buChar char="•"/>
+            </a:pPr>
+            <a:r>
+              <a:rPr lang="zh-CN" altLang="en-US" dirty="0" smtClean="0"/>
+              <a:t>违背邻居</a:t>
+            </a:r>
+            <a:r>
+              <a:rPr lang="en-US" altLang="zh-CN" dirty="0" smtClean="0"/>
+              <a:t>AS</a:t>
+            </a:r>
+            <a:r>
+              <a:rPr lang="zh-CN" altLang="en-US" dirty="0" smtClean="0"/>
+              <a:t>设置</a:t>
+            </a:r>
+            <a:r>
+              <a:rPr lang="en-US" altLang="zh-CN" dirty="0" smtClean="0"/>
+              <a:t>MED</a:t>
+            </a:r>
+            <a:r>
+              <a:rPr lang="zh-CN" altLang="en-US" dirty="0" smtClean="0"/>
+              <a:t>值的初衷，当来自同一个</a:t>
+            </a:r>
+            <a:r>
+              <a:rPr lang="en-US" altLang="zh-CN" dirty="0" smtClean="0"/>
+              <a:t>AS</a:t>
+            </a:r>
+            <a:r>
+              <a:rPr lang="zh-CN" altLang="en-US" dirty="0" smtClean="0"/>
+              <a:t>，</a:t>
+            </a:r>
+            <a:r>
+              <a:rPr lang="en-US" altLang="zh-CN" dirty="0" smtClean="0"/>
+              <a:t>MED</a:t>
+            </a:r>
             <a:r>
               <a:rPr lang="zh-CN" altLang="en-US" dirty="0"/>
-              <a:t>简化的安全密钥交换（用于数据平面</a:t>
-            </a:r>
-            <a:r>
-              <a:rPr lang="en-US" altLang="zh-CN" dirty="0"/>
-              <a:t>CPE</a:t>
-            </a:r>
+              <a:t>大</a:t>
+            </a:r>
+            <a:r>
+              <a:rPr lang="zh-CN" altLang="en-US" dirty="0" smtClean="0"/>
+              <a:t>的被排除</a:t>
+            </a:r>
+            <a:endParaRPr lang="en-US" altLang="zh-CN" dirty="0" smtClean="0"/>
+          </a:p>
+          <a:p>
+            <a:pPr marL="1200150" lvl="2" indent="-285750">
+              <a:buFont typeface="Arial" panose="020B0604020202020204" pitchFamily="34" charset="0"/>
+              <a:buChar char="•"/>
+            </a:pPr>
             <a:r>
               <a:rPr lang="zh-CN" altLang="en-US" dirty="0"/>
-              <a:t>设备之间</a:t>
-            </a:r>
-            <a:r>
-              <a:rPr lang="en-US" altLang="zh-CN" dirty="0" err="1"/>
-              <a:t>IPSec</a:t>
-            </a:r>
-            <a:r>
-              <a:rPr lang="zh-CN" altLang="en-US" dirty="0"/>
-              <a:t>隧道的建立</a:t>
-            </a:r>
-            <a:endParaRPr lang="en-US" altLang="zh-CN" dirty="0" smtClean="0"/>
-          </a:p>
-          <a:p>
-            <a:r>
-              <a:rPr lang="zh-CN" altLang="en-US" dirty="0"/>
-              <a:t>我的方案</a:t>
-            </a:r>
-            <a:r>
-              <a:rPr lang="zh-CN" altLang="en-US" dirty="0" smtClean="0"/>
-              <a:t>与</a:t>
-            </a:r>
-            <a:r>
-              <a:rPr lang="en-US" altLang="zh-CN" dirty="0" smtClean="0"/>
-              <a:t>SD-WAN</a:t>
-            </a:r>
-            <a:r>
-              <a:rPr lang="zh-CN" altLang="en-US" dirty="0" smtClean="0"/>
-              <a:t>的</a:t>
-            </a:r>
-            <a:r>
-              <a:rPr lang="zh-CN" altLang="en-US" dirty="0"/>
-              <a:t>区别</a:t>
-            </a:r>
-            <a:endParaRPr lang="en-US" altLang="zh-CN" dirty="0" smtClean="0"/>
-          </a:p>
-          <a:p>
-            <a:pPr lvl="1"/>
-            <a:r>
-              <a:rPr lang="zh-CN" altLang="en-US" dirty="0"/>
-              <a:t>更准确的路由计算方法</a:t>
-            </a:r>
-            <a:endParaRPr lang="en-US" altLang="zh-CN" dirty="0"/>
-          </a:p>
-          <a:p>
-            <a:pPr lvl="2"/>
-            <a:r>
-              <a:rPr lang="zh-CN" altLang="en-US" dirty="0"/>
-              <a:t>我的方案：集合缩小法来计算最优路由</a:t>
-            </a:r>
-            <a:endParaRPr lang="en-US" altLang="zh-CN" dirty="0"/>
-          </a:p>
-          <a:p>
-            <a:pPr lvl="2"/>
-            <a:r>
-              <a:rPr lang="en-US" altLang="zh-CN" dirty="0" smtClean="0"/>
-              <a:t>SD-WAN</a:t>
-            </a:r>
-            <a:r>
-              <a:rPr lang="zh-CN" altLang="en-US" dirty="0" smtClean="0"/>
-              <a:t>方案：传统的分布式计算路由</a:t>
-            </a:r>
-            <a:endParaRPr lang="en-US" altLang="zh-CN" dirty="0" smtClean="0"/>
+              <a:t>当</a:t>
+            </a:r>
+            <a:r>
+              <a:rPr lang="zh-CN" altLang="en-US" dirty="0" smtClean="0"/>
+              <a:t>有</a:t>
+            </a:r>
+            <a:r>
+              <a:rPr lang="en-US" altLang="zh-CN" dirty="0" smtClean="0"/>
+              <a:t>3</a:t>
+            </a:r>
+            <a:r>
+              <a:rPr lang="zh-CN" altLang="en-US" dirty="0" smtClean="0"/>
+              <a:t>条路由时，</a:t>
+            </a:r>
+            <a:r>
+              <a:rPr lang="en-US" altLang="zh-CN" dirty="0" smtClean="0"/>
+              <a:t>C1-1</a:t>
+            </a:r>
+            <a:r>
+              <a:rPr lang="zh-CN" altLang="en-US" dirty="0" smtClean="0"/>
+              <a:t>是最合理的最优路由答案</a:t>
+            </a:r>
+            <a:endParaRPr lang="en-US" altLang="zh-CN" dirty="0" smtClean="0"/>
+          </a:p>
+          <a:p>
+            <a:pPr marL="285750" indent="-285750">
+              <a:buFont typeface="Arial" panose="020B0604020202020204" pitchFamily="34" charset="0"/>
+              <a:buChar char="•"/>
+            </a:pPr>
+            <a:endParaRPr lang="en-US" altLang="zh-CN" dirty="0" smtClean="0"/>
+          </a:p>
+          <a:p>
+            <a:endParaRPr lang="zh-CN" altLang="en-US" dirty="0"/>
           </a:p>
         </p:txBody>
       </p:sp>
     </p:spTree>
     <p:extLst>
       <p:ext uri="{BB962C8B-B14F-4D97-AF65-F5344CB8AC3E}">
-        <p14:creationId xmlns:p14="http://schemas.microsoft.com/office/powerpoint/2010/main" val="2779405596"/>
+        <p14:creationId xmlns:p14="http://schemas.microsoft.com/office/powerpoint/2010/main" val="3145962396"/>
       </p:ext>
     </p:extLst>
   </p:cSld>
   <p:clrMapOvr>
     <a:masterClrMapping/>
   </p:clrMapOvr>
+  <p:timing>
+    <p:tnLst>
+      <p:par>
+        <p:cTn id="1" dur="indefinite" restart="never" nodeType="tmRoot"/>
+      </p:par>
+    </p:tnLst>
+  </p:timing>
 </p:sld>
 </file>
 
@@ -5841,6 +6018,594 @@
           <a:p>
             <a:r>
               <a:rPr lang="zh-CN" altLang="en-US" dirty="0" smtClean="0"/>
+              <a:t>与</a:t>
+            </a:r>
+            <a:r>
+              <a:rPr lang="en-US" altLang="zh-CN" dirty="0" smtClean="0"/>
+              <a:t>RCP</a:t>
+            </a:r>
+            <a:r>
+              <a:rPr lang="zh-CN" altLang="en-US" dirty="0" smtClean="0"/>
+              <a:t>的区别</a:t>
+            </a:r>
+            <a:endParaRPr lang="zh-CN" altLang="en-US" dirty="0"/>
+          </a:p>
+        </p:txBody>
+      </p:sp>
+      <p:sp>
+        <p:nvSpPr>
+          <p:cNvPr id="3" name="内容占位符 2"/>
+          <p:cNvSpPr>
+            <a:spLocks noGrp="1"/>
+          </p:cNvSpPr>
+          <p:nvPr>
+            <p:ph idx="1"/>
+          </p:nvPr>
+        </p:nvSpPr>
+        <p:spPr/>
+        <p:txBody>
+          <a:bodyPr>
+            <a:normAutofit/>
+          </a:bodyPr>
+          <a:lstStyle/>
+          <a:p>
+            <a:r>
+              <a:rPr lang="zh-CN" altLang="en-US" dirty="0" smtClean="0"/>
+              <a:t>我的方案与</a:t>
+            </a:r>
+            <a:r>
+              <a:rPr lang="en-US" altLang="zh-CN" dirty="0" smtClean="0"/>
+              <a:t>RCP</a:t>
+            </a:r>
+            <a:r>
+              <a:rPr lang="zh-CN" altLang="en-US" dirty="0" smtClean="0"/>
+              <a:t>的区别（路由存储类似</a:t>
+            </a:r>
+            <a:r>
+              <a:rPr lang="en-US" altLang="zh-CN" dirty="0" smtClean="0"/>
+              <a:t>-</a:t>
+            </a:r>
+            <a:r>
+              <a:rPr lang="zh-CN" altLang="en-US" dirty="0" smtClean="0"/>
+              <a:t>增量）</a:t>
+            </a:r>
+            <a:endParaRPr lang="en-US" altLang="zh-CN" dirty="0" smtClean="0"/>
+          </a:p>
+          <a:p>
+            <a:pPr lvl="1"/>
+            <a:r>
+              <a:rPr lang="zh-CN" altLang="en-US" dirty="0"/>
+              <a:t>更</a:t>
+            </a:r>
+            <a:r>
+              <a:rPr lang="zh-CN" altLang="en-US" dirty="0" smtClean="0"/>
+              <a:t>灵活的策略配置：</a:t>
+            </a:r>
+            <a:endParaRPr lang="en-US" altLang="zh-CN" dirty="0" smtClean="0"/>
+          </a:p>
+          <a:p>
+            <a:pPr lvl="2"/>
+            <a:r>
+              <a:rPr lang="zh-CN" altLang="en-US" dirty="0" smtClean="0"/>
+              <a:t>我的方案：边界路由器收到路由，经过</a:t>
+            </a:r>
+            <a:r>
+              <a:rPr lang="en-US" altLang="zh-CN" dirty="0" err="1" smtClean="0"/>
+              <a:t>ebgp</a:t>
+            </a:r>
+            <a:r>
+              <a:rPr lang="en-US" altLang="zh-CN" dirty="0" smtClean="0"/>
+              <a:t> policy</a:t>
+            </a:r>
+            <a:r>
+              <a:rPr lang="zh-CN" altLang="en-US" dirty="0" smtClean="0"/>
+              <a:t>传给集中平台，集中平台经过</a:t>
+            </a:r>
+            <a:r>
+              <a:rPr lang="zh-CN" altLang="en-US" dirty="0" smtClean="0">
+                <a:solidFill>
+                  <a:srgbClr val="FF0000"/>
+                </a:solidFill>
+              </a:rPr>
+              <a:t>每台路由器的</a:t>
+            </a:r>
+            <a:r>
+              <a:rPr lang="en-US" altLang="zh-CN" dirty="0" err="1" smtClean="0">
+                <a:solidFill>
+                  <a:srgbClr val="FF0000"/>
+                </a:solidFill>
+              </a:rPr>
+              <a:t>ibgp</a:t>
+            </a:r>
+            <a:r>
+              <a:rPr lang="en-US" altLang="zh-CN" dirty="0" smtClean="0">
+                <a:solidFill>
+                  <a:srgbClr val="FF0000"/>
+                </a:solidFill>
+              </a:rPr>
+              <a:t> policy</a:t>
+            </a:r>
+            <a:r>
+              <a:rPr lang="zh-CN" altLang="en-US" dirty="0" smtClean="0"/>
+              <a:t>得到每台路由器的路由</a:t>
+            </a:r>
+            <a:endParaRPr lang="en-US" altLang="zh-CN" dirty="0" smtClean="0"/>
+          </a:p>
+          <a:p>
+            <a:pPr lvl="2"/>
+            <a:r>
+              <a:rPr lang="en-US" altLang="zh-CN" dirty="0" smtClean="0"/>
+              <a:t>RCP</a:t>
+            </a:r>
+            <a:r>
+              <a:rPr lang="zh-CN" altLang="en-US" dirty="0" smtClean="0"/>
+              <a:t>方案：</a:t>
+            </a:r>
+            <a:r>
+              <a:rPr lang="zh-CN" altLang="en-US" dirty="0"/>
+              <a:t>路由策略配置在</a:t>
+            </a:r>
+            <a:r>
+              <a:rPr lang="en-US" altLang="zh-CN" dirty="0"/>
+              <a:t>BR</a:t>
+            </a:r>
+            <a:r>
+              <a:rPr lang="zh-CN" altLang="en-US" dirty="0" smtClean="0"/>
+              <a:t>上，收到</a:t>
+            </a:r>
+            <a:r>
+              <a:rPr lang="zh-CN" altLang="en-US" dirty="0"/>
+              <a:t>路由的</a:t>
+            </a:r>
+            <a:r>
+              <a:rPr lang="en-US" altLang="zh-CN" dirty="0"/>
+              <a:t>BR</a:t>
+            </a:r>
+            <a:r>
+              <a:rPr lang="zh-CN" altLang="en-US" dirty="0"/>
+              <a:t>执行</a:t>
+            </a:r>
+            <a:r>
+              <a:rPr lang="en-US" altLang="zh-CN" dirty="0" err="1"/>
+              <a:t>ebgp</a:t>
+            </a:r>
+            <a:r>
+              <a:rPr lang="en-US" altLang="zh-CN" dirty="0"/>
+              <a:t> </a:t>
+            </a:r>
+            <a:r>
+              <a:rPr lang="en-US" altLang="zh-CN" dirty="0" smtClean="0"/>
+              <a:t>policy</a:t>
+            </a:r>
+            <a:r>
+              <a:rPr lang="zh-CN" altLang="en-US" dirty="0" smtClean="0"/>
+              <a:t>，将路由通过</a:t>
+            </a:r>
+            <a:r>
+              <a:rPr lang="en-US" altLang="zh-CN" dirty="0" err="1" smtClean="0"/>
+              <a:t>ibgp</a:t>
+            </a:r>
+            <a:r>
+              <a:rPr lang="zh-CN" altLang="en-US" dirty="0" smtClean="0"/>
+              <a:t>协议传给集中平台</a:t>
+            </a:r>
+            <a:endParaRPr lang="en-US" altLang="zh-CN" dirty="0" smtClean="0"/>
+          </a:p>
+          <a:p>
+            <a:pPr lvl="1"/>
+            <a:r>
+              <a:rPr lang="zh-CN" altLang="en-US" dirty="0" smtClean="0"/>
+              <a:t>更</a:t>
+            </a:r>
+            <a:r>
+              <a:rPr lang="zh-CN" altLang="en-US" dirty="0"/>
+              <a:t>准确</a:t>
+            </a:r>
+            <a:r>
+              <a:rPr lang="zh-CN" altLang="en-US" dirty="0" smtClean="0"/>
+              <a:t>的路由计算方法</a:t>
+            </a:r>
+            <a:endParaRPr lang="en-US" altLang="zh-CN" dirty="0" smtClean="0"/>
+          </a:p>
+          <a:p>
+            <a:pPr lvl="2"/>
+            <a:r>
+              <a:rPr lang="zh-CN" altLang="en-US" dirty="0" smtClean="0"/>
+              <a:t>我的方案：集合缩小法来计算最优路由</a:t>
+            </a:r>
+            <a:endParaRPr lang="en-US" altLang="zh-CN" dirty="0" smtClean="0"/>
+          </a:p>
+          <a:p>
+            <a:pPr lvl="2"/>
+            <a:r>
+              <a:rPr lang="en-US" altLang="zh-CN" dirty="0" smtClean="0"/>
+              <a:t>RCP</a:t>
+            </a:r>
+            <a:r>
+              <a:rPr lang="zh-CN" altLang="en-US" dirty="0" smtClean="0"/>
+              <a:t>方案：两两比较。每</a:t>
+            </a:r>
+            <a:r>
+              <a:rPr lang="zh-CN" altLang="en-US" dirty="0"/>
+              <a:t>台</a:t>
+            </a:r>
+            <a:r>
+              <a:rPr lang="zh-CN" altLang="en-US" dirty="0" smtClean="0"/>
+              <a:t>路由器根据</a:t>
+            </a:r>
+            <a:r>
+              <a:rPr lang="en-US" altLang="zh-CN" dirty="0" smtClean="0"/>
+              <a:t>IGP cost</a:t>
+            </a:r>
+            <a:r>
+              <a:rPr lang="zh-CN" altLang="en-US" dirty="0"/>
+              <a:t>对</a:t>
+            </a:r>
+            <a:r>
+              <a:rPr lang="zh-CN" altLang="en-US" dirty="0" smtClean="0"/>
+              <a:t>所有的出口进行优先级排序（每个出口对应一堆</a:t>
+            </a:r>
+            <a:r>
+              <a:rPr lang="en-US" altLang="zh-CN" dirty="0" smtClean="0"/>
+              <a:t>prefix</a:t>
+            </a:r>
+            <a:r>
+              <a:rPr lang="zh-CN" altLang="en-US" dirty="0" smtClean="0"/>
+              <a:t>集合，</a:t>
+            </a:r>
+            <a:r>
+              <a:rPr lang="en-US" altLang="zh-CN" dirty="0" smtClean="0"/>
+              <a:t>prefix</a:t>
+            </a:r>
+            <a:r>
+              <a:rPr lang="zh-CN" altLang="en-US" dirty="0" smtClean="0"/>
+              <a:t>最优出口更新则</a:t>
+            </a:r>
+            <a:r>
+              <a:rPr lang="en-US" altLang="zh-CN" dirty="0" smtClean="0"/>
+              <a:t>prefix</a:t>
+            </a:r>
+            <a:r>
+              <a:rPr lang="zh-CN" altLang="en-US" dirty="0" smtClean="0"/>
+              <a:t>的位置），如果</a:t>
+            </a:r>
+            <a:r>
+              <a:rPr lang="en-US" altLang="zh-CN" dirty="0" smtClean="0"/>
+              <a:t>IGP</a:t>
+            </a:r>
+            <a:r>
+              <a:rPr lang="zh-CN" altLang="en-US" dirty="0" smtClean="0"/>
+              <a:t>更新某出口，则需要更新该出口以上的所有</a:t>
+            </a:r>
+            <a:r>
+              <a:rPr lang="en-US" altLang="zh-CN" dirty="0" smtClean="0"/>
+              <a:t>prefix</a:t>
+            </a:r>
+            <a:r>
+              <a:rPr lang="zh-CN" altLang="en-US" dirty="0" smtClean="0"/>
+              <a:t>集合中的</a:t>
+            </a:r>
+            <a:r>
+              <a:rPr lang="en-US" altLang="zh-CN" dirty="0" smtClean="0"/>
+              <a:t>prefix【</a:t>
+            </a:r>
+            <a:r>
+              <a:rPr lang="zh-CN" altLang="en-US" dirty="0" smtClean="0"/>
+              <a:t>优</a:t>
+            </a:r>
+            <a:r>
+              <a:rPr lang="en-US" altLang="zh-CN" dirty="0" smtClean="0"/>
+              <a:t>】</a:t>
+            </a:r>
+          </a:p>
+        </p:txBody>
+      </p:sp>
+    </p:spTree>
+    <p:extLst>
+      <p:ext uri="{BB962C8B-B14F-4D97-AF65-F5344CB8AC3E}">
+        <p14:creationId xmlns:p14="http://schemas.microsoft.com/office/powerpoint/2010/main" val="3876105879"/>
+      </p:ext>
+    </p:extLst>
+  </p:cSld>
+  <p:clrMapOvr>
+    <a:masterClrMapping/>
+  </p:clrMapOvr>
+</p:sld>
+</file>
+
+<file path=ppt/slides/slide14.xml><?xml version="1.0" encoding="utf-8"?>
+<p:sld xmlns:a="http://schemas.openxmlformats.org/drawingml/2006/main" xmlns:r="http://schemas.openxmlformats.org/officeDocument/2006/relationships" xmlns:p="http://schemas.openxmlformats.org/presentationml/2006/main">
+  <p:cSld>
+    <p:spTree>
+      <p:nvGrpSpPr>
+        <p:cNvPr id="1" name=""/>
+        <p:cNvGrpSpPr/>
+        <p:nvPr/>
+      </p:nvGrpSpPr>
+      <p:grpSpPr>
+        <a:xfrm>
+          <a:off x="0" y="0"/>
+          <a:ext cx="0" cy="0"/>
+          <a:chOff x="0" y="0"/>
+          <a:chExt cx="0" cy="0"/>
+        </a:xfrm>
+      </p:grpSpPr>
+      <p:sp>
+        <p:nvSpPr>
+          <p:cNvPr id="2" name="标题 1"/>
+          <p:cNvSpPr>
+            <a:spLocks noGrp="1"/>
+          </p:cNvSpPr>
+          <p:nvPr>
+            <p:ph type="title"/>
+          </p:nvPr>
+        </p:nvSpPr>
+        <p:spPr/>
+        <p:txBody>
+          <a:bodyPr/>
+          <a:lstStyle/>
+          <a:p>
+            <a:r>
+              <a:rPr lang="zh-CN" altLang="en-US" dirty="0" smtClean="0"/>
+              <a:t>与</a:t>
+            </a:r>
+            <a:r>
+              <a:rPr lang="en-US" altLang="zh-CN" dirty="0" smtClean="0"/>
+              <a:t>SD-WAN</a:t>
+            </a:r>
+            <a:r>
+              <a:rPr lang="zh-CN" altLang="en-US" dirty="0" smtClean="0"/>
+              <a:t>的区别</a:t>
+            </a:r>
+            <a:endParaRPr lang="zh-CN" altLang="en-US" dirty="0"/>
+          </a:p>
+        </p:txBody>
+      </p:sp>
+      <p:sp>
+        <p:nvSpPr>
+          <p:cNvPr id="3" name="内容占位符 2"/>
+          <p:cNvSpPr>
+            <a:spLocks noGrp="1"/>
+          </p:cNvSpPr>
+          <p:nvPr>
+            <p:ph idx="1"/>
+          </p:nvPr>
+        </p:nvSpPr>
+        <p:spPr/>
+        <p:txBody>
+          <a:bodyPr>
+            <a:normAutofit fontScale="92500" lnSpcReduction="10000"/>
+          </a:bodyPr>
+          <a:lstStyle/>
+          <a:p>
+            <a:r>
+              <a:rPr lang="en-US" altLang="zh-CN" dirty="0" smtClean="0"/>
+              <a:t>SD-WAN</a:t>
+            </a:r>
+          </a:p>
+          <a:p>
+            <a:pPr lvl="1"/>
+            <a:r>
+              <a:rPr lang="zh-CN" altLang="en-US" dirty="0" smtClean="0"/>
+              <a:t>控制器通过</a:t>
+            </a:r>
+            <a:r>
+              <a:rPr lang="en-US" altLang="zh-CN" dirty="0" smtClean="0"/>
+              <a:t>BGP</a:t>
+            </a:r>
+            <a:r>
+              <a:rPr lang="zh-CN" altLang="en-US" dirty="0" smtClean="0"/>
+              <a:t>协议收集路由信息（</a:t>
+            </a:r>
+            <a:r>
+              <a:rPr lang="en-US" altLang="zh-CN" dirty="0" err="1" smtClean="0"/>
+              <a:t>ebgp</a:t>
+            </a:r>
+            <a:r>
+              <a:rPr lang="en-US" altLang="zh-CN" dirty="0" smtClean="0"/>
+              <a:t> policy</a:t>
+            </a:r>
+            <a:r>
+              <a:rPr lang="zh-CN" altLang="en-US" dirty="0" smtClean="0"/>
+              <a:t>），在控制器上根据用户定义的</a:t>
+            </a:r>
+            <a:r>
+              <a:rPr lang="en-US" altLang="zh-CN" dirty="0" smtClean="0"/>
+              <a:t>policy</a:t>
+            </a:r>
+            <a:r>
+              <a:rPr lang="zh-CN" altLang="en-US" dirty="0" smtClean="0"/>
+              <a:t>修改路由参数，计算最优路由，发给特定的路由器（</a:t>
+            </a:r>
+            <a:r>
+              <a:rPr lang="en-US" altLang="zh-CN" dirty="0" err="1" smtClean="0"/>
+              <a:t>ibgp</a:t>
+            </a:r>
+            <a:r>
+              <a:rPr lang="en-US" altLang="zh-CN" dirty="0" smtClean="0"/>
+              <a:t> policy</a:t>
+            </a:r>
+            <a:r>
+              <a:rPr lang="zh-CN" altLang="en-US" dirty="0" smtClean="0"/>
+              <a:t>）</a:t>
+            </a:r>
+            <a:endParaRPr lang="en-US" altLang="zh-CN" dirty="0" smtClean="0"/>
+          </a:p>
+          <a:p>
+            <a:pPr lvl="1"/>
+            <a:r>
+              <a:rPr lang="zh-CN" altLang="en-US" dirty="0"/>
+              <a:t>简化的安全密钥交换（用于数据平面</a:t>
+            </a:r>
+            <a:r>
+              <a:rPr lang="en-US" altLang="zh-CN" dirty="0"/>
+              <a:t>CPE</a:t>
+            </a:r>
+            <a:r>
+              <a:rPr lang="zh-CN" altLang="en-US" dirty="0"/>
+              <a:t>设备之间</a:t>
+            </a:r>
+            <a:r>
+              <a:rPr lang="en-US" altLang="zh-CN" dirty="0" err="1"/>
+              <a:t>IPSec</a:t>
+            </a:r>
+            <a:r>
+              <a:rPr lang="zh-CN" altLang="en-US" dirty="0"/>
+              <a:t>隧道的建立</a:t>
+            </a:r>
+            <a:endParaRPr lang="en-US" altLang="zh-CN" dirty="0" smtClean="0"/>
+          </a:p>
+          <a:p>
+            <a:r>
+              <a:rPr lang="zh-CN" altLang="en-US" dirty="0"/>
+              <a:t>我的方案</a:t>
+            </a:r>
+            <a:r>
+              <a:rPr lang="zh-CN" altLang="en-US" dirty="0" smtClean="0"/>
+              <a:t>与</a:t>
+            </a:r>
+            <a:r>
+              <a:rPr lang="en-US" altLang="zh-CN" dirty="0" smtClean="0"/>
+              <a:t>SD-WAN</a:t>
+            </a:r>
+            <a:r>
+              <a:rPr lang="zh-CN" altLang="en-US" dirty="0" smtClean="0"/>
+              <a:t>的</a:t>
+            </a:r>
+            <a:r>
+              <a:rPr lang="zh-CN" altLang="en-US" dirty="0"/>
+              <a:t>区别</a:t>
+            </a:r>
+            <a:endParaRPr lang="en-US" altLang="zh-CN" dirty="0" smtClean="0"/>
+          </a:p>
+          <a:p>
+            <a:pPr lvl="1"/>
+            <a:r>
+              <a:rPr lang="zh-CN" altLang="en-US" dirty="0"/>
+              <a:t>更准确的路由计算方法</a:t>
+            </a:r>
+            <a:endParaRPr lang="en-US" altLang="zh-CN" dirty="0"/>
+          </a:p>
+          <a:p>
+            <a:pPr lvl="2"/>
+            <a:r>
+              <a:rPr lang="zh-CN" altLang="en-US" dirty="0"/>
+              <a:t>我的方案：集合缩小法来计算最优路由</a:t>
+            </a:r>
+            <a:endParaRPr lang="en-US" altLang="zh-CN" dirty="0"/>
+          </a:p>
+          <a:p>
+            <a:pPr lvl="2"/>
+            <a:r>
+              <a:rPr lang="en-US" altLang="zh-CN" dirty="0" smtClean="0"/>
+              <a:t>SD-WAN</a:t>
+            </a:r>
+            <a:r>
+              <a:rPr lang="zh-CN" altLang="en-US" dirty="0" smtClean="0"/>
+              <a:t>方案：传统的分布式计算路由</a:t>
+            </a:r>
+          </a:p>
+          <a:p>
+            <a:pPr lvl="1"/>
+            <a:r>
+              <a:rPr lang="zh-CN" altLang="en-US" dirty="0" smtClean="0"/>
+              <a:t>部署？</a:t>
+            </a:r>
+            <a:endParaRPr lang="en-US" altLang="zh-CN" dirty="0" smtClean="0"/>
+          </a:p>
+          <a:p>
+            <a:pPr lvl="2"/>
+            <a:r>
+              <a:rPr lang="zh-CN" altLang="en-US" dirty="0" smtClean="0"/>
+              <a:t>我的方案：</a:t>
+            </a:r>
+            <a:r>
+              <a:rPr lang="zh-CN" altLang="en-US" smtClean="0"/>
+              <a:t>软件</a:t>
+            </a:r>
+            <a:r>
+              <a:rPr lang="zh-CN" altLang="en-US" smtClean="0"/>
+              <a:t>部署</a:t>
+            </a:r>
+            <a:r>
+              <a:rPr lang="zh-CN" altLang="en-US" smtClean="0">
+                <a:solidFill>
+                  <a:srgbClr val="FF0000"/>
+                </a:solidFill>
+              </a:rPr>
+              <a:t>，也是需要硬件支持的，这个点需要再想</a:t>
+            </a:r>
+            <a:endParaRPr lang="en-US" altLang="zh-CN" dirty="0" smtClean="0"/>
+          </a:p>
+          <a:p>
+            <a:pPr lvl="2"/>
+            <a:r>
+              <a:rPr lang="en-US" altLang="zh-CN" dirty="0" smtClean="0"/>
+              <a:t>SD-WAN</a:t>
+            </a:r>
+            <a:r>
+              <a:rPr lang="zh-CN" altLang="en-US" dirty="0" smtClean="0"/>
+              <a:t>：软件</a:t>
+            </a:r>
+            <a:r>
+              <a:rPr lang="en-US" altLang="zh-CN" dirty="0" smtClean="0"/>
+              <a:t>+</a:t>
+            </a:r>
+            <a:r>
+              <a:rPr lang="zh-CN" altLang="en-US" dirty="0" smtClean="0"/>
+              <a:t>硬件部署（支持控制器的交换机）</a:t>
+            </a:r>
+            <a:endParaRPr lang="en-US" altLang="zh-CN" dirty="0" smtClean="0"/>
+          </a:p>
+        </p:txBody>
+      </p:sp>
+    </p:spTree>
+    <p:extLst>
+      <p:ext uri="{BB962C8B-B14F-4D97-AF65-F5344CB8AC3E}">
+        <p14:creationId xmlns:p14="http://schemas.microsoft.com/office/powerpoint/2010/main" val="2779405596"/>
+      </p:ext>
+    </p:extLst>
+  </p:cSld>
+  <p:clrMapOvr>
+    <a:masterClrMapping/>
+  </p:clrMapOvr>
+</p:sld>
+</file>
+
+<file path=ppt/slides/slide15.xml><?xml version="1.0" encoding="utf-8"?>
+<p:sld xmlns:a="http://schemas.openxmlformats.org/drawingml/2006/main" xmlns:r="http://schemas.openxmlformats.org/officeDocument/2006/relationships" xmlns:p="http://schemas.openxmlformats.org/presentationml/2006/main">
+  <p:cSld>
+    <p:spTree>
+      <p:nvGrpSpPr>
+        <p:cNvPr id="1" name=""/>
+        <p:cNvGrpSpPr/>
+        <p:nvPr/>
+      </p:nvGrpSpPr>
+      <p:grpSpPr>
+        <a:xfrm>
+          <a:off x="0" y="0"/>
+          <a:ext cx="0" cy="0"/>
+          <a:chOff x="0" y="0"/>
+          <a:chExt cx="0" cy="0"/>
+        </a:xfrm>
+      </p:grpSpPr>
+      <p:sp>
+        <p:nvSpPr>
+          <p:cNvPr id="2" name="标题 1"/>
+          <p:cNvSpPr>
+            <a:spLocks noGrp="1"/>
+          </p:cNvSpPr>
+          <p:nvPr>
+            <p:ph type="title"/>
+          </p:nvPr>
+        </p:nvSpPr>
+        <p:spPr/>
+        <p:txBody>
+          <a:bodyPr/>
+          <a:lstStyle/>
+          <a:p>
+            <a:r>
+              <a:rPr lang="zh-CN" altLang="en-US" dirty="0" smtClean="0"/>
               <a:t>测试与分析</a:t>
             </a:r>
             <a:endParaRPr lang="zh-CN" altLang="en-US" dirty="0"/>
@@ -5967,15 +6732,7 @@
             </a:r>
             <a:r>
               <a:rPr lang="zh-CN" altLang="en-US" dirty="0" smtClean="0"/>
-              <a:t>、</a:t>
-            </a:r>
-            <a:r>
-              <a:rPr lang="en-US" altLang="zh-CN" dirty="0" smtClean="0"/>
-              <a:t>SD-</a:t>
-            </a:r>
-            <a:r>
-              <a:rPr lang="en-US" altLang="zh-CN" dirty="0" err="1" smtClean="0"/>
-              <a:t>iBGP</a:t>
+              <a:t>、本文方案</a:t>
             </a:r>
             <a:r>
               <a:rPr lang="en-US" altLang="zh-CN" dirty="0" smtClean="0"/>
@@ -6030,15 +6787,7 @@
             </a:pPr>
             <a:r>
               <a:rPr lang="zh-CN" altLang="en-US" dirty="0" smtClean="0"/>
-              <a:t>路由策略：策略配置便捷</a:t>
-            </a:r>
-            <a:r>
-              <a:rPr lang="zh-CN" altLang="en-US" dirty="0" smtClean="0"/>
-              <a:t>性</a:t>
-            </a:r>
-            <a:r>
-              <a:rPr lang="zh-CN" altLang="en-US" dirty="0" smtClean="0"/>
-              <a:t>、灵活性</a:t>
+              <a:t>路由策略：策略配置便捷性、灵活性</a:t>
             </a:r>
             <a:endParaRPr lang="en-US" altLang="zh-CN" dirty="0" smtClean="0"/>
           </a:p>
@@ -6080,7 +6829,7 @@
 </p:sld>
 </file>
 
-<file path=ppt/slides/slide14.xml><?xml version="1.0" encoding="utf-8"?>
+<file path=ppt/slides/slide16.xml><?xml version="1.0" encoding="utf-8"?>
 <p:sld xmlns:a="http://schemas.openxmlformats.org/drawingml/2006/main" xmlns:r="http://schemas.openxmlformats.org/officeDocument/2006/relationships" xmlns:p="http://schemas.openxmlformats.org/presentationml/2006/main">
   <p:cSld>
     <p:spTree>
@@ -6211,22 +6960,34 @@
           <a:p>
             <a:pPr lvl="3"/>
             <a:r>
-              <a:rPr lang="zh-CN" altLang="en-US" sz="2400" dirty="0"/>
+              <a:rPr lang="zh-CN" altLang="en-US" sz="2400" dirty="0" smtClean="0">
+                <a:solidFill>
+                  <a:srgbClr val="FF0000"/>
+                </a:solidFill>
+              </a:rPr>
               <a:t>平均每条路由计算的时间</a:t>
             </a:r>
-            <a:endParaRPr lang="en-US" altLang="zh-CN" sz="2400" dirty="0"/>
+            <a:endParaRPr lang="en-US" altLang="zh-CN" sz="2400" dirty="0" smtClean="0">
+              <a:solidFill>
+                <a:srgbClr val="FF0000"/>
+              </a:solidFill>
+            </a:endParaRPr>
           </a:p>
           <a:p>
             <a:pPr lvl="3"/>
             <a:r>
-              <a:rPr lang="zh-CN" altLang="en-US" sz="2400" dirty="0"/>
-              <a:t>维护各种数据结构所使用的</a:t>
-            </a:r>
-            <a:r>
-              <a:rPr lang="zh-CN" altLang="en-US" sz="2400" dirty="0" smtClean="0"/>
-              <a:t>内存</a:t>
-            </a:r>
-            <a:endParaRPr lang="en-US" altLang="zh-CN" sz="2200" dirty="0" smtClean="0"/>
+              <a:rPr lang="zh-CN" altLang="en-US" sz="2400" dirty="0" smtClean="0">
+                <a:solidFill>
+                  <a:srgbClr val="FF0000"/>
+                </a:solidFill>
+              </a:rPr>
+              <a:t>维护各种数据结构所使用的内存</a:t>
+            </a:r>
+            <a:endParaRPr lang="en-US" altLang="zh-CN" sz="2200" dirty="0" smtClean="0">
+              <a:solidFill>
+                <a:srgbClr val="FF0000"/>
+              </a:solidFill>
+            </a:endParaRPr>
           </a:p>
           <a:p>
             <a:pPr lvl="1"/>
@@ -6234,17 +6995,13 @@
               <a:rPr lang="zh-CN" altLang="en-US" sz="2800" dirty="0" smtClean="0"/>
               <a:t>有效性</a:t>
             </a:r>
-            <a:endParaRPr lang="en-US" altLang="zh-CN" sz="2800" dirty="0"/>
+            <a:endParaRPr lang="en-US" altLang="zh-CN" sz="2800" dirty="0" smtClean="0"/>
           </a:p>
           <a:p>
             <a:pPr lvl="2"/>
             <a:r>
-              <a:rPr lang="zh-CN" altLang="en-US" sz="2400" dirty="0"/>
-              <a:t>是否</a:t>
-            </a:r>
-            <a:r>
               <a:rPr lang="zh-CN" altLang="en-US" sz="2400" dirty="0" smtClean="0"/>
-              <a:t>解决</a:t>
+              <a:t>是否解决</a:t>
             </a:r>
             <a:r>
               <a:rPr lang="en-US" altLang="zh-CN" sz="2400" dirty="0" smtClean="0"/>
@@ -6344,11 +7101,7 @@
             </a:r>
             <a:r>
               <a:rPr lang="zh-CN" altLang="en-US" sz="2400" dirty="0" smtClean="0"/>
-              <a:t>配置</a:t>
-            </a:r>
-            <a:r>
-              <a:rPr lang="zh-CN" altLang="en-US" sz="2400" dirty="0" smtClean="0"/>
-              <a:t>变化（</a:t>
+              <a:t>配置变化（</a:t>
             </a:r>
             <a:r>
               <a:rPr lang="en-US" altLang="zh-CN" sz="2400" dirty="0" smtClean="0"/>
@@ -6398,7 +7151,7 @@
 </p:sld>
 </file>
 
-<file path=ppt/slides/slide15.xml><?xml version="1.0" encoding="utf-8"?>
+<file path=ppt/slides/slide17.xml><?xml version="1.0" encoding="utf-8"?>
 <p:sld xmlns:a="http://schemas.openxmlformats.org/drawingml/2006/main" xmlns:r="http://schemas.openxmlformats.org/officeDocument/2006/relationships" xmlns:p="http://schemas.openxmlformats.org/presentationml/2006/main">
   <p:cSld>
     <p:spTree>
@@ -6459,84 +7212,516 @@
               </a:spcBef>
             </a:pPr>
             <a:r>
-              <a:rPr lang="zh-CN" altLang="en-US" dirty="0" smtClean="0"/>
-              <a:t>仿真器：直接</a:t>
-            </a:r>
-            <a:r>
-              <a:rPr lang="zh-CN" altLang="en-US" smtClean="0"/>
-              <a:t>把路由给</a:t>
-            </a:r>
-            <a:r>
-              <a:rPr lang="zh-CN" altLang="en-US" dirty="0" smtClean="0"/>
-              <a:t>集中平台</a:t>
+              <a:rPr lang="zh-CN" altLang="en-US" sz="2800" dirty="0" smtClean="0"/>
+              <a:t>仿真器</a:t>
+            </a:r>
+            <a:r>
+              <a:rPr lang="zh-CN" altLang="en-US" dirty="0" smtClean="0"/>
+              <a:t>：</a:t>
+            </a:r>
+            <a:endParaRPr lang="en-US" altLang="zh-CN" dirty="0" smtClean="0"/>
+          </a:p>
+          <a:p>
+            <a:pPr marL="685800" lvl="2">
+              <a:spcBef>
+                <a:spcPts val="1000"/>
+              </a:spcBef>
+            </a:pPr>
+            <a:r>
+              <a:rPr lang="zh-CN" altLang="en-US" dirty="0" smtClean="0"/>
+              <a:t>方法：直接把全网路由给集中平台，输入从某</a:t>
+            </a:r>
+            <a:r>
+              <a:rPr lang="en-US" altLang="zh-CN" dirty="0" smtClean="0"/>
+              <a:t>BR</a:t>
+            </a:r>
+            <a:r>
+              <a:rPr lang="zh-CN" altLang="en-US" dirty="0" smtClean="0"/>
+              <a:t>来的更新路由</a:t>
             </a:r>
             <a:endParaRPr lang="en-US" altLang="zh-CN" dirty="0" smtClean="0"/>
           </a:p>
           <a:p>
             <a:pPr lvl="1"/>
             <a:r>
-              <a:rPr lang="zh-CN" altLang="en-US" dirty="0" smtClean="0"/>
-              <a:t>路由计算的可扩展性</a:t>
-            </a:r>
-            <a:endParaRPr lang="en-US" altLang="zh-CN" dirty="0" smtClean="0"/>
+              <a:rPr lang="zh-CN" altLang="en-US" sz="2000" dirty="0" smtClean="0"/>
+              <a:t>路由计算、路由存储的可扩展性</a:t>
+            </a:r>
+            <a:endParaRPr lang="en-US" altLang="zh-CN" sz="2000" dirty="0" smtClean="0"/>
+          </a:p>
+          <a:p>
+            <a:r>
+              <a:rPr lang="zh-CN" altLang="en-US" dirty="0" smtClean="0">
+                <a:solidFill>
+                  <a:srgbClr val="FF0000"/>
+                </a:solidFill>
+              </a:rPr>
+              <a:t>小型拓扑</a:t>
+            </a:r>
+            <a:endParaRPr lang="en-US" altLang="zh-CN" dirty="0" smtClean="0">
+              <a:solidFill>
+                <a:srgbClr val="FF0000"/>
+              </a:solidFill>
+            </a:endParaRPr>
           </a:p>
           <a:p>
             <a:pPr lvl="1"/>
             <a:r>
-              <a:rPr lang="zh-CN" altLang="en-US" dirty="0" smtClean="0"/>
-              <a:t>路由存储的可扩展性</a:t>
-            </a:r>
-            <a:endParaRPr lang="en-US" altLang="zh-CN" dirty="0" smtClean="0"/>
-          </a:p>
-          <a:p>
-            <a:r>
-              <a:rPr lang="zh-CN" altLang="en-US" dirty="0" smtClean="0"/>
-              <a:t>小型拓扑</a:t>
-            </a:r>
-            <a:endParaRPr lang="en-US" altLang="zh-CN" dirty="0" smtClean="0"/>
+              <a:rPr lang="zh-CN" altLang="en-US" sz="2000" dirty="0" smtClean="0"/>
+              <a:t>路由传输：集中平台和边界路由器的路由传输</a:t>
+            </a:r>
+            <a:endParaRPr lang="en-US" altLang="zh-CN" sz="2000" dirty="0" smtClean="0"/>
           </a:p>
           <a:p>
             <a:pPr lvl="1"/>
             <a:r>
-              <a:rPr lang="zh-CN" altLang="en-US" dirty="0" smtClean="0"/>
-              <a:t>路由传输：集中平台和边界路由器的路由传输</a:t>
-            </a:r>
-            <a:endParaRPr lang="en-US" altLang="zh-CN" dirty="0" smtClean="0"/>
+              <a:rPr lang="zh-CN" altLang="en-US" sz="2000" dirty="0"/>
+              <a:t>路由</a:t>
+            </a:r>
+            <a:r>
+              <a:rPr lang="zh-CN" altLang="en-US" sz="2000" dirty="0" smtClean="0"/>
+              <a:t>计算的正确性</a:t>
+            </a:r>
+            <a:endParaRPr lang="en-US" altLang="zh-CN" sz="2000" dirty="0" smtClean="0"/>
           </a:p>
           <a:p>
             <a:pPr lvl="1"/>
             <a:r>
-              <a:rPr lang="zh-CN" altLang="en-US" dirty="0"/>
-              <a:t>路由</a:t>
-            </a:r>
-            <a:r>
-              <a:rPr lang="zh-CN" altLang="en-US" dirty="0" smtClean="0"/>
-              <a:t>计算的正确性</a:t>
-            </a:r>
-            <a:endParaRPr lang="en-US" altLang="zh-CN" dirty="0" smtClean="0"/>
+              <a:rPr lang="zh-CN" altLang="en-US" sz="2000" dirty="0" smtClean="0"/>
+              <a:t>路由存储的正确性</a:t>
+            </a:r>
+            <a:endParaRPr lang="en-US" altLang="zh-CN" sz="2000" dirty="0" smtClean="0"/>
           </a:p>
           <a:p>
             <a:pPr lvl="1"/>
             <a:r>
-              <a:rPr lang="zh-CN" altLang="en-US" dirty="0" smtClean="0"/>
-              <a:t>路由存储的正确性</a:t>
-            </a:r>
-            <a:endParaRPr lang="en-US" altLang="zh-CN" dirty="0" smtClean="0"/>
-          </a:p>
-          <a:p>
-            <a:pPr lvl="1"/>
-            <a:r>
-              <a:rPr lang="zh-CN" altLang="en-US" dirty="0" smtClean="0"/>
+              <a:rPr lang="zh-CN" altLang="en-US" sz="2000" dirty="0" smtClean="0"/>
               <a:t>策略管理</a:t>
             </a:r>
-            <a:endParaRPr lang="en-US" altLang="zh-CN" dirty="0"/>
-          </a:p>
-        </p:txBody>
-      </p:sp>
+            <a:endParaRPr lang="en-US" altLang="zh-CN" sz="2000" dirty="0" smtClean="0"/>
+          </a:p>
+          <a:p>
+            <a:pPr lvl="2"/>
+            <a:r>
+              <a:rPr lang="zh-CN" altLang="en-US" sz="1600" dirty="0"/>
+              <a:t>重要</a:t>
+            </a:r>
+            <a:r>
+              <a:rPr lang="zh-CN" altLang="en-US" sz="1600" dirty="0" smtClean="0"/>
+              <a:t>的进行检测</a:t>
+            </a:r>
+            <a:endParaRPr lang="en-US" altLang="zh-CN" sz="1600" dirty="0"/>
+          </a:p>
+        </p:txBody>
+      </p:sp>
+      <p:graphicFrame>
+        <p:nvGraphicFramePr>
+          <p:cNvPr id="4" name="对象 3"/>
+          <p:cNvGraphicFramePr>
+            <a:graphicFrameLocks noChangeAspect="1"/>
+          </p:cNvGraphicFramePr>
+          <p:nvPr>
+            <p:extLst>
+              <p:ext uri="{D42A27DB-BD31-4B8C-83A1-F6EECF244321}">
+                <p14:modId xmlns:p14="http://schemas.microsoft.com/office/powerpoint/2010/main" val="860246209"/>
+              </p:ext>
+            </p:extLst>
+          </p:nvPr>
+        </p:nvGraphicFramePr>
+        <p:xfrm>
+          <a:off x="3814810" y="3862408"/>
+          <a:ext cx="3037408" cy="2737945"/>
+        </p:xfrm>
+        <a:graphic>
+          <a:graphicData uri="http://schemas.openxmlformats.org/presentationml/2006/ole">
+            <mc:AlternateContent xmlns:mc="http://schemas.openxmlformats.org/markup-compatibility/2006">
+              <mc:Choice xmlns:v="urn:schemas-microsoft-com:vml" Requires="v">
+                <p:oleObj spid="_x0000_s2098" name="Visio" r:id="rId4" imgW="7829612" imgH="7058025" progId="Visio.Drawing.15">
+                  <p:embed/>
+                </p:oleObj>
+              </mc:Choice>
+              <mc:Fallback>
+                <p:oleObj name="Visio" r:id="rId4" imgW="7829612" imgH="7058025" progId="Visio.Drawing.15">
+                  <p:embed/>
+                  <p:pic>
+                    <p:nvPicPr>
+                      <p:cNvPr id="8" name="对象 7"/>
+                      <p:cNvPicPr/>
+                      <p:nvPr/>
+                    </p:nvPicPr>
+                    <p:blipFill>
+                      <a:blip r:embed="rId5"/>
+                      <a:stretch>
+                        <a:fillRect/>
+                      </a:stretch>
+                    </p:blipFill>
+                    <p:spPr>
+                      <a:xfrm>
+                        <a:off x="3814810" y="3862408"/>
+                        <a:ext cx="3037408" cy="2737945"/>
+                      </a:xfrm>
+                      <a:prstGeom prst="rect">
+                        <a:avLst/>
+                      </a:prstGeom>
+                    </p:spPr>
+                  </p:pic>
+                </p:oleObj>
+              </mc:Fallback>
+            </mc:AlternateContent>
+          </a:graphicData>
+        </a:graphic>
+      </p:graphicFrame>
+      <p:pic>
+        <p:nvPicPr>
+          <p:cNvPr id="5" name="图片 4"/>
+          <p:cNvPicPr>
+            <a:picLocks noChangeAspect="1"/>
+          </p:cNvPicPr>
+          <p:nvPr/>
+        </p:nvPicPr>
+        <p:blipFill>
+          <a:blip r:embed="rId6"/>
+          <a:stretch>
+            <a:fillRect/>
+          </a:stretch>
+        </p:blipFill>
+        <p:spPr>
+          <a:xfrm>
+            <a:off x="6852218" y="3862408"/>
+            <a:ext cx="2081221" cy="2630548"/>
+          </a:xfrm>
+          <a:prstGeom prst="rect">
+            <a:avLst/>
+          </a:prstGeom>
+        </p:spPr>
+      </p:pic>
     </p:spTree>
     <p:extLst>
       <p:ext uri="{BB962C8B-B14F-4D97-AF65-F5344CB8AC3E}">
         <p14:creationId xmlns:p14="http://schemas.microsoft.com/office/powerpoint/2010/main" val="3912396075"/>
+      </p:ext>
+    </p:extLst>
+  </p:cSld>
+  <p:clrMapOvr>
+    <a:masterClrMapping/>
+  </p:clrMapOvr>
+</p:sld>
+</file>
+
+<file path=ppt/slides/slide18.xml><?xml version="1.0" encoding="utf-8"?>
+<p:sld xmlns:a="http://schemas.openxmlformats.org/drawingml/2006/main" xmlns:r="http://schemas.openxmlformats.org/officeDocument/2006/relationships" xmlns:p="http://schemas.openxmlformats.org/presentationml/2006/main">
+  <p:cSld>
+    <p:spTree>
+      <p:nvGrpSpPr>
+        <p:cNvPr id="1" name=""/>
+        <p:cNvGrpSpPr/>
+        <p:nvPr/>
+      </p:nvGrpSpPr>
+      <p:grpSpPr>
+        <a:xfrm>
+          <a:off x="0" y="0"/>
+          <a:ext cx="0" cy="0"/>
+          <a:chOff x="0" y="0"/>
+          <a:chExt cx="0" cy="0"/>
+        </a:xfrm>
+      </p:grpSpPr>
+      <p:sp>
+        <p:nvSpPr>
+          <p:cNvPr id="2" name="标题 1"/>
+          <p:cNvSpPr>
+            <a:spLocks noGrp="1"/>
+          </p:cNvSpPr>
+          <p:nvPr>
+            <p:ph type="title"/>
+          </p:nvPr>
+        </p:nvSpPr>
+        <p:spPr/>
+        <p:txBody>
+          <a:bodyPr/>
+          <a:lstStyle/>
+          <a:p>
+            <a:r>
+              <a:rPr lang="zh-CN" altLang="en-US" dirty="0" smtClean="0"/>
+              <a:t>计划</a:t>
+            </a:r>
+            <a:endParaRPr lang="zh-CN" altLang="en-US" dirty="0"/>
+          </a:p>
+        </p:txBody>
+      </p:sp>
+      <p:sp>
+        <p:nvSpPr>
+          <p:cNvPr id="3" name="内容占位符 2"/>
+          <p:cNvSpPr>
+            <a:spLocks noGrp="1"/>
+          </p:cNvSpPr>
+          <p:nvPr>
+            <p:ph idx="1"/>
+          </p:nvPr>
+        </p:nvSpPr>
+        <p:spPr/>
+        <p:txBody>
+          <a:bodyPr/>
+          <a:lstStyle/>
+          <a:p>
+            <a:r>
+              <a:rPr lang="en-US" altLang="zh-CN" dirty="0" smtClean="0"/>
+              <a:t>2</a:t>
+            </a:r>
+            <a:r>
+              <a:rPr lang="zh-CN" altLang="en-US" dirty="0" smtClean="0"/>
+              <a:t>月：系统</a:t>
+            </a:r>
+            <a:endParaRPr lang="en-US" altLang="zh-CN" dirty="0" smtClean="0"/>
+          </a:p>
+          <a:p>
+            <a:r>
+              <a:rPr lang="en-US" altLang="zh-CN" dirty="0" smtClean="0"/>
+              <a:t>3</a:t>
+            </a:r>
+            <a:r>
+              <a:rPr lang="zh-CN" altLang="en-US" dirty="0" smtClean="0"/>
+              <a:t>月：系统</a:t>
+            </a:r>
+            <a:r>
+              <a:rPr lang="en-US" altLang="zh-CN" dirty="0" smtClean="0"/>
+              <a:t>&amp;&amp;</a:t>
+            </a:r>
+            <a:r>
+              <a:rPr lang="zh-CN" altLang="en-US" dirty="0" smtClean="0"/>
+              <a:t>论文</a:t>
+            </a:r>
+            <a:endParaRPr lang="en-US" altLang="zh-CN" dirty="0" smtClean="0"/>
+          </a:p>
+          <a:p>
+            <a:r>
+              <a:rPr lang="en-US" altLang="zh-CN" dirty="0" smtClean="0"/>
+              <a:t>4</a:t>
+            </a:r>
+            <a:r>
+              <a:rPr lang="zh-CN" altLang="en-US" dirty="0" smtClean="0"/>
+              <a:t>月：论文</a:t>
+            </a:r>
+            <a:endParaRPr lang="en-US" altLang="zh-CN" dirty="0" smtClean="0"/>
+          </a:p>
+          <a:p>
+            <a:r>
+              <a:rPr lang="en-US" altLang="zh-CN" dirty="0" smtClean="0"/>
+              <a:t>5</a:t>
+            </a:r>
+            <a:r>
+              <a:rPr lang="zh-CN" altLang="en-US" dirty="0" smtClean="0"/>
+              <a:t>月：论文查重</a:t>
+            </a:r>
+            <a:r>
+              <a:rPr lang="en-US" altLang="zh-CN" dirty="0" smtClean="0"/>
+              <a:t>&amp;&amp;</a:t>
+            </a:r>
+            <a:r>
+              <a:rPr lang="zh-CN" altLang="en-US" dirty="0" smtClean="0"/>
+              <a:t>答辩</a:t>
+            </a:r>
+            <a:endParaRPr lang="zh-CN" altLang="en-US" dirty="0"/>
+          </a:p>
+        </p:txBody>
+      </p:sp>
+    </p:spTree>
+    <p:extLst>
+      <p:ext uri="{BB962C8B-B14F-4D97-AF65-F5344CB8AC3E}">
+        <p14:creationId xmlns:p14="http://schemas.microsoft.com/office/powerpoint/2010/main" val="2775974418"/>
+      </p:ext>
+    </p:extLst>
+  </p:cSld>
+  <p:clrMapOvr>
+    <a:masterClrMapping/>
+  </p:clrMapOvr>
+</p:sld>
+</file>
+
+<file path=ppt/slides/slide19.xml><?xml version="1.0" encoding="utf-8"?>
+<p:sld xmlns:a="http://schemas.openxmlformats.org/drawingml/2006/main" xmlns:r="http://schemas.openxmlformats.org/officeDocument/2006/relationships" xmlns:p="http://schemas.openxmlformats.org/presentationml/2006/main">
+  <p:cSld>
+    <p:spTree>
+      <p:nvGrpSpPr>
+        <p:cNvPr id="1" name=""/>
+        <p:cNvGrpSpPr/>
+        <p:nvPr/>
+      </p:nvGrpSpPr>
+      <p:grpSpPr>
+        <a:xfrm>
+          <a:off x="0" y="0"/>
+          <a:ext cx="0" cy="0"/>
+          <a:chOff x="0" y="0"/>
+          <a:chExt cx="0" cy="0"/>
+        </a:xfrm>
+      </p:grpSpPr>
+      <p:sp>
+        <p:nvSpPr>
+          <p:cNvPr id="2" name="标题 1"/>
+          <p:cNvSpPr>
+            <a:spLocks noGrp="1"/>
+          </p:cNvSpPr>
+          <p:nvPr>
+            <p:ph type="title"/>
+          </p:nvPr>
+        </p:nvSpPr>
+        <p:spPr/>
+        <p:txBody>
+          <a:bodyPr/>
+          <a:lstStyle/>
+          <a:p>
+            <a:r>
+              <a:rPr lang="zh-CN" altLang="en-US" dirty="0" smtClean="0"/>
+              <a:t>后续工作</a:t>
+            </a:r>
+            <a:endParaRPr lang="zh-CN" altLang="en-US" dirty="0"/>
+          </a:p>
+        </p:txBody>
+      </p:sp>
+      <p:sp>
+        <p:nvSpPr>
+          <p:cNvPr id="3" name="内容占位符 2"/>
+          <p:cNvSpPr>
+            <a:spLocks noGrp="1"/>
+          </p:cNvSpPr>
+          <p:nvPr>
+            <p:ph idx="1"/>
+          </p:nvPr>
+        </p:nvSpPr>
+        <p:spPr/>
+        <p:txBody>
+          <a:bodyPr/>
+          <a:lstStyle/>
+          <a:p>
+            <a:r>
+              <a:rPr lang="zh-CN" altLang="en-US" dirty="0"/>
+              <a:t>方案的</a:t>
+            </a:r>
+            <a:r>
+              <a:rPr lang="zh-CN" altLang="en-US" dirty="0" smtClean="0"/>
+              <a:t>优点</a:t>
+            </a:r>
+            <a:endParaRPr lang="en-US" altLang="zh-CN" dirty="0" smtClean="0"/>
+          </a:p>
+          <a:p>
+            <a:pPr lvl="1"/>
+            <a:r>
+              <a:rPr lang="zh-CN" altLang="en-US" dirty="0" smtClean="0"/>
+              <a:t>集中平台并行计算：</a:t>
+            </a:r>
+            <a:endParaRPr lang="en-US" altLang="zh-CN" dirty="0" smtClean="0"/>
+          </a:p>
+          <a:p>
+            <a:pPr lvl="2"/>
+            <a:r>
+              <a:rPr lang="zh-CN" altLang="en-US" dirty="0" smtClean="0"/>
+              <a:t>加速收敛时间，减少域间路由流量</a:t>
+            </a:r>
+            <a:endParaRPr lang="en-US" altLang="zh-CN" dirty="0" smtClean="0"/>
+          </a:p>
+          <a:p>
+            <a:pPr lvl="1"/>
+            <a:r>
+              <a:rPr lang="zh-CN" altLang="en-US" dirty="0" smtClean="0"/>
+              <a:t>基于全部路由进行计算</a:t>
+            </a:r>
+            <a:endParaRPr lang="en-US" altLang="zh-CN" dirty="0" smtClean="0"/>
+          </a:p>
+          <a:p>
+            <a:pPr lvl="2"/>
+            <a:r>
+              <a:rPr lang="zh-CN" altLang="en-US" dirty="0" smtClean="0"/>
+              <a:t>消除</a:t>
+            </a:r>
+            <a:r>
+              <a:rPr lang="en-US" altLang="zh-CN" dirty="0" smtClean="0"/>
+              <a:t>RR</a:t>
+            </a:r>
+            <a:r>
+              <a:rPr lang="zh-CN" altLang="en-US" dirty="0" smtClean="0"/>
+              <a:t>和</a:t>
+            </a:r>
+            <a:r>
+              <a:rPr lang="en-US" altLang="zh-CN" dirty="0" smtClean="0"/>
+              <a:t>AS</a:t>
+            </a:r>
+            <a:r>
+              <a:rPr lang="zh-CN" altLang="en-US" dirty="0" smtClean="0"/>
+              <a:t>联邦引起的路由震荡、转发环路</a:t>
+            </a:r>
+            <a:endParaRPr lang="en-US" altLang="zh-CN" dirty="0" smtClean="0"/>
+          </a:p>
+          <a:p>
+            <a:pPr lvl="1"/>
+            <a:r>
+              <a:rPr lang="zh-CN" altLang="en-US" dirty="0" smtClean="0"/>
+              <a:t>优化路由存储 </a:t>
+            </a:r>
+            <a:r>
+              <a:rPr lang="en-US" altLang="zh-CN" dirty="0" smtClean="0"/>
+              <a:t>&amp;&amp; </a:t>
+            </a:r>
+            <a:r>
+              <a:rPr lang="zh-CN" altLang="en-US" dirty="0" smtClean="0"/>
+              <a:t>路由计算</a:t>
+            </a:r>
+            <a:endParaRPr lang="en-US" altLang="zh-CN" dirty="0" smtClean="0"/>
+          </a:p>
+          <a:p>
+            <a:r>
+              <a:rPr lang="zh-CN" altLang="en-US" dirty="0" smtClean="0"/>
+              <a:t>已有工作</a:t>
+            </a:r>
+            <a:r>
+              <a:rPr lang="en-US" altLang="zh-CN" dirty="0" smtClean="0"/>
+              <a:t>SD-WAN</a:t>
+            </a:r>
+            <a:r>
+              <a:rPr lang="zh-CN" altLang="en-US" dirty="0" smtClean="0"/>
+              <a:t>的区别</a:t>
+            </a:r>
+            <a:endParaRPr lang="en-US" altLang="zh-CN" dirty="0"/>
+          </a:p>
+          <a:p>
+            <a:r>
+              <a:rPr lang="zh-CN" altLang="en-US" dirty="0" smtClean="0"/>
+              <a:t>系统实现</a:t>
+            </a:r>
+            <a:endParaRPr lang="en-US" altLang="zh-CN" dirty="0" smtClean="0"/>
+          </a:p>
+          <a:p>
+            <a:pPr lvl="1"/>
+            <a:r>
+              <a:rPr lang="zh-CN" altLang="en-US" dirty="0" smtClean="0"/>
+              <a:t>调研：轻量级</a:t>
+            </a:r>
+            <a:r>
+              <a:rPr lang="zh-CN" altLang="en-US" dirty="0"/>
+              <a:t>的</a:t>
+            </a:r>
+            <a:r>
+              <a:rPr lang="en-US" altLang="zh-CN" dirty="0" err="1" smtClean="0"/>
+              <a:t>bgp</a:t>
+            </a:r>
+            <a:r>
+              <a:rPr lang="zh-CN" altLang="en-US" dirty="0" smtClean="0"/>
+              <a:t>开源软件</a:t>
+            </a:r>
+            <a:endParaRPr lang="en-US" altLang="zh-CN" dirty="0" smtClean="0"/>
+          </a:p>
+          <a:p>
+            <a:pPr lvl="1"/>
+            <a:r>
+              <a:rPr lang="zh-CN" altLang="en-US" dirty="0" smtClean="0"/>
+              <a:t>实现：重写集中控制平台</a:t>
+            </a:r>
+            <a:endParaRPr lang="en-US" altLang="zh-CN" dirty="0"/>
+          </a:p>
+        </p:txBody>
+      </p:sp>
+    </p:spTree>
+    <p:extLst>
+      <p:ext uri="{BB962C8B-B14F-4D97-AF65-F5344CB8AC3E}">
+        <p14:creationId xmlns:p14="http://schemas.microsoft.com/office/powerpoint/2010/main" val="3446023272"/>
       </p:ext>
     </p:extLst>
   </p:cSld>
@@ -6599,6 +7784,13 @@
         <p:txBody>
           <a:bodyPr/>
           <a:lstStyle/>
+          <a:p>
+            <a:r>
+              <a:rPr lang="zh-CN" altLang="en-US" dirty="0" smtClean="0"/>
+              <a:t>系统描述</a:t>
+            </a:r>
+            <a:endParaRPr lang="en-US" altLang="zh-CN" dirty="0" smtClean="0"/>
+          </a:p>
           <a:p>
             <a:r>
               <a:rPr lang="zh-CN" altLang="en-US" dirty="0" smtClean="0"/>
@@ -6696,7 +7888,7 @@
           <a:p>
             <a:r>
               <a:rPr lang="zh-CN" altLang="en-US" dirty="0" smtClean="0"/>
-              <a:t>优化路由表项存储</a:t>
+              <a:t>系统描述</a:t>
             </a:r>
             <a:endParaRPr lang="zh-CN" altLang="en-US" dirty="0"/>
           </a:p>
@@ -6718,6 +7910,335 @@
           <a:lstStyle/>
           <a:p>
             <a:r>
+              <a:rPr lang="zh-CN" altLang="en-US" dirty="0" smtClean="0"/>
+              <a:t>边界路由器</a:t>
+            </a:r>
+            <a:endParaRPr lang="en-US" altLang="zh-CN" dirty="0" smtClean="0"/>
+          </a:p>
+          <a:p>
+            <a:pPr lvl="1"/>
+            <a:r>
+              <a:rPr lang="zh-CN" altLang="en-US" dirty="0" smtClean="0"/>
+              <a:t>从</a:t>
+            </a:r>
+            <a:r>
+              <a:rPr lang="en-US" altLang="zh-CN" dirty="0" err="1" smtClean="0"/>
+              <a:t>ebgp</a:t>
+            </a:r>
+            <a:r>
+              <a:rPr lang="zh-CN" altLang="en-US" dirty="0" smtClean="0"/>
+              <a:t>邻居收到</a:t>
+            </a:r>
+            <a:r>
+              <a:rPr lang="en-US" altLang="zh-CN" dirty="0" err="1" smtClean="0"/>
+              <a:t>ebgp</a:t>
+            </a:r>
+            <a:r>
+              <a:rPr lang="zh-CN" altLang="en-US" dirty="0" smtClean="0"/>
+              <a:t>路由</a:t>
+            </a:r>
+            <a:endParaRPr lang="en-US" altLang="zh-CN" dirty="0" smtClean="0"/>
+          </a:p>
+          <a:p>
+            <a:pPr lvl="2"/>
+            <a:r>
+              <a:rPr lang="zh-CN" altLang="en-US" dirty="0" smtClean="0"/>
+              <a:t>经过</a:t>
+            </a:r>
+            <a:r>
+              <a:rPr lang="en-US" altLang="zh-CN" dirty="0" err="1" smtClean="0"/>
+              <a:t>ebgp</a:t>
+            </a:r>
+            <a:r>
+              <a:rPr lang="en-US" altLang="zh-CN" dirty="0" smtClean="0"/>
+              <a:t>  import policy</a:t>
+            </a:r>
+            <a:r>
+              <a:rPr lang="zh-CN" altLang="en-US" dirty="0" smtClean="0"/>
+              <a:t>，使用</a:t>
+            </a:r>
+            <a:r>
+              <a:rPr lang="en-US" altLang="zh-CN" dirty="0" err="1" smtClean="0"/>
+              <a:t>ibgp</a:t>
+            </a:r>
+            <a:r>
+              <a:rPr lang="zh-CN" altLang="en-US" dirty="0" smtClean="0"/>
+              <a:t>协议传输给集中平台</a:t>
+            </a:r>
+            <a:endParaRPr lang="en-US" altLang="zh-CN" dirty="0" smtClean="0"/>
+          </a:p>
+          <a:p>
+            <a:pPr lvl="1"/>
+            <a:r>
+              <a:rPr lang="zh-CN" altLang="en-US" dirty="0" smtClean="0"/>
+              <a:t>从集中平台收到</a:t>
+            </a:r>
+            <a:r>
+              <a:rPr lang="en-US" altLang="zh-CN" dirty="0" err="1" smtClean="0"/>
+              <a:t>ibgp</a:t>
+            </a:r>
+            <a:r>
+              <a:rPr lang="zh-CN" altLang="en-US" dirty="0" smtClean="0"/>
+              <a:t>路由</a:t>
+            </a:r>
+            <a:endParaRPr lang="en-US" altLang="zh-CN" dirty="0" smtClean="0"/>
+          </a:p>
+          <a:p>
+            <a:pPr lvl="2"/>
+            <a:r>
+              <a:rPr lang="zh-CN" altLang="en-US" dirty="0" smtClean="0"/>
+              <a:t>经过</a:t>
+            </a:r>
+            <a:r>
+              <a:rPr lang="en-US" altLang="zh-CN" dirty="0" err="1" smtClean="0"/>
+              <a:t>ebgp</a:t>
+            </a:r>
+            <a:r>
+              <a:rPr lang="en-US" altLang="zh-CN" dirty="0" smtClean="0"/>
+              <a:t> export policy</a:t>
+            </a:r>
+            <a:r>
+              <a:rPr lang="zh-CN" altLang="en-US" dirty="0" smtClean="0"/>
+              <a:t>，向外宣告</a:t>
+            </a:r>
+            <a:endParaRPr lang="en-US" altLang="zh-CN" dirty="0" smtClean="0"/>
+          </a:p>
+          <a:p>
+            <a:r>
+              <a:rPr lang="zh-CN" altLang="en-US" dirty="0"/>
+              <a:t>集中</a:t>
+            </a:r>
+            <a:r>
+              <a:rPr lang="zh-CN" altLang="en-US" dirty="0" smtClean="0"/>
+              <a:t>平台</a:t>
+            </a:r>
+            <a:endParaRPr lang="en-US" altLang="zh-CN" dirty="0" smtClean="0"/>
+          </a:p>
+          <a:p>
+            <a:pPr lvl="1"/>
+            <a:r>
+              <a:rPr lang="zh-CN" altLang="en-US" dirty="0"/>
+              <a:t>收到</a:t>
+            </a:r>
+            <a:r>
+              <a:rPr lang="zh-CN" altLang="en-US" dirty="0" smtClean="0"/>
+              <a:t>路由更新，经过每台边界路由器的</a:t>
+            </a:r>
+            <a:r>
+              <a:rPr lang="en-US" altLang="zh-CN" dirty="0" err="1" smtClean="0"/>
+              <a:t>ibgp</a:t>
+            </a:r>
+            <a:r>
+              <a:rPr lang="en-US" altLang="zh-CN" dirty="0" smtClean="0"/>
+              <a:t> policy</a:t>
+            </a:r>
+          </a:p>
+          <a:p>
+            <a:pPr lvl="1"/>
+            <a:r>
+              <a:rPr lang="zh-CN" altLang="en-US" dirty="0"/>
+              <a:t>每台</a:t>
+            </a:r>
+            <a:r>
+              <a:rPr lang="zh-CN" altLang="en-US" dirty="0" smtClean="0"/>
+              <a:t>边界路由器分布式计算最优路由</a:t>
+            </a:r>
+            <a:endParaRPr lang="en-US" altLang="zh-CN" dirty="0" smtClean="0"/>
+          </a:p>
+          <a:p>
+            <a:pPr lvl="1"/>
+            <a:r>
+              <a:rPr lang="zh-CN" altLang="en-US" dirty="0"/>
+              <a:t>集中平台</a:t>
+            </a:r>
+            <a:r>
+              <a:rPr lang="zh-CN" altLang="en-US" dirty="0" smtClean="0"/>
+              <a:t>通过</a:t>
+            </a:r>
+            <a:r>
+              <a:rPr lang="en-US" altLang="zh-CN" dirty="0" err="1" smtClean="0"/>
+              <a:t>ibgp</a:t>
+            </a:r>
+            <a:r>
+              <a:rPr lang="zh-CN" altLang="en-US" dirty="0" smtClean="0"/>
+              <a:t>协议传输给对应的边界路由器</a:t>
+            </a:r>
+            <a:endParaRPr lang="en-US" altLang="zh-CN" dirty="0" smtClean="0"/>
+          </a:p>
+          <a:p>
+            <a:pPr lvl="1"/>
+            <a:endParaRPr lang="zh-CN" altLang="en-US" dirty="0"/>
+          </a:p>
+        </p:txBody>
+      </p:sp>
+    </p:spTree>
+    <p:extLst>
+      <p:ext uri="{BB962C8B-B14F-4D97-AF65-F5344CB8AC3E}">
+        <p14:creationId xmlns:p14="http://schemas.microsoft.com/office/powerpoint/2010/main" val="1172553673"/>
+      </p:ext>
+    </p:extLst>
+  </p:cSld>
+  <p:clrMapOvr>
+    <a:masterClrMapping/>
+  </p:clrMapOvr>
+</p:sld>
+</file>
+
+<file path=ppt/slides/slide4.xml><?xml version="1.0" encoding="utf-8"?>
+<p:sld xmlns:a="http://schemas.openxmlformats.org/drawingml/2006/main" xmlns:r="http://schemas.openxmlformats.org/officeDocument/2006/relationships" xmlns:p="http://schemas.openxmlformats.org/presentationml/2006/main">
+  <p:cSld>
+    <p:spTree>
+      <p:nvGrpSpPr>
+        <p:cNvPr id="1" name=""/>
+        <p:cNvGrpSpPr/>
+        <p:nvPr/>
+      </p:nvGrpSpPr>
+      <p:grpSpPr>
+        <a:xfrm>
+          <a:off x="0" y="0"/>
+          <a:ext cx="0" cy="0"/>
+          <a:chOff x="0" y="0"/>
+          <a:chExt cx="0" cy="0"/>
+        </a:xfrm>
+      </p:grpSpPr>
+      <p:sp>
+        <p:nvSpPr>
+          <p:cNvPr id="2" name="标题 1"/>
+          <p:cNvSpPr>
+            <a:spLocks noGrp="1"/>
+          </p:cNvSpPr>
+          <p:nvPr>
+            <p:ph type="title"/>
+          </p:nvPr>
+        </p:nvSpPr>
+        <p:spPr/>
+        <p:txBody>
+          <a:bodyPr/>
+          <a:lstStyle/>
+          <a:p>
+            <a:r>
+              <a:rPr lang="zh-CN" altLang="en-US" dirty="0" smtClean="0"/>
+              <a:t>集中平台</a:t>
+            </a:r>
+            <a:endParaRPr lang="zh-CN" altLang="en-US" dirty="0"/>
+          </a:p>
+        </p:txBody>
+      </p:sp>
+      <p:sp>
+        <p:nvSpPr>
+          <p:cNvPr id="3" name="内容占位符 2"/>
+          <p:cNvSpPr>
+            <a:spLocks noGrp="1"/>
+          </p:cNvSpPr>
+          <p:nvPr>
+            <p:ph idx="1"/>
+          </p:nvPr>
+        </p:nvSpPr>
+        <p:spPr/>
+        <p:txBody>
+          <a:bodyPr/>
+          <a:lstStyle/>
+          <a:p>
+            <a:r>
+              <a:rPr lang="zh-CN" altLang="en-US" dirty="0" smtClean="0"/>
+              <a:t>路由存储：优化存储</a:t>
+            </a:r>
+            <a:endParaRPr lang="en-US" altLang="zh-CN" dirty="0" smtClean="0"/>
+          </a:p>
+          <a:p>
+            <a:r>
+              <a:rPr lang="zh-CN" altLang="en-US" dirty="0"/>
+              <a:t>路由</a:t>
+            </a:r>
+            <a:r>
+              <a:rPr lang="zh-CN" altLang="en-US" dirty="0" smtClean="0"/>
+              <a:t>计算：优化计算</a:t>
+            </a:r>
+            <a:endParaRPr lang="en-US" altLang="zh-CN" dirty="0" smtClean="0"/>
+          </a:p>
+          <a:p>
+            <a:r>
+              <a:rPr lang="zh-CN" altLang="en-US" dirty="0" smtClean="0"/>
+              <a:t>路由策略：与现有的相同</a:t>
+            </a:r>
+            <a:endParaRPr lang="en-US" altLang="zh-CN" dirty="0" smtClean="0"/>
+          </a:p>
+        </p:txBody>
+      </p:sp>
+    </p:spTree>
+    <p:extLst>
+      <p:ext uri="{BB962C8B-B14F-4D97-AF65-F5344CB8AC3E}">
+        <p14:creationId xmlns:p14="http://schemas.microsoft.com/office/powerpoint/2010/main" val="2033579172"/>
+      </p:ext>
+    </p:extLst>
+  </p:cSld>
+  <p:clrMapOvr>
+    <a:masterClrMapping/>
+  </p:clrMapOvr>
+</p:sld>
+</file>
+
+<file path=ppt/slides/slide5.xml><?xml version="1.0" encoding="utf-8"?>
+<p:sld xmlns:a="http://schemas.openxmlformats.org/drawingml/2006/main" xmlns:r="http://schemas.openxmlformats.org/officeDocument/2006/relationships" xmlns:p="http://schemas.openxmlformats.org/presentationml/2006/main">
+  <p:cSld>
+    <p:spTree>
+      <p:nvGrpSpPr>
+        <p:cNvPr id="1" name=""/>
+        <p:cNvGrpSpPr/>
+        <p:nvPr/>
+      </p:nvGrpSpPr>
+      <p:grpSpPr>
+        <a:xfrm>
+          <a:off x="0" y="0"/>
+          <a:ext cx="0" cy="0"/>
+          <a:chOff x="0" y="0"/>
+          <a:chExt cx="0" cy="0"/>
+        </a:xfrm>
+      </p:grpSpPr>
+      <p:sp>
+        <p:nvSpPr>
+          <p:cNvPr id="2" name="标题 1"/>
+          <p:cNvSpPr>
+            <a:spLocks noGrp="1"/>
+          </p:cNvSpPr>
+          <p:nvPr>
+            <p:ph type="title"/>
+          </p:nvPr>
+        </p:nvSpPr>
+        <p:spPr/>
+        <p:txBody>
+          <a:bodyPr/>
+          <a:lstStyle/>
+          <a:p>
+            <a:r>
+              <a:rPr lang="zh-CN" altLang="en-US" dirty="0" smtClean="0"/>
+              <a:t>路由存储</a:t>
+            </a:r>
+            <a:endParaRPr lang="zh-CN" altLang="en-US" dirty="0"/>
+          </a:p>
+        </p:txBody>
+      </p:sp>
+      <p:sp>
+        <p:nvSpPr>
+          <p:cNvPr id="3" name="内容占位符 2"/>
+          <p:cNvSpPr>
+            <a:spLocks noGrp="1"/>
+          </p:cNvSpPr>
+          <p:nvPr>
+            <p:ph idx="1"/>
+          </p:nvPr>
+        </p:nvSpPr>
+        <p:spPr>
+          <a:xfrm>
+            <a:off x="628649" y="1825625"/>
+            <a:ext cx="8393413" cy="4351338"/>
+          </a:xfrm>
+        </p:spPr>
+        <p:txBody>
+          <a:bodyPr/>
+          <a:lstStyle/>
+          <a:p>
+            <a:r>
               <a:rPr lang="en-US" altLang="zh-CN" dirty="0" smtClean="0"/>
               <a:t>RIB-IN</a:t>
             </a:r>
@@ -6802,7 +8323,7 @@
             <a:pPr lvl="2"/>
             <a:r>
               <a:rPr lang="zh-CN" altLang="en-US" dirty="0" smtClean="0"/>
-              <a:t>没找到，在</a:t>
+              <a:t>没找到，</a:t>
             </a:r>
             <a:r>
               <a:rPr lang="en-US" altLang="zh-CN" dirty="0" smtClean="0"/>
@@ -6818,11 +8339,11 @@
             </a:r>
             <a:r>
               <a:rPr lang="zh-CN" altLang="en-US" dirty="0" smtClean="0"/>
-              <a:t>的表项，执行</a:t>
-            </a:r>
-            <a:r>
-              <a:rPr lang="en-US" altLang="zh-CN" dirty="0" smtClean="0"/>
-              <a:t>【1】</a:t>
+              <a:t>的表项，更新</a:t>
+            </a:r>
+            <a:r>
+              <a:rPr lang="en-US" altLang="zh-CN" dirty="0" smtClean="0"/>
+              <a:t>router-rib-in-index</a:t>
             </a:r>
           </a:p>
           <a:p>
@@ -8072,7 +9593,7 @@
           <a:graphicData uri="http://schemas.openxmlformats.org/presentationml/2006/ole">
             <mc:AlternateContent xmlns:mc="http://schemas.openxmlformats.org/markup-compatibility/2006">
               <mc:Choice xmlns:v="urn:schemas-microsoft-com:vml" Requires="v">
-                <p:oleObj spid="_x0000_s1067" name="Visio" r:id="rId4" imgW="7829612" imgH="7058025" progId="Visio.Drawing.15">
+                <p:oleObj spid="_x0000_s1119" name="Visio" r:id="rId4" imgW="7829612" imgH="7058025" progId="Visio.Drawing.15">
                   <p:embed/>
                 </p:oleObj>
               </mc:Choice>
@@ -8246,7 +9767,7 @@
 </p:sld>
 </file>
 
-<file path=ppt/slides/slide4.xml><?xml version="1.0" encoding="utf-8"?>
+<file path=ppt/slides/slide6.xml><?xml version="1.0" encoding="utf-8"?>
 <p:sld xmlns:a="http://schemas.openxmlformats.org/drawingml/2006/main" xmlns:r="http://schemas.openxmlformats.org/officeDocument/2006/relationships" xmlns:p="http://schemas.openxmlformats.org/presentationml/2006/main">
   <p:cSld>
     <p:spTree>
@@ -8299,24 +9820,9 @@
         <p:spPr/>
         <p:txBody>
           <a:bodyPr>
-            <a:normAutofit fontScale="85000" lnSpcReduction="20000"/>
+            <a:normAutofit fontScale="92500" lnSpcReduction="20000"/>
           </a:bodyPr>
           <a:lstStyle/>
-          <a:p>
-            <a:r>
-              <a:rPr lang="zh-CN" altLang="en-US" dirty="0" smtClean="0"/>
-              <a:t>集中资源，分布式计算方法</a:t>
-            </a:r>
-            <a:endParaRPr lang="en-US" altLang="zh-CN" dirty="0" smtClean="0"/>
-          </a:p>
-          <a:p>
-            <a:pPr lvl="1"/>
-            <a:r>
-              <a:rPr lang="zh-CN" altLang="en-US" dirty="0" smtClean="0"/>
-              <a:t>路由经过每台边界路由器过滤后形态各异</a:t>
-            </a:r>
-            <a:endParaRPr lang="en-US" altLang="zh-CN" dirty="0" smtClean="0"/>
-          </a:p>
           <a:p>
             <a:r>
               <a:rPr lang="zh-CN" altLang="en-US" dirty="0" smtClean="0">
@@ -8324,17 +9830,13 @@
                   <a:srgbClr val="FF0000"/>
                 </a:solidFill>
               </a:rPr>
-              <a:t>两两比较属性</a:t>
-            </a:r>
-            <a:r>
-              <a:rPr lang="zh-CN" altLang="en-US" dirty="0" smtClean="0"/>
-              <a:t>的算法</a:t>
-            </a:r>
-            <a:r>
-              <a:rPr lang="zh-CN" altLang="en-US" dirty="0" smtClean="0"/>
-              <a:t>不够准确：</a:t>
-            </a:r>
-            <a:endParaRPr lang="en-US" altLang="zh-CN" dirty="0" smtClean="0"/>
+              <a:t>路由算法</a:t>
+            </a:r>
+            <a:endParaRPr lang="en-US" altLang="zh-CN" dirty="0" smtClean="0">
+              <a:solidFill>
+                <a:srgbClr val="FF0000"/>
+              </a:solidFill>
+            </a:endParaRPr>
           </a:p>
           <a:p>
             <a:pPr lvl="1"/>
@@ -8344,8 +9846,56 @@
                   <a:srgbClr val="FF0000"/>
                 </a:solidFill>
               </a:rPr>
-              <a:t>方法：</a:t>
-            </a:r>
+              <a:t>两两比较算法不够准确：</a:t>
+            </a:r>
+            <a:endParaRPr lang="en-US" altLang="zh-CN" dirty="0" smtClean="0">
+              <a:solidFill>
+                <a:srgbClr val="FF0000"/>
+              </a:solidFill>
+            </a:endParaRPr>
+          </a:p>
+          <a:p>
+            <a:pPr lvl="2"/>
+            <a:r>
+              <a:rPr lang="en-US" altLang="zh-CN" dirty="0" smtClean="0">
+                <a:solidFill>
+                  <a:srgbClr val="FF0000"/>
+                </a:solidFill>
+              </a:rPr>
+              <a:t>MED</a:t>
+            </a:r>
+            <a:r>
+              <a:rPr lang="zh-CN" altLang="en-US" dirty="0" smtClean="0">
+                <a:solidFill>
+                  <a:srgbClr val="FF0000"/>
+                </a:solidFill>
+              </a:rPr>
+              <a:t>全局不可比，可比时排除</a:t>
+            </a:r>
+            <a:r>
+              <a:rPr lang="en-US" altLang="zh-CN" dirty="0" smtClean="0">
+                <a:solidFill>
+                  <a:srgbClr val="FF0000"/>
+                </a:solidFill>
+              </a:rPr>
+              <a:t>MED</a:t>
+            </a:r>
+            <a:r>
+              <a:rPr lang="zh-CN" altLang="en-US" dirty="0" smtClean="0">
+                <a:solidFill>
+                  <a:srgbClr val="FF0000"/>
+                </a:solidFill>
+              </a:rPr>
+              <a:t>更大的</a:t>
+            </a:r>
+            <a:endParaRPr lang="en-US" altLang="zh-CN" dirty="0" smtClean="0">
+              <a:solidFill>
+                <a:srgbClr val="FF0000"/>
+              </a:solidFill>
+            </a:endParaRPr>
+          </a:p>
+          <a:p>
+            <a:pPr lvl="1"/>
             <a:r>
               <a:rPr lang="zh-CN" altLang="en-US" dirty="0" smtClean="0">
                 <a:solidFill>
@@ -8355,8 +9905,12 @@
               <a:t>集合比较法</a:t>
             </a:r>
             <a:r>
-              <a:rPr lang="zh-CN" altLang="en-US" dirty="0" smtClean="0"/>
-              <a:t>，集合每一步找最大集合最小集，缩小至</a:t>
+              <a:rPr lang="zh-CN" altLang="en-US" dirty="0"/>
+              <a:t>：</a:t>
+            </a:r>
+            <a:r>
+              <a:rPr lang="zh-CN" altLang="en-US" dirty="0" smtClean="0"/>
+              <a:t>集合每一步找最大集合最小集，缩小至</a:t>
             </a:r>
             <a:r>
               <a:rPr lang="en-US" altLang="zh-CN" dirty="0" smtClean="0"/>
@@ -8591,7 +10145,7 @@
     </p:spTree>
     <p:extLst>
       <p:ext uri="{BB962C8B-B14F-4D97-AF65-F5344CB8AC3E}">
-        <p14:creationId xmlns:p14="http://schemas.microsoft.com/office/powerpoint/2010/main" val="3282208717"/>
+        <p14:creationId xmlns:p14="http://schemas.microsoft.com/office/powerpoint/2010/main" val="3771362059"/>
       </p:ext>
     </p:extLst>
   </p:cSld>
@@ -8608,7 +10162,7 @@
 </p:sld>
 </file>
 
-<file path=ppt/slides/slide5.xml><?xml version="1.0" encoding="utf-8"?>
+<file path=ppt/slides/slide7.xml><?xml version="1.0" encoding="utf-8"?>
 <p:sld xmlns:a="http://schemas.openxmlformats.org/drawingml/2006/main" xmlns:r="http://schemas.openxmlformats.org/officeDocument/2006/relationships" xmlns:p="http://schemas.openxmlformats.org/presentationml/2006/main">
   <p:cSld>
     <p:spTree>
@@ -8677,15 +10231,7 @@
                   <a:srgbClr val="FF0000"/>
                 </a:solidFill>
               </a:rPr>
-              <a:t>新路由先</a:t>
-            </a:r>
-            <a:r>
-              <a:rPr lang="zh-CN" altLang="en-US" sz="2000" dirty="0" smtClean="0">
-                <a:solidFill>
-                  <a:srgbClr val="FF0000"/>
-                </a:solidFill>
-              </a:rPr>
-              <a:t>比较</a:t>
+              <a:t>新路由先比较</a:t>
             </a:r>
             <a:endParaRPr lang="zh-CN" altLang="en-US" sz="4000" dirty="0">
               <a:solidFill>
@@ -8954,7 +10500,7 @@
 </p:sld>
 </file>
 
-<file path=ppt/slides/slide6.xml><?xml version="1.0" encoding="utf-8"?>
+<file path=ppt/slides/slide8.xml><?xml version="1.0" encoding="utf-8"?>
 <p:sld xmlns:a="http://schemas.openxmlformats.org/drawingml/2006/main" xmlns:r="http://schemas.openxmlformats.org/officeDocument/2006/relationships" xmlns:p="http://schemas.openxmlformats.org/presentationml/2006/main">
   <p:cSld>
     <p:spTree>
@@ -8992,11 +10538,7 @@
             </a:r>
             <a:r>
               <a:rPr lang="zh-CN" altLang="en-US" sz="4000" dirty="0" smtClean="0"/>
-              <a:t>路由</a:t>
-            </a:r>
-            <a:r>
-              <a:rPr lang="zh-CN" altLang="en-US" sz="4000" dirty="0" smtClean="0"/>
-              <a:t>计算</a:t>
+              <a:t>路由计算</a:t>
             </a:r>
             <a:r>
               <a:rPr lang="en-US" altLang="zh-CN" sz="4000" dirty="0"/>
@@ -9252,7 +10794,7 @@
 </p:sld>
 </file>
 
-<file path=ppt/slides/slide7.xml><?xml version="1.0" encoding="utf-8"?>
+<file path=ppt/slides/slide9.xml><?xml version="1.0" encoding="utf-8"?>
 <p:sld xmlns:a="http://schemas.openxmlformats.org/drawingml/2006/main" xmlns:r="http://schemas.openxmlformats.org/officeDocument/2006/relationships" xmlns:p="http://schemas.openxmlformats.org/presentationml/2006/main">
   <p:cSld>
     <p:spTree>
@@ -9321,15 +10863,7 @@
                   <a:srgbClr val="FF0000"/>
                 </a:solidFill>
               </a:rPr>
-              <a:t>新路由先</a:t>
-            </a:r>
-            <a:r>
-              <a:rPr lang="zh-CN" altLang="en-US" sz="2000" dirty="0" smtClean="0">
-                <a:solidFill>
-                  <a:srgbClr val="FF0000"/>
-                </a:solidFill>
-              </a:rPr>
-              <a:t>比较</a:t>
+              <a:t>新路由先比较</a:t>
             </a:r>
             <a:endParaRPr lang="zh-CN" altLang="en-US" sz="4000" dirty="0">
               <a:solidFill>
@@ -9578,637 +11112,6 @@
     <p:extLst>
       <p:ext uri="{BB962C8B-B14F-4D97-AF65-F5344CB8AC3E}">
         <p14:creationId xmlns:p14="http://schemas.microsoft.com/office/powerpoint/2010/main" val="2946994443"/>
-      </p:ext>
-    </p:extLst>
-  </p:cSld>
-  <p:clrMapOvr>
-    <a:masterClrMapping/>
-  </p:clrMapOvr>
-  <p:timing>
-    <p:tnLst>
-      <p:par>
-        <p:cTn id="1" dur="indefinite" restart="never" nodeType="tmRoot"/>
-      </p:par>
-    </p:tnLst>
-  </p:timing>
-</p:sld>
-</file>
-
-<file path=ppt/slides/slide8.xml><?xml version="1.0" encoding="utf-8"?>
-<p:sld xmlns:a="http://schemas.openxmlformats.org/drawingml/2006/main" xmlns:r="http://schemas.openxmlformats.org/officeDocument/2006/relationships" xmlns:p="http://schemas.openxmlformats.org/presentationml/2006/main">
-  <p:cSld>
-    <p:spTree>
-      <p:nvGrpSpPr>
-        <p:cNvPr id="1" name=""/>
-        <p:cNvGrpSpPr/>
-        <p:nvPr/>
-      </p:nvGrpSpPr>
-      <p:grpSpPr>
-        <a:xfrm>
-          <a:off x="0" y="0"/>
-          <a:ext cx="0" cy="0"/>
-          <a:chOff x="0" y="0"/>
-          <a:chExt cx="0" cy="0"/>
-        </a:xfrm>
-      </p:grpSpPr>
-      <p:sp>
-        <p:nvSpPr>
-          <p:cNvPr id="2" name="标题 1"/>
-          <p:cNvSpPr>
-            <a:spLocks noGrp="1"/>
-          </p:cNvSpPr>
-          <p:nvPr>
-            <p:ph type="title"/>
-          </p:nvPr>
-        </p:nvSpPr>
-        <p:spPr/>
-        <p:txBody>
-          <a:bodyPr/>
-          <a:lstStyle/>
-          <a:p>
-            <a:r>
-              <a:rPr lang="zh-CN" altLang="en-US" sz="4000" dirty="0"/>
-              <a:t>新型</a:t>
-            </a:r>
-            <a:r>
-              <a:rPr lang="zh-CN" altLang="en-US" sz="4000" dirty="0" smtClean="0"/>
-              <a:t>路由计算</a:t>
-            </a:r>
-            <a:r>
-              <a:rPr lang="en-US" altLang="zh-CN" sz="4000" dirty="0"/>
-              <a:t>-</a:t>
-            </a:r>
-            <a:r>
-              <a:rPr lang="zh-CN" altLang="en-US" sz="4000" dirty="0" smtClean="0"/>
-              <a:t>案例</a:t>
-            </a:r>
-            <a:r>
-              <a:rPr lang="en-US" altLang="zh-CN" sz="4000" dirty="0" smtClean="0"/>
-              <a:t>2</a:t>
-            </a:r>
-            <a:r>
-              <a:rPr lang="zh-CN" altLang="en-US" sz="4000" dirty="0" smtClean="0"/>
-              <a:t>：</a:t>
-            </a:r>
-            <a:r>
-              <a:rPr lang="en-US" altLang="zh-CN" sz="4000" dirty="0" smtClean="0"/>
-              <a:t/>
-            </a:r>
-            <a:br>
-              <a:rPr lang="en-US" altLang="zh-CN" sz="4000" dirty="0" smtClean="0"/>
-            </a:br>
-            <a:r>
-              <a:rPr lang="zh-CN" altLang="en-US" sz="2000" dirty="0">
-                <a:solidFill>
-                  <a:srgbClr val="FF0000"/>
-                </a:solidFill>
-              </a:rPr>
-              <a:t>新路由先</a:t>
-            </a:r>
-            <a:r>
-              <a:rPr lang="zh-CN" altLang="en-US" sz="2000" dirty="0" smtClean="0">
-                <a:solidFill>
-                  <a:srgbClr val="FF0000"/>
-                </a:solidFill>
-              </a:rPr>
-              <a:t>比较</a:t>
-            </a:r>
-            <a:endParaRPr lang="zh-CN" altLang="en-US" sz="4000" dirty="0">
-              <a:solidFill>
-                <a:srgbClr val="FF0000"/>
-              </a:solidFill>
-            </a:endParaRPr>
-          </a:p>
-        </p:txBody>
-      </p:sp>
-      <p:sp>
-        <p:nvSpPr>
-          <p:cNvPr id="3" name="内容占位符 2"/>
-          <p:cNvSpPr>
-            <a:spLocks noGrp="1"/>
-          </p:cNvSpPr>
-          <p:nvPr>
-            <p:ph idx="1"/>
-          </p:nvPr>
-        </p:nvSpPr>
-        <p:spPr/>
-        <p:txBody>
-          <a:bodyPr/>
-          <a:lstStyle/>
-          <a:p>
-            <a:r>
-              <a:rPr lang="zh-CN" altLang="en-US" dirty="0" smtClean="0"/>
-              <a:t>路由到达顺序</a:t>
-            </a:r>
-            <a:r>
-              <a:rPr lang="en-US" altLang="zh-CN" dirty="0" smtClean="0"/>
-              <a:t>C1-2</a:t>
-            </a:r>
-            <a:r>
-              <a:rPr lang="zh-CN" altLang="en-US" dirty="0" smtClean="0"/>
-              <a:t>，</a:t>
-            </a:r>
-            <a:r>
-              <a:rPr lang="en-US" altLang="zh-CN" dirty="0" smtClean="0"/>
-              <a:t>C2</a:t>
-            </a:r>
-            <a:r>
-              <a:rPr lang="zh-CN" altLang="en-US" dirty="0" smtClean="0"/>
-              <a:t>，</a:t>
-            </a:r>
-            <a:r>
-              <a:rPr lang="en-US" altLang="zh-CN" dirty="0"/>
-              <a:t> C1-1</a:t>
-            </a:r>
-          </a:p>
-          <a:p>
-            <a:pPr lvl="1"/>
-            <a:r>
-              <a:rPr lang="en-US" altLang="zh-CN" dirty="0"/>
-              <a:t>C1-1</a:t>
-            </a:r>
-            <a:r>
-              <a:rPr lang="zh-CN" altLang="en-US" dirty="0"/>
-              <a:t>收到路由，传到集中平台，</a:t>
-            </a:r>
-            <a:r>
-              <a:rPr lang="en-US" altLang="zh-CN" dirty="0"/>
-              <a:t>3</a:t>
-            </a:r>
-            <a:r>
-              <a:rPr lang="zh-CN" altLang="en-US" dirty="0"/>
-              <a:t>条路由</a:t>
-            </a:r>
-            <a:endParaRPr lang="en-US" altLang="zh-CN" dirty="0"/>
-          </a:p>
-          <a:p>
-            <a:pPr lvl="2"/>
-            <a:r>
-              <a:rPr lang="en-US" altLang="zh-CN" dirty="0" smtClean="0"/>
-              <a:t>RR1</a:t>
-            </a:r>
-            <a:r>
-              <a:rPr lang="zh-CN" altLang="en-US" dirty="0" smtClean="0"/>
-              <a:t>选从</a:t>
-            </a:r>
-            <a:r>
-              <a:rPr lang="en-US" altLang="zh-CN" dirty="0" smtClean="0"/>
-              <a:t>C1-2</a:t>
-            </a:r>
-            <a:r>
-              <a:rPr lang="zh-CN" altLang="en-US" dirty="0" smtClean="0"/>
-              <a:t>来的路由</a:t>
-            </a:r>
-            <a:endParaRPr lang="en-US" altLang="zh-CN" dirty="0" smtClean="0"/>
-          </a:p>
-          <a:p>
-            <a:pPr lvl="2"/>
-            <a:r>
-              <a:rPr lang="en-US" altLang="zh-CN" dirty="0" smtClean="0"/>
-              <a:t>RR2</a:t>
-            </a:r>
-            <a:r>
-              <a:rPr lang="zh-CN" altLang="en-US" dirty="0" smtClean="0"/>
-              <a:t>选从</a:t>
-            </a:r>
-            <a:r>
-              <a:rPr lang="en-US" altLang="zh-CN" dirty="0" smtClean="0"/>
-              <a:t>C1-2</a:t>
-            </a:r>
-            <a:r>
-              <a:rPr lang="zh-CN" altLang="en-US" dirty="0" smtClean="0"/>
-              <a:t>来的路由</a:t>
-            </a:r>
-            <a:endParaRPr lang="en-US" altLang="zh-CN" dirty="0" smtClean="0"/>
-          </a:p>
-          <a:p>
-            <a:pPr lvl="2"/>
-            <a:r>
-              <a:rPr lang="en-US" altLang="zh-CN" dirty="0" smtClean="0"/>
-              <a:t>C1-1</a:t>
-            </a:r>
-            <a:r>
-              <a:rPr lang="zh-CN" altLang="en-US" dirty="0" smtClean="0"/>
-              <a:t>选从</a:t>
-            </a:r>
-            <a:r>
-              <a:rPr lang="en-US" altLang="zh-CN" dirty="0" smtClean="0"/>
-              <a:t>C1-1</a:t>
-            </a:r>
-            <a:r>
-              <a:rPr lang="zh-CN" altLang="en-US" dirty="0" smtClean="0"/>
-              <a:t>来的路由</a:t>
-            </a:r>
-            <a:endParaRPr lang="en-US" altLang="zh-CN" dirty="0" smtClean="0"/>
-          </a:p>
-          <a:p>
-            <a:pPr lvl="2"/>
-            <a:r>
-              <a:rPr lang="en-US" altLang="zh-CN" dirty="0" smtClean="0"/>
-              <a:t>C1-2</a:t>
-            </a:r>
-            <a:r>
-              <a:rPr lang="zh-CN" altLang="en-US" dirty="0" smtClean="0"/>
-              <a:t>选从</a:t>
-            </a:r>
-            <a:r>
-              <a:rPr lang="en-US" altLang="zh-CN" dirty="0" smtClean="0"/>
-              <a:t>C1-2</a:t>
-            </a:r>
-            <a:r>
-              <a:rPr lang="zh-CN" altLang="en-US" dirty="0" smtClean="0"/>
-              <a:t>来的路由</a:t>
-            </a:r>
-            <a:endParaRPr lang="en-US" altLang="zh-CN" dirty="0" smtClean="0"/>
-          </a:p>
-          <a:p>
-            <a:pPr lvl="2"/>
-            <a:r>
-              <a:rPr lang="en-US" altLang="zh-CN" dirty="0" smtClean="0"/>
-              <a:t>C2</a:t>
-            </a:r>
-            <a:r>
-              <a:rPr lang="zh-CN" altLang="en-US" dirty="0" smtClean="0"/>
-              <a:t>选择从</a:t>
-            </a:r>
-            <a:r>
-              <a:rPr lang="en-US" altLang="zh-CN" dirty="0" smtClean="0"/>
-              <a:t>C2</a:t>
-            </a:r>
-            <a:r>
-              <a:rPr lang="zh-CN" altLang="en-US" dirty="0" smtClean="0"/>
-              <a:t>来的路由</a:t>
-            </a:r>
-            <a:endParaRPr lang="en-US" altLang="zh-CN" dirty="0" smtClean="0"/>
-          </a:p>
-        </p:txBody>
-      </p:sp>
-      <p:pic>
-        <p:nvPicPr>
-          <p:cNvPr id="6" name="图片 5"/>
-          <p:cNvPicPr>
-            <a:picLocks noChangeAspect="1"/>
-          </p:cNvPicPr>
-          <p:nvPr/>
-        </p:nvPicPr>
-        <p:blipFill>
-          <a:blip r:embed="rId3"/>
-          <a:stretch>
-            <a:fillRect/>
-          </a:stretch>
-        </p:blipFill>
-        <p:spPr>
-          <a:xfrm>
-            <a:off x="6563596" y="2105025"/>
-            <a:ext cx="2349775" cy="2969985"/>
-          </a:xfrm>
-          <a:prstGeom prst="rect">
-            <a:avLst/>
-          </a:prstGeom>
-        </p:spPr>
-      </p:pic>
-    </p:spTree>
-    <p:extLst>
-      <p:ext uri="{BB962C8B-B14F-4D97-AF65-F5344CB8AC3E}">
-        <p14:creationId xmlns:p14="http://schemas.microsoft.com/office/powerpoint/2010/main" val="2491803891"/>
-      </p:ext>
-    </p:extLst>
-  </p:cSld>
-  <p:clrMapOvr>
-    <a:masterClrMapping/>
-  </p:clrMapOvr>
-  <p:timing>
-    <p:tnLst>
-      <p:par>
-        <p:cTn id="1" dur="indefinite" restart="never" nodeType="tmRoot"/>
-      </p:par>
-    </p:tnLst>
-  </p:timing>
-</p:sld>
-</file>
-
-<file path=ppt/slides/slide9.xml><?xml version="1.0" encoding="utf-8"?>
-<p:sld xmlns:a="http://schemas.openxmlformats.org/drawingml/2006/main" xmlns:r="http://schemas.openxmlformats.org/officeDocument/2006/relationships" xmlns:p="http://schemas.openxmlformats.org/presentationml/2006/main">
-  <p:cSld>
-    <p:spTree>
-      <p:nvGrpSpPr>
-        <p:cNvPr id="1" name=""/>
-        <p:cNvGrpSpPr/>
-        <p:nvPr/>
-      </p:nvGrpSpPr>
-      <p:grpSpPr>
-        <a:xfrm>
-          <a:off x="0" y="0"/>
-          <a:ext cx="0" cy="0"/>
-          <a:chOff x="0" y="0"/>
-          <a:chExt cx="0" cy="0"/>
-        </a:xfrm>
-      </p:grpSpPr>
-      <p:sp>
-        <p:nvSpPr>
-          <p:cNvPr id="2" name="标题 1"/>
-          <p:cNvSpPr>
-            <a:spLocks noGrp="1"/>
-          </p:cNvSpPr>
-          <p:nvPr>
-            <p:ph type="title"/>
-          </p:nvPr>
-        </p:nvSpPr>
-        <p:spPr/>
-        <p:txBody>
-          <a:bodyPr/>
-          <a:lstStyle/>
-          <a:p>
-            <a:r>
-              <a:rPr lang="zh-CN" altLang="en-US" sz="4000" dirty="0"/>
-              <a:t>新型</a:t>
-            </a:r>
-            <a:r>
-              <a:rPr lang="zh-CN" altLang="en-US" sz="4000" dirty="0" smtClean="0"/>
-              <a:t>路由计算</a:t>
-            </a:r>
-            <a:r>
-              <a:rPr lang="en-US" altLang="zh-CN" sz="4000" dirty="0"/>
-              <a:t>-</a:t>
-            </a:r>
-            <a:r>
-              <a:rPr lang="zh-CN" altLang="en-US" sz="4000" dirty="0" smtClean="0"/>
-              <a:t>案例</a:t>
-            </a:r>
-            <a:r>
-              <a:rPr lang="en-US" altLang="zh-CN" sz="4000" dirty="0"/>
-              <a:t>3</a:t>
-            </a:r>
-            <a:r>
-              <a:rPr lang="zh-CN" altLang="en-US" sz="4000" dirty="0" smtClean="0"/>
-              <a:t>：</a:t>
-            </a:r>
-            <a:r>
-              <a:rPr lang="en-US" altLang="zh-CN" sz="4000" dirty="0" smtClean="0"/>
-              <a:t/>
-            </a:r>
-            <a:br>
-              <a:rPr lang="en-US" altLang="zh-CN" sz="4000" dirty="0" smtClean="0"/>
-            </a:br>
-            <a:r>
-              <a:rPr lang="zh-CN" altLang="en-US" sz="2000" dirty="0" smtClean="0">
-                <a:solidFill>
-                  <a:srgbClr val="FF0000"/>
-                </a:solidFill>
-              </a:rPr>
-              <a:t>新路由先</a:t>
-            </a:r>
-            <a:r>
-              <a:rPr lang="zh-CN" altLang="en-US" sz="2000" dirty="0" smtClean="0">
-                <a:solidFill>
-                  <a:srgbClr val="FF0000"/>
-                </a:solidFill>
-              </a:rPr>
-              <a:t>比较</a:t>
-            </a:r>
-            <a:endParaRPr lang="zh-CN" altLang="en-US" sz="4000" dirty="0">
-              <a:solidFill>
-                <a:srgbClr val="FF0000"/>
-              </a:solidFill>
-            </a:endParaRPr>
-          </a:p>
-        </p:txBody>
-      </p:sp>
-      <p:sp>
-        <p:nvSpPr>
-          <p:cNvPr id="3" name="内容占位符 2"/>
-          <p:cNvSpPr>
-            <a:spLocks noGrp="1"/>
-          </p:cNvSpPr>
-          <p:nvPr>
-            <p:ph idx="1"/>
-          </p:nvPr>
-        </p:nvSpPr>
-        <p:spPr/>
-        <p:txBody>
-          <a:bodyPr/>
-          <a:lstStyle/>
-          <a:p>
-            <a:r>
-              <a:rPr lang="zh-CN" altLang="en-US" dirty="0" smtClean="0"/>
-              <a:t>路由到达顺序</a:t>
-            </a:r>
-            <a:r>
-              <a:rPr lang="en-US" altLang="zh-CN" dirty="0" smtClean="0"/>
-              <a:t>C2</a:t>
-            </a:r>
-            <a:r>
-              <a:rPr lang="zh-CN" altLang="en-US" dirty="0" smtClean="0"/>
-              <a:t>，</a:t>
-            </a:r>
-            <a:r>
-              <a:rPr lang="en-US" altLang="zh-CN" dirty="0" smtClean="0"/>
-              <a:t>C1-1</a:t>
-            </a:r>
-            <a:r>
-              <a:rPr lang="zh-CN" altLang="en-US" dirty="0" smtClean="0"/>
-              <a:t>（</a:t>
-            </a:r>
-            <a:r>
-              <a:rPr lang="en-US" altLang="zh-CN" dirty="0" smtClean="0"/>
-              <a:t> C1-2</a:t>
-            </a:r>
-            <a:r>
-              <a:rPr lang="zh-CN" altLang="en-US" dirty="0" smtClean="0"/>
-              <a:t>先撤销再宣告）</a:t>
-            </a:r>
-            <a:endParaRPr lang="en-US" altLang="zh-CN" dirty="0"/>
-          </a:p>
-          <a:p>
-            <a:pPr lvl="1"/>
-            <a:r>
-              <a:rPr lang="en-US" altLang="zh-CN" dirty="0" smtClean="0"/>
-              <a:t>C2</a:t>
-            </a:r>
-            <a:r>
-              <a:rPr lang="zh-CN" altLang="en-US" dirty="0" smtClean="0"/>
-              <a:t>，</a:t>
-            </a:r>
-            <a:r>
-              <a:rPr lang="en-US" altLang="zh-CN" dirty="0" smtClean="0"/>
-              <a:t>C1-1</a:t>
-            </a:r>
-            <a:r>
-              <a:rPr lang="zh-CN" altLang="en-US" dirty="0" smtClean="0"/>
-              <a:t>，</a:t>
-            </a:r>
-            <a:r>
-              <a:rPr lang="en-US" altLang="zh-CN" dirty="0" smtClean="0"/>
-              <a:t>2</a:t>
-            </a:r>
-            <a:r>
-              <a:rPr lang="zh-CN" altLang="en-US" dirty="0" smtClean="0"/>
-              <a:t>条路由</a:t>
-            </a:r>
-            <a:endParaRPr lang="en-US" altLang="zh-CN" dirty="0" smtClean="0"/>
-          </a:p>
-          <a:p>
-            <a:pPr lvl="2"/>
-            <a:r>
-              <a:rPr lang="en-US" altLang="zh-CN" dirty="0" smtClean="0"/>
-              <a:t>RR1</a:t>
-            </a:r>
-            <a:r>
-              <a:rPr lang="zh-CN" altLang="en-US" dirty="0" smtClean="0"/>
-              <a:t>选从</a:t>
-            </a:r>
-            <a:r>
-              <a:rPr lang="en-US" altLang="zh-CN" dirty="0" smtClean="0"/>
-              <a:t>C1-1</a:t>
-            </a:r>
-            <a:r>
-              <a:rPr lang="zh-CN" altLang="en-US" dirty="0" smtClean="0"/>
-              <a:t>来的路由</a:t>
-            </a:r>
-            <a:endParaRPr lang="en-US" altLang="zh-CN" dirty="0" smtClean="0"/>
-          </a:p>
-          <a:p>
-            <a:pPr lvl="2"/>
-            <a:r>
-              <a:rPr lang="en-US" altLang="zh-CN" dirty="0" smtClean="0"/>
-              <a:t>RR2</a:t>
-            </a:r>
-            <a:r>
-              <a:rPr lang="zh-CN" altLang="en-US" dirty="0" smtClean="0"/>
-              <a:t>选从</a:t>
-            </a:r>
-            <a:r>
-              <a:rPr lang="en-US" altLang="zh-CN" dirty="0" smtClean="0"/>
-              <a:t>C1-1</a:t>
-            </a:r>
-            <a:r>
-              <a:rPr lang="zh-CN" altLang="en-US" dirty="0" smtClean="0"/>
-              <a:t>来的路由</a:t>
-            </a:r>
-            <a:endParaRPr lang="en-US" altLang="zh-CN" dirty="0" smtClean="0"/>
-          </a:p>
-          <a:p>
-            <a:pPr lvl="2"/>
-            <a:r>
-              <a:rPr lang="en-US" altLang="zh-CN" dirty="0" smtClean="0"/>
-              <a:t>C1-1</a:t>
-            </a:r>
-            <a:r>
-              <a:rPr lang="zh-CN" altLang="en-US" dirty="0" smtClean="0"/>
-              <a:t>选从</a:t>
-            </a:r>
-            <a:r>
-              <a:rPr lang="en-US" altLang="zh-CN" dirty="0" smtClean="0"/>
-              <a:t>C1-1</a:t>
-            </a:r>
-            <a:r>
-              <a:rPr lang="zh-CN" altLang="en-US" dirty="0" smtClean="0"/>
-              <a:t>来的路由</a:t>
-            </a:r>
-            <a:endParaRPr lang="en-US" altLang="zh-CN" dirty="0" smtClean="0"/>
-          </a:p>
-          <a:p>
-            <a:pPr lvl="2"/>
-            <a:r>
-              <a:rPr lang="en-US" altLang="zh-CN" dirty="0" smtClean="0"/>
-              <a:t>C1-2</a:t>
-            </a:r>
-            <a:r>
-              <a:rPr lang="zh-CN" altLang="en-US" dirty="0" smtClean="0"/>
-              <a:t>选从</a:t>
-            </a:r>
-            <a:r>
-              <a:rPr lang="en-US" altLang="zh-CN" dirty="0" smtClean="0"/>
-              <a:t>C1-1</a:t>
-            </a:r>
-            <a:r>
-              <a:rPr lang="zh-CN" altLang="en-US" dirty="0" smtClean="0"/>
-              <a:t>来的路由</a:t>
-            </a:r>
-            <a:endParaRPr lang="en-US" altLang="zh-CN" dirty="0" smtClean="0"/>
-          </a:p>
-          <a:p>
-            <a:pPr lvl="2"/>
-            <a:r>
-              <a:rPr lang="en-US" altLang="zh-CN" dirty="0" smtClean="0"/>
-              <a:t>C2</a:t>
-            </a:r>
-            <a:r>
-              <a:rPr lang="zh-CN" altLang="en-US" dirty="0" smtClean="0"/>
-              <a:t>选择从</a:t>
-            </a:r>
-            <a:r>
-              <a:rPr lang="en-US" altLang="zh-CN" dirty="0" smtClean="0"/>
-              <a:t>C2</a:t>
-            </a:r>
-            <a:r>
-              <a:rPr lang="zh-CN" altLang="en-US" dirty="0" smtClean="0"/>
-              <a:t>来的路由</a:t>
-            </a:r>
-            <a:endParaRPr lang="en-US" altLang="zh-CN" dirty="0" smtClean="0"/>
-          </a:p>
-          <a:p>
-            <a:pPr lvl="1"/>
-            <a:r>
-              <a:rPr lang="en-US" altLang="zh-CN" dirty="0" smtClean="0"/>
-              <a:t>C1-2</a:t>
-            </a:r>
-            <a:r>
-              <a:rPr lang="zh-CN" altLang="en-US" dirty="0" smtClean="0"/>
-              <a:t>收到</a:t>
-            </a:r>
-            <a:r>
-              <a:rPr lang="zh-CN" altLang="en-US" dirty="0"/>
-              <a:t>路由，</a:t>
-            </a:r>
-            <a:r>
-              <a:rPr lang="zh-CN" altLang="en-US" dirty="0" smtClean="0"/>
-              <a:t>传到集中平台，</a:t>
-            </a:r>
-            <a:r>
-              <a:rPr lang="en-US" altLang="zh-CN" dirty="0" smtClean="0"/>
-              <a:t>3</a:t>
-            </a:r>
-            <a:r>
-              <a:rPr lang="zh-CN" altLang="en-US" dirty="0"/>
-              <a:t>条</a:t>
-            </a:r>
-            <a:r>
-              <a:rPr lang="zh-CN" altLang="en-US" dirty="0" smtClean="0"/>
-              <a:t>路由</a:t>
-            </a:r>
-            <a:endParaRPr lang="en-US" altLang="zh-CN" dirty="0"/>
-          </a:p>
-        </p:txBody>
-      </p:sp>
-      <p:pic>
-        <p:nvPicPr>
-          <p:cNvPr id="5" name="图片 4"/>
-          <p:cNvPicPr>
-            <a:picLocks noChangeAspect="1"/>
-          </p:cNvPicPr>
-          <p:nvPr/>
-        </p:nvPicPr>
-        <p:blipFill>
-          <a:blip r:embed="rId3"/>
-          <a:stretch>
-            <a:fillRect/>
-          </a:stretch>
-        </p:blipFill>
-        <p:spPr>
-          <a:xfrm>
-            <a:off x="6563596" y="2105025"/>
-            <a:ext cx="2349775" cy="2969985"/>
-          </a:xfrm>
-          <a:prstGeom prst="rect">
-            <a:avLst/>
-          </a:prstGeom>
-        </p:spPr>
-      </p:pic>
-    </p:spTree>
-    <p:extLst>
-      <p:ext uri="{BB962C8B-B14F-4D97-AF65-F5344CB8AC3E}">
-        <p14:creationId xmlns:p14="http://schemas.microsoft.com/office/powerpoint/2010/main" val="2115990832"/>
       </p:ext>
     </p:extLst>
   </p:cSld>
